--- a/Mon Ky thuat lap trinh.pptx
+++ b/Mon Ky thuat lap trinh.pptx
@@ -6,30 +6,33 @@
   </p:sldMasterIdLst>
   <p:sldIdLst>
     <p:sldId id="256" r:id="rId2"/>
-    <p:sldId id="257" r:id="rId3"/>
-    <p:sldId id="258" r:id="rId4"/>
-    <p:sldId id="259" r:id="rId5"/>
-    <p:sldId id="260" r:id="rId6"/>
-    <p:sldId id="261" r:id="rId7"/>
-    <p:sldId id="262" r:id="rId8"/>
-    <p:sldId id="263" r:id="rId9"/>
-    <p:sldId id="264" r:id="rId10"/>
-    <p:sldId id="265" r:id="rId11"/>
-    <p:sldId id="280" r:id="rId12"/>
-    <p:sldId id="267" r:id="rId13"/>
-    <p:sldId id="266" r:id="rId14"/>
-    <p:sldId id="268" r:id="rId15"/>
-    <p:sldId id="269" r:id="rId16"/>
-    <p:sldId id="270" r:id="rId17"/>
-    <p:sldId id="271" r:id="rId18"/>
-    <p:sldId id="272" r:id="rId19"/>
-    <p:sldId id="273" r:id="rId20"/>
-    <p:sldId id="274" r:id="rId21"/>
-    <p:sldId id="277" r:id="rId22"/>
-    <p:sldId id="278" r:id="rId23"/>
-    <p:sldId id="279" r:id="rId24"/>
-    <p:sldId id="275" r:id="rId25"/>
-    <p:sldId id="276" r:id="rId26"/>
+    <p:sldId id="281" r:id="rId3"/>
+    <p:sldId id="282" r:id="rId4"/>
+    <p:sldId id="257" r:id="rId5"/>
+    <p:sldId id="283" r:id="rId6"/>
+    <p:sldId id="258" r:id="rId7"/>
+    <p:sldId id="259" r:id="rId8"/>
+    <p:sldId id="260" r:id="rId9"/>
+    <p:sldId id="261" r:id="rId10"/>
+    <p:sldId id="262" r:id="rId11"/>
+    <p:sldId id="263" r:id="rId12"/>
+    <p:sldId id="264" r:id="rId13"/>
+    <p:sldId id="265" r:id="rId14"/>
+    <p:sldId id="280" r:id="rId15"/>
+    <p:sldId id="267" r:id="rId16"/>
+    <p:sldId id="266" r:id="rId17"/>
+    <p:sldId id="268" r:id="rId18"/>
+    <p:sldId id="269" r:id="rId19"/>
+    <p:sldId id="270" r:id="rId20"/>
+    <p:sldId id="271" r:id="rId21"/>
+    <p:sldId id="272" r:id="rId22"/>
+    <p:sldId id="273" r:id="rId23"/>
+    <p:sldId id="274" r:id="rId24"/>
+    <p:sldId id="277" r:id="rId25"/>
+    <p:sldId id="278" r:id="rId26"/>
+    <p:sldId id="279" r:id="rId27"/>
+    <p:sldId id="275" r:id="rId28"/>
+    <p:sldId id="276" r:id="rId29"/>
   </p:sldIdLst>
   <p:sldSz cx="9144000" cy="6858000" type="screen4x3"/>
   <p:notesSz cx="6858000" cy="9144000"/>
@@ -312,7 +315,7 @@
           <a:p>
             <a:fld id="{A895BB1D-C924-4ED1-8F56-EBA6C031C0D8}" type="datetimeFigureOut">
               <a:rPr lang="en-US" smtClean="0"/>
-              <a:t>12/27/2015</a:t>
+              <a:t>12/28/2015</a:t>
             </a:fld>
             <a:endParaRPr lang="en-US"/>
           </a:p>
@@ -482,7 +485,7 @@
           <a:p>
             <a:fld id="{A895BB1D-C924-4ED1-8F56-EBA6C031C0D8}" type="datetimeFigureOut">
               <a:rPr lang="en-US" smtClean="0"/>
-              <a:t>12/27/2015</a:t>
+              <a:t>12/28/2015</a:t>
             </a:fld>
             <a:endParaRPr lang="en-US"/>
           </a:p>
@@ -662,7 +665,7 @@
           <a:p>
             <a:fld id="{A895BB1D-C924-4ED1-8F56-EBA6C031C0D8}" type="datetimeFigureOut">
               <a:rPr lang="en-US" smtClean="0"/>
-              <a:t>12/27/2015</a:t>
+              <a:t>12/28/2015</a:t>
             </a:fld>
             <a:endParaRPr lang="en-US"/>
           </a:p>
@@ -832,7 +835,7 @@
           <a:p>
             <a:fld id="{A895BB1D-C924-4ED1-8F56-EBA6C031C0D8}" type="datetimeFigureOut">
               <a:rPr lang="en-US" smtClean="0"/>
-              <a:t>12/27/2015</a:t>
+              <a:t>12/28/2015</a:t>
             </a:fld>
             <a:endParaRPr lang="en-US"/>
           </a:p>
@@ -1078,7 +1081,7 @@
           <a:p>
             <a:fld id="{A895BB1D-C924-4ED1-8F56-EBA6C031C0D8}" type="datetimeFigureOut">
               <a:rPr lang="en-US" smtClean="0"/>
-              <a:t>12/27/2015</a:t>
+              <a:t>12/28/2015</a:t>
             </a:fld>
             <a:endParaRPr lang="en-US"/>
           </a:p>
@@ -1366,7 +1369,7 @@
           <a:p>
             <a:fld id="{A895BB1D-C924-4ED1-8F56-EBA6C031C0D8}" type="datetimeFigureOut">
               <a:rPr lang="en-US" smtClean="0"/>
-              <a:t>12/27/2015</a:t>
+              <a:t>12/28/2015</a:t>
             </a:fld>
             <a:endParaRPr lang="en-US"/>
           </a:p>
@@ -1788,7 +1791,7 @@
           <a:p>
             <a:fld id="{A895BB1D-C924-4ED1-8F56-EBA6C031C0D8}" type="datetimeFigureOut">
               <a:rPr lang="en-US" smtClean="0"/>
-              <a:t>12/27/2015</a:t>
+              <a:t>12/28/2015</a:t>
             </a:fld>
             <a:endParaRPr lang="en-US"/>
           </a:p>
@@ -1906,7 +1909,7 @@
           <a:p>
             <a:fld id="{A895BB1D-C924-4ED1-8F56-EBA6C031C0D8}" type="datetimeFigureOut">
               <a:rPr lang="en-US" smtClean="0"/>
-              <a:t>12/27/2015</a:t>
+              <a:t>12/28/2015</a:t>
             </a:fld>
             <a:endParaRPr lang="en-US"/>
           </a:p>
@@ -2001,7 +2004,7 @@
           <a:p>
             <a:fld id="{A895BB1D-C924-4ED1-8F56-EBA6C031C0D8}" type="datetimeFigureOut">
               <a:rPr lang="en-US" smtClean="0"/>
-              <a:t>12/27/2015</a:t>
+              <a:t>12/28/2015</a:t>
             </a:fld>
             <a:endParaRPr lang="en-US"/>
           </a:p>
@@ -2278,7 +2281,7 @@
           <a:p>
             <a:fld id="{A895BB1D-C924-4ED1-8F56-EBA6C031C0D8}" type="datetimeFigureOut">
               <a:rPr lang="en-US" smtClean="0"/>
-              <a:t>12/27/2015</a:t>
+              <a:t>12/28/2015</a:t>
             </a:fld>
             <a:endParaRPr lang="en-US"/>
           </a:p>
@@ -2531,7 +2534,7 @@
           <a:p>
             <a:fld id="{A895BB1D-C924-4ED1-8F56-EBA6C031C0D8}" type="datetimeFigureOut">
               <a:rPr lang="en-US" smtClean="0"/>
-              <a:t>12/27/2015</a:t>
+              <a:t>12/28/2015</a:t>
             </a:fld>
             <a:endParaRPr lang="en-US"/>
           </a:p>
@@ -2744,7 +2747,7 @@
           <a:p>
             <a:fld id="{A895BB1D-C924-4ED1-8F56-EBA6C031C0D8}" type="datetimeFigureOut">
               <a:rPr lang="en-US" smtClean="0"/>
-              <a:t>12/27/2015</a:t>
+              <a:t>12/28/2015</a:t>
             </a:fld>
             <a:endParaRPr lang="en-US"/>
           </a:p>
@@ -3276,19 +3279,19 @@
           <a:p>
             <a:r>
               <a:rPr lang="en-US" dirty="0" smtClean="0"/>
-              <a:t>Home activity </a:t>
-            </a:r>
-            <a:r>
-              <a:rPr lang="en-US" dirty="0" err="1" smtClean="0"/>
-              <a:t>chức</a:t>
-            </a:r>
-            <a:r>
-              <a:rPr lang="en-US" dirty="0" smtClean="0"/>
-              <a:t> </a:t>
-            </a:r>
-            <a:r>
-              <a:rPr lang="en-US" dirty="0" err="1" smtClean="0"/>
-              <a:t>năng</a:t>
+              <a:t>Login activity </a:t>
+            </a:r>
+            <a:r>
+              <a:rPr lang="en-US" dirty="0" err="1" smtClean="0"/>
+              <a:t>thiết</a:t>
+            </a:r>
+            <a:r>
+              <a:rPr lang="en-US" dirty="0" smtClean="0"/>
+              <a:t> </a:t>
+            </a:r>
+            <a:r>
+              <a:rPr lang="en-US" dirty="0" err="1" smtClean="0"/>
+              <a:t>kế</a:t>
             </a:r>
             <a:endParaRPr lang="en-US" dirty="0"/>
           </a:p>
@@ -3311,128 +3314,60 @@
           </a:bodyPr>
           <a:lstStyle/>
           <a:p>
-            <a:pPr marL="457200" indent="-457200" algn="l">
+            <a:pPr marL="457200" indent="-457200">
               <a:buFontTx/>
               <a:buChar char="-"/>
             </a:pPr>
             <a:r>
               <a:rPr lang="en-US" dirty="0" smtClean="0"/>
-              <a:t> </a:t>
-            </a:r>
-            <a:r>
-              <a:rPr lang="en-US" dirty="0" err="1" smtClean="0"/>
-              <a:t>Hiện</a:t>
-            </a:r>
-            <a:r>
-              <a:rPr lang="en-US" dirty="0" smtClean="0"/>
-              <a:t> </a:t>
-            </a:r>
-            <a:r>
-              <a:rPr lang="en-US" dirty="0" err="1" smtClean="0"/>
-              <a:t>danh</a:t>
-            </a:r>
-            <a:r>
-              <a:rPr lang="en-US" dirty="0" smtClean="0"/>
-              <a:t> </a:t>
-            </a:r>
-            <a:r>
-              <a:rPr lang="en-US" dirty="0" err="1" smtClean="0"/>
-              <a:t>sách</a:t>
-            </a:r>
-            <a:r>
-              <a:rPr lang="en-US" dirty="0" smtClean="0"/>
-              <a:t> </a:t>
-            </a:r>
-            <a:r>
-              <a:rPr lang="en-US" dirty="0" err="1" smtClean="0"/>
-              <a:t>ghi</a:t>
-            </a:r>
-            <a:r>
-              <a:rPr lang="en-US" dirty="0" smtClean="0"/>
-              <a:t> </a:t>
-            </a:r>
-            <a:r>
-              <a:rPr lang="en-US" dirty="0" err="1" smtClean="0"/>
-              <a:t>chú</a:t>
-            </a:r>
-            <a:endParaRPr lang="en-US" dirty="0" smtClean="0"/>
-          </a:p>
-          <a:p>
-            <a:pPr marL="457200" indent="-457200" algn="l">
+              <a:t>Activity_login.xml</a:t>
+            </a:r>
+          </a:p>
+          <a:p>
+            <a:pPr marL="457200" indent="-457200">
               <a:buFontTx/>
               <a:buChar char="-"/>
             </a:pPr>
             <a:r>
-              <a:rPr lang="en-US" dirty="0" err="1" smtClean="0"/>
-              <a:t>Tìm</a:t>
-            </a:r>
-            <a:r>
-              <a:rPr lang="en-US" dirty="0" smtClean="0"/>
-              <a:t> </a:t>
-            </a:r>
-            <a:r>
-              <a:rPr lang="en-US" dirty="0" err="1" smtClean="0"/>
-              <a:t>kiếm</a:t>
-            </a:r>
-            <a:r>
-              <a:rPr lang="en-US" dirty="0" smtClean="0"/>
-              <a:t> </a:t>
-            </a:r>
-            <a:r>
-              <a:rPr lang="en-US" dirty="0" err="1" smtClean="0"/>
-              <a:t>ghi</a:t>
-            </a:r>
-            <a:r>
-              <a:rPr lang="en-US" dirty="0" smtClean="0"/>
-              <a:t> </a:t>
-            </a:r>
-            <a:r>
-              <a:rPr lang="en-US" dirty="0" err="1" smtClean="0"/>
-              <a:t>chú</a:t>
+              <a:rPr lang="en-US" dirty="0" smtClean="0"/>
+              <a:t> </a:t>
+            </a:r>
+            <a:r>
+              <a:rPr lang="en-US" dirty="0" err="1" smtClean="0"/>
+              <a:t>Giao</a:t>
+            </a:r>
+            <a:r>
+              <a:rPr lang="en-US" dirty="0" smtClean="0"/>
+              <a:t> </a:t>
+            </a:r>
+            <a:r>
+              <a:rPr lang="en-US" dirty="0" err="1" smtClean="0"/>
+              <a:t>diện</a:t>
+            </a:r>
+            <a:r>
+              <a:rPr lang="en-US" dirty="0" smtClean="0"/>
+              <a:t> chia 3 </a:t>
+            </a:r>
+            <a:r>
+              <a:rPr lang="en-US" dirty="0" err="1" smtClean="0"/>
+              <a:t>phần</a:t>
+            </a:r>
+            <a:r>
+              <a:rPr lang="en-US" dirty="0" smtClean="0"/>
+              <a:t> </a:t>
+            </a:r>
+            <a:r>
+              <a:rPr lang="en-US" dirty="0" err="1" smtClean="0"/>
+              <a:t>chính</a:t>
             </a:r>
             <a:endParaRPr lang="en-US" dirty="0" smtClean="0"/>
-          </a:p>
-          <a:p>
-            <a:pPr marL="457200" indent="-457200" algn="l">
-              <a:buFontTx/>
-              <a:buChar char="-"/>
-            </a:pPr>
-            <a:r>
-              <a:rPr lang="en-US" dirty="0" err="1" smtClean="0"/>
-              <a:t>Các</a:t>
-            </a:r>
-            <a:r>
-              <a:rPr lang="en-US" dirty="0" smtClean="0"/>
-              <a:t> </a:t>
-            </a:r>
-            <a:r>
-              <a:rPr lang="en-US" dirty="0" err="1" smtClean="0"/>
-              <a:t>nút</a:t>
-            </a:r>
-            <a:r>
-              <a:rPr lang="en-US" dirty="0" smtClean="0"/>
-              <a:t> </a:t>
-            </a:r>
-            <a:r>
-              <a:rPr lang="en-US" dirty="0" err="1" smtClean="0"/>
-              <a:t>chức</a:t>
-            </a:r>
-            <a:r>
-              <a:rPr lang="en-US" dirty="0" smtClean="0"/>
-              <a:t> </a:t>
-            </a:r>
-            <a:r>
-              <a:rPr lang="en-US" dirty="0" err="1" smtClean="0"/>
-              <a:t>năng</a:t>
-            </a:r>
-            <a:endParaRPr lang="en-US" dirty="0"/>
           </a:p>
         </p:txBody>
       </p:sp>
     </p:spTree>
     <p:extLst>
       <p:ext uri="{BB962C8B-B14F-4D97-AF65-F5344CB8AC3E}">
-        <p14:creationId xmlns:p14="http://schemas.microsoft.com/office/powerpoint/2010/main" val="675181457"/>
+        <p14:creationId xmlns:p14="http://schemas.microsoft.com/office/powerpoint/2010/main" val="3383910572"/>
       </p:ext>
     </p:extLst>
   </p:cSld>
@@ -3476,7 +3411,19 @@
           <a:p>
             <a:r>
               <a:rPr lang="en-US" dirty="0" smtClean="0"/>
-              <a:t>Home activity</a:t>
+              <a:t>Login activity </a:t>
+            </a:r>
+            <a:r>
+              <a:rPr lang="en-US" dirty="0" err="1" smtClean="0"/>
+              <a:t>thiết</a:t>
+            </a:r>
+            <a:r>
+              <a:rPr lang="en-US" dirty="0" smtClean="0"/>
+              <a:t> </a:t>
+            </a:r>
+            <a:r>
+              <a:rPr lang="en-US" dirty="0" err="1" smtClean="0"/>
+              <a:t>kế</a:t>
             </a:r>
             <a:endParaRPr lang="en-US" dirty="0"/>
           </a:p>
@@ -3504,46 +3451,29 @@
               <a:buChar char="-"/>
             </a:pPr>
             <a:r>
-              <a:rPr lang="en-US" dirty="0" smtClean="0"/>
-              <a:t> </a:t>
-            </a:r>
-            <a:r>
-              <a:rPr lang="en-US" dirty="0" err="1" smtClean="0"/>
-              <a:t>Giao</a:t>
-            </a:r>
-            <a:r>
-              <a:rPr lang="en-US" dirty="0" smtClean="0"/>
-              <a:t> </a:t>
-            </a:r>
-            <a:r>
-              <a:rPr lang="en-US" dirty="0" err="1" smtClean="0"/>
-              <a:t>diện</a:t>
-            </a:r>
-            <a:r>
-              <a:rPr lang="en-US" dirty="0" smtClean="0"/>
-              <a:t> </a:t>
-            </a:r>
-            <a:r>
-              <a:rPr lang="en-US" dirty="0" err="1" smtClean="0"/>
-              <a:t>ứng</a:t>
-            </a:r>
-            <a:r>
-              <a:rPr lang="en-US" dirty="0" smtClean="0"/>
-              <a:t> </a:t>
-            </a:r>
-            <a:r>
-              <a:rPr lang="en-US" dirty="0" err="1" smtClean="0"/>
-              <a:t>dụng</a:t>
-            </a:r>
-            <a:r>
-              <a:rPr lang="en-US" dirty="0" smtClean="0"/>
-              <a:t> </a:t>
-            </a:r>
-            <a:r>
-              <a:rPr lang="en-US" dirty="0" err="1" smtClean="0"/>
-              <a:t>chính</a:t>
-            </a:r>
-            <a:endParaRPr lang="en-US" dirty="0" smtClean="0"/>
+              <a:rPr lang="en-US" dirty="0" err="1" smtClean="0"/>
+              <a:t>Phần</a:t>
+            </a:r>
+            <a:r>
+              <a:rPr lang="en-US" dirty="0" smtClean="0"/>
+              <a:t> </a:t>
+            </a:r>
+            <a:r>
+              <a:rPr lang="en-US" dirty="0" err="1" smtClean="0"/>
+              <a:t>hiện</a:t>
+            </a:r>
+            <a:r>
+              <a:rPr lang="en-US" dirty="0" smtClean="0"/>
+              <a:t> </a:t>
+            </a:r>
+            <a:r>
+              <a:rPr lang="en-US" dirty="0" err="1" smtClean="0"/>
+              <a:t>ảnh</a:t>
+            </a:r>
+            <a:r>
+              <a:rPr lang="en-US" dirty="0" smtClean="0"/>
+              <a:t> quay (process bar)</a:t>
+            </a:r>
           </a:p>
           <a:p>
             <a:pPr marL="457200" indent="-457200" algn="l">
@@ -3552,31 +3482,78 @@
             </a:pPr>
             <a:r>
               <a:rPr lang="en-US" dirty="0" err="1" smtClean="0"/>
-              <a:t>Danh</a:t>
-            </a:r>
-            <a:r>
-              <a:rPr lang="en-US" dirty="0" smtClean="0"/>
-              <a:t> </a:t>
-            </a:r>
-            <a:r>
-              <a:rPr lang="en-US" dirty="0" err="1" smtClean="0"/>
-              <a:t>sách</a:t>
-            </a:r>
-            <a:r>
-              <a:rPr lang="en-US" dirty="0" smtClean="0"/>
-              <a:t> </a:t>
-            </a:r>
-            <a:r>
-              <a:rPr lang="en-US" dirty="0" err="1" smtClean="0"/>
-              <a:t>ghi</a:t>
-            </a:r>
-            <a:r>
-              <a:rPr lang="en-US" dirty="0" smtClean="0"/>
-              <a:t> </a:t>
-            </a:r>
-            <a:r>
-              <a:rPr lang="en-US" dirty="0" err="1" smtClean="0"/>
-              <a:t>chú</a:t>
+              <a:t>Phần</a:t>
+            </a:r>
+            <a:r>
+              <a:rPr lang="en-US" dirty="0" smtClean="0"/>
+              <a:t> </a:t>
+            </a:r>
+            <a:r>
+              <a:rPr lang="en-US" dirty="0" err="1" smtClean="0"/>
+              <a:t>giao</a:t>
+            </a:r>
+            <a:r>
+              <a:rPr lang="en-US" dirty="0" smtClean="0"/>
+              <a:t> </a:t>
+            </a:r>
+            <a:r>
+              <a:rPr lang="en-US" dirty="0" err="1" smtClean="0"/>
+              <a:t>diện</a:t>
+            </a:r>
+            <a:r>
+              <a:rPr lang="en-US" dirty="0" smtClean="0"/>
+              <a:t> </a:t>
+            </a:r>
+            <a:r>
+              <a:rPr lang="en-US" dirty="0" err="1" smtClean="0"/>
+              <a:t>tạo</a:t>
+            </a:r>
+            <a:r>
+              <a:rPr lang="en-US" dirty="0" smtClean="0"/>
+              <a:t> </a:t>
+            </a:r>
+            <a:r>
+              <a:rPr lang="en-US" dirty="0" err="1" smtClean="0"/>
+              <a:t>mật</a:t>
+            </a:r>
+            <a:r>
+              <a:rPr lang="en-US" dirty="0" smtClean="0"/>
+              <a:t> </a:t>
+            </a:r>
+            <a:r>
+              <a:rPr lang="en-US" dirty="0" err="1" smtClean="0"/>
+              <a:t>khẩu</a:t>
+            </a:r>
+            <a:endParaRPr lang="en-US" dirty="0" smtClean="0"/>
+          </a:p>
+          <a:p>
+            <a:pPr marL="457200" indent="-457200" algn="l">
+              <a:buFontTx/>
+              <a:buChar char="-"/>
+            </a:pPr>
+            <a:r>
+              <a:rPr lang="en-US" dirty="0" err="1" smtClean="0"/>
+              <a:t>Phần</a:t>
+            </a:r>
+            <a:r>
+              <a:rPr lang="en-US" dirty="0" smtClean="0"/>
+              <a:t> </a:t>
+            </a:r>
+            <a:r>
+              <a:rPr lang="en-US" dirty="0" err="1" smtClean="0"/>
+              <a:t>giao</a:t>
+            </a:r>
+            <a:r>
+              <a:rPr lang="en-US" dirty="0" smtClean="0"/>
+              <a:t> </a:t>
+            </a:r>
+            <a:r>
+              <a:rPr lang="en-US" dirty="0" err="1" smtClean="0"/>
+              <a:t>diện</a:t>
+            </a:r>
+            <a:r>
+              <a:rPr lang="en-US" dirty="0" smtClean="0"/>
+              <a:t> login</a:t>
             </a:r>
             <a:endParaRPr lang="en-US" dirty="0"/>
           </a:p>
@@ -3585,7 +3562,7 @@
     </p:spTree>
     <p:extLst>
       <p:ext uri="{BB962C8B-B14F-4D97-AF65-F5344CB8AC3E}">
-        <p14:creationId xmlns:p14="http://schemas.microsoft.com/office/powerpoint/2010/main" val="2977576359"/>
+        <p14:creationId xmlns:p14="http://schemas.microsoft.com/office/powerpoint/2010/main" val="3746614264"/>
       </p:ext>
     </p:extLst>
   </p:cSld>
@@ -3629,19 +3606,23 @@
           <a:p>
             <a:r>
               <a:rPr lang="en-US" dirty="0" smtClean="0"/>
-              <a:t>Home activity </a:t>
-            </a:r>
-            <a:r>
-              <a:rPr lang="en-US" dirty="0" err="1" smtClean="0"/>
-              <a:t>thiết</a:t>
-            </a:r>
-            <a:r>
-              <a:rPr lang="en-US" dirty="0" smtClean="0"/>
-              <a:t> </a:t>
-            </a:r>
-            <a:r>
-              <a:rPr lang="en-US" dirty="0" err="1" smtClean="0"/>
-              <a:t>kế</a:t>
+              <a:t>Login activity </a:t>
+            </a:r>
+            <a:r>
+              <a:rPr lang="en-US" dirty="0" err="1" smtClean="0"/>
+              <a:t>xử</a:t>
+            </a:r>
+            <a:r>
+              <a:rPr lang="en-US" dirty="0" smtClean="0"/>
+              <a:t> </a:t>
+            </a:r>
+            <a:r>
+              <a:rPr lang="en-US" dirty="0" err="1" smtClean="0"/>
+              <a:t>lý</a:t>
+            </a:r>
+            <a:r>
+              <a:rPr lang="en-US" dirty="0" smtClean="0"/>
+              <a:t> code</a:t>
             </a:r>
             <a:endParaRPr lang="en-US" dirty="0"/>
           </a:p>
@@ -3660,7 +3641,7 @@
         <p:spPr/>
         <p:txBody>
           <a:bodyPr>
-            <a:normAutofit fontScale="85000" lnSpcReduction="20000"/>
+            <a:normAutofit fontScale="85000" lnSpcReduction="10000"/>
           </a:bodyPr>
           <a:lstStyle/>
           <a:p>
@@ -3669,8 +3650,44 @@
               <a:buChar char="-"/>
             </a:pPr>
             <a:r>
-              <a:rPr lang="en-US" dirty="0" smtClean="0"/>
-              <a:t> activiti_home.xml</a:t>
+              <a:rPr lang="en-US" dirty="0" err="1" smtClean="0"/>
+              <a:t>Lấy</a:t>
+            </a:r>
+            <a:r>
+              <a:rPr lang="en-US" dirty="0" smtClean="0"/>
+              <a:t> </a:t>
+            </a:r>
+            <a:r>
+              <a:rPr lang="en-US" dirty="0" err="1" smtClean="0"/>
+              <a:t>dữ</a:t>
+            </a:r>
+            <a:r>
+              <a:rPr lang="en-US" dirty="0" smtClean="0"/>
+              <a:t> </a:t>
+            </a:r>
+            <a:r>
+              <a:rPr lang="en-US" dirty="0" err="1" smtClean="0"/>
+              <a:t>liệu</a:t>
+            </a:r>
+            <a:r>
+              <a:rPr lang="en-US" dirty="0" smtClean="0"/>
+              <a:t> </a:t>
+            </a:r>
+            <a:r>
+              <a:rPr lang="en-US" dirty="0" err="1" smtClean="0"/>
+              <a:t>từ</a:t>
+            </a:r>
+            <a:r>
+              <a:rPr lang="en-US" dirty="0" smtClean="0"/>
+              <a:t> </a:t>
+            </a:r>
+            <a:r>
+              <a:rPr lang="en-US" dirty="0" err="1" smtClean="0"/>
+              <a:t>sharedpreferences</a:t>
+            </a:r>
+            <a:r>
+              <a:rPr lang="en-US" dirty="0" smtClean="0"/>
+              <a:t> </a:t>
             </a:r>
           </a:p>
           <a:p>
@@ -3679,17 +3696,50 @@
               <a:buChar char="-"/>
             </a:pPr>
             <a:r>
-              <a:rPr lang="en-US" dirty="0" smtClean="0"/>
-              <a:t>List view </a:t>
-            </a:r>
-            <a:r>
-              <a:rPr lang="en-US" dirty="0" err="1" smtClean="0"/>
-              <a:t>dùng</a:t>
-            </a:r>
-            <a:r>
-              <a:rPr lang="en-US" dirty="0" smtClean="0"/>
-              <a:t> 2 adapters</a:t>
-            </a:r>
+              <a:rPr lang="en-US" dirty="0" err="1" smtClean="0"/>
+              <a:t>Lưu</a:t>
+            </a:r>
+            <a:r>
+              <a:rPr lang="en-US" dirty="0" smtClean="0"/>
+              <a:t> </a:t>
+            </a:r>
+            <a:r>
+              <a:rPr lang="en-US" dirty="0" err="1" smtClean="0"/>
+              <a:t>trữ</a:t>
+            </a:r>
+            <a:r>
+              <a:rPr lang="en-US" dirty="0" smtClean="0"/>
+              <a:t> </a:t>
+            </a:r>
+            <a:r>
+              <a:rPr lang="en-US" dirty="0" err="1" smtClean="0"/>
+              <a:t>dữ</a:t>
+            </a:r>
+            <a:r>
+              <a:rPr lang="en-US" dirty="0" smtClean="0"/>
+              <a:t> </a:t>
+            </a:r>
+            <a:r>
+              <a:rPr lang="en-US" dirty="0" err="1" smtClean="0"/>
+              <a:t>liệu</a:t>
+            </a:r>
+            <a:r>
+              <a:rPr lang="en-US" dirty="0" smtClean="0"/>
+              <a:t> </a:t>
+            </a:r>
+            <a:r>
+              <a:rPr lang="en-US" dirty="0" err="1" smtClean="0"/>
+              <a:t>vào</a:t>
+            </a:r>
+            <a:r>
+              <a:rPr lang="en-US" dirty="0" smtClean="0"/>
+              <a:t> </a:t>
+            </a:r>
+            <a:r>
+              <a:rPr lang="en-US" dirty="0" err="1" smtClean="0"/>
+              <a:t>sharedpreferences</a:t>
+            </a:r>
+            <a:endParaRPr lang="en-US" dirty="0" smtClean="0"/>
           </a:p>
           <a:p>
             <a:pPr marL="457200" indent="-457200" algn="l">
@@ -3697,8 +3747,36 @@
               <a:buChar char="-"/>
             </a:pPr>
             <a:r>
-              <a:rPr lang="en-US" dirty="0" smtClean="0"/>
-              <a:t>Adapter </a:t>
+              <a:rPr lang="en-US" dirty="0" err="1" smtClean="0"/>
+              <a:t>Cập</a:t>
+            </a:r>
+            <a:r>
+              <a:rPr lang="en-US" dirty="0" smtClean="0"/>
+              <a:t> </a:t>
+            </a:r>
+            <a:r>
+              <a:rPr lang="en-US" dirty="0" err="1" smtClean="0"/>
+              <a:t>nhật</a:t>
+            </a:r>
+            <a:r>
+              <a:rPr lang="en-US" dirty="0" smtClean="0"/>
+              <a:t> </a:t>
+            </a:r>
+            <a:r>
+              <a:rPr lang="en-US" dirty="0" err="1" smtClean="0"/>
+              <a:t>dữ</a:t>
+            </a:r>
+            <a:r>
+              <a:rPr lang="en-US" dirty="0" smtClean="0"/>
+              <a:t> </a:t>
+            </a:r>
+            <a:r>
+              <a:rPr lang="en-US" dirty="0" err="1" smtClean="0"/>
+              <a:t>liệu</a:t>
+            </a:r>
+            <a:r>
+              <a:rPr lang="en-US" dirty="0" smtClean="0"/>
+              <a:t> </a:t>
             </a:r>
             <a:r>
               <a:rPr lang="en-US" dirty="0" err="1" smtClean="0"/>
@@ -3710,6 +3788,22 @@
             </a:r>
             <a:r>
               <a:rPr lang="en-US" dirty="0" err="1" smtClean="0"/>
+              <a:t>hiện</a:t>
+            </a:r>
+            <a:r>
+              <a:rPr lang="en-US" dirty="0" smtClean="0"/>
+              <a:t> view </a:t>
+            </a:r>
+            <a:r>
+              <a:rPr lang="en-US" dirty="0" err="1" smtClean="0"/>
+              <a:t>dạng</a:t>
+            </a:r>
+            <a:r>
+              <a:rPr lang="en-US" dirty="0" smtClean="0"/>
+              <a:t> list (</a:t>
+            </a:r>
+            <a:r>
+              <a:rPr lang="en-US" dirty="0" err="1" smtClean="0"/>
               <a:t>danh</a:t>
             </a:r>
             <a:r>
@@ -3720,28 +3814,25 @@
               <a:rPr lang="en-US" dirty="0" err="1" smtClean="0"/>
               <a:t>sách</a:t>
             </a:r>
-            <a:endParaRPr lang="en-US" dirty="0" smtClean="0"/>
-          </a:p>
-          <a:p>
-            <a:pPr marL="457200" indent="-457200" algn="l">
-              <a:buFontTx/>
-              <a:buChar char="-"/>
-            </a:pPr>
-            <a:r>
-              <a:rPr lang="en-US" dirty="0" smtClean="0"/>
-              <a:t>Adapter </a:t>
-            </a:r>
-            <a:r>
-              <a:rPr lang="en-US" dirty="0" err="1" smtClean="0"/>
-              <a:t>cho</a:t>
-            </a:r>
-            <a:r>
-              <a:rPr lang="en-US" dirty="0" smtClean="0"/>
-              <a:t> </a:t>
+            <a:r>
+              <a:rPr lang="en-US" dirty="0" smtClean="0"/>
+              <a:t>) </a:t>
+            </a:r>
+            <a:r>
+              <a:rPr lang="en-US" dirty="0" err="1" smtClean="0"/>
+              <a:t>hoặc</a:t>
+            </a:r>
+            <a:r>
+              <a:rPr lang="en-US" dirty="0" smtClean="0"/>
+              <a:t> block (</a:t>
             </a:r>
             <a:r>
               <a:rPr lang="en-US" dirty="0" err="1" smtClean="0"/>
               <a:t>khối</a:t>
+            </a:r>
+            <a:r>
+              <a:rPr lang="en-US" dirty="0" smtClean="0"/>
+              <a:t>)</a:t>
             </a:r>
             <a:endParaRPr lang="en-US" dirty="0"/>
           </a:p>
@@ -3750,7 +3841,7 @@
     </p:spTree>
     <p:extLst>
       <p:ext uri="{BB962C8B-B14F-4D97-AF65-F5344CB8AC3E}">
-        <p14:creationId xmlns:p14="http://schemas.microsoft.com/office/powerpoint/2010/main" val="3999107066"/>
+        <p14:creationId xmlns:p14="http://schemas.microsoft.com/office/powerpoint/2010/main" val="779234133"/>
       </p:ext>
     </p:extLst>
   </p:cSld>
@@ -3794,7 +3885,19 @@
           <a:p>
             <a:r>
               <a:rPr lang="en-US" dirty="0" smtClean="0"/>
-              <a:t>Home activity code</a:t>
+              <a:t>Home activity </a:t>
+            </a:r>
+            <a:r>
+              <a:rPr lang="en-US" dirty="0" err="1" smtClean="0"/>
+              <a:t>chức</a:t>
+            </a:r>
+            <a:r>
+              <a:rPr lang="en-US" dirty="0" smtClean="0"/>
+              <a:t> </a:t>
+            </a:r>
+            <a:r>
+              <a:rPr lang="en-US" dirty="0" err="1" smtClean="0"/>
+              <a:t>năng</a:t>
             </a:r>
             <a:endParaRPr lang="en-US" dirty="0"/>
           </a:p>
@@ -3813,7 +3916,7 @@
         <p:spPr/>
         <p:txBody>
           <a:bodyPr>
-            <a:normAutofit fontScale="92500" lnSpcReduction="20000"/>
+            <a:normAutofit/>
           </a:bodyPr>
           <a:lstStyle/>
           <a:p>
@@ -3822,40 +3925,44 @@
               <a:buChar char="-"/>
             </a:pPr>
             <a:r>
-              <a:rPr lang="en-US" dirty="0" err="1" smtClean="0"/>
-              <a:t>Khởi</a:t>
-            </a:r>
-            <a:r>
-              <a:rPr lang="en-US" dirty="0" smtClean="0"/>
-              <a:t> </a:t>
-            </a:r>
-            <a:r>
-              <a:rPr lang="en-US" dirty="0" err="1" smtClean="0"/>
-              <a:t>tạo</a:t>
-            </a:r>
-            <a:r>
-              <a:rPr lang="en-US" dirty="0" smtClean="0"/>
-              <a:t> </a:t>
-            </a:r>
-            <a:r>
-              <a:rPr lang="en-US" dirty="0" err="1" smtClean="0"/>
-              <a:t>dữ</a:t>
-            </a:r>
-            <a:r>
-              <a:rPr lang="en-US" dirty="0" smtClean="0"/>
-              <a:t> </a:t>
-            </a:r>
-            <a:r>
-              <a:rPr lang="en-US" dirty="0" err="1" smtClean="0"/>
-              <a:t>liệu</a:t>
-            </a:r>
-            <a:r>
-              <a:rPr lang="en-US" dirty="0" smtClean="0"/>
-              <a:t> </a:t>
-            </a:r>
-            <a:r>
-              <a:rPr lang="en-US" dirty="0" err="1" smtClean="0"/>
-              <a:t>sqlite</a:t>
+              <a:rPr lang="en-US" dirty="0" smtClean="0"/>
+              <a:t> </a:t>
+            </a:r>
+            <a:r>
+              <a:rPr lang="en-US" dirty="0" err="1" smtClean="0"/>
+              <a:t>Hiện</a:t>
+            </a:r>
+            <a:r>
+              <a:rPr lang="en-US" dirty="0" smtClean="0"/>
+              <a:t> </a:t>
+            </a:r>
+            <a:r>
+              <a:rPr lang="en-US" dirty="0" err="1" smtClean="0"/>
+              <a:t>danh</a:t>
+            </a:r>
+            <a:r>
+              <a:rPr lang="en-US" dirty="0" smtClean="0"/>
+              <a:t> </a:t>
+            </a:r>
+            <a:r>
+              <a:rPr lang="en-US" dirty="0" err="1" smtClean="0"/>
+              <a:t>sách</a:t>
+            </a:r>
+            <a:r>
+              <a:rPr lang="en-US" dirty="0" smtClean="0"/>
+              <a:t> </a:t>
+            </a:r>
+            <a:r>
+              <a:rPr lang="en-US" dirty="0" err="1" smtClean="0"/>
+              <a:t>ghi</a:t>
+            </a:r>
+            <a:r>
+              <a:rPr lang="en-US" dirty="0" smtClean="0"/>
+              <a:t> </a:t>
+            </a:r>
+            <a:r>
+              <a:rPr lang="en-US" dirty="0" err="1" smtClean="0"/>
+              <a:t>chú</a:t>
             </a:r>
             <a:endParaRPr lang="en-US" dirty="0" smtClean="0"/>
           </a:p>
@@ -3865,33 +3972,34 @@
               <a:buChar char="-"/>
             </a:pPr>
             <a:r>
-              <a:rPr lang="en-US" dirty="0" smtClean="0"/>
-              <a:t>Load </a:t>
-            </a:r>
-            <a:r>
-              <a:rPr lang="en-US" dirty="0" err="1" smtClean="0"/>
-              <a:t>dữ</a:t>
-            </a:r>
-            <a:r>
-              <a:rPr lang="en-US" dirty="0" smtClean="0"/>
-              <a:t> </a:t>
-            </a:r>
-            <a:r>
-              <a:rPr lang="en-US" dirty="0" err="1" smtClean="0"/>
-              <a:t>liệu</a:t>
-            </a:r>
-            <a:r>
-              <a:rPr lang="en-US" dirty="0" smtClean="0"/>
-              <a:t> </a:t>
-            </a:r>
-            <a:r>
-              <a:rPr lang="en-US" dirty="0" err="1" smtClean="0"/>
-              <a:t>vào</a:t>
-            </a:r>
-            <a:r>
-              <a:rPr lang="en-US" dirty="0" smtClean="0"/>
-              <a:t> adapter</a:t>
-            </a:r>
+              <a:rPr lang="en-US" dirty="0" err="1" smtClean="0"/>
+              <a:t>Tìm</a:t>
+            </a:r>
+            <a:r>
+              <a:rPr lang="en-US" dirty="0" smtClean="0"/>
+              <a:t> </a:t>
+            </a:r>
+            <a:r>
+              <a:rPr lang="en-US" dirty="0" err="1" smtClean="0"/>
+              <a:t>kiếm</a:t>
+            </a:r>
+            <a:r>
+              <a:rPr lang="en-US" dirty="0" smtClean="0"/>
+              <a:t> </a:t>
+            </a:r>
+            <a:r>
+              <a:rPr lang="en-US" dirty="0" err="1" smtClean="0"/>
+              <a:t>ghi</a:t>
+            </a:r>
+            <a:r>
+              <a:rPr lang="en-US" dirty="0" smtClean="0"/>
+              <a:t> </a:t>
+            </a:r>
+            <a:r>
+              <a:rPr lang="en-US" dirty="0" err="1" smtClean="0"/>
+              <a:t>chú</a:t>
+            </a:r>
+            <a:endParaRPr lang="en-US" dirty="0" smtClean="0"/>
           </a:p>
           <a:p>
             <a:pPr marL="457200" indent="-457200" algn="l">
@@ -3900,7 +4008,23 @@
             </a:pPr>
             <a:r>
               <a:rPr lang="en-US" dirty="0" err="1" smtClean="0"/>
-              <a:t>Chức</a:t>
+              <a:t>Các</a:t>
+            </a:r>
+            <a:r>
+              <a:rPr lang="en-US" dirty="0" smtClean="0"/>
+              <a:t> </a:t>
+            </a:r>
+            <a:r>
+              <a:rPr lang="en-US" dirty="0" err="1" smtClean="0"/>
+              <a:t>nút</a:t>
+            </a:r>
+            <a:r>
+              <a:rPr lang="en-US" dirty="0" smtClean="0"/>
+              <a:t> </a:t>
+            </a:r>
+            <a:r>
+              <a:rPr lang="en-US" dirty="0" err="1" smtClean="0"/>
+              <a:t>chức</a:t>
             </a:r>
             <a:r>
               <a:rPr lang="en-US" dirty="0" smtClean="0"/>
@@ -3909,58 +4033,6 @@
             <a:r>
               <a:rPr lang="en-US" dirty="0" err="1" smtClean="0"/>
               <a:t>năng</a:t>
-            </a:r>
-            <a:r>
-              <a:rPr lang="en-US" dirty="0" smtClean="0"/>
-              <a:t> </a:t>
-            </a:r>
-            <a:r>
-              <a:rPr lang="en-US" dirty="0" err="1" smtClean="0"/>
-              <a:t>thay</a:t>
-            </a:r>
-            <a:r>
-              <a:rPr lang="en-US" dirty="0" smtClean="0"/>
-              <a:t> </a:t>
-            </a:r>
-            <a:r>
-              <a:rPr lang="en-US" dirty="0" err="1" smtClean="0"/>
-              <a:t>đổi</a:t>
-            </a:r>
-            <a:r>
-              <a:rPr lang="en-US" dirty="0" smtClean="0"/>
-              <a:t> </a:t>
-            </a:r>
-            <a:r>
-              <a:rPr lang="en-US" dirty="0" err="1" smtClean="0"/>
-              <a:t>giao</a:t>
-            </a:r>
-            <a:r>
-              <a:rPr lang="en-US" dirty="0" smtClean="0"/>
-              <a:t> </a:t>
-            </a:r>
-            <a:r>
-              <a:rPr lang="en-US" dirty="0" err="1" smtClean="0"/>
-              <a:t>diện</a:t>
-            </a:r>
-            <a:r>
-              <a:rPr lang="en-US" dirty="0" smtClean="0"/>
-              <a:t> </a:t>
-            </a:r>
-            <a:r>
-              <a:rPr lang="en-US" dirty="0" err="1" smtClean="0"/>
-              <a:t>giữa</a:t>
-            </a:r>
-            <a:r>
-              <a:rPr lang="en-US" dirty="0" smtClean="0"/>
-              <a:t> 2 </a:t>
-            </a:r>
-            <a:r>
-              <a:rPr lang="en-US" dirty="0" err="1" smtClean="0"/>
-              <a:t>loại</a:t>
-            </a:r>
-            <a:r>
-              <a:rPr lang="en-US" dirty="0" smtClean="0"/>
-              <a:t> adapter </a:t>
             </a:r>
             <a:endParaRPr lang="en-US" dirty="0"/>
           </a:p>
@@ -3969,7 +4041,7 @@
     </p:spTree>
     <p:extLst>
       <p:ext uri="{BB962C8B-B14F-4D97-AF65-F5344CB8AC3E}">
-        <p14:creationId xmlns:p14="http://schemas.microsoft.com/office/powerpoint/2010/main" val="2324177828"/>
+        <p14:creationId xmlns:p14="http://schemas.microsoft.com/office/powerpoint/2010/main" val="675181457"/>
       </p:ext>
     </p:extLst>
   </p:cSld>
@@ -4013,19 +4085,7 @@
           <a:p>
             <a:r>
               <a:rPr lang="en-US" dirty="0" smtClean="0"/>
-              <a:t>Detail activity </a:t>
-            </a:r>
-            <a:r>
-              <a:rPr lang="en-US" dirty="0" err="1" smtClean="0"/>
-              <a:t>chức</a:t>
-            </a:r>
-            <a:r>
-              <a:rPr lang="en-US" dirty="0" smtClean="0"/>
-              <a:t> </a:t>
-            </a:r>
-            <a:r>
-              <a:rPr lang="en-US" dirty="0" err="1" smtClean="0"/>
-              <a:t>năng</a:t>
+              <a:t>Home activity</a:t>
             </a:r>
             <a:endParaRPr lang="en-US" dirty="0"/>
           </a:p>
@@ -4058,31 +4118,39 @@
             </a:r>
             <a:r>
               <a:rPr lang="en-US" dirty="0" err="1" smtClean="0"/>
-              <a:t>Hiện</a:t>
-            </a:r>
-            <a:r>
-              <a:rPr lang="en-US" dirty="0" smtClean="0"/>
-              <a:t> chi </a:t>
-            </a:r>
-            <a:r>
-              <a:rPr lang="en-US" dirty="0" err="1" smtClean="0"/>
-              <a:t>tết</a:t>
-            </a:r>
-            <a:r>
-              <a:rPr lang="en-US" dirty="0" smtClean="0"/>
-              <a:t> 1 </a:t>
-            </a:r>
-            <a:r>
-              <a:rPr lang="en-US" dirty="0" err="1" smtClean="0"/>
-              <a:t>ghi</a:t>
-            </a:r>
-            <a:r>
-              <a:rPr lang="en-US" dirty="0" smtClean="0"/>
-              <a:t> </a:t>
-            </a:r>
-            <a:r>
-              <a:rPr lang="en-US" dirty="0" err="1" smtClean="0"/>
-              <a:t>chút</a:t>
+              <a:t>Giao</a:t>
+            </a:r>
+            <a:r>
+              <a:rPr lang="en-US" dirty="0" smtClean="0"/>
+              <a:t> </a:t>
+            </a:r>
+            <a:r>
+              <a:rPr lang="en-US" dirty="0" err="1" smtClean="0"/>
+              <a:t>diện</a:t>
+            </a:r>
+            <a:r>
+              <a:rPr lang="en-US" dirty="0" smtClean="0"/>
+              <a:t> </a:t>
+            </a:r>
+            <a:r>
+              <a:rPr lang="en-US" dirty="0" err="1" smtClean="0"/>
+              <a:t>ứng</a:t>
+            </a:r>
+            <a:r>
+              <a:rPr lang="en-US" dirty="0" smtClean="0"/>
+              <a:t> </a:t>
+            </a:r>
+            <a:r>
+              <a:rPr lang="en-US" dirty="0" err="1" smtClean="0"/>
+              <a:t>dụng</a:t>
+            </a:r>
+            <a:r>
+              <a:rPr lang="en-US" dirty="0" smtClean="0"/>
+              <a:t> </a:t>
+            </a:r>
+            <a:r>
+              <a:rPr lang="en-US" dirty="0" err="1" smtClean="0"/>
+              <a:t>chính</a:t>
             </a:r>
             <a:endParaRPr lang="en-US" dirty="0" smtClean="0"/>
           </a:p>
@@ -4093,27 +4161,31 @@
             </a:pPr>
             <a:r>
               <a:rPr lang="en-US" dirty="0" err="1" smtClean="0"/>
-              <a:t>Gồm</a:t>
-            </a:r>
-            <a:r>
-              <a:rPr lang="en-US" dirty="0" smtClean="0"/>
-              <a:t> </a:t>
-            </a:r>
-            <a:r>
-              <a:rPr lang="en-US" dirty="0" err="1" smtClean="0"/>
-              <a:t>các</a:t>
-            </a:r>
-            <a:r>
-              <a:rPr lang="en-US" dirty="0" smtClean="0"/>
-              <a:t> text view </a:t>
-            </a:r>
-            <a:r>
-              <a:rPr lang="en-US" dirty="0" err="1" smtClean="0"/>
-              <a:t>và</a:t>
-            </a:r>
-            <a:r>
-              <a:rPr lang="en-US" dirty="0" smtClean="0"/>
-              <a:t> image view</a:t>
+              <a:t>Danh</a:t>
+            </a:r>
+            <a:r>
+              <a:rPr lang="en-US" dirty="0" smtClean="0"/>
+              <a:t> </a:t>
+            </a:r>
+            <a:r>
+              <a:rPr lang="en-US" dirty="0" err="1" smtClean="0"/>
+              <a:t>sách</a:t>
+            </a:r>
+            <a:r>
+              <a:rPr lang="en-US" dirty="0" smtClean="0"/>
+              <a:t> </a:t>
+            </a:r>
+            <a:r>
+              <a:rPr lang="en-US" dirty="0" err="1" smtClean="0"/>
+              <a:t>ghi</a:t>
+            </a:r>
+            <a:r>
+              <a:rPr lang="en-US" dirty="0" smtClean="0"/>
+              <a:t> </a:t>
+            </a:r>
+            <a:r>
+              <a:rPr lang="en-US" dirty="0" err="1" smtClean="0"/>
+              <a:t>chú</a:t>
             </a:r>
             <a:endParaRPr lang="en-US" dirty="0"/>
           </a:p>
@@ -4122,7 +4194,7 @@
     </p:spTree>
     <p:extLst>
       <p:ext uri="{BB962C8B-B14F-4D97-AF65-F5344CB8AC3E}">
-        <p14:creationId xmlns:p14="http://schemas.microsoft.com/office/powerpoint/2010/main" val="3865352048"/>
+        <p14:creationId xmlns:p14="http://schemas.microsoft.com/office/powerpoint/2010/main" val="2977576359"/>
       </p:ext>
     </p:extLst>
   </p:cSld>
@@ -4166,7 +4238,7 @@
           <a:p>
             <a:r>
               <a:rPr lang="en-US" dirty="0" smtClean="0"/>
-              <a:t>Detail activity </a:t>
+              <a:t>Home activity </a:t>
             </a:r>
             <a:r>
               <a:rPr lang="en-US" dirty="0" err="1" smtClean="0"/>
@@ -4197,7 +4269,7 @@
         <p:spPr/>
         <p:txBody>
           <a:bodyPr>
-            <a:normAutofit fontScale="70000" lnSpcReduction="20000"/>
+            <a:normAutofit fontScale="85000" lnSpcReduction="20000"/>
           </a:bodyPr>
           <a:lstStyle/>
           <a:p>
@@ -4206,10 +4278,9 @@
               <a:buChar char="-"/>
             </a:pPr>
             <a:r>
-              <a:rPr lang="en-US" dirty="0" err="1" smtClean="0"/>
-              <a:t>Activity_display_detail</a:t>
-            </a:r>
-            <a:endParaRPr lang="en-US" dirty="0" smtClean="0"/>
+              <a:rPr lang="en-US" dirty="0" smtClean="0"/>
+              <a:t> activiti_home.xml</a:t>
+            </a:r>
           </a:p>
           <a:p>
             <a:pPr marL="457200" indent="-457200" algn="l">
@@ -4217,34 +4288,17 @@
               <a:buChar char="-"/>
             </a:pPr>
             <a:r>
-              <a:rPr lang="en-US" dirty="0" err="1" smtClean="0"/>
-              <a:t>Ngày</a:t>
-            </a:r>
-            <a:r>
-              <a:rPr lang="en-US" dirty="0" smtClean="0"/>
-              <a:t> </a:t>
-            </a:r>
-            <a:r>
-              <a:rPr lang="en-US" dirty="0" err="1" smtClean="0"/>
-              <a:t>tạo</a:t>
-            </a:r>
-            <a:r>
-              <a:rPr lang="en-US" dirty="0" smtClean="0"/>
-              <a:t> </a:t>
-            </a:r>
-            <a:r>
-              <a:rPr lang="en-US" dirty="0" err="1" smtClean="0"/>
-              <a:t>ghi</a:t>
-            </a:r>
-            <a:r>
-              <a:rPr lang="en-US" dirty="0" smtClean="0"/>
-              <a:t> </a:t>
-            </a:r>
-            <a:r>
-              <a:rPr lang="en-US" dirty="0" err="1" smtClean="0"/>
-              <a:t>chú</a:t>
-            </a:r>
-            <a:endParaRPr lang="en-US" dirty="0" smtClean="0"/>
+              <a:rPr lang="en-US" dirty="0" smtClean="0"/>
+              <a:t>List view </a:t>
+            </a:r>
+            <a:r>
+              <a:rPr lang="en-US" dirty="0" err="1" smtClean="0"/>
+              <a:t>dùng</a:t>
+            </a:r>
+            <a:r>
+              <a:rPr lang="en-US" dirty="0" smtClean="0"/>
+              <a:t> 2 adapters</a:t>
+            </a:r>
           </a:p>
           <a:p>
             <a:pPr marL="457200" indent="-457200" algn="l">
@@ -4252,24 +4306,28 @@
               <a:buChar char="-"/>
             </a:pPr>
             <a:r>
-              <a:rPr lang="en-US" dirty="0" err="1" smtClean="0"/>
-              <a:t>Ảnh</a:t>
-            </a:r>
-            <a:r>
-              <a:rPr lang="en-US" dirty="0" smtClean="0"/>
-              <a:t> </a:t>
-            </a:r>
-            <a:r>
-              <a:rPr lang="en-US" dirty="0" err="1" smtClean="0"/>
-              <a:t>ghi</a:t>
-            </a:r>
-            <a:r>
-              <a:rPr lang="en-US" dirty="0" smtClean="0"/>
-              <a:t> </a:t>
-            </a:r>
-            <a:r>
-              <a:rPr lang="en-US" dirty="0" err="1" smtClean="0"/>
-              <a:t>chú</a:t>
+              <a:rPr lang="en-US" dirty="0" smtClean="0"/>
+              <a:t>Adapter </a:t>
+            </a:r>
+            <a:r>
+              <a:rPr lang="en-US" dirty="0" err="1" smtClean="0"/>
+              <a:t>cho</a:t>
+            </a:r>
+            <a:r>
+              <a:rPr lang="en-US" dirty="0" smtClean="0"/>
+              <a:t> </a:t>
+            </a:r>
+            <a:r>
+              <a:rPr lang="en-US" dirty="0" err="1" smtClean="0"/>
+              <a:t>danh</a:t>
+            </a:r>
+            <a:r>
+              <a:rPr lang="en-US" dirty="0" smtClean="0"/>
+              <a:t> </a:t>
+            </a:r>
+            <a:r>
+              <a:rPr lang="en-US" dirty="0" err="1" smtClean="0"/>
+              <a:t>sách</a:t>
             </a:r>
             <a:endParaRPr lang="en-US" dirty="0" smtClean="0"/>
           </a:p>
@@ -4279,63 +4337,20 @@
               <a:buChar char="-"/>
             </a:pPr>
             <a:r>
-              <a:rPr lang="en-US" dirty="0" err="1" smtClean="0"/>
-              <a:t>Địa</a:t>
-            </a:r>
-            <a:r>
-              <a:rPr lang="en-US" dirty="0" smtClean="0"/>
-              <a:t> </a:t>
-            </a:r>
-            <a:r>
-              <a:rPr lang="en-US" dirty="0" err="1" smtClean="0"/>
-              <a:t>điểm</a:t>
-            </a:r>
-            <a:r>
-              <a:rPr lang="en-US" dirty="0" smtClean="0"/>
-              <a:t> </a:t>
-            </a:r>
-            <a:r>
-              <a:rPr lang="en-US" dirty="0" err="1" smtClean="0"/>
-              <a:t>ghi</a:t>
-            </a:r>
-            <a:r>
-              <a:rPr lang="en-US" dirty="0" smtClean="0"/>
-              <a:t> </a:t>
-            </a:r>
-            <a:r>
-              <a:rPr lang="en-US" dirty="0" err="1" smtClean="0"/>
-              <a:t>chú</a:t>
-            </a:r>
-            <a:endParaRPr lang="en-US" dirty="0" smtClean="0"/>
-          </a:p>
-          <a:p>
-            <a:pPr marL="457200" indent="-457200" algn="l">
-              <a:buFontTx/>
-              <a:buChar char="-"/>
-            </a:pPr>
-            <a:r>
-              <a:rPr lang="en-US" dirty="0" err="1" smtClean="0"/>
-              <a:t>Giờ</a:t>
-            </a:r>
-            <a:r>
-              <a:rPr lang="en-US" dirty="0" smtClean="0"/>
-              <a:t> </a:t>
-            </a:r>
-            <a:r>
-              <a:rPr lang="en-US" dirty="0" err="1" smtClean="0"/>
-              <a:t>nhắc</a:t>
-            </a:r>
-            <a:r>
-              <a:rPr lang="en-US" dirty="0" smtClean="0"/>
-              <a:t> </a:t>
-            </a:r>
-            <a:r>
-              <a:rPr lang="en-US" dirty="0" err="1" smtClean="0"/>
-              <a:t>lịch</a:t>
-            </a:r>
-            <a:r>
-              <a:rPr lang="en-US" dirty="0" smtClean="0"/>
-              <a:t> </a:t>
+              <a:rPr lang="en-US" dirty="0" smtClean="0"/>
+              <a:t>Adapter </a:t>
+            </a:r>
+            <a:r>
+              <a:rPr lang="en-US" dirty="0" err="1" smtClean="0"/>
+              <a:t>cho</a:t>
+            </a:r>
+            <a:r>
+              <a:rPr lang="en-US" dirty="0" smtClean="0"/>
+              <a:t> </a:t>
+            </a:r>
+            <a:r>
+              <a:rPr lang="en-US" dirty="0" err="1" smtClean="0"/>
+              <a:t>khối</a:t>
             </a:r>
             <a:endParaRPr lang="en-US" dirty="0"/>
           </a:p>
@@ -4344,7 +4359,7 @@
     </p:spTree>
     <p:extLst>
       <p:ext uri="{BB962C8B-B14F-4D97-AF65-F5344CB8AC3E}">
-        <p14:creationId xmlns:p14="http://schemas.microsoft.com/office/powerpoint/2010/main" val="3118060769"/>
+        <p14:creationId xmlns:p14="http://schemas.microsoft.com/office/powerpoint/2010/main" val="3999107066"/>
       </p:ext>
     </p:extLst>
   </p:cSld>
@@ -4388,7 +4403,7 @@
           <a:p>
             <a:r>
               <a:rPr lang="en-US" dirty="0" smtClean="0"/>
-              <a:t>Detail activity code</a:t>
+              <a:t>Home activity code</a:t>
             </a:r>
             <a:endParaRPr lang="en-US" dirty="0"/>
           </a:p>
@@ -4417,71 +4432,39 @@
             </a:pPr>
             <a:r>
               <a:rPr lang="en-US" dirty="0" err="1" smtClean="0"/>
-              <a:t>Lấy</a:t>
-            </a:r>
-            <a:r>
-              <a:rPr lang="en-US" dirty="0" smtClean="0"/>
-              <a:t> </a:t>
-            </a:r>
-            <a:r>
-              <a:rPr lang="en-US" dirty="0" err="1" smtClean="0"/>
-              <a:t>một</a:t>
-            </a:r>
-            <a:r>
-              <a:rPr lang="en-US" dirty="0" smtClean="0"/>
-              <a:t> </a:t>
-            </a:r>
-            <a:r>
-              <a:rPr lang="en-US" dirty="0" err="1" smtClean="0"/>
-              <a:t>ghi</a:t>
-            </a:r>
-            <a:r>
-              <a:rPr lang="en-US" dirty="0" smtClean="0"/>
-              <a:t> </a:t>
-            </a:r>
-            <a:r>
-              <a:rPr lang="en-US" dirty="0" err="1" smtClean="0"/>
-              <a:t>chú</a:t>
-            </a:r>
-            <a:r>
-              <a:rPr lang="en-US" dirty="0" smtClean="0"/>
-              <a:t> </a:t>
-            </a:r>
-            <a:r>
-              <a:rPr lang="en-US" dirty="0" err="1" smtClean="0"/>
-              <a:t>chuyền</a:t>
-            </a:r>
-            <a:r>
-              <a:rPr lang="en-US" dirty="0" smtClean="0"/>
-              <a:t> </a:t>
-            </a:r>
-            <a:r>
-              <a:rPr lang="en-US" dirty="0" err="1" smtClean="0"/>
-              <a:t>từ</a:t>
-            </a:r>
-            <a:r>
-              <a:rPr lang="en-US" dirty="0" smtClean="0"/>
-              <a:t> activity home sang </a:t>
-            </a:r>
-            <a:r>
-              <a:rPr lang="en-US" dirty="0" err="1" smtClean="0"/>
-              <a:t>để</a:t>
-            </a:r>
-            <a:r>
-              <a:rPr lang="en-US" dirty="0" smtClean="0"/>
-              <a:t> </a:t>
-            </a:r>
-            <a:r>
-              <a:rPr lang="en-US" dirty="0" err="1" smtClean="0"/>
-              <a:t>thể</a:t>
-            </a:r>
-            <a:r>
-              <a:rPr lang="en-US" dirty="0" smtClean="0"/>
-              <a:t> </a:t>
-            </a:r>
-            <a:r>
-              <a:rPr lang="en-US" dirty="0" err="1" smtClean="0"/>
-              <a:t>hiện</a:t>
+              <a:t>Khởi</a:t>
+            </a:r>
+            <a:r>
+              <a:rPr lang="en-US" dirty="0" smtClean="0"/>
+              <a:t> </a:t>
+            </a:r>
+            <a:r>
+              <a:rPr lang="en-US" dirty="0" err="1" smtClean="0"/>
+              <a:t>tạo</a:t>
+            </a:r>
+            <a:r>
+              <a:rPr lang="en-US" dirty="0" smtClean="0"/>
+              <a:t> </a:t>
+            </a:r>
+            <a:r>
+              <a:rPr lang="en-US" dirty="0" err="1" smtClean="0"/>
+              <a:t>dữ</a:t>
+            </a:r>
+            <a:r>
+              <a:rPr lang="en-US" dirty="0" smtClean="0"/>
+              <a:t> </a:t>
+            </a:r>
+            <a:r>
+              <a:rPr lang="en-US" dirty="0" err="1" smtClean="0"/>
+              <a:t>liệu</a:t>
+            </a:r>
+            <a:r>
+              <a:rPr lang="en-US" dirty="0" smtClean="0"/>
+              <a:t> </a:t>
+            </a:r>
+            <a:r>
+              <a:rPr lang="en-US" dirty="0" err="1" smtClean="0"/>
+              <a:t>sqlite</a:t>
             </a:r>
             <a:endParaRPr lang="en-US" dirty="0" smtClean="0"/>
           </a:p>
@@ -4491,16 +4474,20 @@
               <a:buChar char="-"/>
             </a:pPr>
             <a:r>
-              <a:rPr lang="en-US" dirty="0" err="1" smtClean="0"/>
-              <a:t>Khi</a:t>
-            </a:r>
-            <a:r>
-              <a:rPr lang="en-US" dirty="0" smtClean="0"/>
-              <a:t> </a:t>
-            </a:r>
-            <a:r>
-              <a:rPr lang="en-US" dirty="0" err="1" smtClean="0"/>
-              <a:t>nhấn</a:t>
+              <a:rPr lang="en-US" dirty="0" smtClean="0"/>
+              <a:t>Load </a:t>
+            </a:r>
+            <a:r>
+              <a:rPr lang="en-US" dirty="0" err="1" smtClean="0"/>
+              <a:t>dữ</a:t>
+            </a:r>
+            <a:r>
+              <a:rPr lang="en-US" dirty="0" smtClean="0"/>
+              <a:t> </a:t>
+            </a:r>
+            <a:r>
+              <a:rPr lang="en-US" dirty="0" err="1" smtClean="0"/>
+              <a:t>liệu</a:t>
             </a:r>
             <a:r>
               <a:rPr lang="en-US" dirty="0" smtClean="0"/>
@@ -4512,19 +4499,41 @@
             </a:r>
             <a:r>
               <a:rPr lang="en-US" dirty="0" smtClean="0"/>
-              <a:t> edit </a:t>
-            </a:r>
-            <a:r>
-              <a:rPr lang="en-US" dirty="0" err="1" smtClean="0"/>
-              <a:t>thì</a:t>
-            </a:r>
-            <a:r>
-              <a:rPr lang="en-US" dirty="0" smtClean="0"/>
-              <a:t> </a:t>
-            </a:r>
-            <a:r>
-              <a:rPr lang="en-US" dirty="0" err="1" smtClean="0"/>
-              <a:t>chuyển</a:t>
+              <a:t> adapter</a:t>
+            </a:r>
+          </a:p>
+          <a:p>
+            <a:pPr marL="457200" indent="-457200" algn="l">
+              <a:buFontTx/>
+              <a:buChar char="-"/>
+            </a:pPr>
+            <a:r>
+              <a:rPr lang="en-US" dirty="0" err="1" smtClean="0"/>
+              <a:t>Chức</a:t>
+            </a:r>
+            <a:r>
+              <a:rPr lang="en-US" dirty="0" smtClean="0"/>
+              <a:t> </a:t>
+            </a:r>
+            <a:r>
+              <a:rPr lang="en-US" dirty="0" err="1" smtClean="0"/>
+              <a:t>năng</a:t>
+            </a:r>
+            <a:r>
+              <a:rPr lang="en-US" dirty="0" smtClean="0"/>
+              <a:t> </a:t>
+            </a:r>
+            <a:r>
+              <a:rPr lang="en-US" dirty="0" err="1" smtClean="0"/>
+              <a:t>thay</a:t>
+            </a:r>
+            <a:r>
+              <a:rPr lang="en-US" dirty="0" smtClean="0"/>
+              <a:t> </a:t>
+            </a:r>
+            <a:r>
+              <a:rPr lang="en-US" dirty="0" err="1" smtClean="0"/>
+              <a:t>đổi</a:t>
             </a:r>
             <a:r>
               <a:rPr lang="en-US" dirty="0" smtClean="0"/>
@@ -4544,31 +4553,23 @@
             </a:r>
             <a:r>
               <a:rPr lang="en-US" dirty="0" smtClean="0"/>
-              <a:t> sang </a:t>
-            </a:r>
-            <a:r>
-              <a:rPr lang="en-US" dirty="0" err="1" smtClean="0"/>
-              <a:t>phần</a:t>
-            </a:r>
-            <a:r>
-              <a:rPr lang="en-US" dirty="0" smtClean="0"/>
-              <a:t> edit </a:t>
-            </a:r>
-            <a:r>
-              <a:rPr lang="en-US" dirty="0" err="1" smtClean="0"/>
-              <a:t>ghi</a:t>
-            </a:r>
-            <a:r>
-              <a:rPr lang="en-US" dirty="0" smtClean="0"/>
-              <a:t> </a:t>
-            </a:r>
-            <a:r>
-              <a:rPr lang="en-US" dirty="0" err="1" smtClean="0"/>
-              <a:t>chú</a:t>
-            </a:r>
-            <a:r>
-              <a:rPr lang="en-US" dirty="0" smtClean="0"/>
-              <a:t> </a:t>
+              <a:t> </a:t>
+            </a:r>
+            <a:r>
+              <a:rPr lang="en-US" dirty="0" err="1" smtClean="0"/>
+              <a:t>giữa</a:t>
+            </a:r>
+            <a:r>
+              <a:rPr lang="en-US" dirty="0" smtClean="0"/>
+              <a:t> 2 </a:t>
+            </a:r>
+            <a:r>
+              <a:rPr lang="en-US" dirty="0" err="1" smtClean="0"/>
+              <a:t>loại</a:t>
+            </a:r>
+            <a:r>
+              <a:rPr lang="en-US" dirty="0" smtClean="0"/>
+              <a:t> adapter </a:t>
             </a:r>
             <a:endParaRPr lang="en-US" dirty="0"/>
           </a:p>
@@ -4577,7 +4578,7 @@
     </p:spTree>
     <p:extLst>
       <p:ext uri="{BB962C8B-B14F-4D97-AF65-F5344CB8AC3E}">
-        <p14:creationId xmlns:p14="http://schemas.microsoft.com/office/powerpoint/2010/main" val="1943934891"/>
+        <p14:creationId xmlns:p14="http://schemas.microsoft.com/office/powerpoint/2010/main" val="2324177828"/>
       </p:ext>
     </p:extLst>
   </p:cSld>
@@ -4621,7 +4622,7 @@
           <a:p>
             <a:r>
               <a:rPr lang="en-US" dirty="0" smtClean="0"/>
-              <a:t>Edit activity </a:t>
+              <a:t>Detail activity </a:t>
             </a:r>
             <a:r>
               <a:rPr lang="en-US" dirty="0" err="1" smtClean="0"/>
@@ -4652,7 +4653,7 @@
         <p:spPr/>
         <p:txBody>
           <a:bodyPr>
-            <a:normAutofit fontScale="70000" lnSpcReduction="20000"/>
+            <a:normAutofit/>
           </a:bodyPr>
           <a:lstStyle/>
           <a:p>
@@ -4661,28 +4662,24 @@
               <a:buChar char="-"/>
             </a:pPr>
             <a:r>
-              <a:rPr lang="en-US" dirty="0" err="1" smtClean="0"/>
-              <a:t>Thực</a:t>
-            </a:r>
-            <a:r>
-              <a:rPr lang="en-US" dirty="0" smtClean="0"/>
-              <a:t> </a:t>
-            </a:r>
-            <a:r>
-              <a:rPr lang="en-US" dirty="0" err="1" smtClean="0"/>
-              <a:t>hiện</a:t>
-            </a:r>
-            <a:r>
-              <a:rPr lang="en-US" dirty="0" smtClean="0"/>
-              <a:t> </a:t>
-            </a:r>
-            <a:r>
-              <a:rPr lang="en-US" dirty="0" err="1" smtClean="0"/>
-              <a:t>việc</a:t>
-            </a:r>
-            <a:r>
-              <a:rPr lang="en-US" dirty="0" smtClean="0"/>
-              <a:t> edit 1 </a:t>
+              <a:rPr lang="en-US" dirty="0" smtClean="0"/>
+              <a:t> </a:t>
+            </a:r>
+            <a:r>
+              <a:rPr lang="en-US" dirty="0" err="1" smtClean="0"/>
+              <a:t>Hiện</a:t>
+            </a:r>
+            <a:r>
+              <a:rPr lang="en-US" dirty="0" smtClean="0"/>
+              <a:t> chi </a:t>
+            </a:r>
+            <a:r>
+              <a:rPr lang="en-US" dirty="0" err="1" smtClean="0"/>
+              <a:t>tết</a:t>
+            </a:r>
+            <a:r>
+              <a:rPr lang="en-US" dirty="0" smtClean="0"/>
+              <a:t> 1 </a:t>
             </a:r>
             <a:r>
               <a:rPr lang="en-US" dirty="0" err="1" smtClean="0"/>
@@ -4694,7 +4691,7 @@
             </a:r>
             <a:r>
               <a:rPr lang="en-US" dirty="0" err="1" smtClean="0"/>
-              <a:t>chú</a:t>
+              <a:t>chút</a:t>
             </a:r>
             <a:endParaRPr lang="en-US" dirty="0" smtClean="0"/>
           </a:p>
@@ -4704,136 +4701,28 @@
               <a:buChar char="-"/>
             </a:pPr>
             <a:r>
-              <a:rPr lang="en-US" dirty="0" smtClean="0"/>
-              <a:t>Cho </a:t>
-            </a:r>
-            <a:r>
-              <a:rPr lang="en-US" dirty="0" err="1" smtClean="0"/>
-              <a:t>phép</a:t>
-            </a:r>
-            <a:r>
-              <a:rPr lang="en-US" dirty="0" smtClean="0"/>
-              <a:t> </a:t>
-            </a:r>
-            <a:r>
-              <a:rPr lang="en-US" dirty="0" err="1" smtClean="0"/>
-              <a:t>chọn</a:t>
-            </a:r>
-            <a:r>
-              <a:rPr lang="en-US" dirty="0" smtClean="0"/>
-              <a:t> </a:t>
-            </a:r>
-            <a:r>
-              <a:rPr lang="en-US" dirty="0" err="1" smtClean="0"/>
-              <a:t>lịch</a:t>
-            </a:r>
-            <a:endParaRPr lang="en-US" dirty="0" smtClean="0"/>
-          </a:p>
-          <a:p>
-            <a:pPr marL="457200" indent="-457200" algn="l">
-              <a:buFontTx/>
-              <a:buChar char="-"/>
-            </a:pPr>
-            <a:r>
-              <a:rPr lang="en-US" dirty="0" smtClean="0"/>
-              <a:t>Cho </a:t>
-            </a:r>
-            <a:r>
-              <a:rPr lang="en-US" dirty="0" err="1" smtClean="0"/>
-              <a:t>phép</a:t>
-            </a:r>
-            <a:r>
-              <a:rPr lang="en-US" dirty="0" smtClean="0"/>
-              <a:t> </a:t>
-            </a:r>
-            <a:r>
-              <a:rPr lang="en-US" dirty="0" err="1" smtClean="0"/>
-              <a:t>chọn</a:t>
-            </a:r>
-            <a:r>
-              <a:rPr lang="en-US" dirty="0" smtClean="0"/>
-              <a:t> </a:t>
-            </a:r>
-            <a:r>
-              <a:rPr lang="en-US" dirty="0" err="1" smtClean="0"/>
-              <a:t>địa</a:t>
-            </a:r>
-            <a:r>
-              <a:rPr lang="en-US" dirty="0" smtClean="0"/>
-              <a:t> </a:t>
-            </a:r>
-            <a:r>
-              <a:rPr lang="en-US" dirty="0" err="1" smtClean="0"/>
-              <a:t>điểm</a:t>
-            </a:r>
-            <a:r>
-              <a:rPr lang="en-US" dirty="0" smtClean="0"/>
-              <a:t> (internet)</a:t>
-            </a:r>
-          </a:p>
-          <a:p>
-            <a:pPr marL="457200" indent="-457200" algn="l">
-              <a:buFontTx/>
-              <a:buChar char="-"/>
-            </a:pPr>
-            <a:r>
-              <a:rPr lang="en-US" dirty="0" smtClean="0"/>
-              <a:t> Cho </a:t>
-            </a:r>
-            <a:r>
-              <a:rPr lang="en-US" dirty="0" err="1" smtClean="0"/>
-              <a:t>phép</a:t>
-            </a:r>
-            <a:r>
-              <a:rPr lang="en-US" dirty="0" smtClean="0"/>
-              <a:t> </a:t>
-            </a:r>
-            <a:r>
-              <a:rPr lang="en-US" dirty="0" err="1" smtClean="0"/>
-              <a:t>nhắc</a:t>
-            </a:r>
-            <a:r>
-              <a:rPr lang="en-US" dirty="0" smtClean="0"/>
-              <a:t> </a:t>
-            </a:r>
-            <a:r>
-              <a:rPr lang="en-US" dirty="0" err="1" smtClean="0"/>
-              <a:t>lịch</a:t>
-            </a:r>
-            <a:endParaRPr lang="en-US" dirty="0"/>
-          </a:p>
-          <a:p>
-            <a:pPr marL="457200" indent="-457200" algn="l">
-              <a:buFontTx/>
-              <a:buChar char="-"/>
-            </a:pPr>
-            <a:r>
-              <a:rPr lang="en-US" dirty="0" err="1" smtClean="0"/>
-              <a:t>Lưu</a:t>
-            </a:r>
-            <a:r>
-              <a:rPr lang="en-US" dirty="0" smtClean="0"/>
-              <a:t> </a:t>
-            </a:r>
-            <a:r>
-              <a:rPr lang="en-US" dirty="0" err="1" smtClean="0"/>
-              <a:t>trữ</a:t>
-            </a:r>
-            <a:r>
-              <a:rPr lang="en-US" dirty="0" smtClean="0"/>
-              <a:t> </a:t>
-            </a:r>
-            <a:r>
-              <a:rPr lang="en-US" dirty="0" err="1" smtClean="0"/>
-              <a:t>ghi</a:t>
-            </a:r>
-            <a:r>
-              <a:rPr lang="en-US" dirty="0" smtClean="0"/>
-              <a:t> </a:t>
-            </a:r>
-            <a:r>
-              <a:rPr lang="en-US" dirty="0" err="1" smtClean="0"/>
-              <a:t>chú</a:t>
+              <a:rPr lang="en-US" dirty="0" err="1" smtClean="0"/>
+              <a:t>Gồm</a:t>
+            </a:r>
+            <a:r>
+              <a:rPr lang="en-US" dirty="0" smtClean="0"/>
+              <a:t> </a:t>
+            </a:r>
+            <a:r>
+              <a:rPr lang="en-US" dirty="0" err="1" smtClean="0"/>
+              <a:t>các</a:t>
+            </a:r>
+            <a:r>
+              <a:rPr lang="en-US" dirty="0" smtClean="0"/>
+              <a:t> text view </a:t>
+            </a:r>
+            <a:r>
+              <a:rPr lang="en-US" dirty="0" err="1" smtClean="0"/>
+              <a:t>và</a:t>
+            </a:r>
+            <a:r>
+              <a:rPr lang="en-US" dirty="0" smtClean="0"/>
+              <a:t> image view</a:t>
             </a:r>
             <a:endParaRPr lang="en-US" dirty="0"/>
           </a:p>
@@ -4842,7 +4731,7 @@
     </p:spTree>
     <p:extLst>
       <p:ext uri="{BB962C8B-B14F-4D97-AF65-F5344CB8AC3E}">
-        <p14:creationId xmlns:p14="http://schemas.microsoft.com/office/powerpoint/2010/main" val="1159783894"/>
+        <p14:creationId xmlns:p14="http://schemas.microsoft.com/office/powerpoint/2010/main" val="3865352048"/>
       </p:ext>
     </p:extLst>
   </p:cSld>
@@ -4886,7 +4775,7 @@
           <a:p>
             <a:r>
               <a:rPr lang="en-US" dirty="0" smtClean="0"/>
-              <a:t>Edit activity </a:t>
+              <a:t>Detail activity </a:t>
             </a:r>
             <a:r>
               <a:rPr lang="en-US" dirty="0" err="1" smtClean="0"/>
@@ -4917,7 +4806,7 @@
         <p:spPr/>
         <p:txBody>
           <a:bodyPr>
-            <a:normAutofit/>
+            <a:normAutofit fontScale="70000" lnSpcReduction="20000"/>
           </a:bodyPr>
           <a:lstStyle/>
           <a:p>
@@ -4926,8 +4815,136 @@
               <a:buChar char="-"/>
             </a:pPr>
             <a:r>
-              <a:rPr lang="en-US" dirty="0" smtClean="0"/>
-              <a:t>Activity_display_edit.xml </a:t>
+              <a:rPr lang="en-US" dirty="0" err="1" smtClean="0"/>
+              <a:t>Activity_display_detail</a:t>
+            </a:r>
+            <a:endParaRPr lang="en-US" dirty="0" smtClean="0"/>
+          </a:p>
+          <a:p>
+            <a:pPr marL="457200" indent="-457200" algn="l">
+              <a:buFontTx/>
+              <a:buChar char="-"/>
+            </a:pPr>
+            <a:r>
+              <a:rPr lang="en-US" dirty="0" err="1" smtClean="0"/>
+              <a:t>Ngày</a:t>
+            </a:r>
+            <a:r>
+              <a:rPr lang="en-US" dirty="0" smtClean="0"/>
+              <a:t> </a:t>
+            </a:r>
+            <a:r>
+              <a:rPr lang="en-US" dirty="0" err="1" smtClean="0"/>
+              <a:t>tạo</a:t>
+            </a:r>
+            <a:r>
+              <a:rPr lang="en-US" dirty="0" smtClean="0"/>
+              <a:t> </a:t>
+            </a:r>
+            <a:r>
+              <a:rPr lang="en-US" dirty="0" err="1" smtClean="0"/>
+              <a:t>ghi</a:t>
+            </a:r>
+            <a:r>
+              <a:rPr lang="en-US" dirty="0" smtClean="0"/>
+              <a:t> </a:t>
+            </a:r>
+            <a:r>
+              <a:rPr lang="en-US" dirty="0" err="1" smtClean="0"/>
+              <a:t>chú</a:t>
+            </a:r>
+            <a:endParaRPr lang="en-US" dirty="0" smtClean="0"/>
+          </a:p>
+          <a:p>
+            <a:pPr marL="457200" indent="-457200" algn="l">
+              <a:buFontTx/>
+              <a:buChar char="-"/>
+            </a:pPr>
+            <a:r>
+              <a:rPr lang="en-US" dirty="0" err="1" smtClean="0"/>
+              <a:t>Ảnh</a:t>
+            </a:r>
+            <a:r>
+              <a:rPr lang="en-US" dirty="0" smtClean="0"/>
+              <a:t> </a:t>
+            </a:r>
+            <a:r>
+              <a:rPr lang="en-US" dirty="0" err="1" smtClean="0"/>
+              <a:t>ghi</a:t>
+            </a:r>
+            <a:r>
+              <a:rPr lang="en-US" dirty="0" smtClean="0"/>
+              <a:t> </a:t>
+            </a:r>
+            <a:r>
+              <a:rPr lang="en-US" dirty="0" err="1" smtClean="0"/>
+              <a:t>chú</a:t>
+            </a:r>
+            <a:endParaRPr lang="en-US" dirty="0" smtClean="0"/>
+          </a:p>
+          <a:p>
+            <a:pPr marL="457200" indent="-457200" algn="l">
+              <a:buFontTx/>
+              <a:buChar char="-"/>
+            </a:pPr>
+            <a:r>
+              <a:rPr lang="en-US" dirty="0" err="1" smtClean="0"/>
+              <a:t>Địa</a:t>
+            </a:r>
+            <a:r>
+              <a:rPr lang="en-US" dirty="0" smtClean="0"/>
+              <a:t> </a:t>
+            </a:r>
+            <a:r>
+              <a:rPr lang="en-US" dirty="0" err="1" smtClean="0"/>
+              <a:t>điểm</a:t>
+            </a:r>
+            <a:r>
+              <a:rPr lang="en-US" dirty="0" smtClean="0"/>
+              <a:t> </a:t>
+            </a:r>
+            <a:r>
+              <a:rPr lang="en-US" dirty="0" err="1" smtClean="0"/>
+              <a:t>ghi</a:t>
+            </a:r>
+            <a:r>
+              <a:rPr lang="en-US" dirty="0" smtClean="0"/>
+              <a:t> </a:t>
+            </a:r>
+            <a:r>
+              <a:rPr lang="en-US" dirty="0" err="1" smtClean="0"/>
+              <a:t>chú</a:t>
+            </a:r>
+            <a:endParaRPr lang="en-US" dirty="0" smtClean="0"/>
+          </a:p>
+          <a:p>
+            <a:pPr marL="457200" indent="-457200" algn="l">
+              <a:buFontTx/>
+              <a:buChar char="-"/>
+            </a:pPr>
+            <a:r>
+              <a:rPr lang="en-US" dirty="0" err="1" smtClean="0"/>
+              <a:t>Giờ</a:t>
+            </a:r>
+            <a:r>
+              <a:rPr lang="en-US" dirty="0" smtClean="0"/>
+              <a:t> </a:t>
+            </a:r>
+            <a:r>
+              <a:rPr lang="en-US" dirty="0" err="1" smtClean="0"/>
+              <a:t>nhắc</a:t>
+            </a:r>
+            <a:r>
+              <a:rPr lang="en-US" dirty="0" smtClean="0"/>
+              <a:t> </a:t>
+            </a:r>
+            <a:r>
+              <a:rPr lang="en-US" dirty="0" err="1" smtClean="0"/>
+              <a:t>lịch</a:t>
+            </a:r>
+            <a:r>
+              <a:rPr lang="en-US" dirty="0" smtClean="0"/>
+              <a:t> </a:t>
             </a:r>
             <a:endParaRPr lang="en-US" dirty="0"/>
           </a:p>
@@ -4936,7 +4953,7 @@
     </p:spTree>
     <p:extLst>
       <p:ext uri="{BB962C8B-B14F-4D97-AF65-F5344CB8AC3E}">
-        <p14:creationId xmlns:p14="http://schemas.microsoft.com/office/powerpoint/2010/main" val="1057063376"/>
+        <p14:creationId xmlns:p14="http://schemas.microsoft.com/office/powerpoint/2010/main" val="3118060769"/>
       </p:ext>
     </p:extLst>
   </p:cSld>
@@ -4980,7 +4997,7 @@
           <a:p>
             <a:r>
               <a:rPr lang="en-US" dirty="0" smtClean="0"/>
-              <a:t>Edit activity code</a:t>
+              <a:t>Detail activity code</a:t>
             </a:r>
             <a:endParaRPr lang="en-US" dirty="0"/>
           </a:p>
@@ -4999,7 +5016,7 @@
         <p:spPr/>
         <p:txBody>
           <a:bodyPr>
-            <a:normAutofit fontScale="85000" lnSpcReduction="10000"/>
+            <a:normAutofit fontScale="92500" lnSpcReduction="20000"/>
           </a:bodyPr>
           <a:lstStyle/>
           <a:p>
@@ -5009,31 +5026,15 @@
             </a:pPr>
             <a:r>
               <a:rPr lang="en-US" dirty="0" err="1" smtClean="0"/>
-              <a:t>Xử</a:t>
-            </a:r>
-            <a:r>
-              <a:rPr lang="en-US" dirty="0" smtClean="0"/>
-              <a:t> </a:t>
-            </a:r>
-            <a:r>
-              <a:rPr lang="en-US" dirty="0" err="1" smtClean="0"/>
-              <a:t>lý</a:t>
-            </a:r>
-            <a:r>
-              <a:rPr lang="en-US" dirty="0" smtClean="0"/>
-              <a:t> </a:t>
-            </a:r>
-            <a:r>
-              <a:rPr lang="en-US" dirty="0" err="1" smtClean="0"/>
-              <a:t>cập</a:t>
-            </a:r>
-            <a:r>
-              <a:rPr lang="en-US" dirty="0" smtClean="0"/>
-              <a:t> </a:t>
-            </a:r>
-            <a:r>
-              <a:rPr lang="en-US" dirty="0" err="1" smtClean="0"/>
-              <a:t>nhật</a:t>
+              <a:t>Lấy</a:t>
+            </a:r>
+            <a:r>
+              <a:rPr lang="en-US" dirty="0" smtClean="0"/>
+              <a:t> </a:t>
+            </a:r>
+            <a:r>
+              <a:rPr lang="en-US" dirty="0" err="1" smtClean="0"/>
+              <a:t>một</a:t>
             </a:r>
             <a:r>
               <a:rPr lang="en-US" dirty="0" smtClean="0"/>
@@ -5057,15 +5058,39 @@
             </a:r>
             <a:r>
               <a:rPr lang="en-US" dirty="0" err="1" smtClean="0"/>
-              <a:t>bằng</a:t>
-            </a:r>
-            <a:r>
-              <a:rPr lang="en-US" dirty="0" smtClean="0"/>
-              <a:t> </a:t>
-            </a:r>
-            <a:r>
-              <a:rPr lang="en-US" dirty="0" err="1" smtClean="0"/>
-              <a:t>sqlite</a:t>
+              <a:t>chuyền</a:t>
+            </a:r>
+            <a:r>
+              <a:rPr lang="en-US" dirty="0" smtClean="0"/>
+              <a:t> </a:t>
+            </a:r>
+            <a:r>
+              <a:rPr lang="en-US" dirty="0" err="1" smtClean="0"/>
+              <a:t>từ</a:t>
+            </a:r>
+            <a:r>
+              <a:rPr lang="en-US" dirty="0" smtClean="0"/>
+              <a:t> activity home sang </a:t>
+            </a:r>
+            <a:r>
+              <a:rPr lang="en-US" dirty="0" err="1" smtClean="0"/>
+              <a:t>để</a:t>
+            </a:r>
+            <a:r>
+              <a:rPr lang="en-US" dirty="0" smtClean="0"/>
+              <a:t> </a:t>
+            </a:r>
+            <a:r>
+              <a:rPr lang="en-US" dirty="0" err="1" smtClean="0"/>
+              <a:t>thể</a:t>
+            </a:r>
+            <a:r>
+              <a:rPr lang="en-US" dirty="0" smtClean="0"/>
+              <a:t> </a:t>
+            </a:r>
+            <a:r>
+              <a:rPr lang="en-US" dirty="0" err="1" smtClean="0"/>
+              <a:t>hiện</a:t>
             </a:r>
             <a:endParaRPr lang="en-US" dirty="0" smtClean="0"/>
           </a:p>
@@ -5076,134 +5101,67 @@
             </a:pPr>
             <a:r>
               <a:rPr lang="en-US" dirty="0" err="1" smtClean="0"/>
-              <a:t>Xử</a:t>
-            </a:r>
-            <a:r>
-              <a:rPr lang="en-US" dirty="0" smtClean="0"/>
-              <a:t> </a:t>
-            </a:r>
-            <a:r>
-              <a:rPr lang="en-US" dirty="0" err="1" smtClean="0"/>
-              <a:t>lý</a:t>
-            </a:r>
-            <a:r>
-              <a:rPr lang="en-US" dirty="0" smtClean="0"/>
-              <a:t> </a:t>
-            </a:r>
-            <a:r>
-              <a:rPr lang="en-US" dirty="0" err="1" smtClean="0"/>
-              <a:t>dữ</a:t>
-            </a:r>
-            <a:r>
-              <a:rPr lang="en-US" dirty="0" smtClean="0"/>
-              <a:t> </a:t>
-            </a:r>
-            <a:r>
-              <a:rPr lang="en-US" dirty="0" err="1" smtClean="0"/>
-              <a:t>liệu</a:t>
-            </a:r>
-            <a:r>
-              <a:rPr lang="en-US" dirty="0" smtClean="0"/>
-              <a:t> </a:t>
-            </a:r>
-            <a:r>
-              <a:rPr lang="en-US" dirty="0" err="1" smtClean="0"/>
-              <a:t>bản</a:t>
-            </a:r>
-            <a:r>
-              <a:rPr lang="en-US" dirty="0" smtClean="0"/>
-              <a:t> </a:t>
-            </a:r>
-            <a:r>
-              <a:rPr lang="en-US" dirty="0" err="1" smtClean="0"/>
-              <a:t>đồ</a:t>
-            </a:r>
-            <a:r>
-              <a:rPr lang="en-US" dirty="0" smtClean="0"/>
-              <a:t> </a:t>
-            </a:r>
-            <a:r>
-              <a:rPr lang="en-US" dirty="0" err="1" smtClean="0"/>
-              <a:t>lấy</a:t>
-            </a:r>
-            <a:r>
-              <a:rPr lang="en-US" dirty="0" smtClean="0"/>
-              <a:t> </a:t>
-            </a:r>
-            <a:r>
-              <a:rPr lang="en-US" dirty="0" err="1" smtClean="0"/>
-              <a:t>ra</a:t>
-            </a:r>
-            <a:r>
-              <a:rPr lang="en-US" dirty="0" smtClean="0"/>
-              <a:t> </a:t>
-            </a:r>
-            <a:r>
-              <a:rPr lang="en-US" dirty="0" err="1" smtClean="0"/>
-              <a:t>địa</a:t>
-            </a:r>
-            <a:r>
-              <a:rPr lang="en-US" dirty="0" smtClean="0"/>
-              <a:t> </a:t>
-            </a:r>
-            <a:r>
-              <a:rPr lang="en-US" dirty="0" err="1" smtClean="0"/>
-              <a:t>điểm</a:t>
-            </a:r>
-            <a:endParaRPr lang="en-US" dirty="0" smtClean="0"/>
-          </a:p>
-          <a:p>
-            <a:pPr marL="457200" indent="-457200" algn="l">
-              <a:buFontTx/>
-              <a:buChar char="-"/>
-            </a:pPr>
-            <a:r>
-              <a:rPr lang="en-US" dirty="0" err="1" smtClean="0"/>
-              <a:t>Xử</a:t>
-            </a:r>
-            <a:r>
-              <a:rPr lang="en-US" dirty="0" smtClean="0"/>
-              <a:t> </a:t>
-            </a:r>
-            <a:r>
-              <a:rPr lang="en-US" dirty="0" err="1" smtClean="0"/>
-              <a:t>lý</a:t>
-            </a:r>
-            <a:r>
-              <a:rPr lang="en-US" dirty="0" smtClean="0"/>
-              <a:t> </a:t>
-            </a:r>
-            <a:r>
-              <a:rPr lang="en-US" dirty="0" err="1" smtClean="0"/>
-              <a:t>việc</a:t>
-            </a:r>
-            <a:r>
-              <a:rPr lang="en-US" dirty="0" smtClean="0"/>
-              <a:t> </a:t>
-            </a:r>
-            <a:r>
-              <a:rPr lang="en-US" dirty="0" err="1" smtClean="0"/>
-              <a:t>tạo</a:t>
-            </a:r>
-            <a:r>
-              <a:rPr lang="en-US" dirty="0" smtClean="0"/>
-              <a:t> </a:t>
-            </a:r>
-            <a:r>
-              <a:rPr lang="en-US" dirty="0" err="1" smtClean="0"/>
-              <a:t>nhắc</a:t>
-            </a:r>
-            <a:r>
-              <a:rPr lang="en-US" dirty="0" smtClean="0"/>
-              <a:t> </a:t>
-            </a:r>
-            <a:r>
-              <a:rPr lang="en-US" dirty="0" err="1" smtClean="0"/>
-              <a:t>lịch</a:t>
-            </a:r>
-            <a:r>
-              <a:rPr lang="en-US" dirty="0" smtClean="0"/>
-              <a:t> </a:t>
+              <a:t>Khi</a:t>
+            </a:r>
+            <a:r>
+              <a:rPr lang="en-US" dirty="0" smtClean="0"/>
+              <a:t> </a:t>
+            </a:r>
+            <a:r>
+              <a:rPr lang="en-US" dirty="0" err="1" smtClean="0"/>
+              <a:t>nhấn</a:t>
+            </a:r>
+            <a:r>
+              <a:rPr lang="en-US" dirty="0" smtClean="0"/>
+              <a:t> </a:t>
+            </a:r>
+            <a:r>
+              <a:rPr lang="en-US" dirty="0" err="1" smtClean="0"/>
+              <a:t>vào</a:t>
+            </a:r>
+            <a:r>
+              <a:rPr lang="en-US" dirty="0" smtClean="0"/>
+              <a:t> edit </a:t>
+            </a:r>
+            <a:r>
+              <a:rPr lang="en-US" dirty="0" err="1" smtClean="0"/>
+              <a:t>thì</a:t>
+            </a:r>
+            <a:r>
+              <a:rPr lang="en-US" dirty="0" smtClean="0"/>
+              <a:t> </a:t>
+            </a:r>
+            <a:r>
+              <a:rPr lang="en-US" dirty="0" err="1" smtClean="0"/>
+              <a:t>chuyển</a:t>
+            </a:r>
+            <a:r>
+              <a:rPr lang="en-US" dirty="0" smtClean="0"/>
+              <a:t> </a:t>
+            </a:r>
+            <a:r>
+              <a:rPr lang="en-US" dirty="0" err="1" smtClean="0"/>
+              <a:t>giao</a:t>
+            </a:r>
+            <a:r>
+              <a:rPr lang="en-US" dirty="0" smtClean="0"/>
+              <a:t> </a:t>
+            </a:r>
+            <a:r>
+              <a:rPr lang="en-US" dirty="0" err="1" smtClean="0"/>
+              <a:t>diện</a:t>
+            </a:r>
+            <a:r>
+              <a:rPr lang="en-US" dirty="0" smtClean="0"/>
+              <a:t> sang </a:t>
+            </a:r>
+            <a:r>
+              <a:rPr lang="en-US" dirty="0" err="1" smtClean="0"/>
+              <a:t>phần</a:t>
+            </a:r>
+            <a:r>
+              <a:rPr lang="en-US" dirty="0" smtClean="0"/>
+              <a:t> edit </a:t>
             </a:r>
             <a:r>
               <a:rPr lang="en-US" dirty="0" err="1" smtClean="0"/>
@@ -5220,70 +5178,6 @@
             <a:r>
               <a:rPr lang="en-US" dirty="0" smtClean="0"/>
               <a:t> </a:t>
-            </a:r>
-            <a:r>
-              <a:rPr lang="en-US" dirty="0" err="1" smtClean="0"/>
-              <a:t>dùng</a:t>
-            </a:r>
-            <a:r>
-              <a:rPr lang="en-US" dirty="0" smtClean="0"/>
-              <a:t> </a:t>
-            </a:r>
-            <a:r>
-              <a:rPr lang="en-US" dirty="0" err="1" smtClean="0"/>
-              <a:t>hệ</a:t>
-            </a:r>
-            <a:r>
-              <a:rPr lang="en-US" dirty="0" smtClean="0"/>
-              <a:t> </a:t>
-            </a:r>
-            <a:r>
-              <a:rPr lang="en-US" dirty="0" err="1" smtClean="0"/>
-              <a:t>thống</a:t>
-            </a:r>
-            <a:r>
-              <a:rPr lang="en-US" dirty="0" smtClean="0"/>
-              <a:t> </a:t>
-            </a:r>
-            <a:r>
-              <a:rPr lang="en-US" dirty="0" err="1" smtClean="0"/>
-              <a:t>nhắc</a:t>
-            </a:r>
-            <a:r>
-              <a:rPr lang="en-US" dirty="0" smtClean="0"/>
-              <a:t> </a:t>
-            </a:r>
-            <a:r>
-              <a:rPr lang="en-US" dirty="0" err="1" smtClean="0"/>
-              <a:t>lịch</a:t>
-            </a:r>
-            <a:r>
-              <a:rPr lang="en-US" dirty="0" smtClean="0"/>
-              <a:t> </a:t>
-            </a:r>
-            <a:r>
-              <a:rPr lang="en-US" dirty="0" err="1" smtClean="0"/>
-              <a:t>có</a:t>
-            </a:r>
-            <a:r>
-              <a:rPr lang="en-US" dirty="0" smtClean="0"/>
-              <a:t> </a:t>
-            </a:r>
-            <a:r>
-              <a:rPr lang="en-US" dirty="0" err="1" smtClean="0"/>
-              <a:t>sẵn</a:t>
-            </a:r>
-            <a:r>
-              <a:rPr lang="en-US" dirty="0" smtClean="0"/>
-              <a:t> </a:t>
-            </a:r>
-            <a:r>
-              <a:rPr lang="en-US" dirty="0" err="1" smtClean="0"/>
-              <a:t>của</a:t>
-            </a:r>
-            <a:r>
-              <a:rPr lang="en-US" dirty="0" smtClean="0"/>
-              <a:t> android </a:t>
             </a:r>
             <a:endParaRPr lang="en-US" dirty="0"/>
           </a:p>
@@ -5292,7 +5186,7 @@
     </p:spTree>
     <p:extLst>
       <p:ext uri="{BB962C8B-B14F-4D97-AF65-F5344CB8AC3E}">
-        <p14:creationId xmlns:p14="http://schemas.microsoft.com/office/powerpoint/2010/main" val="4250217646"/>
+        <p14:creationId xmlns:p14="http://schemas.microsoft.com/office/powerpoint/2010/main" val="1943934891"/>
       </p:ext>
     </p:extLst>
   </p:cSld>
@@ -5335,8 +5229,32 @@
           <a:lstStyle/>
           <a:p>
             <a:r>
-              <a:rPr lang="en-US" dirty="0" smtClean="0"/>
-              <a:t>Login activity</a:t>
+              <a:rPr lang="en-US" dirty="0" err="1" smtClean="0"/>
+              <a:t>Ứng</a:t>
+            </a:r>
+            <a:r>
+              <a:rPr lang="en-US" dirty="0" smtClean="0"/>
+              <a:t> </a:t>
+            </a:r>
+            <a:r>
+              <a:rPr lang="en-US" dirty="0" err="1" smtClean="0"/>
+              <a:t>dụng</a:t>
+            </a:r>
+            <a:r>
+              <a:rPr lang="en-US" dirty="0" smtClean="0"/>
+              <a:t> </a:t>
+            </a:r>
+            <a:r>
+              <a:rPr lang="en-US" dirty="0" err="1" smtClean="0"/>
+              <a:t>ghi</a:t>
+            </a:r>
+            <a:r>
+              <a:rPr lang="en-US" dirty="0" smtClean="0"/>
+              <a:t> </a:t>
+            </a:r>
+            <a:r>
+              <a:rPr lang="en-US" dirty="0" err="1" smtClean="0"/>
+              <a:t>chú</a:t>
             </a:r>
             <a:endParaRPr lang="en-US" dirty="0"/>
           </a:p>
@@ -5354,28 +5272,31 @@
         </p:nvSpPr>
         <p:spPr/>
         <p:txBody>
-          <a:bodyPr/>
-          <a:lstStyle/>
-          <a:p>
-            <a:r>
-              <a:rPr lang="en-US" dirty="0" err="1" smtClean="0"/>
-              <a:t>Phần</a:t>
-            </a:r>
-            <a:r>
-              <a:rPr lang="en-US" dirty="0" smtClean="0"/>
-              <a:t> </a:t>
-            </a:r>
-            <a:r>
-              <a:rPr lang="en-US" dirty="0" err="1" smtClean="0"/>
-              <a:t>nghiên</a:t>
-            </a:r>
-            <a:r>
-              <a:rPr lang="en-US" dirty="0" smtClean="0"/>
-              <a:t> </a:t>
-            </a:r>
-            <a:r>
-              <a:rPr lang="en-US" dirty="0" err="1" smtClean="0"/>
-              <a:t>cứu</a:t>
+          <a:bodyPr>
+            <a:normAutofit fontScale="85000" lnSpcReduction="20000"/>
+          </a:bodyPr>
+          <a:lstStyle/>
+          <a:p>
+            <a:pPr algn="l"/>
+            <a:r>
+              <a:rPr lang="en-US" dirty="0" err="1" smtClean="0"/>
+              <a:t>Đặt</a:t>
+            </a:r>
+            <a:r>
+              <a:rPr lang="en-US" dirty="0" smtClean="0"/>
+              <a:t> </a:t>
+            </a:r>
+            <a:r>
+              <a:rPr lang="en-US" dirty="0" err="1" smtClean="0"/>
+              <a:t>mật</a:t>
+            </a:r>
+            <a:r>
+              <a:rPr lang="en-US" dirty="0" smtClean="0"/>
+              <a:t> </a:t>
+            </a:r>
+            <a:r>
+              <a:rPr lang="en-US" dirty="0" err="1" smtClean="0"/>
+              <a:t>khẩu</a:t>
             </a:r>
             <a:r>
               <a:rPr lang="en-US" dirty="0" smtClean="0"/>
@@ -5383,47 +5304,98 @@
             </a:r>
             <a:r>
               <a:rPr lang="en-US" dirty="0" err="1" smtClean="0"/>
-              <a:t>sharedprefrences</a:t>
-            </a:r>
-            <a:r>
-              <a:rPr lang="en-US" dirty="0" smtClean="0"/>
-              <a:t> </a:t>
-            </a:r>
-            <a:r>
-              <a:rPr lang="en-US" dirty="0" err="1" smtClean="0"/>
-              <a:t>và</a:t>
-            </a:r>
-            <a:r>
-              <a:rPr lang="en-US" dirty="0" smtClean="0"/>
-              <a:t> </a:t>
-            </a:r>
-            <a:r>
-              <a:rPr lang="en-US" dirty="0" err="1" smtClean="0"/>
-              <a:t>lưu</a:t>
-            </a:r>
-            <a:r>
-              <a:rPr lang="en-US" dirty="0" smtClean="0"/>
-              <a:t> </a:t>
-            </a:r>
-            <a:r>
-              <a:rPr lang="en-US" dirty="0" err="1" smtClean="0"/>
-              <a:t>trữ</a:t>
-            </a:r>
-            <a:r>
-              <a:rPr lang="en-US" dirty="0" smtClean="0"/>
-              <a:t> </a:t>
-            </a:r>
-            <a:r>
-              <a:rPr lang="en-US" dirty="0" err="1" smtClean="0"/>
-              <a:t>mật</a:t>
-            </a:r>
-            <a:r>
-              <a:rPr lang="en-US" dirty="0" smtClean="0"/>
-              <a:t> </a:t>
-            </a:r>
-            <a:r>
-              <a:rPr lang="en-US" dirty="0" err="1" smtClean="0"/>
-              <a:t>khẩu</a:t>
+              <a:t>đăng</a:t>
+            </a:r>
+            <a:r>
+              <a:rPr lang="en-US" dirty="0" smtClean="0"/>
+              <a:t> </a:t>
+            </a:r>
+            <a:r>
+              <a:rPr lang="en-US" dirty="0" err="1" smtClean="0"/>
+              <a:t>nhập</a:t>
+            </a:r>
+            <a:endParaRPr lang="en-US" dirty="0" smtClean="0"/>
+          </a:p>
+          <a:p>
+            <a:pPr algn="l"/>
+            <a:r>
+              <a:rPr lang="en-US" dirty="0" err="1" smtClean="0"/>
+              <a:t>Thêm</a:t>
+            </a:r>
+            <a:r>
+              <a:rPr lang="en-US" dirty="0" smtClean="0"/>
+              <a:t> </a:t>
+            </a:r>
+            <a:r>
+              <a:rPr lang="en-US" dirty="0" err="1" smtClean="0"/>
+              <a:t>bớt</a:t>
+            </a:r>
+            <a:r>
+              <a:rPr lang="en-US" dirty="0" smtClean="0"/>
+              <a:t> </a:t>
+            </a:r>
+            <a:r>
+              <a:rPr lang="en-US" dirty="0" err="1" smtClean="0"/>
+              <a:t>sửa</a:t>
+            </a:r>
+            <a:r>
+              <a:rPr lang="en-US" dirty="0" smtClean="0"/>
+              <a:t> </a:t>
+            </a:r>
+            <a:r>
+              <a:rPr lang="en-US" dirty="0" err="1" smtClean="0"/>
+              <a:t>xóa</a:t>
+            </a:r>
+            <a:r>
+              <a:rPr lang="en-US" dirty="0" smtClean="0"/>
+              <a:t> </a:t>
+            </a:r>
+            <a:r>
+              <a:rPr lang="en-US" dirty="0" err="1" smtClean="0"/>
+              <a:t>ghi</a:t>
+            </a:r>
+            <a:r>
+              <a:rPr lang="en-US" dirty="0" smtClean="0"/>
+              <a:t> </a:t>
+            </a:r>
+            <a:r>
+              <a:rPr lang="en-US" dirty="0" err="1" smtClean="0"/>
+              <a:t>chú</a:t>
+            </a:r>
+            <a:endParaRPr lang="en-US" dirty="0" smtClean="0"/>
+          </a:p>
+          <a:p>
+            <a:pPr algn="l"/>
+            <a:r>
+              <a:rPr lang="en-US" dirty="0" err="1" smtClean="0"/>
+              <a:t>Tìm</a:t>
+            </a:r>
+            <a:r>
+              <a:rPr lang="en-US" dirty="0" smtClean="0"/>
+              <a:t> </a:t>
+            </a:r>
+            <a:r>
+              <a:rPr lang="en-US" dirty="0" err="1" smtClean="0"/>
+              <a:t>kiếm</a:t>
+            </a:r>
+            <a:r>
+              <a:rPr lang="en-US" dirty="0" smtClean="0"/>
+              <a:t> </a:t>
+            </a:r>
+          </a:p>
+          <a:p>
+            <a:pPr algn="l"/>
+            <a:r>
+              <a:rPr lang="en-US" dirty="0" err="1" smtClean="0"/>
+              <a:t>Nhắc</a:t>
+            </a:r>
+            <a:r>
+              <a:rPr lang="en-US" dirty="0" smtClean="0"/>
+              <a:t> </a:t>
+            </a:r>
+            <a:r>
+              <a:rPr lang="en-US" dirty="0" err="1" smtClean="0"/>
+              <a:t>lịch</a:t>
             </a:r>
             <a:endParaRPr lang="en-US" dirty="0"/>
           </a:p>
@@ -5432,7 +5404,7 @@
     </p:spTree>
     <p:extLst>
       <p:ext uri="{BB962C8B-B14F-4D97-AF65-F5344CB8AC3E}">
-        <p14:creationId xmlns:p14="http://schemas.microsoft.com/office/powerpoint/2010/main" val="783840454"/>
+        <p14:creationId xmlns:p14="http://schemas.microsoft.com/office/powerpoint/2010/main" val="1276880942"/>
       </p:ext>
     </p:extLst>
   </p:cSld>
@@ -5475,16 +5447,20 @@
           <a:lstStyle/>
           <a:p>
             <a:r>
-              <a:rPr lang="en-US" dirty="0" err="1" smtClean="0"/>
-              <a:t>Kết</a:t>
-            </a:r>
-            <a:r>
-              <a:rPr lang="en-US" dirty="0" smtClean="0"/>
-              <a:t> </a:t>
-            </a:r>
-            <a:r>
-              <a:rPr lang="en-US" dirty="0" err="1" smtClean="0"/>
-              <a:t>luận</a:t>
+              <a:rPr lang="en-US" dirty="0" smtClean="0"/>
+              <a:t>Edit activity </a:t>
+            </a:r>
+            <a:r>
+              <a:rPr lang="en-US" dirty="0" err="1" smtClean="0"/>
+              <a:t>chức</a:t>
+            </a:r>
+            <a:r>
+              <a:rPr lang="en-US" dirty="0" smtClean="0"/>
+              <a:t> </a:t>
+            </a:r>
+            <a:r>
+              <a:rPr lang="en-US" dirty="0" err="1" smtClean="0"/>
+              <a:t>năng</a:t>
             </a:r>
             <a:endParaRPr lang="en-US" dirty="0"/>
           </a:p>
@@ -5503,7 +5479,7 @@
         <p:spPr/>
         <p:txBody>
           <a:bodyPr>
-            <a:normAutofit fontScale="92500" lnSpcReduction="20000"/>
+            <a:normAutofit fontScale="70000" lnSpcReduction="20000"/>
           </a:bodyPr>
           <a:lstStyle/>
           <a:p>
@@ -5513,44 +5489,41 @@
             </a:pPr>
             <a:r>
               <a:rPr lang="en-US" dirty="0" err="1" smtClean="0"/>
-              <a:t>Những</a:t>
-            </a:r>
-            <a:r>
-              <a:rPr lang="en-US" dirty="0" smtClean="0"/>
-              <a:t> </a:t>
-            </a:r>
-            <a:r>
-              <a:rPr lang="en-US" dirty="0" err="1" smtClean="0"/>
-              <a:t>thứ</a:t>
-            </a:r>
-            <a:r>
-              <a:rPr lang="en-US" dirty="0" smtClean="0"/>
-              <a:t> </a:t>
-            </a:r>
-            <a:r>
-              <a:rPr lang="en-US" dirty="0" err="1" smtClean="0"/>
-              <a:t>đã</a:t>
-            </a:r>
-            <a:r>
-              <a:rPr lang="en-US" dirty="0" smtClean="0"/>
-              <a:t> </a:t>
-            </a:r>
-            <a:r>
-              <a:rPr lang="en-US" dirty="0" err="1" smtClean="0"/>
-              <a:t>nghiên</a:t>
-            </a:r>
-            <a:r>
-              <a:rPr lang="en-US" dirty="0" smtClean="0"/>
-              <a:t> </a:t>
-            </a:r>
-            <a:r>
-              <a:rPr lang="en-US" dirty="0" err="1" smtClean="0"/>
-              <a:t>cứu</a:t>
-            </a:r>
-            <a:r>
-              <a:rPr lang="en-US" dirty="0" smtClean="0"/>
-              <a:t> </a:t>
-            </a:r>
+              <a:t>Thực</a:t>
+            </a:r>
+            <a:r>
+              <a:rPr lang="en-US" dirty="0" smtClean="0"/>
+              <a:t> </a:t>
+            </a:r>
+            <a:r>
+              <a:rPr lang="en-US" dirty="0" err="1" smtClean="0"/>
+              <a:t>hiện</a:t>
+            </a:r>
+            <a:r>
+              <a:rPr lang="en-US" dirty="0" smtClean="0"/>
+              <a:t> </a:t>
+            </a:r>
+            <a:r>
+              <a:rPr lang="en-US" dirty="0" err="1" smtClean="0"/>
+              <a:t>việc</a:t>
+            </a:r>
+            <a:r>
+              <a:rPr lang="en-US" dirty="0" smtClean="0"/>
+              <a:t> edit 1 </a:t>
+            </a:r>
+            <a:r>
+              <a:rPr lang="en-US" dirty="0" err="1" smtClean="0"/>
+              <a:t>ghi</a:t>
+            </a:r>
+            <a:r>
+              <a:rPr lang="en-US" dirty="0" smtClean="0"/>
+              <a:t> </a:t>
+            </a:r>
+            <a:r>
+              <a:rPr lang="en-US" dirty="0" err="1" smtClean="0"/>
+              <a:t>chú</a:t>
+            </a:r>
+            <a:endParaRPr lang="en-US" dirty="0" smtClean="0"/>
           </a:p>
           <a:p>
             <a:pPr marL="457200" indent="-457200" algn="l">
@@ -5558,72 +5531,28 @@
               <a:buChar char="-"/>
             </a:pPr>
             <a:r>
-              <a:rPr lang="en-US" dirty="0" err="1" smtClean="0"/>
-              <a:t>Những</a:t>
-            </a:r>
-            <a:r>
-              <a:rPr lang="en-US" dirty="0" smtClean="0"/>
-              <a:t> </a:t>
-            </a:r>
-            <a:r>
-              <a:rPr lang="en-US" dirty="0" err="1" smtClean="0"/>
-              <a:t>chức</a:t>
-            </a:r>
-            <a:r>
-              <a:rPr lang="en-US" dirty="0" smtClean="0"/>
-              <a:t> </a:t>
-            </a:r>
-            <a:r>
-              <a:rPr lang="en-US" dirty="0" err="1" smtClean="0"/>
-              <a:t>năng</a:t>
-            </a:r>
-            <a:r>
-              <a:rPr lang="en-US" dirty="0" smtClean="0"/>
-              <a:t> </a:t>
-            </a:r>
-            <a:r>
-              <a:rPr lang="en-US" dirty="0" err="1" smtClean="0"/>
-              <a:t>ứng</a:t>
-            </a:r>
-            <a:r>
-              <a:rPr lang="en-US" dirty="0" smtClean="0"/>
-              <a:t> </a:t>
-            </a:r>
-            <a:r>
-              <a:rPr lang="en-US" dirty="0" err="1" smtClean="0"/>
-              <a:t>dụng</a:t>
-            </a:r>
-            <a:r>
-              <a:rPr lang="en-US" dirty="0" smtClean="0"/>
-              <a:t> </a:t>
-            </a:r>
-            <a:r>
-              <a:rPr lang="en-US" dirty="0" err="1" smtClean="0"/>
-              <a:t>đã</a:t>
-            </a:r>
-            <a:r>
-              <a:rPr lang="en-US" dirty="0" smtClean="0"/>
-              <a:t> </a:t>
-            </a:r>
-            <a:r>
-              <a:rPr lang="en-US" dirty="0" err="1" smtClean="0"/>
-              <a:t>thực</a:t>
-            </a:r>
-            <a:r>
-              <a:rPr lang="en-US" dirty="0" smtClean="0"/>
-              <a:t> </a:t>
-            </a:r>
-            <a:r>
-              <a:rPr lang="en-US" dirty="0" err="1" smtClean="0"/>
-              <a:t>hiện</a:t>
-            </a:r>
-            <a:r>
-              <a:rPr lang="en-US" dirty="0" smtClean="0"/>
-              <a:t> </a:t>
-            </a:r>
-            <a:r>
-              <a:rPr lang="en-US" dirty="0" err="1" smtClean="0"/>
-              <a:t>được</a:t>
+              <a:rPr lang="en-US" dirty="0" smtClean="0"/>
+              <a:t>Cho </a:t>
+            </a:r>
+            <a:r>
+              <a:rPr lang="en-US" dirty="0" err="1" smtClean="0"/>
+              <a:t>phép</a:t>
+            </a:r>
+            <a:r>
+              <a:rPr lang="en-US" dirty="0" smtClean="0"/>
+              <a:t> </a:t>
+            </a:r>
+            <a:r>
+              <a:rPr lang="en-US" dirty="0" err="1" smtClean="0"/>
+              <a:t>chọn</a:t>
+            </a:r>
+            <a:r>
+              <a:rPr lang="en-US" dirty="0" smtClean="0"/>
+              <a:t> </a:t>
+            </a:r>
+            <a:r>
+              <a:rPr lang="en-US" dirty="0" err="1" smtClean="0"/>
+              <a:t>lịch</a:t>
             </a:r>
             <a:endParaRPr lang="en-US" dirty="0" smtClean="0"/>
           </a:p>
@@ -5633,48 +5562,105 @@
               <a:buChar char="-"/>
             </a:pPr>
             <a:r>
-              <a:rPr lang="en-US" dirty="0" err="1" smtClean="0"/>
-              <a:t>Những</a:t>
-            </a:r>
-            <a:r>
-              <a:rPr lang="en-US" dirty="0" smtClean="0"/>
-              <a:t> </a:t>
-            </a:r>
-            <a:r>
-              <a:rPr lang="en-US" dirty="0" err="1" smtClean="0"/>
-              <a:t>thứ</a:t>
-            </a:r>
-            <a:r>
-              <a:rPr lang="en-US" dirty="0" smtClean="0"/>
-              <a:t> </a:t>
-            </a:r>
-            <a:r>
-              <a:rPr lang="en-US" dirty="0" err="1" smtClean="0"/>
-              <a:t>cần</a:t>
-            </a:r>
-            <a:r>
-              <a:rPr lang="en-US" dirty="0" smtClean="0"/>
-              <a:t> </a:t>
-            </a:r>
-            <a:r>
-              <a:rPr lang="en-US" dirty="0" err="1" smtClean="0"/>
-              <a:t>cải</a:t>
-            </a:r>
-            <a:r>
-              <a:rPr lang="en-US" dirty="0" smtClean="0"/>
-              <a:t> </a:t>
-            </a:r>
-            <a:r>
-              <a:rPr lang="en-US" dirty="0" err="1" smtClean="0"/>
-              <a:t>tiến</a:t>
-            </a:r>
-            <a:r>
-              <a:rPr lang="en-US" dirty="0" smtClean="0"/>
-              <a:t> </a:t>
-            </a:r>
-            <a:r>
-              <a:rPr lang="en-US" dirty="0" err="1" smtClean="0"/>
-              <a:t>thêm</a:t>
+              <a:rPr lang="en-US" dirty="0" smtClean="0"/>
+              <a:t>Cho </a:t>
+            </a:r>
+            <a:r>
+              <a:rPr lang="en-US" dirty="0" err="1" smtClean="0"/>
+              <a:t>phép</a:t>
+            </a:r>
+            <a:r>
+              <a:rPr lang="en-US" dirty="0" smtClean="0"/>
+              <a:t> </a:t>
+            </a:r>
+            <a:r>
+              <a:rPr lang="en-US" dirty="0" err="1" smtClean="0"/>
+              <a:t>chọn</a:t>
+            </a:r>
+            <a:r>
+              <a:rPr lang="en-US" dirty="0" smtClean="0"/>
+              <a:t> </a:t>
+            </a:r>
+            <a:r>
+              <a:rPr lang="en-US" dirty="0" err="1" smtClean="0"/>
+              <a:t>địa</a:t>
+            </a:r>
+            <a:r>
+              <a:rPr lang="en-US" dirty="0" smtClean="0"/>
+              <a:t> </a:t>
+            </a:r>
+            <a:r>
+              <a:rPr lang="en-US" dirty="0" err="1" smtClean="0"/>
+              <a:t>điểm</a:t>
+            </a:r>
+            <a:r>
+              <a:rPr lang="en-US" dirty="0" smtClean="0"/>
+              <a:t> (internet)</a:t>
+            </a:r>
+          </a:p>
+          <a:p>
+            <a:pPr marL="457200" indent="-457200" algn="l">
+              <a:buFontTx/>
+              <a:buChar char="-"/>
+            </a:pPr>
+            <a:r>
+              <a:rPr lang="en-US" dirty="0" smtClean="0"/>
+              <a:t> Cho </a:t>
+            </a:r>
+            <a:r>
+              <a:rPr lang="en-US" dirty="0" err="1" smtClean="0"/>
+              <a:t>phép</a:t>
+            </a:r>
+            <a:r>
+              <a:rPr lang="en-US" dirty="0" smtClean="0"/>
+              <a:t> </a:t>
+            </a:r>
+            <a:r>
+              <a:rPr lang="en-US" dirty="0" err="1" smtClean="0"/>
+              <a:t>nhắc</a:t>
+            </a:r>
+            <a:r>
+              <a:rPr lang="en-US" dirty="0" smtClean="0"/>
+              <a:t> </a:t>
+            </a:r>
+            <a:r>
+              <a:rPr lang="en-US" dirty="0" err="1" smtClean="0"/>
+              <a:t>lịch</a:t>
+            </a:r>
+            <a:endParaRPr lang="en-US" dirty="0"/>
+          </a:p>
+          <a:p>
+            <a:pPr marL="457200" indent="-457200" algn="l">
+              <a:buFontTx/>
+              <a:buChar char="-"/>
+            </a:pPr>
+            <a:r>
+              <a:rPr lang="en-US" dirty="0" err="1" smtClean="0"/>
+              <a:t>Lưu</a:t>
+            </a:r>
+            <a:r>
+              <a:rPr lang="en-US" dirty="0" smtClean="0"/>
+              <a:t> </a:t>
+            </a:r>
+            <a:r>
+              <a:rPr lang="en-US" dirty="0" err="1" smtClean="0"/>
+              <a:t>trữ</a:t>
+            </a:r>
+            <a:r>
+              <a:rPr lang="en-US" dirty="0" smtClean="0"/>
+              <a:t> </a:t>
+            </a:r>
+            <a:r>
+              <a:rPr lang="en-US" dirty="0" err="1" smtClean="0"/>
+              <a:t>ghi</a:t>
+            </a:r>
+            <a:r>
+              <a:rPr lang="en-US" dirty="0" smtClean="0"/>
+              <a:t> </a:t>
+            </a:r>
+            <a:r>
+              <a:rPr lang="en-US" dirty="0" err="1" smtClean="0"/>
+              <a:t>chú</a:t>
             </a:r>
             <a:endParaRPr lang="en-US" dirty="0"/>
           </a:p>
@@ -5683,7 +5669,7 @@
     </p:spTree>
     <p:extLst>
       <p:ext uri="{BB962C8B-B14F-4D97-AF65-F5344CB8AC3E}">
-        <p14:creationId xmlns:p14="http://schemas.microsoft.com/office/powerpoint/2010/main" val="1909575285"/>
+        <p14:creationId xmlns:p14="http://schemas.microsoft.com/office/powerpoint/2010/main" val="1159783894"/>
       </p:ext>
     </p:extLst>
   </p:cSld>
@@ -5726,16 +5712,20 @@
           <a:lstStyle/>
           <a:p>
             <a:r>
-              <a:rPr lang="en-US" dirty="0" err="1" smtClean="0"/>
-              <a:t>Nghiên</a:t>
-            </a:r>
-            <a:r>
-              <a:rPr lang="en-US" dirty="0" smtClean="0"/>
-              <a:t> </a:t>
-            </a:r>
-            <a:r>
-              <a:rPr lang="en-US" dirty="0" err="1" smtClean="0"/>
-              <a:t>cứu</a:t>
+              <a:rPr lang="en-US" dirty="0" smtClean="0"/>
+              <a:t>Edit activity </a:t>
+            </a:r>
+            <a:r>
+              <a:rPr lang="en-US" dirty="0" err="1" smtClean="0"/>
+              <a:t>thiết</a:t>
+            </a:r>
+            <a:r>
+              <a:rPr lang="en-US" dirty="0" smtClean="0"/>
+              <a:t> </a:t>
+            </a:r>
+            <a:r>
+              <a:rPr lang="en-US" dirty="0" err="1" smtClean="0"/>
+              <a:t>kế</a:t>
             </a:r>
             <a:endParaRPr lang="en-US" dirty="0"/>
           </a:p>
@@ -5754,7 +5744,7 @@
         <p:spPr/>
         <p:txBody>
           <a:bodyPr>
-            <a:normAutofit fontScale="85000" lnSpcReduction="20000"/>
+            <a:normAutofit/>
           </a:bodyPr>
           <a:lstStyle/>
           <a:p>
@@ -5764,41 +5754,7 @@
             </a:pPr>
             <a:r>
               <a:rPr lang="en-US" dirty="0" smtClean="0"/>
-              <a:t>Shared preferences</a:t>
-            </a:r>
-          </a:p>
-          <a:p>
-            <a:pPr marL="457200" indent="-457200" algn="l">
-              <a:buFontTx/>
-              <a:buChar char="-"/>
-            </a:pPr>
-            <a:r>
-              <a:rPr lang="en-US" dirty="0" err="1" smtClean="0"/>
-              <a:t>Sqlite</a:t>
-            </a:r>
-            <a:r>
-              <a:rPr lang="en-US" dirty="0" smtClean="0"/>
-              <a:t> </a:t>
-            </a:r>
-          </a:p>
-          <a:p>
-            <a:pPr marL="457200" indent="-457200" algn="l">
-              <a:buFontTx/>
-              <a:buChar char="-"/>
-            </a:pPr>
-            <a:r>
-              <a:rPr lang="en-US" dirty="0" smtClean="0"/>
-              <a:t>Map </a:t>
-            </a:r>
-          </a:p>
-          <a:p>
-            <a:pPr marL="457200" indent="-457200" algn="l">
-              <a:buFontTx/>
-              <a:buChar char="-"/>
-            </a:pPr>
-            <a:r>
-              <a:rPr lang="en-US" dirty="0" smtClean="0"/>
-              <a:t>Alarm manager</a:t>
+              <a:t>Activity_display_edit.xml </a:t>
             </a:r>
             <a:endParaRPr lang="en-US" dirty="0"/>
           </a:p>
@@ -5807,7 +5763,7 @@
     </p:spTree>
     <p:extLst>
       <p:ext uri="{BB962C8B-B14F-4D97-AF65-F5344CB8AC3E}">
-        <p14:creationId xmlns:p14="http://schemas.microsoft.com/office/powerpoint/2010/main" val="1219220407"/>
+        <p14:creationId xmlns:p14="http://schemas.microsoft.com/office/powerpoint/2010/main" val="1057063376"/>
       </p:ext>
     </p:extLst>
   </p:cSld>
@@ -5850,40 +5806,8 @@
           <a:lstStyle/>
           <a:p>
             <a:r>
-              <a:rPr lang="en-US" dirty="0" err="1" smtClean="0"/>
-              <a:t>Ứng</a:t>
-            </a:r>
-            <a:r>
-              <a:rPr lang="en-US" dirty="0" smtClean="0"/>
-              <a:t> </a:t>
-            </a:r>
-            <a:r>
-              <a:rPr lang="en-US" dirty="0" err="1" smtClean="0"/>
-              <a:t>dụng</a:t>
-            </a:r>
-            <a:r>
-              <a:rPr lang="en-US" dirty="0" smtClean="0"/>
-              <a:t> </a:t>
-            </a:r>
-            <a:r>
-              <a:rPr lang="en-US" dirty="0" err="1" smtClean="0"/>
-              <a:t>đã</a:t>
-            </a:r>
-            <a:r>
-              <a:rPr lang="en-US" dirty="0" smtClean="0"/>
-              <a:t> </a:t>
-            </a:r>
-            <a:r>
-              <a:rPr lang="en-US" dirty="0" err="1" smtClean="0"/>
-              <a:t>hoàn</a:t>
-            </a:r>
-            <a:r>
-              <a:rPr lang="en-US" dirty="0" smtClean="0"/>
-              <a:t> </a:t>
-            </a:r>
-            <a:r>
-              <a:rPr lang="en-US" dirty="0" err="1" smtClean="0"/>
-              <a:t>thành</a:t>
+              <a:rPr lang="en-US" dirty="0" smtClean="0"/>
+              <a:t>Edit activity code</a:t>
             </a:r>
             <a:endParaRPr lang="en-US" dirty="0"/>
           </a:p>
@@ -5902,7 +5826,7 @@
         <p:spPr/>
         <p:txBody>
           <a:bodyPr>
-            <a:normAutofit fontScale="70000" lnSpcReduction="20000"/>
+            <a:normAutofit fontScale="85000" lnSpcReduction="10000"/>
           </a:bodyPr>
           <a:lstStyle/>
           <a:p>
@@ -5912,31 +5836,63 @@
             </a:pPr>
             <a:r>
               <a:rPr lang="en-US" dirty="0" err="1" smtClean="0"/>
-              <a:t>Tạo</a:t>
-            </a:r>
-            <a:r>
-              <a:rPr lang="en-US" dirty="0" smtClean="0"/>
-              <a:t>/</a:t>
-            </a:r>
-            <a:r>
-              <a:rPr lang="en-US" dirty="0" err="1" smtClean="0"/>
-              <a:t>lưu</a:t>
-            </a:r>
-            <a:r>
-              <a:rPr lang="en-US" dirty="0" smtClean="0"/>
-              <a:t> </a:t>
-            </a:r>
-            <a:r>
-              <a:rPr lang="en-US" dirty="0" err="1" smtClean="0"/>
-              <a:t>mật</a:t>
-            </a:r>
-            <a:r>
-              <a:rPr lang="en-US" dirty="0" smtClean="0"/>
-              <a:t> </a:t>
-            </a:r>
-            <a:r>
-              <a:rPr lang="en-US" dirty="0" err="1" smtClean="0"/>
-              <a:t>khẩu</a:t>
+              <a:t>Xử</a:t>
+            </a:r>
+            <a:r>
+              <a:rPr lang="en-US" dirty="0" smtClean="0"/>
+              <a:t> </a:t>
+            </a:r>
+            <a:r>
+              <a:rPr lang="en-US" dirty="0" err="1" smtClean="0"/>
+              <a:t>lý</a:t>
+            </a:r>
+            <a:r>
+              <a:rPr lang="en-US" dirty="0" smtClean="0"/>
+              <a:t> </a:t>
+            </a:r>
+            <a:r>
+              <a:rPr lang="en-US" dirty="0" err="1" smtClean="0"/>
+              <a:t>cập</a:t>
+            </a:r>
+            <a:r>
+              <a:rPr lang="en-US" dirty="0" smtClean="0"/>
+              <a:t> </a:t>
+            </a:r>
+            <a:r>
+              <a:rPr lang="en-US" dirty="0" err="1" smtClean="0"/>
+              <a:t>nhật</a:t>
+            </a:r>
+            <a:r>
+              <a:rPr lang="en-US" dirty="0" smtClean="0"/>
+              <a:t> </a:t>
+            </a:r>
+            <a:r>
+              <a:rPr lang="en-US" dirty="0" err="1" smtClean="0"/>
+              <a:t>ghi</a:t>
+            </a:r>
+            <a:r>
+              <a:rPr lang="en-US" dirty="0" smtClean="0"/>
+              <a:t> </a:t>
+            </a:r>
+            <a:r>
+              <a:rPr lang="en-US" dirty="0" err="1" smtClean="0"/>
+              <a:t>chú</a:t>
+            </a:r>
+            <a:r>
+              <a:rPr lang="en-US" dirty="0" smtClean="0"/>
+              <a:t> </a:t>
+            </a:r>
+            <a:r>
+              <a:rPr lang="en-US" dirty="0" err="1" smtClean="0"/>
+              <a:t>bằng</a:t>
+            </a:r>
+            <a:r>
+              <a:rPr lang="en-US" dirty="0" smtClean="0"/>
+              <a:t> </a:t>
+            </a:r>
+            <a:r>
+              <a:rPr lang="en-US" dirty="0" err="1" smtClean="0"/>
+              <a:t>sqlite</a:t>
             </a:r>
             <a:endParaRPr lang="en-US" dirty="0" smtClean="0"/>
           </a:p>
@@ -5947,7 +5903,15 @@
             </a:pPr>
             <a:r>
               <a:rPr lang="en-US" dirty="0" err="1" smtClean="0"/>
-              <a:t>Tạo</a:t>
+              <a:t>Xử</a:t>
+            </a:r>
+            <a:r>
+              <a:rPr lang="en-US" dirty="0" smtClean="0"/>
+              <a:t> </a:t>
+            </a:r>
+            <a:r>
+              <a:rPr lang="en-US" dirty="0" err="1" smtClean="0"/>
+              <a:t>lý</a:t>
             </a:r>
             <a:r>
               <a:rPr lang="en-US" dirty="0" smtClean="0"/>
@@ -5967,19 +5931,51 @@
             </a:r>
             <a:r>
               <a:rPr lang="en-US" dirty="0" smtClean="0"/>
-              <a:t>, insert/update </a:t>
-            </a:r>
-            <a:r>
-              <a:rPr lang="en-US" dirty="0" err="1" smtClean="0"/>
-              <a:t>dữ</a:t>
-            </a:r>
-            <a:r>
-              <a:rPr lang="en-US" dirty="0" smtClean="0"/>
-              <a:t> </a:t>
-            </a:r>
-            <a:r>
-              <a:rPr lang="en-US" dirty="0" err="1" smtClean="0"/>
-              <a:t>liệu</a:t>
+              <a:t> </a:t>
+            </a:r>
+            <a:r>
+              <a:rPr lang="en-US" dirty="0" err="1" smtClean="0"/>
+              <a:t>bản</a:t>
+            </a:r>
+            <a:r>
+              <a:rPr lang="en-US" dirty="0" smtClean="0"/>
+              <a:t> </a:t>
+            </a:r>
+            <a:r>
+              <a:rPr lang="en-US" dirty="0" err="1" smtClean="0"/>
+              <a:t>đồ</a:t>
+            </a:r>
+            <a:r>
+              <a:rPr lang="en-US" dirty="0" smtClean="0"/>
+              <a:t> </a:t>
+            </a:r>
+            <a:r>
+              <a:rPr lang="en-US" dirty="0" err="1" smtClean="0"/>
+              <a:t>lấy</a:t>
+            </a:r>
+            <a:r>
+              <a:rPr lang="en-US" dirty="0" smtClean="0"/>
+              <a:t> </a:t>
+            </a:r>
+            <a:r>
+              <a:rPr lang="en-US" dirty="0" err="1" smtClean="0"/>
+              <a:t>ra</a:t>
+            </a:r>
+            <a:r>
+              <a:rPr lang="en-US" dirty="0" smtClean="0"/>
+              <a:t> </a:t>
+            </a:r>
+            <a:r>
+              <a:rPr lang="en-US" dirty="0" err="1" smtClean="0"/>
+              <a:t>địa</a:t>
+            </a:r>
+            <a:r>
+              <a:rPr lang="en-US" dirty="0" smtClean="0"/>
+              <a:t> </a:t>
+            </a:r>
+            <a:r>
+              <a:rPr lang="en-US" dirty="0" err="1" smtClean="0"/>
+              <a:t>điểm</a:t>
             </a:r>
             <a:endParaRPr lang="en-US" dirty="0" smtClean="0"/>
           </a:p>
@@ -5990,98 +5986,31 @@
             </a:pPr>
             <a:r>
               <a:rPr lang="en-US" dirty="0" err="1" smtClean="0"/>
-              <a:t>Sử</a:t>
-            </a:r>
-            <a:r>
-              <a:rPr lang="en-US" dirty="0" smtClean="0"/>
-              <a:t> </a:t>
-            </a:r>
-            <a:r>
-              <a:rPr lang="en-US" dirty="0" err="1" smtClean="0"/>
-              <a:t>dụng</a:t>
-            </a:r>
-            <a:r>
-              <a:rPr lang="en-US" dirty="0" smtClean="0"/>
-              <a:t> </a:t>
-            </a:r>
-            <a:r>
-              <a:rPr lang="en-US" dirty="0" err="1" smtClean="0"/>
-              <a:t>thư</a:t>
-            </a:r>
-            <a:r>
-              <a:rPr lang="en-US" dirty="0" smtClean="0"/>
-              <a:t> </a:t>
-            </a:r>
-            <a:r>
-              <a:rPr lang="en-US" dirty="0" err="1" smtClean="0"/>
-              <a:t>viện</a:t>
-            </a:r>
-            <a:r>
-              <a:rPr lang="en-US" dirty="0" smtClean="0"/>
-              <a:t> </a:t>
-            </a:r>
-            <a:r>
-              <a:rPr lang="en-US" dirty="0" err="1" smtClean="0"/>
-              <a:t>google</a:t>
-            </a:r>
-            <a:r>
-              <a:rPr lang="en-US" dirty="0" smtClean="0"/>
-              <a:t> map </a:t>
-            </a:r>
-            <a:r>
-              <a:rPr lang="en-US" dirty="0" err="1" smtClean="0"/>
-              <a:t>để</a:t>
-            </a:r>
-            <a:r>
-              <a:rPr lang="en-US" dirty="0" smtClean="0"/>
-              <a:t> </a:t>
-            </a:r>
-            <a:r>
-              <a:rPr lang="en-US" dirty="0" err="1" smtClean="0"/>
-              <a:t>lấy</a:t>
-            </a:r>
-            <a:r>
-              <a:rPr lang="en-US" dirty="0" smtClean="0"/>
-              <a:t> </a:t>
-            </a:r>
-            <a:r>
-              <a:rPr lang="en-US" dirty="0" err="1" smtClean="0"/>
-              <a:t>địa</a:t>
-            </a:r>
-            <a:r>
-              <a:rPr lang="en-US" dirty="0" smtClean="0"/>
-              <a:t> </a:t>
-            </a:r>
-            <a:r>
-              <a:rPr lang="en-US" dirty="0" err="1" smtClean="0"/>
-              <a:t>điểm</a:t>
-            </a:r>
-            <a:endParaRPr lang="en-US" dirty="0" smtClean="0"/>
-          </a:p>
-          <a:p>
-            <a:pPr marL="457200" indent="-457200" algn="l">
-              <a:buFontTx/>
-              <a:buChar char="-"/>
-            </a:pPr>
-            <a:r>
-              <a:rPr lang="en-US" dirty="0" err="1" smtClean="0"/>
-              <a:t>Sử</a:t>
-            </a:r>
-            <a:r>
-              <a:rPr lang="en-US" dirty="0" smtClean="0"/>
-              <a:t> </a:t>
-            </a:r>
-            <a:r>
-              <a:rPr lang="en-US" dirty="0" err="1" smtClean="0"/>
-              <a:t>dụng</a:t>
-            </a:r>
-            <a:r>
-              <a:rPr lang="en-US" dirty="0" smtClean="0"/>
-              <a:t> Alarm manager </a:t>
-            </a:r>
-            <a:r>
-              <a:rPr lang="en-US" dirty="0" err="1" smtClean="0"/>
-              <a:t>lưu</a:t>
+              <a:t>Xử</a:t>
+            </a:r>
+            <a:r>
+              <a:rPr lang="en-US" dirty="0" smtClean="0"/>
+              <a:t> </a:t>
+            </a:r>
+            <a:r>
+              <a:rPr lang="en-US" dirty="0" err="1" smtClean="0"/>
+              <a:t>lý</a:t>
+            </a:r>
+            <a:r>
+              <a:rPr lang="en-US" dirty="0" smtClean="0"/>
+              <a:t> </a:t>
+            </a:r>
+            <a:r>
+              <a:rPr lang="en-US" dirty="0" err="1" smtClean="0"/>
+              <a:t>việc</a:t>
+            </a:r>
+            <a:r>
+              <a:rPr lang="en-US" dirty="0" smtClean="0"/>
+              <a:t> </a:t>
+            </a:r>
+            <a:r>
+              <a:rPr lang="en-US" dirty="0" err="1" smtClean="0"/>
+              <a:t>tạo</a:t>
             </a:r>
             <a:r>
               <a:rPr lang="en-US" dirty="0" smtClean="0"/>
@@ -6098,6 +6027,90 @@
             <a:r>
               <a:rPr lang="en-US" dirty="0" err="1" smtClean="0"/>
               <a:t>lịch</a:t>
+            </a:r>
+            <a:r>
+              <a:rPr lang="en-US" dirty="0" smtClean="0"/>
+              <a:t> </a:t>
+            </a:r>
+            <a:r>
+              <a:rPr lang="en-US" dirty="0" err="1" smtClean="0"/>
+              <a:t>ghi</a:t>
+            </a:r>
+            <a:r>
+              <a:rPr lang="en-US" dirty="0" smtClean="0"/>
+              <a:t> </a:t>
+            </a:r>
+            <a:r>
+              <a:rPr lang="en-US" dirty="0" err="1" smtClean="0"/>
+              <a:t>chú</a:t>
+            </a:r>
+            <a:r>
+              <a:rPr lang="en-US" dirty="0" smtClean="0"/>
+              <a:t> </a:t>
+            </a:r>
+            <a:r>
+              <a:rPr lang="en-US" dirty="0" err="1" smtClean="0"/>
+              <a:t>dùng</a:t>
+            </a:r>
+            <a:r>
+              <a:rPr lang="en-US" dirty="0" smtClean="0"/>
+              <a:t> </a:t>
+            </a:r>
+            <a:r>
+              <a:rPr lang="en-US" dirty="0" err="1" smtClean="0"/>
+              <a:t>hệ</a:t>
+            </a:r>
+            <a:r>
+              <a:rPr lang="en-US" dirty="0" smtClean="0"/>
+              <a:t> </a:t>
+            </a:r>
+            <a:r>
+              <a:rPr lang="en-US" dirty="0" err="1" smtClean="0"/>
+              <a:t>thống</a:t>
+            </a:r>
+            <a:r>
+              <a:rPr lang="en-US" dirty="0" smtClean="0"/>
+              <a:t> </a:t>
+            </a:r>
+            <a:r>
+              <a:rPr lang="en-US" dirty="0" err="1" smtClean="0"/>
+              <a:t>nhắc</a:t>
+            </a:r>
+            <a:r>
+              <a:rPr lang="en-US" dirty="0" smtClean="0"/>
+              <a:t> </a:t>
+            </a:r>
+            <a:r>
+              <a:rPr lang="en-US" dirty="0" err="1" smtClean="0"/>
+              <a:t>lịch</a:t>
+            </a:r>
+            <a:r>
+              <a:rPr lang="en-US" dirty="0" smtClean="0"/>
+              <a:t> </a:t>
+            </a:r>
+            <a:r>
+              <a:rPr lang="en-US" dirty="0" err="1" smtClean="0"/>
+              <a:t>có</a:t>
+            </a:r>
+            <a:r>
+              <a:rPr lang="en-US" dirty="0" smtClean="0"/>
+              <a:t> </a:t>
+            </a:r>
+            <a:r>
+              <a:rPr lang="en-US" dirty="0" err="1" smtClean="0"/>
+              <a:t>sẵn</a:t>
+            </a:r>
+            <a:r>
+              <a:rPr lang="en-US" dirty="0" smtClean="0"/>
+              <a:t> </a:t>
+            </a:r>
+            <a:r>
+              <a:rPr lang="en-US" dirty="0" err="1" smtClean="0"/>
+              <a:t>của</a:t>
+            </a:r>
+            <a:r>
+              <a:rPr lang="en-US" dirty="0" smtClean="0"/>
+              <a:t> android </a:t>
             </a:r>
             <a:endParaRPr lang="en-US" dirty="0"/>
           </a:p>
@@ -6106,7 +6119,7 @@
     </p:spTree>
     <p:extLst>
       <p:ext uri="{BB962C8B-B14F-4D97-AF65-F5344CB8AC3E}">
-        <p14:creationId xmlns:p14="http://schemas.microsoft.com/office/powerpoint/2010/main" val="473192564"/>
+        <p14:creationId xmlns:p14="http://schemas.microsoft.com/office/powerpoint/2010/main" val="4250217646"/>
       </p:ext>
     </p:extLst>
   </p:cSld>
@@ -6150,23 +6163,15 @@
           <a:p>
             <a:r>
               <a:rPr lang="en-US" dirty="0" err="1" smtClean="0"/>
-              <a:t>Cần</a:t>
-            </a:r>
-            <a:r>
-              <a:rPr lang="en-US" dirty="0" smtClean="0"/>
-              <a:t> </a:t>
-            </a:r>
-            <a:r>
-              <a:rPr lang="en-US" dirty="0" err="1" smtClean="0"/>
-              <a:t>cải</a:t>
-            </a:r>
-            <a:r>
-              <a:rPr lang="en-US" dirty="0" smtClean="0"/>
-              <a:t> </a:t>
-            </a:r>
-            <a:r>
-              <a:rPr lang="en-US" dirty="0" err="1" smtClean="0"/>
-              <a:t>thiện</a:t>
+              <a:t>Kết</a:t>
+            </a:r>
+            <a:r>
+              <a:rPr lang="en-US" dirty="0" smtClean="0"/>
+              <a:t> </a:t>
+            </a:r>
+            <a:r>
+              <a:rPr lang="en-US" dirty="0" err="1" smtClean="0"/>
+              <a:t>luận</a:t>
             </a:r>
             <a:endParaRPr lang="en-US" dirty="0"/>
           </a:p>
@@ -6185,7 +6190,7 @@
         <p:spPr/>
         <p:txBody>
           <a:bodyPr>
-            <a:normAutofit fontScale="77500" lnSpcReduction="20000"/>
+            <a:normAutofit fontScale="92500" lnSpcReduction="20000"/>
           </a:bodyPr>
           <a:lstStyle/>
           <a:p>
@@ -6195,57 +6200,44 @@
             </a:pPr>
             <a:r>
               <a:rPr lang="en-US" dirty="0" err="1" smtClean="0"/>
-              <a:t>Giao</a:t>
-            </a:r>
-            <a:r>
-              <a:rPr lang="en-US" dirty="0" smtClean="0"/>
-              <a:t> </a:t>
-            </a:r>
-            <a:r>
-              <a:rPr lang="en-US" dirty="0" err="1" smtClean="0"/>
-              <a:t>diện</a:t>
-            </a:r>
-            <a:r>
-              <a:rPr lang="en-US" dirty="0" smtClean="0"/>
-              <a:t> </a:t>
-            </a:r>
-            <a:r>
-              <a:rPr lang="en-US" dirty="0" err="1" smtClean="0"/>
-              <a:t>cần</a:t>
-            </a:r>
-            <a:r>
-              <a:rPr lang="en-US" dirty="0" smtClean="0"/>
-              <a:t> </a:t>
-            </a:r>
-            <a:r>
-              <a:rPr lang="en-US" dirty="0" err="1" smtClean="0"/>
-              <a:t>cải</a:t>
-            </a:r>
-            <a:r>
-              <a:rPr lang="en-US" dirty="0" smtClean="0"/>
-              <a:t> </a:t>
-            </a:r>
-            <a:r>
-              <a:rPr lang="en-US" dirty="0" err="1" smtClean="0"/>
-              <a:t>thiện</a:t>
-            </a:r>
-            <a:r>
-              <a:rPr lang="en-US" dirty="0" smtClean="0"/>
-              <a:t> </a:t>
-            </a:r>
-            <a:r>
-              <a:rPr lang="en-US" dirty="0" err="1" smtClean="0"/>
-              <a:t>đẹp</a:t>
-            </a:r>
-            <a:r>
-              <a:rPr lang="en-US" dirty="0" smtClean="0"/>
-              <a:t> </a:t>
-            </a:r>
-            <a:r>
-              <a:rPr lang="en-US" dirty="0" err="1" smtClean="0"/>
-              <a:t>hơn</a:t>
-            </a:r>
-            <a:endParaRPr lang="en-US" dirty="0" smtClean="0"/>
+              <a:t>Những</a:t>
+            </a:r>
+            <a:r>
+              <a:rPr lang="en-US" dirty="0" smtClean="0"/>
+              <a:t> </a:t>
+            </a:r>
+            <a:r>
+              <a:rPr lang="en-US" dirty="0" err="1" smtClean="0"/>
+              <a:t>thứ</a:t>
+            </a:r>
+            <a:r>
+              <a:rPr lang="en-US" dirty="0" smtClean="0"/>
+              <a:t> </a:t>
+            </a:r>
+            <a:r>
+              <a:rPr lang="en-US" dirty="0" err="1" smtClean="0"/>
+              <a:t>đã</a:t>
+            </a:r>
+            <a:r>
+              <a:rPr lang="en-US" dirty="0" smtClean="0"/>
+              <a:t> </a:t>
+            </a:r>
+            <a:r>
+              <a:rPr lang="en-US" dirty="0" err="1" smtClean="0"/>
+              <a:t>nghiên</a:t>
+            </a:r>
+            <a:r>
+              <a:rPr lang="en-US" dirty="0" smtClean="0"/>
+              <a:t> </a:t>
+            </a:r>
+            <a:r>
+              <a:rPr lang="en-US" dirty="0" err="1" smtClean="0"/>
+              <a:t>cứu</a:t>
+            </a:r>
+            <a:r>
+              <a:rPr lang="en-US" dirty="0" smtClean="0"/>
+              <a:t> </a:t>
+            </a:r>
           </a:p>
           <a:p>
             <a:pPr marL="457200" indent="-457200" algn="l">
@@ -6254,95 +6246,71 @@
             </a:pPr>
             <a:r>
               <a:rPr lang="en-US" dirty="0" err="1" smtClean="0"/>
-              <a:t>Cơ</a:t>
-            </a:r>
-            <a:r>
-              <a:rPr lang="en-US" dirty="0" smtClean="0"/>
-              <a:t> </a:t>
-            </a:r>
-            <a:r>
-              <a:rPr lang="en-US" dirty="0" err="1" smtClean="0"/>
-              <a:t>sở</a:t>
-            </a:r>
-            <a:r>
-              <a:rPr lang="en-US" dirty="0" smtClean="0"/>
-              <a:t> </a:t>
-            </a:r>
-            <a:r>
-              <a:rPr lang="en-US" dirty="0" err="1" smtClean="0"/>
-              <a:t>dữ</a:t>
-            </a:r>
-            <a:r>
-              <a:rPr lang="en-US" dirty="0" smtClean="0"/>
-              <a:t> </a:t>
-            </a:r>
-            <a:r>
-              <a:rPr lang="en-US" dirty="0" err="1" smtClean="0"/>
-              <a:t>liệu</a:t>
-            </a:r>
-            <a:r>
-              <a:rPr lang="en-US" dirty="0" smtClean="0"/>
-              <a:t> </a:t>
-            </a:r>
-            <a:r>
-              <a:rPr lang="en-US" dirty="0" err="1" smtClean="0"/>
-              <a:t>nên</a:t>
-            </a:r>
-            <a:r>
-              <a:rPr lang="en-US" dirty="0" smtClean="0"/>
-              <a:t> </a:t>
-            </a:r>
-            <a:r>
-              <a:rPr lang="en-US" dirty="0" err="1" smtClean="0"/>
-              <a:t>đồng</a:t>
-            </a:r>
-            <a:r>
-              <a:rPr lang="en-US" dirty="0" smtClean="0"/>
-              <a:t> </a:t>
-            </a:r>
-            <a:r>
-              <a:rPr lang="en-US" dirty="0" err="1" smtClean="0"/>
-              <a:t>bộ</a:t>
-            </a:r>
-            <a:r>
-              <a:rPr lang="en-US" dirty="0" smtClean="0"/>
-              <a:t> </a:t>
-            </a:r>
-            <a:r>
-              <a:rPr lang="en-US" dirty="0" err="1" smtClean="0"/>
-              <a:t>với</a:t>
-            </a:r>
-            <a:r>
-              <a:rPr lang="en-US" dirty="0" smtClean="0"/>
-              <a:t> </a:t>
-            </a:r>
-            <a:r>
-              <a:rPr lang="en-US" dirty="0" err="1" smtClean="0"/>
-              <a:t>dữ</a:t>
-            </a:r>
-            <a:r>
-              <a:rPr lang="en-US" dirty="0" smtClean="0"/>
-              <a:t> </a:t>
-            </a:r>
-            <a:r>
-              <a:rPr lang="en-US" dirty="0" err="1" smtClean="0"/>
-              <a:t>liệu</a:t>
-            </a:r>
-            <a:r>
-              <a:rPr lang="en-US" dirty="0" smtClean="0"/>
-              <a:t> </a:t>
-            </a:r>
-            <a:r>
-              <a:rPr lang="en-US" dirty="0" err="1" smtClean="0"/>
-              <a:t>từ</a:t>
-            </a:r>
-            <a:r>
-              <a:rPr lang="en-US" dirty="0" smtClean="0"/>
-              <a:t> </a:t>
-            </a:r>
-            <a:r>
-              <a:rPr lang="en-US" dirty="0" err="1" smtClean="0"/>
-              <a:t>xa</a:t>
+              <a:t>Những</a:t>
+            </a:r>
+            <a:r>
+              <a:rPr lang="en-US" dirty="0" smtClean="0"/>
+              <a:t> </a:t>
+            </a:r>
+            <a:r>
+              <a:rPr lang="en-US" dirty="0" err="1" smtClean="0"/>
+              <a:t>chức</a:t>
+            </a:r>
+            <a:r>
+              <a:rPr lang="en-US" dirty="0" smtClean="0"/>
+              <a:t> </a:t>
+            </a:r>
+            <a:r>
+              <a:rPr lang="en-US" dirty="0" err="1" smtClean="0"/>
+              <a:t>năng</a:t>
+            </a:r>
+            <a:r>
+              <a:rPr lang="en-US" dirty="0" smtClean="0"/>
+              <a:t> </a:t>
+            </a:r>
+            <a:r>
+              <a:rPr lang="en-US" dirty="0" err="1" smtClean="0"/>
+              <a:t>ứng</a:t>
+            </a:r>
+            <a:r>
+              <a:rPr lang="en-US" dirty="0" smtClean="0"/>
+              <a:t> </a:t>
+            </a:r>
+            <a:r>
+              <a:rPr lang="en-US" dirty="0" err="1" smtClean="0"/>
+              <a:t>dụng</a:t>
+            </a:r>
+            <a:r>
+              <a:rPr lang="en-US" dirty="0" smtClean="0"/>
+              <a:t> </a:t>
+            </a:r>
+            <a:r>
+              <a:rPr lang="en-US" dirty="0" err="1" smtClean="0"/>
+              <a:t>đã</a:t>
+            </a:r>
+            <a:r>
+              <a:rPr lang="en-US" dirty="0" smtClean="0"/>
+              <a:t> </a:t>
+            </a:r>
+            <a:r>
+              <a:rPr lang="en-US" dirty="0" err="1" smtClean="0"/>
+              <a:t>thực</a:t>
+            </a:r>
+            <a:r>
+              <a:rPr lang="en-US" dirty="0" smtClean="0"/>
+              <a:t> </a:t>
+            </a:r>
+            <a:r>
+              <a:rPr lang="en-US" dirty="0" err="1" smtClean="0"/>
+              <a:t>hiện</a:t>
+            </a:r>
+            <a:r>
+              <a:rPr lang="en-US" dirty="0" smtClean="0"/>
+              <a:t> </a:t>
+            </a:r>
+            <a:r>
+              <a:rPr lang="en-US" dirty="0" err="1" smtClean="0"/>
+              <a:t>được</a:t>
             </a:r>
             <a:endParaRPr lang="en-US" dirty="0" smtClean="0"/>
           </a:p>
@@ -6353,90 +6321,39 @@
             </a:pPr>
             <a:r>
               <a:rPr lang="en-US" dirty="0" err="1" smtClean="0"/>
-              <a:t>Lưu</a:t>
-            </a:r>
-            <a:r>
-              <a:rPr lang="en-US" dirty="0" smtClean="0"/>
-              <a:t> </a:t>
-            </a:r>
-            <a:r>
-              <a:rPr lang="en-US" dirty="0" err="1" smtClean="0"/>
-              <a:t>trữ</a:t>
-            </a:r>
-            <a:r>
-              <a:rPr lang="en-US" dirty="0" smtClean="0"/>
-              <a:t> </a:t>
-            </a:r>
-            <a:r>
-              <a:rPr lang="en-US" dirty="0" err="1" smtClean="0"/>
-              <a:t>được</a:t>
-            </a:r>
-            <a:r>
-              <a:rPr lang="en-US" dirty="0" smtClean="0"/>
-              <a:t> </a:t>
-            </a:r>
-            <a:r>
-              <a:rPr lang="en-US" dirty="0" err="1" smtClean="0"/>
-              <a:t>nhiều</a:t>
-            </a:r>
-            <a:r>
-              <a:rPr lang="en-US" dirty="0" smtClean="0"/>
-              <a:t> </a:t>
-            </a:r>
-            <a:r>
-              <a:rPr lang="en-US" dirty="0" err="1" smtClean="0"/>
-              <a:t>hơn</a:t>
-            </a:r>
-            <a:r>
-              <a:rPr lang="en-US" dirty="0" smtClean="0"/>
-              <a:t> 1 </a:t>
-            </a:r>
-            <a:r>
-              <a:rPr lang="en-US" dirty="0" err="1" smtClean="0"/>
-              <a:t>ảnh</a:t>
-            </a:r>
-            <a:r>
-              <a:rPr lang="en-US" dirty="0" smtClean="0"/>
-              <a:t> </a:t>
-            </a:r>
-            <a:r>
-              <a:rPr lang="en-US" dirty="0" err="1" smtClean="0"/>
-              <a:t>trong</a:t>
-            </a:r>
-            <a:r>
-              <a:rPr lang="en-US" dirty="0" smtClean="0"/>
-              <a:t> </a:t>
-            </a:r>
-            <a:r>
-              <a:rPr lang="en-US" dirty="0" err="1" smtClean="0"/>
-              <a:t>ghi</a:t>
-            </a:r>
-            <a:r>
-              <a:rPr lang="en-US" dirty="0" smtClean="0"/>
-              <a:t> </a:t>
-            </a:r>
-            <a:r>
-              <a:rPr lang="en-US" dirty="0" err="1" smtClean="0"/>
-              <a:t>chú</a:t>
-            </a:r>
-            <a:endParaRPr lang="en-US" dirty="0" smtClean="0"/>
-          </a:p>
-          <a:p>
-            <a:pPr marL="457200" indent="-457200" algn="l">
-              <a:buFontTx/>
-              <a:buChar char="-"/>
-            </a:pPr>
-            <a:r>
-              <a:rPr lang="en-US" dirty="0" err="1" smtClean="0"/>
-              <a:t>Lưu</a:t>
-            </a:r>
-            <a:r>
-              <a:rPr lang="en-US" dirty="0" smtClean="0"/>
-              <a:t> </a:t>
-            </a:r>
-            <a:r>
-              <a:rPr lang="en-US" dirty="0" err="1" smtClean="0"/>
-              <a:t>trữ</a:t>
+              <a:t>Những</a:t>
+            </a:r>
+            <a:r>
+              <a:rPr lang="en-US" dirty="0" smtClean="0"/>
+              <a:t> </a:t>
+            </a:r>
+            <a:r>
+              <a:rPr lang="en-US" dirty="0" err="1" smtClean="0"/>
+              <a:t>thứ</a:t>
+            </a:r>
+            <a:r>
+              <a:rPr lang="en-US" dirty="0" smtClean="0"/>
+              <a:t> </a:t>
+            </a:r>
+            <a:r>
+              <a:rPr lang="en-US" dirty="0" err="1" smtClean="0"/>
+              <a:t>cần</a:t>
+            </a:r>
+            <a:r>
+              <a:rPr lang="en-US" dirty="0" smtClean="0"/>
+              <a:t> </a:t>
+            </a:r>
+            <a:r>
+              <a:rPr lang="en-US" dirty="0" err="1" smtClean="0"/>
+              <a:t>cải</a:t>
+            </a:r>
+            <a:r>
+              <a:rPr lang="en-US" dirty="0" smtClean="0"/>
+              <a:t> </a:t>
+            </a:r>
+            <a:r>
+              <a:rPr lang="en-US" dirty="0" err="1" smtClean="0"/>
+              <a:t>tiến</a:t>
             </a:r>
             <a:r>
               <a:rPr lang="en-US" dirty="0" smtClean="0"/>
@@ -6445,26 +6362,6 @@
             <a:r>
               <a:rPr lang="en-US" dirty="0" err="1" smtClean="0"/>
               <a:t>thêm</a:t>
-            </a:r>
-            <a:r>
-              <a:rPr lang="en-US" dirty="0" smtClean="0"/>
-              <a:t> </a:t>
-            </a:r>
-            <a:r>
-              <a:rPr lang="en-US" dirty="0" err="1" smtClean="0"/>
-              <a:t>ghi</a:t>
-            </a:r>
-            <a:r>
-              <a:rPr lang="en-US" dirty="0" smtClean="0"/>
-              <a:t> </a:t>
-            </a:r>
-            <a:r>
-              <a:rPr lang="en-US" dirty="0" err="1" smtClean="0"/>
-              <a:t>âm</a:t>
-            </a:r>
-            <a:r>
-              <a:rPr lang="en-US" dirty="0" smtClean="0"/>
-              <a:t>, video</a:t>
             </a:r>
             <a:endParaRPr lang="en-US" dirty="0"/>
           </a:p>
@@ -6473,7 +6370,7 @@
     </p:spTree>
     <p:extLst>
       <p:ext uri="{BB962C8B-B14F-4D97-AF65-F5344CB8AC3E}">
-        <p14:creationId xmlns:p14="http://schemas.microsoft.com/office/powerpoint/2010/main" val="2382920897"/>
+        <p14:creationId xmlns:p14="http://schemas.microsoft.com/office/powerpoint/2010/main" val="1909575285"/>
       </p:ext>
     </p:extLst>
   </p:cSld>
@@ -6517,6 +6414,796 @@
           <a:p>
             <a:r>
               <a:rPr lang="en-US" dirty="0" err="1" smtClean="0"/>
+              <a:t>Nghiên</a:t>
+            </a:r>
+            <a:r>
+              <a:rPr lang="en-US" dirty="0" smtClean="0"/>
+              <a:t> </a:t>
+            </a:r>
+            <a:r>
+              <a:rPr lang="en-US" dirty="0" err="1" smtClean="0"/>
+              <a:t>cứu</a:t>
+            </a:r>
+            <a:endParaRPr lang="en-US" dirty="0"/>
+          </a:p>
+        </p:txBody>
+      </p:sp>
+      <p:sp>
+        <p:nvSpPr>
+          <p:cNvPr id="3" name="Subtitle 2"/>
+          <p:cNvSpPr>
+            <a:spLocks noGrp="1"/>
+          </p:cNvSpPr>
+          <p:nvPr>
+            <p:ph type="subTitle" idx="1"/>
+          </p:nvPr>
+        </p:nvSpPr>
+        <p:spPr/>
+        <p:txBody>
+          <a:bodyPr>
+            <a:normAutofit fontScale="85000" lnSpcReduction="20000"/>
+          </a:bodyPr>
+          <a:lstStyle/>
+          <a:p>
+            <a:pPr marL="457200" indent="-457200" algn="l">
+              <a:buFontTx/>
+              <a:buChar char="-"/>
+            </a:pPr>
+            <a:r>
+              <a:rPr lang="en-US" dirty="0" smtClean="0"/>
+              <a:t>Shared preferences</a:t>
+            </a:r>
+          </a:p>
+          <a:p>
+            <a:pPr marL="457200" indent="-457200" algn="l">
+              <a:buFontTx/>
+              <a:buChar char="-"/>
+            </a:pPr>
+            <a:r>
+              <a:rPr lang="en-US" dirty="0" err="1" smtClean="0"/>
+              <a:t>Sqlite</a:t>
+            </a:r>
+            <a:r>
+              <a:rPr lang="en-US" dirty="0" smtClean="0"/>
+              <a:t> </a:t>
+            </a:r>
+          </a:p>
+          <a:p>
+            <a:pPr marL="457200" indent="-457200" algn="l">
+              <a:buFontTx/>
+              <a:buChar char="-"/>
+            </a:pPr>
+            <a:r>
+              <a:rPr lang="en-US" dirty="0" smtClean="0"/>
+              <a:t>Map </a:t>
+            </a:r>
+          </a:p>
+          <a:p>
+            <a:pPr marL="457200" indent="-457200" algn="l">
+              <a:buFontTx/>
+              <a:buChar char="-"/>
+            </a:pPr>
+            <a:r>
+              <a:rPr lang="en-US" dirty="0" smtClean="0"/>
+              <a:t>Alarm manager</a:t>
+            </a:r>
+            <a:endParaRPr lang="en-US" dirty="0"/>
+          </a:p>
+        </p:txBody>
+      </p:sp>
+    </p:spTree>
+    <p:extLst>
+      <p:ext uri="{BB962C8B-B14F-4D97-AF65-F5344CB8AC3E}">
+        <p14:creationId xmlns:p14="http://schemas.microsoft.com/office/powerpoint/2010/main" val="1219220407"/>
+      </p:ext>
+    </p:extLst>
+  </p:cSld>
+  <p:clrMapOvr>
+    <a:masterClrMapping/>
+  </p:clrMapOvr>
+</p:sld>
+</file>
+
+<file path=ppt/slides/slide25.xml><?xml version="1.0" encoding="utf-8"?>
+<p:sld xmlns:a="http://schemas.openxmlformats.org/drawingml/2006/main" xmlns:r="http://schemas.openxmlformats.org/officeDocument/2006/relationships" xmlns:p="http://schemas.openxmlformats.org/presentationml/2006/main">
+  <p:cSld>
+    <p:spTree>
+      <p:nvGrpSpPr>
+        <p:cNvPr id="1" name=""/>
+        <p:cNvGrpSpPr/>
+        <p:nvPr/>
+      </p:nvGrpSpPr>
+      <p:grpSpPr>
+        <a:xfrm>
+          <a:off x="0" y="0"/>
+          <a:ext cx="0" cy="0"/>
+          <a:chOff x="0" y="0"/>
+          <a:chExt cx="0" cy="0"/>
+        </a:xfrm>
+      </p:grpSpPr>
+      <p:sp>
+        <p:nvSpPr>
+          <p:cNvPr id="2" name="Title 1"/>
+          <p:cNvSpPr>
+            <a:spLocks noGrp="1"/>
+          </p:cNvSpPr>
+          <p:nvPr>
+            <p:ph type="ctrTitle"/>
+          </p:nvPr>
+        </p:nvSpPr>
+        <p:spPr/>
+        <p:txBody>
+          <a:bodyPr/>
+          <a:lstStyle/>
+          <a:p>
+            <a:r>
+              <a:rPr lang="en-US" dirty="0" err="1" smtClean="0"/>
+              <a:t>Ứng</a:t>
+            </a:r>
+            <a:r>
+              <a:rPr lang="en-US" dirty="0" smtClean="0"/>
+              <a:t> </a:t>
+            </a:r>
+            <a:r>
+              <a:rPr lang="en-US" dirty="0" err="1" smtClean="0"/>
+              <a:t>dụng</a:t>
+            </a:r>
+            <a:r>
+              <a:rPr lang="en-US" dirty="0" smtClean="0"/>
+              <a:t> </a:t>
+            </a:r>
+            <a:r>
+              <a:rPr lang="en-US" dirty="0" err="1" smtClean="0"/>
+              <a:t>đã</a:t>
+            </a:r>
+            <a:r>
+              <a:rPr lang="en-US" dirty="0" smtClean="0"/>
+              <a:t> </a:t>
+            </a:r>
+            <a:r>
+              <a:rPr lang="en-US" dirty="0" err="1" smtClean="0"/>
+              <a:t>hoàn</a:t>
+            </a:r>
+            <a:r>
+              <a:rPr lang="en-US" dirty="0" smtClean="0"/>
+              <a:t> </a:t>
+            </a:r>
+            <a:r>
+              <a:rPr lang="en-US" dirty="0" err="1" smtClean="0"/>
+              <a:t>thành</a:t>
+            </a:r>
+            <a:endParaRPr lang="en-US" dirty="0"/>
+          </a:p>
+        </p:txBody>
+      </p:sp>
+      <p:sp>
+        <p:nvSpPr>
+          <p:cNvPr id="3" name="Subtitle 2"/>
+          <p:cNvSpPr>
+            <a:spLocks noGrp="1"/>
+          </p:cNvSpPr>
+          <p:nvPr>
+            <p:ph type="subTitle" idx="1"/>
+          </p:nvPr>
+        </p:nvSpPr>
+        <p:spPr/>
+        <p:txBody>
+          <a:bodyPr>
+            <a:normAutofit fontScale="70000" lnSpcReduction="20000"/>
+          </a:bodyPr>
+          <a:lstStyle/>
+          <a:p>
+            <a:pPr marL="457200" indent="-457200" algn="l">
+              <a:buFontTx/>
+              <a:buChar char="-"/>
+            </a:pPr>
+            <a:r>
+              <a:rPr lang="en-US" dirty="0" err="1" smtClean="0"/>
+              <a:t>Tạo</a:t>
+            </a:r>
+            <a:r>
+              <a:rPr lang="en-US" dirty="0" smtClean="0"/>
+              <a:t>/</a:t>
+            </a:r>
+            <a:r>
+              <a:rPr lang="en-US" dirty="0" err="1" smtClean="0"/>
+              <a:t>lưu</a:t>
+            </a:r>
+            <a:r>
+              <a:rPr lang="en-US" dirty="0" smtClean="0"/>
+              <a:t> </a:t>
+            </a:r>
+            <a:r>
+              <a:rPr lang="en-US" dirty="0" err="1" smtClean="0"/>
+              <a:t>mật</a:t>
+            </a:r>
+            <a:r>
+              <a:rPr lang="en-US" dirty="0" smtClean="0"/>
+              <a:t> </a:t>
+            </a:r>
+            <a:r>
+              <a:rPr lang="en-US" dirty="0" err="1" smtClean="0"/>
+              <a:t>khẩu</a:t>
+            </a:r>
+            <a:endParaRPr lang="en-US" dirty="0" smtClean="0"/>
+          </a:p>
+          <a:p>
+            <a:pPr marL="457200" indent="-457200" algn="l">
+              <a:buFontTx/>
+              <a:buChar char="-"/>
+            </a:pPr>
+            <a:r>
+              <a:rPr lang="en-US" dirty="0" err="1" smtClean="0"/>
+              <a:t>Tạo</a:t>
+            </a:r>
+            <a:r>
+              <a:rPr lang="en-US" dirty="0" smtClean="0"/>
+              <a:t> </a:t>
+            </a:r>
+            <a:r>
+              <a:rPr lang="en-US" dirty="0" err="1" smtClean="0"/>
+              <a:t>dữ</a:t>
+            </a:r>
+            <a:r>
+              <a:rPr lang="en-US" dirty="0" smtClean="0"/>
+              <a:t> </a:t>
+            </a:r>
+            <a:r>
+              <a:rPr lang="en-US" dirty="0" err="1" smtClean="0"/>
+              <a:t>liệu</a:t>
+            </a:r>
+            <a:r>
+              <a:rPr lang="en-US" dirty="0" smtClean="0"/>
+              <a:t>, insert/update </a:t>
+            </a:r>
+            <a:r>
+              <a:rPr lang="en-US" dirty="0" err="1" smtClean="0"/>
+              <a:t>dữ</a:t>
+            </a:r>
+            <a:r>
+              <a:rPr lang="en-US" dirty="0" smtClean="0"/>
+              <a:t> </a:t>
+            </a:r>
+            <a:r>
+              <a:rPr lang="en-US" dirty="0" err="1" smtClean="0"/>
+              <a:t>liệu</a:t>
+            </a:r>
+            <a:endParaRPr lang="en-US" dirty="0" smtClean="0"/>
+          </a:p>
+          <a:p>
+            <a:pPr marL="457200" indent="-457200" algn="l">
+              <a:buFontTx/>
+              <a:buChar char="-"/>
+            </a:pPr>
+            <a:r>
+              <a:rPr lang="en-US" dirty="0" err="1" smtClean="0"/>
+              <a:t>Sử</a:t>
+            </a:r>
+            <a:r>
+              <a:rPr lang="en-US" dirty="0" smtClean="0"/>
+              <a:t> </a:t>
+            </a:r>
+            <a:r>
+              <a:rPr lang="en-US" dirty="0" err="1" smtClean="0"/>
+              <a:t>dụng</a:t>
+            </a:r>
+            <a:r>
+              <a:rPr lang="en-US" dirty="0" smtClean="0"/>
+              <a:t> </a:t>
+            </a:r>
+            <a:r>
+              <a:rPr lang="en-US" dirty="0" err="1" smtClean="0"/>
+              <a:t>thư</a:t>
+            </a:r>
+            <a:r>
+              <a:rPr lang="en-US" dirty="0" smtClean="0"/>
+              <a:t> </a:t>
+            </a:r>
+            <a:r>
+              <a:rPr lang="en-US" dirty="0" err="1" smtClean="0"/>
+              <a:t>viện</a:t>
+            </a:r>
+            <a:r>
+              <a:rPr lang="en-US" dirty="0" smtClean="0"/>
+              <a:t> </a:t>
+            </a:r>
+            <a:r>
+              <a:rPr lang="en-US" dirty="0" err="1" smtClean="0"/>
+              <a:t>google</a:t>
+            </a:r>
+            <a:r>
+              <a:rPr lang="en-US" dirty="0" smtClean="0"/>
+              <a:t> map </a:t>
+            </a:r>
+            <a:r>
+              <a:rPr lang="en-US" dirty="0" err="1" smtClean="0"/>
+              <a:t>để</a:t>
+            </a:r>
+            <a:r>
+              <a:rPr lang="en-US" dirty="0" smtClean="0"/>
+              <a:t> </a:t>
+            </a:r>
+            <a:r>
+              <a:rPr lang="en-US" dirty="0" err="1" smtClean="0"/>
+              <a:t>lấy</a:t>
+            </a:r>
+            <a:r>
+              <a:rPr lang="en-US" dirty="0" smtClean="0"/>
+              <a:t> </a:t>
+            </a:r>
+            <a:r>
+              <a:rPr lang="en-US" dirty="0" err="1" smtClean="0"/>
+              <a:t>địa</a:t>
+            </a:r>
+            <a:r>
+              <a:rPr lang="en-US" dirty="0" smtClean="0"/>
+              <a:t> </a:t>
+            </a:r>
+            <a:r>
+              <a:rPr lang="en-US" dirty="0" err="1" smtClean="0"/>
+              <a:t>điểm</a:t>
+            </a:r>
+            <a:endParaRPr lang="en-US" dirty="0" smtClean="0"/>
+          </a:p>
+          <a:p>
+            <a:pPr marL="457200" indent="-457200" algn="l">
+              <a:buFontTx/>
+              <a:buChar char="-"/>
+            </a:pPr>
+            <a:r>
+              <a:rPr lang="en-US" dirty="0" err="1" smtClean="0"/>
+              <a:t>Sử</a:t>
+            </a:r>
+            <a:r>
+              <a:rPr lang="en-US" dirty="0" smtClean="0"/>
+              <a:t> </a:t>
+            </a:r>
+            <a:r>
+              <a:rPr lang="en-US" dirty="0" err="1" smtClean="0"/>
+              <a:t>dụng</a:t>
+            </a:r>
+            <a:r>
+              <a:rPr lang="en-US" dirty="0" smtClean="0"/>
+              <a:t> Alarm manager </a:t>
+            </a:r>
+            <a:r>
+              <a:rPr lang="en-US" dirty="0" err="1" smtClean="0"/>
+              <a:t>lưu</a:t>
+            </a:r>
+            <a:r>
+              <a:rPr lang="en-US" dirty="0" smtClean="0"/>
+              <a:t> </a:t>
+            </a:r>
+            <a:r>
+              <a:rPr lang="en-US" dirty="0" err="1" smtClean="0"/>
+              <a:t>nhắc</a:t>
+            </a:r>
+            <a:r>
+              <a:rPr lang="en-US" dirty="0" smtClean="0"/>
+              <a:t> </a:t>
+            </a:r>
+            <a:r>
+              <a:rPr lang="en-US" dirty="0" err="1" smtClean="0"/>
+              <a:t>lịch</a:t>
+            </a:r>
+            <a:endParaRPr lang="en-US" dirty="0"/>
+          </a:p>
+        </p:txBody>
+      </p:sp>
+    </p:spTree>
+    <p:extLst>
+      <p:ext uri="{BB962C8B-B14F-4D97-AF65-F5344CB8AC3E}">
+        <p14:creationId xmlns:p14="http://schemas.microsoft.com/office/powerpoint/2010/main" val="473192564"/>
+      </p:ext>
+    </p:extLst>
+  </p:cSld>
+  <p:clrMapOvr>
+    <a:masterClrMapping/>
+  </p:clrMapOvr>
+</p:sld>
+</file>
+
+<file path=ppt/slides/slide26.xml><?xml version="1.0" encoding="utf-8"?>
+<p:sld xmlns:a="http://schemas.openxmlformats.org/drawingml/2006/main" xmlns:r="http://schemas.openxmlformats.org/officeDocument/2006/relationships" xmlns:p="http://schemas.openxmlformats.org/presentationml/2006/main">
+  <p:cSld>
+    <p:spTree>
+      <p:nvGrpSpPr>
+        <p:cNvPr id="1" name=""/>
+        <p:cNvGrpSpPr/>
+        <p:nvPr/>
+      </p:nvGrpSpPr>
+      <p:grpSpPr>
+        <a:xfrm>
+          <a:off x="0" y="0"/>
+          <a:ext cx="0" cy="0"/>
+          <a:chOff x="0" y="0"/>
+          <a:chExt cx="0" cy="0"/>
+        </a:xfrm>
+      </p:grpSpPr>
+      <p:sp>
+        <p:nvSpPr>
+          <p:cNvPr id="2" name="Title 1"/>
+          <p:cNvSpPr>
+            <a:spLocks noGrp="1"/>
+          </p:cNvSpPr>
+          <p:nvPr>
+            <p:ph type="ctrTitle"/>
+          </p:nvPr>
+        </p:nvSpPr>
+        <p:spPr/>
+        <p:txBody>
+          <a:bodyPr/>
+          <a:lstStyle/>
+          <a:p>
+            <a:r>
+              <a:rPr lang="en-US" dirty="0" err="1" smtClean="0"/>
+              <a:t>Cần</a:t>
+            </a:r>
+            <a:r>
+              <a:rPr lang="en-US" dirty="0" smtClean="0"/>
+              <a:t> </a:t>
+            </a:r>
+            <a:r>
+              <a:rPr lang="en-US" dirty="0" err="1" smtClean="0"/>
+              <a:t>cải</a:t>
+            </a:r>
+            <a:r>
+              <a:rPr lang="en-US" dirty="0" smtClean="0"/>
+              <a:t> </a:t>
+            </a:r>
+            <a:r>
+              <a:rPr lang="en-US" dirty="0" err="1" smtClean="0"/>
+              <a:t>thiện</a:t>
+            </a:r>
+            <a:endParaRPr lang="en-US" dirty="0"/>
+          </a:p>
+        </p:txBody>
+      </p:sp>
+      <p:sp>
+        <p:nvSpPr>
+          <p:cNvPr id="3" name="Subtitle 2"/>
+          <p:cNvSpPr>
+            <a:spLocks noGrp="1"/>
+          </p:cNvSpPr>
+          <p:nvPr>
+            <p:ph type="subTitle" idx="1"/>
+          </p:nvPr>
+        </p:nvSpPr>
+        <p:spPr/>
+        <p:txBody>
+          <a:bodyPr>
+            <a:normAutofit fontScale="77500" lnSpcReduction="20000"/>
+          </a:bodyPr>
+          <a:lstStyle/>
+          <a:p>
+            <a:pPr marL="457200" indent="-457200" algn="l">
+              <a:buFontTx/>
+              <a:buChar char="-"/>
+            </a:pPr>
+            <a:r>
+              <a:rPr lang="en-US" dirty="0" err="1" smtClean="0"/>
+              <a:t>Giao</a:t>
+            </a:r>
+            <a:r>
+              <a:rPr lang="en-US" dirty="0" smtClean="0"/>
+              <a:t> </a:t>
+            </a:r>
+            <a:r>
+              <a:rPr lang="en-US" dirty="0" err="1" smtClean="0"/>
+              <a:t>diện</a:t>
+            </a:r>
+            <a:r>
+              <a:rPr lang="en-US" dirty="0" smtClean="0"/>
+              <a:t> </a:t>
+            </a:r>
+            <a:r>
+              <a:rPr lang="en-US" dirty="0" err="1" smtClean="0"/>
+              <a:t>cần</a:t>
+            </a:r>
+            <a:r>
+              <a:rPr lang="en-US" dirty="0" smtClean="0"/>
+              <a:t> </a:t>
+            </a:r>
+            <a:r>
+              <a:rPr lang="en-US" dirty="0" err="1" smtClean="0"/>
+              <a:t>cải</a:t>
+            </a:r>
+            <a:r>
+              <a:rPr lang="en-US" dirty="0" smtClean="0"/>
+              <a:t> </a:t>
+            </a:r>
+            <a:r>
+              <a:rPr lang="en-US" dirty="0" err="1" smtClean="0"/>
+              <a:t>thiện</a:t>
+            </a:r>
+            <a:r>
+              <a:rPr lang="en-US" dirty="0" smtClean="0"/>
+              <a:t> </a:t>
+            </a:r>
+            <a:r>
+              <a:rPr lang="en-US" dirty="0" err="1" smtClean="0"/>
+              <a:t>đẹp</a:t>
+            </a:r>
+            <a:r>
+              <a:rPr lang="en-US" dirty="0" smtClean="0"/>
+              <a:t> </a:t>
+            </a:r>
+            <a:r>
+              <a:rPr lang="en-US" dirty="0" err="1" smtClean="0"/>
+              <a:t>hơn</a:t>
+            </a:r>
+            <a:endParaRPr lang="en-US" dirty="0" smtClean="0"/>
+          </a:p>
+          <a:p>
+            <a:pPr marL="457200" indent="-457200" algn="l">
+              <a:buFontTx/>
+              <a:buChar char="-"/>
+            </a:pPr>
+            <a:r>
+              <a:rPr lang="en-US" dirty="0" err="1" smtClean="0"/>
+              <a:t>Cơ</a:t>
+            </a:r>
+            <a:r>
+              <a:rPr lang="en-US" dirty="0" smtClean="0"/>
+              <a:t> </a:t>
+            </a:r>
+            <a:r>
+              <a:rPr lang="en-US" dirty="0" err="1" smtClean="0"/>
+              <a:t>sở</a:t>
+            </a:r>
+            <a:r>
+              <a:rPr lang="en-US" dirty="0" smtClean="0"/>
+              <a:t> </a:t>
+            </a:r>
+            <a:r>
+              <a:rPr lang="en-US" dirty="0" err="1" smtClean="0"/>
+              <a:t>dữ</a:t>
+            </a:r>
+            <a:r>
+              <a:rPr lang="en-US" dirty="0" smtClean="0"/>
+              <a:t> </a:t>
+            </a:r>
+            <a:r>
+              <a:rPr lang="en-US" dirty="0" err="1" smtClean="0"/>
+              <a:t>liệu</a:t>
+            </a:r>
+            <a:r>
+              <a:rPr lang="en-US" dirty="0" smtClean="0"/>
+              <a:t> </a:t>
+            </a:r>
+            <a:r>
+              <a:rPr lang="en-US" dirty="0" err="1" smtClean="0"/>
+              <a:t>nên</a:t>
+            </a:r>
+            <a:r>
+              <a:rPr lang="en-US" dirty="0" smtClean="0"/>
+              <a:t> </a:t>
+            </a:r>
+            <a:r>
+              <a:rPr lang="en-US" dirty="0" err="1" smtClean="0"/>
+              <a:t>đồng</a:t>
+            </a:r>
+            <a:r>
+              <a:rPr lang="en-US" dirty="0" smtClean="0"/>
+              <a:t> </a:t>
+            </a:r>
+            <a:r>
+              <a:rPr lang="en-US" dirty="0" err="1" smtClean="0"/>
+              <a:t>bộ</a:t>
+            </a:r>
+            <a:r>
+              <a:rPr lang="en-US" dirty="0" smtClean="0"/>
+              <a:t> </a:t>
+            </a:r>
+            <a:r>
+              <a:rPr lang="en-US" dirty="0" err="1" smtClean="0"/>
+              <a:t>với</a:t>
+            </a:r>
+            <a:r>
+              <a:rPr lang="en-US" dirty="0" smtClean="0"/>
+              <a:t> </a:t>
+            </a:r>
+            <a:r>
+              <a:rPr lang="en-US" dirty="0" err="1" smtClean="0"/>
+              <a:t>dữ</a:t>
+            </a:r>
+            <a:r>
+              <a:rPr lang="en-US" dirty="0" smtClean="0"/>
+              <a:t> </a:t>
+            </a:r>
+            <a:r>
+              <a:rPr lang="en-US" dirty="0" err="1" smtClean="0"/>
+              <a:t>liệu</a:t>
+            </a:r>
+            <a:r>
+              <a:rPr lang="en-US" dirty="0" smtClean="0"/>
+              <a:t> </a:t>
+            </a:r>
+            <a:r>
+              <a:rPr lang="en-US" dirty="0" err="1" smtClean="0"/>
+              <a:t>từ</a:t>
+            </a:r>
+            <a:r>
+              <a:rPr lang="en-US" dirty="0" smtClean="0"/>
+              <a:t> </a:t>
+            </a:r>
+            <a:r>
+              <a:rPr lang="en-US" dirty="0" err="1" smtClean="0"/>
+              <a:t>xa</a:t>
+            </a:r>
+            <a:endParaRPr lang="en-US" dirty="0" smtClean="0"/>
+          </a:p>
+          <a:p>
+            <a:pPr marL="457200" indent="-457200" algn="l">
+              <a:buFontTx/>
+              <a:buChar char="-"/>
+            </a:pPr>
+            <a:r>
+              <a:rPr lang="en-US" dirty="0" err="1" smtClean="0"/>
+              <a:t>Lưu</a:t>
+            </a:r>
+            <a:r>
+              <a:rPr lang="en-US" dirty="0" smtClean="0"/>
+              <a:t> </a:t>
+            </a:r>
+            <a:r>
+              <a:rPr lang="en-US" dirty="0" err="1" smtClean="0"/>
+              <a:t>trữ</a:t>
+            </a:r>
+            <a:r>
+              <a:rPr lang="en-US" dirty="0" smtClean="0"/>
+              <a:t> </a:t>
+            </a:r>
+            <a:r>
+              <a:rPr lang="en-US" dirty="0" err="1" smtClean="0"/>
+              <a:t>được</a:t>
+            </a:r>
+            <a:r>
+              <a:rPr lang="en-US" dirty="0" smtClean="0"/>
+              <a:t> </a:t>
+            </a:r>
+            <a:r>
+              <a:rPr lang="en-US" dirty="0" err="1" smtClean="0"/>
+              <a:t>nhiều</a:t>
+            </a:r>
+            <a:r>
+              <a:rPr lang="en-US" dirty="0" smtClean="0"/>
+              <a:t> </a:t>
+            </a:r>
+            <a:r>
+              <a:rPr lang="en-US" dirty="0" err="1" smtClean="0"/>
+              <a:t>hơn</a:t>
+            </a:r>
+            <a:r>
+              <a:rPr lang="en-US" dirty="0" smtClean="0"/>
+              <a:t> 1 </a:t>
+            </a:r>
+            <a:r>
+              <a:rPr lang="en-US" dirty="0" err="1" smtClean="0"/>
+              <a:t>ảnh</a:t>
+            </a:r>
+            <a:r>
+              <a:rPr lang="en-US" dirty="0" smtClean="0"/>
+              <a:t> </a:t>
+            </a:r>
+            <a:r>
+              <a:rPr lang="en-US" dirty="0" err="1" smtClean="0"/>
+              <a:t>trong</a:t>
+            </a:r>
+            <a:r>
+              <a:rPr lang="en-US" dirty="0" smtClean="0"/>
+              <a:t> </a:t>
+            </a:r>
+            <a:r>
+              <a:rPr lang="en-US" dirty="0" err="1" smtClean="0"/>
+              <a:t>ghi</a:t>
+            </a:r>
+            <a:r>
+              <a:rPr lang="en-US" dirty="0" smtClean="0"/>
+              <a:t> </a:t>
+            </a:r>
+            <a:r>
+              <a:rPr lang="en-US" dirty="0" err="1" smtClean="0"/>
+              <a:t>chú</a:t>
+            </a:r>
+            <a:endParaRPr lang="en-US" dirty="0" smtClean="0"/>
+          </a:p>
+          <a:p>
+            <a:pPr marL="457200" indent="-457200" algn="l">
+              <a:buFontTx/>
+              <a:buChar char="-"/>
+            </a:pPr>
+            <a:r>
+              <a:rPr lang="en-US" dirty="0" err="1" smtClean="0"/>
+              <a:t>Lưu</a:t>
+            </a:r>
+            <a:r>
+              <a:rPr lang="en-US" dirty="0" smtClean="0"/>
+              <a:t> </a:t>
+            </a:r>
+            <a:r>
+              <a:rPr lang="en-US" dirty="0" err="1" smtClean="0"/>
+              <a:t>trữ</a:t>
+            </a:r>
+            <a:r>
+              <a:rPr lang="en-US" dirty="0" smtClean="0"/>
+              <a:t> </a:t>
+            </a:r>
+            <a:r>
+              <a:rPr lang="en-US" dirty="0" err="1" smtClean="0"/>
+              <a:t>thêm</a:t>
+            </a:r>
+            <a:r>
+              <a:rPr lang="en-US" dirty="0" smtClean="0"/>
+              <a:t> </a:t>
+            </a:r>
+            <a:r>
+              <a:rPr lang="en-US" dirty="0" err="1" smtClean="0"/>
+              <a:t>ghi</a:t>
+            </a:r>
+            <a:r>
+              <a:rPr lang="en-US" dirty="0" smtClean="0"/>
+              <a:t> </a:t>
+            </a:r>
+            <a:r>
+              <a:rPr lang="en-US" dirty="0" err="1" smtClean="0"/>
+              <a:t>âm</a:t>
+            </a:r>
+            <a:r>
+              <a:rPr lang="en-US" dirty="0" smtClean="0"/>
+              <a:t>, video</a:t>
+            </a:r>
+            <a:endParaRPr lang="en-US" dirty="0"/>
+          </a:p>
+        </p:txBody>
+      </p:sp>
+    </p:spTree>
+    <p:extLst>
+      <p:ext uri="{BB962C8B-B14F-4D97-AF65-F5344CB8AC3E}">
+        <p14:creationId xmlns:p14="http://schemas.microsoft.com/office/powerpoint/2010/main" val="2382920897"/>
+      </p:ext>
+    </p:extLst>
+  </p:cSld>
+  <p:clrMapOvr>
+    <a:masterClrMapping/>
+  </p:clrMapOvr>
+</p:sld>
+</file>
+
+<file path=ppt/slides/slide27.xml><?xml version="1.0" encoding="utf-8"?>
+<p:sld xmlns:a="http://schemas.openxmlformats.org/drawingml/2006/main" xmlns:r="http://schemas.openxmlformats.org/officeDocument/2006/relationships" xmlns:p="http://schemas.openxmlformats.org/presentationml/2006/main">
+  <p:cSld>
+    <p:spTree>
+      <p:nvGrpSpPr>
+        <p:cNvPr id="1" name=""/>
+        <p:cNvGrpSpPr/>
+        <p:nvPr/>
+      </p:nvGrpSpPr>
+      <p:grpSpPr>
+        <a:xfrm>
+          <a:off x="0" y="0"/>
+          <a:ext cx="0" cy="0"/>
+          <a:chOff x="0" y="0"/>
+          <a:chExt cx="0" cy="0"/>
+        </a:xfrm>
+      </p:grpSpPr>
+      <p:sp>
+        <p:nvSpPr>
+          <p:cNvPr id="2" name="Title 1"/>
+          <p:cNvSpPr>
+            <a:spLocks noGrp="1"/>
+          </p:cNvSpPr>
+          <p:nvPr>
+            <p:ph type="ctrTitle"/>
+          </p:nvPr>
+        </p:nvSpPr>
+        <p:spPr/>
+        <p:txBody>
+          <a:bodyPr/>
+          <a:lstStyle/>
+          <a:p>
+            <a:r>
+              <a:rPr lang="en-US" dirty="0" err="1" smtClean="0"/>
               <a:t>Câu</a:t>
             </a:r>
             <a:r>
@@ -6569,7 +7256,7 @@
 </p:sld>
 </file>
 
-<file path=ppt/slides/slide25.xml><?xml version="1.0" encoding="utf-8"?>
+<file path=ppt/slides/slide28.xml><?xml version="1.0" encoding="utf-8"?>
 <p:sld xmlns:a="http://schemas.openxmlformats.org/drawingml/2006/main" xmlns:r="http://schemas.openxmlformats.org/officeDocument/2006/relationships" xmlns:p="http://schemas.openxmlformats.org/presentationml/2006/main">
   <p:cSld>
     <p:spTree>
@@ -6708,20 +7395,32 @@
           <a:lstStyle/>
           <a:p>
             <a:r>
-              <a:rPr lang="en-US" dirty="0" smtClean="0"/>
-              <a:t>Login activity </a:t>
-            </a:r>
-            <a:r>
-              <a:rPr lang="en-US" dirty="0" err="1" smtClean="0"/>
-              <a:t>chức</a:t>
-            </a:r>
-            <a:r>
-              <a:rPr lang="en-US" dirty="0" smtClean="0"/>
-              <a:t> </a:t>
-            </a:r>
-            <a:r>
-              <a:rPr lang="en-US" dirty="0" err="1" smtClean="0"/>
-              <a:t>năng</a:t>
+              <a:rPr lang="en-US" dirty="0" err="1" smtClean="0"/>
+              <a:t>Công</a:t>
+            </a:r>
+            <a:r>
+              <a:rPr lang="en-US" dirty="0" smtClean="0"/>
+              <a:t> </a:t>
+            </a:r>
+            <a:r>
+              <a:rPr lang="en-US" dirty="0" err="1" smtClean="0"/>
+              <a:t>nghệ</a:t>
+            </a:r>
+            <a:r>
+              <a:rPr lang="en-US" dirty="0" smtClean="0"/>
+              <a:t> </a:t>
+            </a:r>
+            <a:r>
+              <a:rPr lang="en-US" dirty="0" err="1" smtClean="0"/>
+              <a:t>sử</a:t>
+            </a:r>
+            <a:r>
+              <a:rPr lang="en-US" dirty="0" smtClean="0"/>
+              <a:t> </a:t>
+            </a:r>
+            <a:r>
+              <a:rPr lang="en-US" dirty="0" err="1" smtClean="0"/>
+              <a:t>dụng</a:t>
             </a:r>
             <a:endParaRPr lang="en-US" dirty="0"/>
           </a:p>
@@ -6739,68 +7438,111 @@
         </p:nvSpPr>
         <p:spPr/>
         <p:txBody>
-          <a:bodyPr/>
-          <a:lstStyle/>
-          <a:p>
-            <a:pPr marL="457200" indent="-457200">
-              <a:buFontTx/>
-              <a:buChar char="-"/>
-            </a:pPr>
-            <a:r>
-              <a:rPr lang="en-US" dirty="0" err="1" smtClean="0"/>
-              <a:t>bảo</a:t>
-            </a:r>
-            <a:r>
-              <a:rPr lang="en-US" dirty="0" smtClean="0"/>
-              <a:t> </a:t>
-            </a:r>
-            <a:r>
-              <a:rPr lang="en-US" dirty="0" err="1" smtClean="0"/>
-              <a:t>mật</a:t>
-            </a:r>
-            <a:r>
-              <a:rPr lang="en-US" dirty="0" smtClean="0"/>
-              <a:t> </a:t>
-            </a:r>
-            <a:r>
-              <a:rPr lang="en-US" dirty="0" err="1" smtClean="0"/>
-              <a:t>ứng</a:t>
-            </a:r>
-            <a:r>
-              <a:rPr lang="en-US" dirty="0" smtClean="0"/>
-              <a:t> </a:t>
-            </a:r>
-            <a:r>
-              <a:rPr lang="en-US" dirty="0" err="1" smtClean="0"/>
-              <a:t>dụng</a:t>
+          <a:bodyPr>
+            <a:normAutofit fontScale="70000" lnSpcReduction="20000"/>
+          </a:bodyPr>
+          <a:lstStyle/>
+          <a:p>
+            <a:pPr algn="l"/>
+            <a:r>
+              <a:rPr lang="en-US" dirty="0" err="1" smtClean="0"/>
+              <a:t>Lưu</a:t>
+            </a:r>
+            <a:r>
+              <a:rPr lang="en-US" dirty="0" smtClean="0"/>
+              <a:t> </a:t>
+            </a:r>
+            <a:r>
+              <a:rPr lang="en-US" dirty="0" err="1" smtClean="0"/>
+              <a:t>trữ</a:t>
+            </a:r>
+            <a:r>
+              <a:rPr lang="en-US" dirty="0" smtClean="0"/>
+              <a:t>: Shared preferences, SQLite</a:t>
+            </a:r>
+          </a:p>
+          <a:p>
+            <a:pPr algn="l"/>
+            <a:r>
+              <a:rPr lang="en-US" dirty="0" err="1" smtClean="0"/>
+              <a:t>Giao</a:t>
+            </a:r>
+            <a:r>
+              <a:rPr lang="en-US" dirty="0" smtClean="0"/>
+              <a:t> </a:t>
+            </a:r>
+            <a:r>
+              <a:rPr lang="en-US" dirty="0" err="1" smtClean="0"/>
+              <a:t>diện</a:t>
+            </a:r>
+            <a:r>
+              <a:rPr lang="en-US" dirty="0" smtClean="0"/>
+              <a:t>: List view, adapters</a:t>
+            </a:r>
+          </a:p>
+          <a:p>
+            <a:pPr algn="l"/>
+            <a:r>
+              <a:rPr lang="en-US" dirty="0" err="1" smtClean="0"/>
+              <a:t>Nhắc</a:t>
+            </a:r>
+            <a:r>
+              <a:rPr lang="en-US" dirty="0" smtClean="0"/>
+              <a:t> </a:t>
+            </a:r>
+            <a:r>
+              <a:rPr lang="en-US" dirty="0" err="1" smtClean="0"/>
+              <a:t>lịch</a:t>
+            </a:r>
+            <a:r>
+              <a:rPr lang="en-US" dirty="0" smtClean="0"/>
+              <a:t>: </a:t>
+            </a:r>
+            <a:r>
+              <a:rPr lang="en-US" dirty="0" err="1"/>
+              <a:t>AlarmManager</a:t>
             </a:r>
             <a:endParaRPr lang="en-US" dirty="0" smtClean="0"/>
           </a:p>
           <a:p>
-            <a:pPr marL="457200" indent="-457200">
-              <a:buFontTx/>
-              <a:buChar char="-"/>
-            </a:pPr>
-            <a:r>
-              <a:rPr lang="en-US" dirty="0" err="1" smtClean="0"/>
-              <a:t>Cá</a:t>
-            </a:r>
-            <a:r>
-              <a:rPr lang="en-US" dirty="0" smtClean="0"/>
-              <a:t> </a:t>
-            </a:r>
-            <a:r>
-              <a:rPr lang="en-US" dirty="0" err="1" smtClean="0"/>
-              <a:t>nhân</a:t>
-            </a:r>
-            <a:r>
-              <a:rPr lang="en-US" dirty="0" smtClean="0"/>
-              <a:t> </a:t>
-            </a:r>
-            <a:r>
-              <a:rPr lang="en-US" dirty="0" err="1" smtClean="0"/>
-              <a:t>hóa</a:t>
-            </a:r>
+            <a:pPr algn="l"/>
+            <a:r>
+              <a:rPr lang="en-US" dirty="0" err="1" smtClean="0"/>
+              <a:t>Chụp</a:t>
+            </a:r>
+            <a:r>
+              <a:rPr lang="en-US" dirty="0" smtClean="0"/>
+              <a:t> </a:t>
+            </a:r>
+            <a:r>
+              <a:rPr lang="en-US" dirty="0" err="1" smtClean="0"/>
+              <a:t>ảnh</a:t>
+            </a:r>
+            <a:r>
+              <a:rPr lang="en-US" dirty="0" smtClean="0"/>
+              <a:t>: Camera</a:t>
+            </a:r>
+          </a:p>
+          <a:p>
+            <a:pPr algn="l"/>
+            <a:r>
+              <a:rPr lang="en-US" dirty="0" err="1" smtClean="0"/>
+              <a:t>Địa</a:t>
+            </a:r>
+            <a:r>
+              <a:rPr lang="en-US" dirty="0" smtClean="0"/>
+              <a:t> </a:t>
+            </a:r>
+            <a:r>
+              <a:rPr lang="en-US" dirty="0" err="1" smtClean="0"/>
+              <a:t>điểm</a:t>
+            </a:r>
+            <a:r>
+              <a:rPr lang="en-US" dirty="0" smtClean="0"/>
+              <a:t>: GPS</a:t>
+            </a:r>
+          </a:p>
+          <a:p>
             <a:endParaRPr lang="en-US" dirty="0"/>
           </a:p>
         </p:txBody>
@@ -6808,7 +7550,7 @@
     </p:spTree>
     <p:extLst>
       <p:ext uri="{BB962C8B-B14F-4D97-AF65-F5344CB8AC3E}">
-        <p14:creationId xmlns:p14="http://schemas.microsoft.com/office/powerpoint/2010/main" val="3014151600"/>
+        <p14:creationId xmlns:p14="http://schemas.microsoft.com/office/powerpoint/2010/main" val="1607084672"/>
       </p:ext>
     </p:extLst>
   </p:cSld>
@@ -6852,19 +7594,19 @@
           <a:p>
             <a:r>
               <a:rPr lang="en-US" dirty="0" smtClean="0"/>
-              <a:t>Login activity </a:t>
-            </a:r>
-            <a:r>
-              <a:rPr lang="en-US" dirty="0" err="1" smtClean="0"/>
-              <a:t>chức</a:t>
-            </a:r>
-            <a:r>
-              <a:rPr lang="en-US" dirty="0" smtClean="0"/>
-              <a:t> </a:t>
-            </a:r>
-            <a:r>
-              <a:rPr lang="en-US" dirty="0" err="1" smtClean="0"/>
-              <a:t>năng</a:t>
+              <a:t>Demo </a:t>
+            </a:r>
+            <a:r>
+              <a:rPr lang="en-US" dirty="0" err="1" smtClean="0"/>
+              <a:t>ứng</a:t>
+            </a:r>
+            <a:r>
+              <a:rPr lang="en-US" dirty="0" smtClean="0"/>
+              <a:t> </a:t>
+            </a:r>
+            <a:r>
+              <a:rPr lang="en-US" dirty="0" err="1" smtClean="0"/>
+              <a:t>dụng</a:t>
             </a:r>
             <a:endParaRPr lang="en-US" dirty="0"/>
           </a:p>
@@ -6882,173 +7624,12 @@
         </p:nvSpPr>
         <p:spPr/>
         <p:txBody>
-          <a:bodyPr>
-            <a:normAutofit fontScale="92500" lnSpcReduction="20000"/>
-          </a:bodyPr>
-          <a:lstStyle/>
-          <a:p>
-            <a:pPr marL="457200" indent="-457200">
-              <a:buFontTx/>
-              <a:buChar char="-"/>
-            </a:pPr>
-            <a:r>
-              <a:rPr lang="en-US" dirty="0" err="1" smtClean="0"/>
-              <a:t>Lần</a:t>
-            </a:r>
-            <a:r>
-              <a:rPr lang="en-US" dirty="0" smtClean="0"/>
-              <a:t> </a:t>
-            </a:r>
-            <a:r>
-              <a:rPr lang="en-US" dirty="0" err="1" smtClean="0"/>
-              <a:t>đầu</a:t>
-            </a:r>
-            <a:r>
-              <a:rPr lang="en-US" dirty="0" smtClean="0"/>
-              <a:t> </a:t>
-            </a:r>
-            <a:r>
-              <a:rPr lang="en-US" dirty="0" err="1" smtClean="0"/>
-              <a:t>chạy</a:t>
-            </a:r>
-            <a:r>
-              <a:rPr lang="en-US" dirty="0" smtClean="0"/>
-              <a:t> </a:t>
-            </a:r>
-            <a:r>
-              <a:rPr lang="en-US" dirty="0" err="1" smtClean="0"/>
-              <a:t>ứng</a:t>
-            </a:r>
-            <a:r>
-              <a:rPr lang="en-US" dirty="0" smtClean="0"/>
-              <a:t> </a:t>
-            </a:r>
-            <a:r>
-              <a:rPr lang="en-US" dirty="0" err="1" smtClean="0"/>
-              <a:t>dụng</a:t>
-            </a:r>
-            <a:r>
-              <a:rPr lang="en-US" dirty="0" smtClean="0"/>
-              <a:t> </a:t>
-            </a:r>
-            <a:r>
-              <a:rPr lang="en-US" dirty="0" err="1" smtClean="0"/>
-              <a:t>kiểm</a:t>
-            </a:r>
-            <a:r>
-              <a:rPr lang="en-US" dirty="0" smtClean="0"/>
-              <a:t> </a:t>
-            </a:r>
-            <a:r>
-              <a:rPr lang="en-US" dirty="0" err="1" smtClean="0"/>
-              <a:t>tra</a:t>
-            </a:r>
-            <a:r>
-              <a:rPr lang="en-US" dirty="0" smtClean="0"/>
-              <a:t> </a:t>
-            </a:r>
-            <a:r>
-              <a:rPr lang="en-US" dirty="0" err="1" smtClean="0"/>
-              <a:t>mật</a:t>
-            </a:r>
-            <a:r>
-              <a:rPr lang="en-US" dirty="0" smtClean="0"/>
-              <a:t> </a:t>
-            </a:r>
-            <a:r>
-              <a:rPr lang="en-US" dirty="0" err="1" smtClean="0"/>
-              <a:t>khẩu</a:t>
-            </a:r>
-            <a:r>
-              <a:rPr lang="en-US" dirty="0" smtClean="0"/>
-              <a:t> </a:t>
-            </a:r>
-            <a:r>
-              <a:rPr lang="en-US" dirty="0" err="1" smtClean="0"/>
-              <a:t>đã</a:t>
-            </a:r>
-            <a:r>
-              <a:rPr lang="en-US" dirty="0" smtClean="0"/>
-              <a:t> </a:t>
-            </a:r>
-            <a:r>
-              <a:rPr lang="en-US" dirty="0" err="1" smtClean="0"/>
-              <a:t>lưu</a:t>
-            </a:r>
-            <a:endParaRPr lang="en-US" dirty="0" smtClean="0"/>
-          </a:p>
-          <a:p>
-            <a:pPr marL="457200" indent="-457200">
-              <a:buFontTx/>
-              <a:buChar char="-"/>
-            </a:pPr>
-            <a:r>
-              <a:rPr lang="en-US" dirty="0" err="1" smtClean="0"/>
-              <a:t>Nếu</a:t>
-            </a:r>
-            <a:r>
-              <a:rPr lang="en-US" dirty="0" smtClean="0"/>
-              <a:t> </a:t>
-            </a:r>
-            <a:r>
-              <a:rPr lang="en-US" dirty="0" err="1" smtClean="0"/>
-              <a:t>chưa</a:t>
-            </a:r>
-            <a:r>
-              <a:rPr lang="en-US" dirty="0" smtClean="0"/>
-              <a:t> </a:t>
-            </a:r>
-            <a:r>
-              <a:rPr lang="en-US" dirty="0" err="1" smtClean="0"/>
-              <a:t>lưu</a:t>
-            </a:r>
-            <a:r>
-              <a:rPr lang="en-US" dirty="0" smtClean="0"/>
-              <a:t>, </a:t>
-            </a:r>
-            <a:r>
-              <a:rPr lang="en-US" dirty="0" err="1" smtClean="0"/>
-              <a:t>hiện</a:t>
-            </a:r>
-            <a:r>
-              <a:rPr lang="en-US" dirty="0" smtClean="0"/>
-              <a:t> form </a:t>
-            </a:r>
-            <a:r>
-              <a:rPr lang="en-US" dirty="0" err="1" smtClean="0"/>
-              <a:t>tạo</a:t>
-            </a:r>
-            <a:r>
-              <a:rPr lang="en-US" dirty="0" smtClean="0"/>
-              <a:t> </a:t>
-            </a:r>
-            <a:r>
-              <a:rPr lang="en-US" dirty="0" err="1" smtClean="0"/>
-              <a:t>mật</a:t>
-            </a:r>
-            <a:r>
-              <a:rPr lang="en-US" dirty="0" smtClean="0"/>
-              <a:t> </a:t>
-            </a:r>
-            <a:r>
-              <a:rPr lang="en-US" dirty="0" err="1" smtClean="0"/>
-              <a:t>khẩu</a:t>
-            </a:r>
-            <a:r>
-              <a:rPr lang="en-US" dirty="0" smtClean="0"/>
-              <a:t> </a:t>
-            </a:r>
-            <a:r>
-              <a:rPr lang="en-US" dirty="0" err="1" smtClean="0"/>
-              <a:t>và</a:t>
-            </a:r>
-            <a:r>
-              <a:rPr lang="en-US" dirty="0" smtClean="0"/>
-              <a:t> </a:t>
-            </a:r>
-            <a:r>
-              <a:rPr lang="en-US" dirty="0" err="1" smtClean="0"/>
-              <a:t>lưu</a:t>
+          <a:bodyPr/>
+          <a:lstStyle/>
+          <a:p>
+            <a:r>
+              <a:rPr lang="en-US" smtClean="0"/>
+              <a:t> </a:t>
             </a:r>
             <a:endParaRPr lang="en-US" dirty="0"/>
           </a:p>
@@ -7057,7 +7638,7 @@
     </p:spTree>
     <p:extLst>
       <p:ext uri="{BB962C8B-B14F-4D97-AF65-F5344CB8AC3E}">
-        <p14:creationId xmlns:p14="http://schemas.microsoft.com/office/powerpoint/2010/main" val="54112490"/>
+        <p14:creationId xmlns:p14="http://schemas.microsoft.com/office/powerpoint/2010/main" val="783840454"/>
       </p:ext>
     </p:extLst>
   </p:cSld>
@@ -7101,19 +7682,7 @@
           <a:p>
             <a:r>
               <a:rPr lang="en-US" dirty="0" smtClean="0"/>
-              <a:t>Login activity </a:t>
-            </a:r>
-            <a:r>
-              <a:rPr lang="en-US" dirty="0" err="1" smtClean="0"/>
-              <a:t>chức</a:t>
-            </a:r>
-            <a:r>
-              <a:rPr lang="en-US" dirty="0" smtClean="0"/>
-              <a:t> </a:t>
-            </a:r>
-            <a:r>
-              <a:rPr lang="en-US" dirty="0" err="1" smtClean="0"/>
-              <a:t>năng</a:t>
+              <a:t>Login activity</a:t>
             </a:r>
             <a:endParaRPr lang="en-US" dirty="0"/>
           </a:p>
@@ -7131,26 +7700,44 @@
         </p:nvSpPr>
         <p:spPr/>
         <p:txBody>
-          <a:bodyPr>
-            <a:normAutofit fontScale="92500"/>
-          </a:bodyPr>
-          <a:lstStyle/>
-          <a:p>
-            <a:pPr marL="457200" indent="-457200">
-              <a:buFontTx/>
-              <a:buChar char="-"/>
-            </a:pPr>
-            <a:r>
-              <a:rPr lang="en-US" dirty="0" err="1" smtClean="0"/>
-              <a:t>Nếu</a:t>
-            </a:r>
-            <a:r>
-              <a:rPr lang="en-US" dirty="0" smtClean="0"/>
-              <a:t> </a:t>
-            </a:r>
-            <a:r>
-              <a:rPr lang="en-US" dirty="0" err="1" smtClean="0"/>
-              <a:t>đã</a:t>
+          <a:bodyPr/>
+          <a:lstStyle/>
+          <a:p>
+            <a:r>
+              <a:rPr lang="en-US" dirty="0" err="1" smtClean="0"/>
+              <a:t>Phần</a:t>
+            </a:r>
+            <a:r>
+              <a:rPr lang="en-US" dirty="0" smtClean="0"/>
+              <a:t> </a:t>
+            </a:r>
+            <a:r>
+              <a:rPr lang="en-US" dirty="0" err="1" smtClean="0"/>
+              <a:t>nghiên</a:t>
+            </a:r>
+            <a:r>
+              <a:rPr lang="en-US" dirty="0" smtClean="0"/>
+              <a:t> </a:t>
+            </a:r>
+            <a:r>
+              <a:rPr lang="en-US" dirty="0" err="1" smtClean="0"/>
+              <a:t>cứu</a:t>
+            </a:r>
+            <a:r>
+              <a:rPr lang="en-US" dirty="0" smtClean="0"/>
+              <a:t>, </a:t>
+            </a:r>
+            <a:r>
+              <a:rPr lang="en-US" dirty="0" err="1" smtClean="0"/>
+              <a:t>sharedprefrences</a:t>
+            </a:r>
+            <a:r>
+              <a:rPr lang="en-US" dirty="0" smtClean="0"/>
+              <a:t> </a:t>
+            </a:r>
+            <a:r>
+              <a:rPr lang="en-US" dirty="0" err="1" smtClean="0"/>
+              <a:t>và</a:t>
             </a:r>
             <a:r>
               <a:rPr lang="en-US" dirty="0" smtClean="0"/>
@@ -7166,6 +7753,14 @@
             </a:r>
             <a:r>
               <a:rPr lang="en-US" dirty="0" err="1" smtClean="0"/>
+              <a:t>trữ</a:t>
+            </a:r>
+            <a:r>
+              <a:rPr lang="en-US" dirty="0" smtClean="0"/>
+              <a:t> </a:t>
+            </a:r>
+            <a:r>
+              <a:rPr lang="en-US" dirty="0" err="1" smtClean="0"/>
               <a:t>mật</a:t>
             </a:r>
             <a:r>
@@ -7175,92 +7770,6 @@
             <a:r>
               <a:rPr lang="en-US" dirty="0" err="1" smtClean="0"/>
               <a:t>khẩu</a:t>
-            </a:r>
-            <a:r>
-              <a:rPr lang="en-US" dirty="0" smtClean="0"/>
-              <a:t> </a:t>
-            </a:r>
-            <a:r>
-              <a:rPr lang="en-US" dirty="0" err="1" smtClean="0"/>
-              <a:t>hiện</a:t>
-            </a:r>
-            <a:r>
-              <a:rPr lang="en-US" dirty="0" smtClean="0"/>
-              <a:t> form login</a:t>
-            </a:r>
-          </a:p>
-          <a:p>
-            <a:pPr marL="457200" indent="-457200">
-              <a:buFontTx/>
-              <a:buChar char="-"/>
-            </a:pPr>
-            <a:r>
-              <a:rPr lang="en-US" dirty="0" smtClean="0"/>
-              <a:t> </a:t>
-            </a:r>
-            <a:r>
-              <a:rPr lang="en-US" dirty="0" err="1" smtClean="0"/>
-              <a:t>người</a:t>
-            </a:r>
-            <a:r>
-              <a:rPr lang="en-US" dirty="0" smtClean="0"/>
-              <a:t> </a:t>
-            </a:r>
-            <a:r>
-              <a:rPr lang="en-US" dirty="0" err="1" smtClean="0"/>
-              <a:t>dùng</a:t>
-            </a:r>
-            <a:r>
-              <a:rPr lang="en-US" dirty="0" smtClean="0"/>
-              <a:t> </a:t>
-            </a:r>
-            <a:r>
-              <a:rPr lang="en-US" dirty="0" err="1" smtClean="0"/>
-              <a:t>nhập</a:t>
-            </a:r>
-            <a:r>
-              <a:rPr lang="en-US" dirty="0" smtClean="0"/>
-              <a:t> </a:t>
-            </a:r>
-            <a:r>
-              <a:rPr lang="en-US" dirty="0" err="1" smtClean="0"/>
-              <a:t>mật</a:t>
-            </a:r>
-            <a:r>
-              <a:rPr lang="en-US" dirty="0" smtClean="0"/>
-              <a:t> </a:t>
-            </a:r>
-            <a:r>
-              <a:rPr lang="en-US" dirty="0" err="1" smtClean="0"/>
-              <a:t>khẩu</a:t>
-            </a:r>
-            <a:r>
-              <a:rPr lang="en-US" dirty="0" smtClean="0"/>
-              <a:t> </a:t>
-            </a:r>
-            <a:r>
-              <a:rPr lang="en-US" dirty="0" err="1" smtClean="0"/>
-              <a:t>và</a:t>
-            </a:r>
-            <a:r>
-              <a:rPr lang="en-US" dirty="0" smtClean="0"/>
-              <a:t> </a:t>
-            </a:r>
-            <a:r>
-              <a:rPr lang="en-US" dirty="0" err="1" smtClean="0"/>
-              <a:t>nhấn</a:t>
-            </a:r>
-            <a:r>
-              <a:rPr lang="en-US" dirty="0" smtClean="0"/>
-              <a:t> </a:t>
-            </a:r>
-            <a:r>
-              <a:rPr lang="en-US" dirty="0" err="1" smtClean="0"/>
-              <a:t>nút</a:t>
-            </a:r>
-            <a:r>
-              <a:rPr lang="en-US" dirty="0" smtClean="0"/>
-              <a:t> login</a:t>
             </a:r>
             <a:endParaRPr lang="en-US" dirty="0"/>
           </a:p>
@@ -7269,7 +7778,7 @@
     </p:spTree>
     <p:extLst>
       <p:ext uri="{BB962C8B-B14F-4D97-AF65-F5344CB8AC3E}">
-        <p14:creationId xmlns:p14="http://schemas.microsoft.com/office/powerpoint/2010/main" val="2113081529"/>
+        <p14:creationId xmlns:p14="http://schemas.microsoft.com/office/powerpoint/2010/main" val="261319078"/>
       </p:ext>
     </p:extLst>
   </p:cSld>
@@ -7343,9 +7852,7 @@
         </p:nvSpPr>
         <p:spPr/>
         <p:txBody>
-          <a:bodyPr>
-            <a:normAutofit fontScale="92500" lnSpcReduction="20000"/>
-          </a:bodyPr>
+          <a:bodyPr/>
           <a:lstStyle/>
           <a:p>
             <a:pPr marL="457200" indent="-457200">
@@ -7353,73 +7860,34 @@
               <a:buChar char="-"/>
             </a:pPr>
             <a:r>
-              <a:rPr lang="en-US" dirty="0" smtClean="0"/>
-              <a:t>Login </a:t>
-            </a:r>
-            <a:r>
-              <a:rPr lang="en-US" dirty="0" err="1" smtClean="0"/>
-              <a:t>thành</a:t>
-            </a:r>
-            <a:r>
-              <a:rPr lang="en-US" dirty="0" smtClean="0"/>
-              <a:t> </a:t>
-            </a:r>
-            <a:r>
-              <a:rPr lang="en-US" dirty="0" err="1" smtClean="0"/>
-              <a:t>công</a:t>
-            </a:r>
-            <a:r>
-              <a:rPr lang="en-US" dirty="0" smtClean="0"/>
-              <a:t> </a:t>
-            </a:r>
-            <a:r>
-              <a:rPr lang="en-US" dirty="0" err="1" smtClean="0"/>
-              <a:t>thì</a:t>
-            </a:r>
-            <a:r>
-              <a:rPr lang="en-US" dirty="0" smtClean="0"/>
-              <a:t> </a:t>
-            </a:r>
-            <a:r>
-              <a:rPr lang="en-US" dirty="0" err="1" smtClean="0"/>
-              <a:t>mở</a:t>
-            </a:r>
-            <a:r>
-              <a:rPr lang="en-US" dirty="0" smtClean="0"/>
-              <a:t> home activity ( </a:t>
-            </a:r>
-            <a:r>
-              <a:rPr lang="en-US" dirty="0" err="1" smtClean="0"/>
-              <a:t>danh</a:t>
-            </a:r>
-            <a:r>
-              <a:rPr lang="en-US" dirty="0" smtClean="0"/>
-              <a:t> </a:t>
-            </a:r>
-            <a:r>
-              <a:rPr lang="en-US" dirty="0" err="1" smtClean="0"/>
-              <a:t>sách</a:t>
-            </a:r>
-            <a:r>
-              <a:rPr lang="en-US" dirty="0" smtClean="0"/>
-              <a:t> </a:t>
-            </a:r>
-            <a:r>
-              <a:rPr lang="en-US" dirty="0" err="1" smtClean="0"/>
-              <a:t>ghi</a:t>
-            </a:r>
-            <a:r>
-              <a:rPr lang="en-US" dirty="0" smtClean="0"/>
-              <a:t> </a:t>
-            </a:r>
-            <a:r>
-              <a:rPr lang="en-US" dirty="0" err="1" smtClean="0"/>
-              <a:t>chú</a:t>
-            </a:r>
-            <a:r>
-              <a:rPr lang="en-US" dirty="0" smtClean="0"/>
-              <a:t>)</a:t>
-            </a:r>
+              <a:rPr lang="en-US" dirty="0" err="1" smtClean="0"/>
+              <a:t>bảo</a:t>
+            </a:r>
+            <a:r>
+              <a:rPr lang="en-US" dirty="0" smtClean="0"/>
+              <a:t> </a:t>
+            </a:r>
+            <a:r>
+              <a:rPr lang="en-US" dirty="0" err="1" smtClean="0"/>
+              <a:t>mật</a:t>
+            </a:r>
+            <a:r>
+              <a:rPr lang="en-US" dirty="0" smtClean="0"/>
+              <a:t> </a:t>
+            </a:r>
+            <a:r>
+              <a:rPr lang="en-US" dirty="0" err="1" smtClean="0"/>
+              <a:t>ứng</a:t>
+            </a:r>
+            <a:r>
+              <a:rPr lang="en-US" dirty="0" smtClean="0"/>
+              <a:t> </a:t>
+            </a:r>
+            <a:r>
+              <a:rPr lang="en-US" dirty="0" err="1" smtClean="0"/>
+              <a:t>dụng</a:t>
+            </a:r>
+            <a:endParaRPr lang="en-US" dirty="0" smtClean="0"/>
           </a:p>
           <a:p>
             <a:pPr marL="457200" indent="-457200">
@@ -7427,48 +7895,24 @@
               <a:buChar char="-"/>
             </a:pPr>
             <a:r>
-              <a:rPr lang="en-US" dirty="0" smtClean="0"/>
-              <a:t> </a:t>
-            </a:r>
-            <a:r>
-              <a:rPr lang="en-US" dirty="0" err="1" smtClean="0"/>
-              <a:t>nếu</a:t>
-            </a:r>
-            <a:r>
-              <a:rPr lang="en-US" dirty="0" smtClean="0"/>
-              <a:t> login </a:t>
-            </a:r>
-            <a:r>
-              <a:rPr lang="en-US" dirty="0" err="1" smtClean="0"/>
-              <a:t>không</a:t>
-            </a:r>
-            <a:r>
-              <a:rPr lang="en-US" dirty="0" smtClean="0"/>
-              <a:t> </a:t>
-            </a:r>
-            <a:r>
-              <a:rPr lang="en-US" dirty="0" err="1" smtClean="0"/>
-              <a:t>thành</a:t>
-            </a:r>
-            <a:r>
-              <a:rPr lang="en-US" dirty="0" smtClean="0"/>
-              <a:t> </a:t>
-            </a:r>
-            <a:r>
-              <a:rPr lang="en-US" dirty="0" err="1" smtClean="0"/>
-              <a:t>công</a:t>
-            </a:r>
-            <a:r>
-              <a:rPr lang="en-US" dirty="0" smtClean="0"/>
-              <a:t> quay </a:t>
-            </a:r>
-            <a:r>
-              <a:rPr lang="en-US" dirty="0" err="1" smtClean="0"/>
-              <a:t>lại</a:t>
-            </a:r>
-            <a:r>
-              <a:rPr lang="en-US" dirty="0" smtClean="0"/>
-              <a:t> form login</a:t>
+              <a:rPr lang="en-US" dirty="0" err="1" smtClean="0"/>
+              <a:t>Cá</a:t>
+            </a:r>
+            <a:r>
+              <a:rPr lang="en-US" dirty="0" smtClean="0"/>
+              <a:t> </a:t>
+            </a:r>
+            <a:r>
+              <a:rPr lang="en-US" dirty="0" err="1" smtClean="0"/>
+              <a:t>nhân</a:t>
+            </a:r>
+            <a:r>
+              <a:rPr lang="en-US" dirty="0" smtClean="0"/>
+              <a:t> </a:t>
+            </a:r>
+            <a:r>
+              <a:rPr lang="en-US" dirty="0" err="1" smtClean="0"/>
+              <a:t>hóa</a:t>
             </a:r>
             <a:endParaRPr lang="en-US" dirty="0"/>
           </a:p>
@@ -7477,7 +7921,7 @@
     </p:spTree>
     <p:extLst>
       <p:ext uri="{BB962C8B-B14F-4D97-AF65-F5344CB8AC3E}">
-        <p14:creationId xmlns:p14="http://schemas.microsoft.com/office/powerpoint/2010/main" val="3684368567"/>
+        <p14:creationId xmlns:p14="http://schemas.microsoft.com/office/powerpoint/2010/main" val="3014151600"/>
       </p:ext>
     </p:extLst>
   </p:cSld>
@@ -7525,15 +7969,15 @@
             </a:r>
             <a:r>
               <a:rPr lang="en-US" dirty="0" err="1" smtClean="0"/>
-              <a:t>thiết</a:t>
-            </a:r>
-            <a:r>
-              <a:rPr lang="en-US" dirty="0" smtClean="0"/>
-              <a:t> </a:t>
-            </a:r>
-            <a:r>
-              <a:rPr lang="en-US" dirty="0" err="1" smtClean="0"/>
-              <a:t>kế</a:t>
+              <a:t>chức</a:t>
+            </a:r>
+            <a:r>
+              <a:rPr lang="en-US" dirty="0" smtClean="0"/>
+              <a:t> </a:t>
+            </a:r>
+            <a:r>
+              <a:rPr lang="en-US" dirty="0" err="1" smtClean="0"/>
+              <a:t>năng</a:t>
             </a:r>
             <a:endParaRPr lang="en-US" dirty="0"/>
           </a:p>
@@ -7552,7 +7996,7 @@
         <p:spPr/>
         <p:txBody>
           <a:bodyPr>
-            <a:normAutofit/>
+            <a:normAutofit fontScale="92500" lnSpcReduction="20000"/>
           </a:bodyPr>
           <a:lstStyle/>
           <a:p>
@@ -7561,9 +8005,90 @@
               <a:buChar char="-"/>
             </a:pPr>
             <a:r>
-              <a:rPr lang="en-US" dirty="0" smtClean="0"/>
-              <a:t>Activity_login.xml</a:t>
-            </a:r>
+              <a:rPr lang="en-US" dirty="0" err="1" smtClean="0"/>
+              <a:t>Lần</a:t>
+            </a:r>
+            <a:r>
+              <a:rPr lang="en-US" dirty="0" smtClean="0"/>
+              <a:t> </a:t>
+            </a:r>
+            <a:r>
+              <a:rPr lang="en-US" dirty="0" err="1" smtClean="0"/>
+              <a:t>đầu</a:t>
+            </a:r>
+            <a:r>
+              <a:rPr lang="en-US" dirty="0" smtClean="0"/>
+              <a:t> </a:t>
+            </a:r>
+            <a:r>
+              <a:rPr lang="en-US" dirty="0" err="1" smtClean="0"/>
+              <a:t>chạy</a:t>
+            </a:r>
+            <a:r>
+              <a:rPr lang="en-US" dirty="0" smtClean="0"/>
+              <a:t> </a:t>
+            </a:r>
+            <a:r>
+              <a:rPr lang="en-US" dirty="0" err="1" smtClean="0"/>
+              <a:t>ứng</a:t>
+            </a:r>
+            <a:r>
+              <a:rPr lang="en-US" dirty="0" smtClean="0"/>
+              <a:t> </a:t>
+            </a:r>
+            <a:r>
+              <a:rPr lang="en-US" dirty="0" err="1" smtClean="0"/>
+              <a:t>dụng</a:t>
+            </a:r>
+            <a:r>
+              <a:rPr lang="en-US" dirty="0" smtClean="0"/>
+              <a:t> </a:t>
+            </a:r>
+            <a:r>
+              <a:rPr lang="en-US" dirty="0" err="1" smtClean="0"/>
+              <a:t>kiểm</a:t>
+            </a:r>
+            <a:r>
+              <a:rPr lang="en-US" dirty="0" smtClean="0"/>
+              <a:t> </a:t>
+            </a:r>
+            <a:r>
+              <a:rPr lang="en-US" dirty="0" err="1" smtClean="0"/>
+              <a:t>tra</a:t>
+            </a:r>
+            <a:r>
+              <a:rPr lang="en-US" dirty="0" smtClean="0"/>
+              <a:t> </a:t>
+            </a:r>
+            <a:r>
+              <a:rPr lang="en-US" dirty="0" err="1" smtClean="0"/>
+              <a:t>mật</a:t>
+            </a:r>
+            <a:r>
+              <a:rPr lang="en-US" dirty="0" smtClean="0"/>
+              <a:t> </a:t>
+            </a:r>
+            <a:r>
+              <a:rPr lang="en-US" dirty="0" err="1" smtClean="0"/>
+              <a:t>khẩu</a:t>
+            </a:r>
+            <a:r>
+              <a:rPr lang="en-US" dirty="0" smtClean="0"/>
+              <a:t> </a:t>
+            </a:r>
+            <a:r>
+              <a:rPr lang="en-US" dirty="0" err="1" smtClean="0"/>
+              <a:t>đã</a:t>
+            </a:r>
+            <a:r>
+              <a:rPr lang="en-US" dirty="0" smtClean="0"/>
+              <a:t> </a:t>
+            </a:r>
+            <a:r>
+              <a:rPr lang="en-US" dirty="0" err="1" smtClean="0"/>
+              <a:t>lưu</a:t>
+            </a:r>
+            <a:endParaRPr lang="en-US" dirty="0" smtClean="0"/>
           </a:p>
           <a:p>
             <a:pPr marL="457200" indent="-457200">
@@ -7571,45 +8096,81 @@
               <a:buChar char="-"/>
             </a:pPr>
             <a:r>
-              <a:rPr lang="en-US" dirty="0" smtClean="0"/>
-              <a:t> </a:t>
-            </a:r>
-            <a:r>
-              <a:rPr lang="en-US" dirty="0" err="1" smtClean="0"/>
-              <a:t>Giao</a:t>
-            </a:r>
-            <a:r>
-              <a:rPr lang="en-US" dirty="0" smtClean="0"/>
-              <a:t> </a:t>
-            </a:r>
-            <a:r>
-              <a:rPr lang="en-US" dirty="0" err="1" smtClean="0"/>
-              <a:t>diện</a:t>
-            </a:r>
-            <a:r>
-              <a:rPr lang="en-US" dirty="0" smtClean="0"/>
-              <a:t> chia 3 </a:t>
-            </a:r>
-            <a:r>
-              <a:rPr lang="en-US" dirty="0" err="1" smtClean="0"/>
-              <a:t>phần</a:t>
-            </a:r>
-            <a:r>
-              <a:rPr lang="en-US" dirty="0" smtClean="0"/>
-              <a:t> </a:t>
-            </a:r>
-            <a:r>
-              <a:rPr lang="en-US" dirty="0" err="1" smtClean="0"/>
-              <a:t>chính</a:t>
-            </a:r>
-            <a:endParaRPr lang="en-US" dirty="0" smtClean="0"/>
+              <a:rPr lang="en-US" dirty="0" err="1" smtClean="0"/>
+              <a:t>Nếu</a:t>
+            </a:r>
+            <a:r>
+              <a:rPr lang="en-US" dirty="0" smtClean="0"/>
+              <a:t> </a:t>
+            </a:r>
+            <a:r>
+              <a:rPr lang="en-US" dirty="0" err="1" smtClean="0"/>
+              <a:t>chưa</a:t>
+            </a:r>
+            <a:r>
+              <a:rPr lang="en-US" dirty="0" smtClean="0"/>
+              <a:t> </a:t>
+            </a:r>
+            <a:r>
+              <a:rPr lang="en-US" dirty="0" err="1" smtClean="0"/>
+              <a:t>lưu</a:t>
+            </a:r>
+            <a:r>
+              <a:rPr lang="en-US" dirty="0" smtClean="0"/>
+              <a:t>, </a:t>
+            </a:r>
+            <a:r>
+              <a:rPr lang="en-US" dirty="0" err="1" smtClean="0"/>
+              <a:t>hiện</a:t>
+            </a:r>
+            <a:r>
+              <a:rPr lang="en-US" dirty="0" smtClean="0"/>
+              <a:t> form </a:t>
+            </a:r>
+            <a:r>
+              <a:rPr lang="en-US" dirty="0" err="1" smtClean="0"/>
+              <a:t>tạo</a:t>
+            </a:r>
+            <a:r>
+              <a:rPr lang="en-US" dirty="0" smtClean="0"/>
+              <a:t> </a:t>
+            </a:r>
+            <a:r>
+              <a:rPr lang="en-US" dirty="0" err="1" smtClean="0"/>
+              <a:t>mật</a:t>
+            </a:r>
+            <a:r>
+              <a:rPr lang="en-US" dirty="0" smtClean="0"/>
+              <a:t> </a:t>
+            </a:r>
+            <a:r>
+              <a:rPr lang="en-US" dirty="0" err="1" smtClean="0"/>
+              <a:t>khẩu</a:t>
+            </a:r>
+            <a:r>
+              <a:rPr lang="en-US" dirty="0" smtClean="0"/>
+              <a:t> </a:t>
+            </a:r>
+            <a:r>
+              <a:rPr lang="en-US" dirty="0" err="1" smtClean="0"/>
+              <a:t>và</a:t>
+            </a:r>
+            <a:r>
+              <a:rPr lang="en-US" dirty="0" smtClean="0"/>
+              <a:t> </a:t>
+            </a:r>
+            <a:r>
+              <a:rPr lang="en-US" dirty="0" err="1" smtClean="0"/>
+              <a:t>lưu</a:t>
+            </a:r>
+            <a:endParaRPr lang="en-US" dirty="0"/>
           </a:p>
         </p:txBody>
       </p:sp>
     </p:spTree>
     <p:extLst>
       <p:ext uri="{BB962C8B-B14F-4D97-AF65-F5344CB8AC3E}">
-        <p14:creationId xmlns:p14="http://schemas.microsoft.com/office/powerpoint/2010/main" val="3383910572"/>
+        <p14:creationId xmlns:p14="http://schemas.microsoft.com/office/powerpoint/2010/main" val="54112490"/>
       </p:ext>
     </p:extLst>
   </p:cSld>
@@ -7657,15 +8218,15 @@
             </a:r>
             <a:r>
               <a:rPr lang="en-US" dirty="0" err="1" smtClean="0"/>
-              <a:t>thiết</a:t>
-            </a:r>
-            <a:r>
-              <a:rPr lang="en-US" dirty="0" smtClean="0"/>
-              <a:t> </a:t>
-            </a:r>
-            <a:r>
-              <a:rPr lang="en-US" dirty="0" err="1" smtClean="0"/>
-              <a:t>kế</a:t>
+              <a:t>chức</a:t>
+            </a:r>
+            <a:r>
+              <a:rPr lang="en-US" dirty="0" smtClean="0"/>
+              <a:t> </a:t>
+            </a:r>
+            <a:r>
+              <a:rPr lang="en-US" dirty="0" err="1" smtClean="0"/>
+              <a:t>năng</a:t>
             </a:r>
             <a:endParaRPr lang="en-US" dirty="0"/>
           </a:p>
@@ -7684,17 +8245,49 @@
         <p:spPr/>
         <p:txBody>
           <a:bodyPr>
-            <a:normAutofit/>
+            <a:normAutofit fontScale="92500"/>
           </a:bodyPr>
           <a:lstStyle/>
           <a:p>
-            <a:pPr marL="457200" indent="-457200" algn="l">
+            <a:pPr marL="457200" indent="-457200">
               <a:buFontTx/>
               <a:buChar char="-"/>
             </a:pPr>
             <a:r>
               <a:rPr lang="en-US" dirty="0" err="1" smtClean="0"/>
-              <a:t>Phần</a:t>
+              <a:t>Nếu</a:t>
+            </a:r>
+            <a:r>
+              <a:rPr lang="en-US" dirty="0" smtClean="0"/>
+              <a:t> </a:t>
+            </a:r>
+            <a:r>
+              <a:rPr lang="en-US" dirty="0" err="1" smtClean="0"/>
+              <a:t>đã</a:t>
+            </a:r>
+            <a:r>
+              <a:rPr lang="en-US" dirty="0" smtClean="0"/>
+              <a:t> </a:t>
+            </a:r>
+            <a:r>
+              <a:rPr lang="en-US" dirty="0" err="1" smtClean="0"/>
+              <a:t>lưu</a:t>
+            </a:r>
+            <a:r>
+              <a:rPr lang="en-US" dirty="0" smtClean="0"/>
+              <a:t> </a:t>
+            </a:r>
+            <a:r>
+              <a:rPr lang="en-US" dirty="0" err="1" smtClean="0"/>
+              <a:t>mật</a:t>
+            </a:r>
+            <a:r>
+              <a:rPr lang="en-US" dirty="0" smtClean="0"/>
+              <a:t> </a:t>
+            </a:r>
+            <a:r>
+              <a:rPr lang="en-US" dirty="0" err="1" smtClean="0"/>
+              <a:t>khẩu</a:t>
             </a:r>
             <a:r>
               <a:rPr lang="en-US" dirty="0" smtClean="0"/>
@@ -7706,50 +8299,37 @@
             </a:r>
             <a:r>
               <a:rPr lang="en-US" dirty="0" smtClean="0"/>
-              <a:t> </a:t>
-            </a:r>
-            <a:r>
-              <a:rPr lang="en-US" dirty="0" err="1" smtClean="0"/>
-              <a:t>ảnh</a:t>
-            </a:r>
-            <a:r>
-              <a:rPr lang="en-US" dirty="0" smtClean="0"/>
-              <a:t> quay (process bar)</a:t>
-            </a:r>
-            <a:endParaRPr lang="en-US" dirty="0" smtClean="0"/>
-          </a:p>
-          <a:p>
-            <a:pPr marL="457200" indent="-457200" algn="l">
+              <a:t> form login</a:t>
+            </a:r>
+          </a:p>
+          <a:p>
+            <a:pPr marL="457200" indent="-457200">
               <a:buFontTx/>
               <a:buChar char="-"/>
             </a:pPr>
             <a:r>
-              <a:rPr lang="en-US" dirty="0" err="1" smtClean="0"/>
-              <a:t>Phần</a:t>
-            </a:r>
-            <a:r>
-              <a:rPr lang="en-US" dirty="0" smtClean="0"/>
-              <a:t> </a:t>
-            </a:r>
-            <a:r>
-              <a:rPr lang="en-US" dirty="0" err="1" smtClean="0"/>
-              <a:t>giao</a:t>
-            </a:r>
-            <a:r>
-              <a:rPr lang="en-US" dirty="0" smtClean="0"/>
-              <a:t> </a:t>
-            </a:r>
-            <a:r>
-              <a:rPr lang="en-US" dirty="0" err="1" smtClean="0"/>
-              <a:t>diện</a:t>
-            </a:r>
-            <a:r>
-              <a:rPr lang="en-US" dirty="0" smtClean="0"/>
-              <a:t> </a:t>
-            </a:r>
-            <a:r>
-              <a:rPr lang="en-US" dirty="0" err="1" smtClean="0"/>
-              <a:t>tạo</a:t>
+              <a:rPr lang="en-US" dirty="0" smtClean="0"/>
+              <a:t> </a:t>
+            </a:r>
+            <a:r>
+              <a:rPr lang="en-US" dirty="0" err="1" smtClean="0"/>
+              <a:t>người</a:t>
+            </a:r>
+            <a:r>
+              <a:rPr lang="en-US" dirty="0" smtClean="0"/>
+              <a:t> </a:t>
+            </a:r>
+            <a:r>
+              <a:rPr lang="en-US" dirty="0" err="1" smtClean="0"/>
+              <a:t>dùng</a:t>
+            </a:r>
+            <a:r>
+              <a:rPr lang="en-US" dirty="0" smtClean="0"/>
+              <a:t> </a:t>
+            </a:r>
+            <a:r>
+              <a:rPr lang="en-US" dirty="0" err="1" smtClean="0"/>
+              <a:t>nhập</a:t>
             </a:r>
             <a:r>
               <a:rPr lang="en-US" dirty="0" smtClean="0"/>
@@ -7767,32 +8347,29 @@
               <a:rPr lang="en-US" dirty="0" err="1" smtClean="0"/>
               <a:t>khẩu</a:t>
             </a:r>
-            <a:endParaRPr lang="en-US" dirty="0" smtClean="0"/>
-          </a:p>
-          <a:p>
-            <a:pPr marL="457200" indent="-457200" algn="l">
-              <a:buFontTx/>
-              <a:buChar char="-"/>
-            </a:pPr>
-            <a:r>
-              <a:rPr lang="en-US" dirty="0" err="1" smtClean="0"/>
-              <a:t>Phần</a:t>
-            </a:r>
-            <a:r>
-              <a:rPr lang="en-US" dirty="0" smtClean="0"/>
-              <a:t> </a:t>
-            </a:r>
-            <a:r>
-              <a:rPr lang="en-US" dirty="0" err="1" smtClean="0"/>
-              <a:t>giao</a:t>
-            </a:r>
-            <a:r>
-              <a:rPr lang="en-US" dirty="0" smtClean="0"/>
-              <a:t> </a:t>
-            </a:r>
-            <a:r>
-              <a:rPr lang="en-US" dirty="0" err="1" smtClean="0"/>
-              <a:t>diện</a:t>
+            <a:r>
+              <a:rPr lang="en-US" dirty="0" smtClean="0"/>
+              <a:t> </a:t>
+            </a:r>
+            <a:r>
+              <a:rPr lang="en-US" dirty="0" err="1" smtClean="0"/>
+              <a:t>và</a:t>
+            </a:r>
+            <a:r>
+              <a:rPr lang="en-US" dirty="0" smtClean="0"/>
+              <a:t> </a:t>
+            </a:r>
+            <a:r>
+              <a:rPr lang="en-US" dirty="0" err="1" smtClean="0"/>
+              <a:t>nhấn</a:t>
+            </a:r>
+            <a:r>
+              <a:rPr lang="en-US" dirty="0" smtClean="0"/>
+              <a:t> </a:t>
+            </a:r>
+            <a:r>
+              <a:rPr lang="en-US" dirty="0" err="1" smtClean="0"/>
+              <a:t>nút</a:t>
             </a:r>
             <a:r>
               <a:rPr lang="en-US" dirty="0" smtClean="0"/>
@@ -7805,7 +8382,7 @@
     </p:spTree>
     <p:extLst>
       <p:ext uri="{BB962C8B-B14F-4D97-AF65-F5344CB8AC3E}">
-        <p14:creationId xmlns:p14="http://schemas.microsoft.com/office/powerpoint/2010/main" val="3746614264"/>
+        <p14:creationId xmlns:p14="http://schemas.microsoft.com/office/powerpoint/2010/main" val="2113081529"/>
       </p:ext>
     </p:extLst>
   </p:cSld>
@@ -7853,19 +8430,15 @@
             </a:r>
             <a:r>
               <a:rPr lang="en-US" dirty="0" err="1" smtClean="0"/>
-              <a:t>xử</a:t>
-            </a:r>
-            <a:r>
-              <a:rPr lang="en-US" dirty="0" smtClean="0"/>
-              <a:t> </a:t>
-            </a:r>
-            <a:r>
-              <a:rPr lang="en-US" dirty="0" err="1" smtClean="0"/>
-              <a:t>lý</a:t>
-            </a:r>
-            <a:r>
-              <a:rPr lang="en-US" dirty="0" smtClean="0"/>
-              <a:t> code</a:t>
+              <a:t>chức</a:t>
+            </a:r>
+            <a:r>
+              <a:rPr lang="en-US" dirty="0" smtClean="0"/>
+              <a:t> </a:t>
+            </a:r>
+            <a:r>
+              <a:rPr lang="en-US" dirty="0" err="1" smtClean="0"/>
+              <a:t>năng</a:t>
             </a:r>
             <a:endParaRPr lang="en-US" dirty="0"/>
           </a:p>
@@ -7884,198 +8457,131 @@
         <p:spPr/>
         <p:txBody>
           <a:bodyPr>
-            <a:normAutofit fontScale="85000" lnSpcReduction="10000"/>
+            <a:normAutofit fontScale="92500" lnSpcReduction="20000"/>
           </a:bodyPr>
           <a:lstStyle/>
           <a:p>
-            <a:pPr marL="457200" indent="-457200" algn="l">
+            <a:pPr marL="457200" indent="-457200">
               <a:buFontTx/>
               <a:buChar char="-"/>
             </a:pPr>
             <a:r>
-              <a:rPr lang="en-US" dirty="0" err="1" smtClean="0"/>
-              <a:t>Lấy</a:t>
-            </a:r>
-            <a:r>
-              <a:rPr lang="en-US" dirty="0" smtClean="0"/>
-              <a:t> </a:t>
-            </a:r>
-            <a:r>
-              <a:rPr lang="en-US" dirty="0" err="1" smtClean="0"/>
-              <a:t>dữ</a:t>
-            </a:r>
-            <a:r>
-              <a:rPr lang="en-US" dirty="0" smtClean="0"/>
-              <a:t> </a:t>
-            </a:r>
-            <a:r>
-              <a:rPr lang="en-US" dirty="0" err="1" smtClean="0"/>
-              <a:t>liệu</a:t>
-            </a:r>
-            <a:r>
-              <a:rPr lang="en-US" dirty="0" smtClean="0"/>
-              <a:t> </a:t>
-            </a:r>
-            <a:r>
-              <a:rPr lang="en-US" dirty="0" err="1" smtClean="0"/>
-              <a:t>từ</a:t>
-            </a:r>
-            <a:r>
-              <a:rPr lang="en-US" dirty="0" smtClean="0"/>
-              <a:t> </a:t>
-            </a:r>
-            <a:r>
-              <a:rPr lang="en-US" dirty="0" err="1" smtClean="0"/>
-              <a:t>sharedpreferences</a:t>
-            </a:r>
-            <a:r>
-              <a:rPr lang="en-US" dirty="0" smtClean="0"/>
-              <a:t> </a:t>
-            </a:r>
-          </a:p>
-          <a:p>
-            <a:pPr marL="457200" indent="-457200" algn="l">
+              <a:rPr lang="en-US" dirty="0" smtClean="0"/>
+              <a:t>Login </a:t>
+            </a:r>
+            <a:r>
+              <a:rPr lang="en-US" dirty="0" err="1" smtClean="0"/>
+              <a:t>thành</a:t>
+            </a:r>
+            <a:r>
+              <a:rPr lang="en-US" dirty="0" smtClean="0"/>
+              <a:t> </a:t>
+            </a:r>
+            <a:r>
+              <a:rPr lang="en-US" dirty="0" err="1" smtClean="0"/>
+              <a:t>công</a:t>
+            </a:r>
+            <a:r>
+              <a:rPr lang="en-US" dirty="0" smtClean="0"/>
+              <a:t> </a:t>
+            </a:r>
+            <a:r>
+              <a:rPr lang="en-US" dirty="0" err="1" smtClean="0"/>
+              <a:t>thì</a:t>
+            </a:r>
+            <a:r>
+              <a:rPr lang="en-US" dirty="0" smtClean="0"/>
+              <a:t> </a:t>
+            </a:r>
+            <a:r>
+              <a:rPr lang="en-US" dirty="0" err="1" smtClean="0"/>
+              <a:t>mở</a:t>
+            </a:r>
+            <a:r>
+              <a:rPr lang="en-US" dirty="0" smtClean="0"/>
+              <a:t> home activity ( </a:t>
+            </a:r>
+            <a:r>
+              <a:rPr lang="en-US" dirty="0" err="1" smtClean="0"/>
+              <a:t>danh</a:t>
+            </a:r>
+            <a:r>
+              <a:rPr lang="en-US" dirty="0" smtClean="0"/>
+              <a:t> </a:t>
+            </a:r>
+            <a:r>
+              <a:rPr lang="en-US" dirty="0" err="1" smtClean="0"/>
+              <a:t>sách</a:t>
+            </a:r>
+            <a:r>
+              <a:rPr lang="en-US" dirty="0" smtClean="0"/>
+              <a:t> </a:t>
+            </a:r>
+            <a:r>
+              <a:rPr lang="en-US" dirty="0" err="1" smtClean="0"/>
+              <a:t>ghi</a:t>
+            </a:r>
+            <a:r>
+              <a:rPr lang="en-US" dirty="0" smtClean="0"/>
+              <a:t> </a:t>
+            </a:r>
+            <a:r>
+              <a:rPr lang="en-US" dirty="0" err="1" smtClean="0"/>
+              <a:t>chú</a:t>
+            </a:r>
+            <a:r>
+              <a:rPr lang="en-US" dirty="0" smtClean="0"/>
+              <a:t>)</a:t>
+            </a:r>
+          </a:p>
+          <a:p>
+            <a:pPr marL="457200" indent="-457200">
               <a:buFontTx/>
               <a:buChar char="-"/>
             </a:pPr>
             <a:r>
-              <a:rPr lang="en-US" dirty="0" err="1" smtClean="0"/>
-              <a:t>Lưu</a:t>
-            </a:r>
-            <a:r>
-              <a:rPr lang="en-US" dirty="0" smtClean="0"/>
-              <a:t> </a:t>
-            </a:r>
-            <a:r>
-              <a:rPr lang="en-US" dirty="0" err="1" smtClean="0"/>
-              <a:t>trữ</a:t>
-            </a:r>
-            <a:r>
-              <a:rPr lang="en-US" dirty="0" smtClean="0"/>
-              <a:t> </a:t>
-            </a:r>
-            <a:r>
-              <a:rPr lang="en-US" dirty="0" err="1" smtClean="0"/>
-              <a:t>dữ</a:t>
-            </a:r>
-            <a:r>
-              <a:rPr lang="en-US" dirty="0" smtClean="0"/>
-              <a:t> </a:t>
-            </a:r>
-            <a:r>
-              <a:rPr lang="en-US" dirty="0" err="1" smtClean="0"/>
-              <a:t>liệu</a:t>
-            </a:r>
-            <a:r>
-              <a:rPr lang="en-US" dirty="0" smtClean="0"/>
-              <a:t> </a:t>
-            </a:r>
-            <a:r>
-              <a:rPr lang="en-US" dirty="0" err="1" smtClean="0"/>
-              <a:t>vào</a:t>
-            </a:r>
-            <a:r>
-              <a:rPr lang="en-US" dirty="0" smtClean="0"/>
-              <a:t> </a:t>
-            </a:r>
-            <a:r>
-              <a:rPr lang="en-US" dirty="0" err="1" smtClean="0"/>
-              <a:t>sharedpreferences</a:t>
-            </a:r>
-            <a:endParaRPr lang="en-US" dirty="0" smtClean="0"/>
-          </a:p>
-          <a:p>
-            <a:pPr marL="457200" indent="-457200" algn="l">
-              <a:buFontTx/>
-              <a:buChar char="-"/>
-            </a:pPr>
-            <a:r>
-              <a:rPr lang="en-US" dirty="0" err="1" smtClean="0"/>
-              <a:t>Cập</a:t>
-            </a:r>
-            <a:r>
-              <a:rPr lang="en-US" dirty="0" smtClean="0"/>
-              <a:t> </a:t>
-            </a:r>
-            <a:r>
-              <a:rPr lang="en-US" dirty="0" err="1" smtClean="0"/>
-              <a:t>nhật</a:t>
-            </a:r>
-            <a:r>
-              <a:rPr lang="en-US" dirty="0" smtClean="0"/>
-              <a:t> </a:t>
-            </a:r>
-            <a:r>
-              <a:rPr lang="en-US" dirty="0" err="1" smtClean="0"/>
-              <a:t>dữ</a:t>
-            </a:r>
-            <a:r>
-              <a:rPr lang="en-US" dirty="0" smtClean="0"/>
-              <a:t> </a:t>
-            </a:r>
-            <a:r>
-              <a:rPr lang="en-US" dirty="0" err="1" smtClean="0"/>
-              <a:t>liệu</a:t>
-            </a:r>
-            <a:r>
-              <a:rPr lang="en-US" dirty="0" smtClean="0"/>
-              <a:t> </a:t>
-            </a:r>
-            <a:r>
-              <a:rPr lang="en-US" dirty="0" err="1" smtClean="0"/>
-              <a:t>cho</a:t>
-            </a:r>
-            <a:r>
-              <a:rPr lang="en-US" dirty="0" smtClean="0"/>
-              <a:t> </a:t>
-            </a:r>
-            <a:r>
-              <a:rPr lang="en-US" dirty="0" err="1" smtClean="0"/>
-              <a:t>hiện</a:t>
-            </a:r>
-            <a:r>
-              <a:rPr lang="en-US" dirty="0" smtClean="0"/>
-              <a:t> view </a:t>
-            </a:r>
-            <a:r>
-              <a:rPr lang="en-US" dirty="0" err="1" smtClean="0"/>
-              <a:t>dạng</a:t>
-            </a:r>
-            <a:r>
-              <a:rPr lang="en-US" dirty="0" smtClean="0"/>
-              <a:t> list (</a:t>
-            </a:r>
-            <a:r>
-              <a:rPr lang="en-US" dirty="0" err="1" smtClean="0"/>
-              <a:t>danh</a:t>
-            </a:r>
-            <a:r>
-              <a:rPr lang="en-US" dirty="0" smtClean="0"/>
-              <a:t> </a:t>
-            </a:r>
-            <a:r>
-              <a:rPr lang="en-US" dirty="0" err="1" smtClean="0"/>
-              <a:t>sách</a:t>
-            </a:r>
-            <a:r>
-              <a:rPr lang="en-US" dirty="0" smtClean="0"/>
-              <a:t>) </a:t>
-            </a:r>
-            <a:r>
-              <a:rPr lang="en-US" dirty="0" err="1" smtClean="0"/>
-              <a:t>hoặc</a:t>
-            </a:r>
-            <a:r>
-              <a:rPr lang="en-US" dirty="0" smtClean="0"/>
-              <a:t> block (</a:t>
-            </a:r>
-            <a:r>
-              <a:rPr lang="en-US" dirty="0" err="1" smtClean="0"/>
-              <a:t>khối</a:t>
-            </a:r>
-            <a:r>
-              <a:rPr lang="en-US" dirty="0" smtClean="0"/>
-              <a:t>)</a:t>
+              <a:rPr lang="en-US" dirty="0" smtClean="0"/>
+              <a:t> </a:t>
+            </a:r>
+            <a:r>
+              <a:rPr lang="en-US" dirty="0" err="1" smtClean="0"/>
+              <a:t>nếu</a:t>
+            </a:r>
+            <a:r>
+              <a:rPr lang="en-US" dirty="0" smtClean="0"/>
+              <a:t> login </a:t>
+            </a:r>
+            <a:r>
+              <a:rPr lang="en-US" dirty="0" err="1" smtClean="0"/>
+              <a:t>không</a:t>
+            </a:r>
+            <a:r>
+              <a:rPr lang="en-US" dirty="0" smtClean="0"/>
+              <a:t> </a:t>
+            </a:r>
+            <a:r>
+              <a:rPr lang="en-US" dirty="0" err="1" smtClean="0"/>
+              <a:t>thành</a:t>
+            </a:r>
+            <a:r>
+              <a:rPr lang="en-US" dirty="0" smtClean="0"/>
+              <a:t> </a:t>
+            </a:r>
+            <a:r>
+              <a:rPr lang="en-US" dirty="0" err="1" smtClean="0"/>
+              <a:t>công</a:t>
+            </a:r>
+            <a:r>
+              <a:rPr lang="en-US" dirty="0" smtClean="0"/>
+              <a:t> quay </a:t>
+            </a:r>
+            <a:r>
+              <a:rPr lang="en-US" dirty="0" err="1" smtClean="0"/>
+              <a:t>lại</a:t>
+            </a:r>
+            <a:r>
+              <a:rPr lang="en-US" dirty="0" smtClean="0"/>
+              <a:t> form login</a:t>
             </a:r>
             <a:endParaRPr lang="en-US" dirty="0"/>
           </a:p>
@@ -8084,7 +8590,7 @@
     </p:spTree>
     <p:extLst>
       <p:ext uri="{BB962C8B-B14F-4D97-AF65-F5344CB8AC3E}">
-        <p14:creationId xmlns:p14="http://schemas.microsoft.com/office/powerpoint/2010/main" val="779234133"/>
+        <p14:creationId xmlns:p14="http://schemas.microsoft.com/office/powerpoint/2010/main" val="3684368567"/>
       </p:ext>
     </p:extLst>
   </p:cSld>

--- a/Mon Ky thuat lap trinh.pptx
+++ b/Mon Ky thuat lap trinh.pptx
@@ -10,15 +10,15 @@
     <p:sldId id="282" r:id="rId4"/>
     <p:sldId id="257" r:id="rId5"/>
     <p:sldId id="283" r:id="rId6"/>
-    <p:sldId id="258" r:id="rId7"/>
-    <p:sldId id="259" r:id="rId8"/>
-    <p:sldId id="260" r:id="rId9"/>
-    <p:sldId id="261" r:id="rId10"/>
-    <p:sldId id="262" r:id="rId11"/>
-    <p:sldId id="263" r:id="rId12"/>
-    <p:sldId id="264" r:id="rId13"/>
-    <p:sldId id="265" r:id="rId14"/>
-    <p:sldId id="280" r:id="rId15"/>
+    <p:sldId id="284" r:id="rId7"/>
+    <p:sldId id="258" r:id="rId8"/>
+    <p:sldId id="261" r:id="rId9"/>
+    <p:sldId id="262" r:id="rId10"/>
+    <p:sldId id="263" r:id="rId11"/>
+    <p:sldId id="264" r:id="rId12"/>
+    <p:sldId id="280" r:id="rId13"/>
+    <p:sldId id="285" r:id="rId14"/>
+    <p:sldId id="288" r:id="rId15"/>
     <p:sldId id="267" r:id="rId16"/>
     <p:sldId id="266" r:id="rId17"/>
     <p:sldId id="268" r:id="rId18"/>
@@ -28,11 +28,8 @@
     <p:sldId id="272" r:id="rId22"/>
     <p:sldId id="273" r:id="rId23"/>
     <p:sldId id="274" r:id="rId24"/>
-    <p:sldId id="277" r:id="rId25"/>
-    <p:sldId id="278" r:id="rId26"/>
-    <p:sldId id="279" r:id="rId27"/>
-    <p:sldId id="275" r:id="rId28"/>
-    <p:sldId id="276" r:id="rId29"/>
+    <p:sldId id="275" r:id="rId25"/>
+    <p:sldId id="276" r:id="rId26"/>
   </p:sldIdLst>
   <p:sldSz cx="9144000" cy="6858000" type="screen4x3"/>
   <p:notesSz cx="6858000" cy="9144000"/>
@@ -3132,37 +3129,54 @@
             <p:ph type="ctrTitle"/>
           </p:nvPr>
         </p:nvSpPr>
-        <p:spPr/>
+        <p:spPr>
+          <a:xfrm>
+            <a:off x="685800" y="381000"/>
+            <a:ext cx="7772400" cy="1470025"/>
+          </a:xfrm>
+        </p:spPr>
         <p:txBody>
           <a:bodyPr/>
           <a:lstStyle/>
           <a:p>
             <a:r>
-              <a:rPr lang="en-US" dirty="0" smtClean="0"/>
-              <a:t>Mon </a:t>
-            </a:r>
-            <a:r>
-              <a:rPr lang="en-US" dirty="0" err="1" smtClean="0"/>
-              <a:t>Ky</a:t>
-            </a:r>
-            <a:r>
-              <a:rPr lang="en-US" dirty="0" smtClean="0"/>
-              <a:t> </a:t>
-            </a:r>
-            <a:r>
-              <a:rPr lang="en-US" dirty="0" err="1" smtClean="0"/>
-              <a:t>thuat</a:t>
-            </a:r>
-            <a:r>
-              <a:rPr lang="en-US" dirty="0" smtClean="0"/>
-              <a:t> lap </a:t>
-            </a:r>
-            <a:r>
-              <a:rPr lang="en-US" dirty="0" err="1" smtClean="0"/>
-              <a:t>trinh</a:t>
-            </a:r>
-            <a:r>
-              <a:rPr lang="en-US" smtClean="0"/>
+              <a:rPr lang="en-US" dirty="0" err="1" smtClean="0"/>
+              <a:t>Môn</a:t>
+            </a:r>
+            <a:r>
+              <a:rPr lang="en-US" dirty="0" smtClean="0"/>
+              <a:t> </a:t>
+            </a:r>
+            <a:r>
+              <a:rPr lang="en-US" dirty="0" err="1" smtClean="0"/>
+              <a:t>kỹ</a:t>
+            </a:r>
+            <a:r>
+              <a:rPr lang="en-US" dirty="0" smtClean="0"/>
+              <a:t> </a:t>
+            </a:r>
+            <a:r>
+              <a:rPr lang="en-US" dirty="0" err="1" smtClean="0"/>
+              <a:t>thuật</a:t>
+            </a:r>
+            <a:r>
+              <a:rPr lang="en-US" dirty="0" smtClean="0"/>
+              <a:t> </a:t>
+            </a:r>
+            <a:r>
+              <a:rPr lang="en-US" dirty="0" err="1" smtClean="0"/>
+              <a:t>lập</a:t>
+            </a:r>
+            <a:r>
+              <a:rPr lang="en-US" dirty="0" smtClean="0"/>
+              <a:t> </a:t>
+            </a:r>
+            <a:r>
+              <a:rPr lang="en-US" dirty="0" err="1" smtClean="0"/>
+              <a:t>trình</a:t>
+            </a:r>
+            <a:r>
+              <a:rPr lang="en-US" dirty="0" smtClean="0"/>
               <a:t> mobile</a:t>
             </a:r>
             <a:endParaRPr lang="en-US" dirty="0"/>
@@ -3179,54 +3193,182 @@
             <p:ph type="subTitle" idx="1"/>
           </p:nvPr>
         </p:nvSpPr>
-        <p:spPr/>
-        <p:txBody>
-          <a:bodyPr/>
+        <p:spPr>
+          <a:xfrm>
+            <a:off x="1371600" y="1600200"/>
+            <a:ext cx="6400800" cy="4038600"/>
+          </a:xfrm>
+        </p:spPr>
+        <p:txBody>
+          <a:bodyPr>
+            <a:normAutofit/>
+          </a:bodyPr>
           <a:lstStyle/>
           <a:p>
-            <a:r>
-              <a:rPr lang="en-US" dirty="0" err="1" smtClean="0"/>
-              <a:t>Thay</a:t>
-            </a:r>
-            <a:r>
-              <a:rPr lang="en-US" dirty="0" smtClean="0"/>
-              <a:t> Duong </a:t>
-            </a:r>
-            <a:r>
-              <a:rPr lang="en-US" dirty="0" err="1" smtClean="0"/>
-              <a:t>Thang</a:t>
+            <a:pPr algn="l"/>
+            <a:r>
+              <a:rPr lang="en-US" dirty="0" err="1" smtClean="0"/>
+              <a:t>Thầy</a:t>
+            </a:r>
+            <a:r>
+              <a:rPr lang="en-US" dirty="0" smtClean="0"/>
+              <a:t> </a:t>
+            </a:r>
+            <a:r>
+              <a:rPr lang="en-US" dirty="0" err="1" smtClean="0"/>
+              <a:t>giáo</a:t>
+            </a:r>
+            <a:r>
+              <a:rPr lang="en-US" dirty="0" smtClean="0"/>
+              <a:t>: </a:t>
+            </a:r>
+            <a:r>
+              <a:rPr lang="en-US" dirty="0" err="1" smtClean="0"/>
+              <a:t>Ts</a:t>
+            </a:r>
+            <a:r>
+              <a:rPr lang="en-US" dirty="0" smtClean="0"/>
+              <a:t> </a:t>
+            </a:r>
+            <a:r>
+              <a:rPr lang="en-US" dirty="0" err="1" smtClean="0"/>
+              <a:t>Dương</a:t>
+            </a:r>
+            <a:r>
+              <a:rPr lang="en-US" dirty="0" smtClean="0"/>
+              <a:t> </a:t>
+            </a:r>
+            <a:r>
+              <a:rPr lang="en-US" dirty="0" err="1" smtClean="0"/>
+              <a:t>Thăng</a:t>
             </a:r>
             <a:r>
               <a:rPr lang="en-US" dirty="0" smtClean="0"/>
               <a:t> Long</a:t>
             </a:r>
-          </a:p>
-          <a:p>
-            <a:r>
-              <a:rPr lang="en-US" dirty="0" err="1" smtClean="0"/>
-              <a:t>Nhom</a:t>
-            </a:r>
-            <a:r>
-              <a:rPr lang="en-US" dirty="0" smtClean="0"/>
-              <a:t> 8</a:t>
-            </a:r>
-          </a:p>
-          <a:p>
-            <a:r>
-              <a:rPr lang="en-US" dirty="0" smtClean="0"/>
-              <a:t>… </a:t>
-            </a:r>
-            <a:r>
-              <a:rPr lang="en-US" dirty="0" err="1" smtClean="0"/>
-              <a:t>thanh</a:t>
-            </a:r>
-            <a:r>
-              <a:rPr lang="en-US" dirty="0" smtClean="0"/>
-              <a:t> </a:t>
-            </a:r>
-            <a:r>
-              <a:rPr lang="en-US" dirty="0" err="1" smtClean="0"/>
-              <a:t>vien</a:t>
+            <a:endParaRPr lang="en-US" dirty="0" smtClean="0"/>
+          </a:p>
+          <a:p>
+            <a:pPr algn="l"/>
+            <a:r>
+              <a:rPr lang="en-US" dirty="0" err="1" smtClean="0"/>
+              <a:t>Nhóm</a:t>
+            </a:r>
+            <a:r>
+              <a:rPr lang="en-US" dirty="0" smtClean="0"/>
+              <a:t> 8:</a:t>
+            </a:r>
+            <a:endParaRPr lang="en-US" dirty="0" smtClean="0"/>
+          </a:p>
+          <a:p>
+            <a:pPr algn="l"/>
+            <a:r>
+              <a:rPr lang="en-US" dirty="0" smtClean="0"/>
+              <a:t>- </a:t>
+            </a:r>
+            <a:r>
+              <a:rPr lang="en-US" dirty="0" err="1" smtClean="0"/>
+              <a:t>Phạm</a:t>
+            </a:r>
+            <a:r>
+              <a:rPr lang="en-US" dirty="0" smtClean="0"/>
+              <a:t> </a:t>
+            </a:r>
+            <a:r>
+              <a:rPr lang="en-US" dirty="0" err="1" smtClean="0"/>
+              <a:t>Thị</a:t>
+            </a:r>
+            <a:r>
+              <a:rPr lang="en-US" dirty="0" smtClean="0"/>
+              <a:t> </a:t>
+            </a:r>
+            <a:r>
+              <a:rPr lang="en-US" dirty="0" err="1" smtClean="0"/>
+              <a:t>Hải</a:t>
+            </a:r>
+            <a:r>
+              <a:rPr lang="en-US" dirty="0" smtClean="0"/>
+              <a:t> </a:t>
+            </a:r>
+            <a:r>
+              <a:rPr lang="en-US" dirty="0" err="1" smtClean="0"/>
+              <a:t>Vân</a:t>
+            </a:r>
+            <a:endParaRPr lang="en-US" dirty="0" smtClean="0"/>
+          </a:p>
+          <a:p>
+            <a:pPr algn="l"/>
+            <a:r>
+              <a:rPr lang="en-US" dirty="0" smtClean="0"/>
+              <a:t>- </a:t>
+            </a:r>
+            <a:r>
+              <a:rPr lang="en-US" dirty="0" err="1" smtClean="0"/>
+              <a:t>Trần</a:t>
+            </a:r>
+            <a:r>
+              <a:rPr lang="en-US" dirty="0" smtClean="0"/>
+              <a:t> </a:t>
+            </a:r>
+            <a:r>
+              <a:rPr lang="en-US" dirty="0" err="1" smtClean="0"/>
+              <a:t>Thị</a:t>
+            </a:r>
+            <a:r>
+              <a:rPr lang="en-US" dirty="0" smtClean="0"/>
+              <a:t> </a:t>
+            </a:r>
+            <a:r>
+              <a:rPr lang="en-US" dirty="0" err="1" smtClean="0"/>
+              <a:t>Như</a:t>
+            </a:r>
+            <a:r>
+              <a:rPr lang="en-US" dirty="0" smtClean="0"/>
+              <a:t> </a:t>
+            </a:r>
+            <a:r>
+              <a:rPr lang="en-US" dirty="0" err="1" smtClean="0"/>
+              <a:t>Hoa</a:t>
+            </a:r>
+            <a:endParaRPr lang="en-US" dirty="0" smtClean="0"/>
+          </a:p>
+          <a:p>
+            <a:pPr algn="l"/>
+            <a:r>
+              <a:rPr lang="en-US" dirty="0" smtClean="0"/>
+              <a:t>- Phan </a:t>
+            </a:r>
+            <a:r>
+              <a:rPr lang="en-US" dirty="0" err="1" smtClean="0"/>
+              <a:t>Bá</a:t>
+            </a:r>
+            <a:r>
+              <a:rPr lang="en-US" dirty="0" smtClean="0"/>
+              <a:t> </a:t>
+            </a:r>
+            <a:r>
+              <a:rPr lang="en-US" dirty="0" err="1" smtClean="0"/>
+              <a:t>Tiệp</a:t>
+            </a:r>
+            <a:endParaRPr lang="en-US" dirty="0" smtClean="0"/>
+          </a:p>
+          <a:p>
+            <a:pPr algn="l"/>
+            <a:r>
+              <a:rPr lang="en-US" dirty="0" smtClean="0"/>
+              <a:t>- </a:t>
+            </a:r>
+            <a:r>
+              <a:rPr lang="en-US" dirty="0" err="1" smtClean="0"/>
+              <a:t>Phạm</a:t>
+            </a:r>
+            <a:r>
+              <a:rPr lang="en-US" dirty="0" smtClean="0"/>
+              <a:t> </a:t>
+            </a:r>
+            <a:r>
+              <a:rPr lang="en-US" dirty="0" err="1" smtClean="0"/>
+              <a:t>Tuân</a:t>
             </a:r>
             <a:endParaRPr lang="en-US" dirty="0"/>
           </a:p>
@@ -3272,7 +3414,12 @@
             <p:ph type="ctrTitle"/>
           </p:nvPr>
         </p:nvSpPr>
-        <p:spPr/>
+        <p:spPr>
+          <a:xfrm>
+            <a:off x="685800" y="457200"/>
+            <a:ext cx="7772400" cy="1470025"/>
+          </a:xfrm>
+        </p:spPr>
         <p:txBody>
           <a:bodyPr/>
           <a:lstStyle/>
@@ -3307,34 +3454,63 @@
             <p:ph type="subTitle" idx="1"/>
           </p:nvPr>
         </p:nvSpPr>
-        <p:spPr/>
+        <p:spPr>
+          <a:xfrm>
+            <a:off x="1371600" y="1828800"/>
+            <a:ext cx="6400800" cy="3810000"/>
+          </a:xfrm>
+        </p:spPr>
         <p:txBody>
           <a:bodyPr>
             <a:normAutofit/>
           </a:bodyPr>
           <a:lstStyle/>
           <a:p>
-            <a:pPr marL="457200" indent="-457200">
+            <a:pPr marL="457200" indent="-457200" algn="l">
               <a:buFontTx/>
               <a:buChar char="-"/>
             </a:pPr>
             <a:r>
-              <a:rPr lang="en-US" dirty="0" smtClean="0"/>
-              <a:t>Activity_login.xml</a:t>
-            </a:r>
-          </a:p>
-          <a:p>
-            <a:pPr marL="457200" indent="-457200">
+              <a:rPr lang="en-US" dirty="0" err="1" smtClean="0"/>
+              <a:t>Phần</a:t>
+            </a:r>
+            <a:r>
+              <a:rPr lang="en-US" dirty="0" smtClean="0"/>
+              <a:t> </a:t>
+            </a:r>
+            <a:r>
+              <a:rPr lang="en-US" dirty="0" err="1" smtClean="0"/>
+              <a:t>hiện</a:t>
+            </a:r>
+            <a:r>
+              <a:rPr lang="en-US" dirty="0" smtClean="0"/>
+              <a:t> </a:t>
+            </a:r>
+            <a:r>
+              <a:rPr lang="en-US" dirty="0" err="1" smtClean="0"/>
+              <a:t>ảnh</a:t>
+            </a:r>
+            <a:r>
+              <a:rPr lang="en-US" dirty="0" smtClean="0"/>
+              <a:t> quay (process bar)</a:t>
+            </a:r>
+          </a:p>
+          <a:p>
+            <a:pPr marL="457200" indent="-457200" algn="l">
               <a:buFontTx/>
               <a:buChar char="-"/>
             </a:pPr>
             <a:r>
-              <a:rPr lang="en-US" dirty="0" smtClean="0"/>
-              <a:t> </a:t>
-            </a:r>
-            <a:r>
-              <a:rPr lang="en-US" dirty="0" err="1" smtClean="0"/>
-              <a:t>Giao</a:t>
+              <a:rPr lang="en-US" dirty="0" err="1" smtClean="0"/>
+              <a:t>Phần</a:t>
+            </a:r>
+            <a:r>
+              <a:rPr lang="en-US" dirty="0" smtClean="0"/>
+              <a:t> </a:t>
+            </a:r>
+            <a:r>
+              <a:rPr lang="en-US" dirty="0" err="1" smtClean="0"/>
+              <a:t>giao</a:t>
             </a:r>
             <a:r>
               <a:rPr lang="en-US" dirty="0" smtClean="0"/>
@@ -3346,28 +3522,67 @@
             </a:r>
             <a:r>
               <a:rPr lang="en-US" dirty="0" smtClean="0"/>
-              <a:t> chia 3 </a:t>
-            </a:r>
-            <a:r>
-              <a:rPr lang="en-US" dirty="0" err="1" smtClean="0"/>
-              <a:t>phần</a:t>
-            </a:r>
-            <a:r>
-              <a:rPr lang="en-US" dirty="0" smtClean="0"/>
-              <a:t> </a:t>
-            </a:r>
-            <a:r>
-              <a:rPr lang="en-US" dirty="0" err="1" smtClean="0"/>
-              <a:t>chính</a:t>
+              <a:t> </a:t>
+            </a:r>
+            <a:r>
+              <a:rPr lang="en-US" dirty="0" err="1" smtClean="0"/>
+              <a:t>tạo</a:t>
+            </a:r>
+            <a:r>
+              <a:rPr lang="en-US" dirty="0" smtClean="0"/>
+              <a:t> </a:t>
+            </a:r>
+            <a:r>
+              <a:rPr lang="en-US" dirty="0" err="1" smtClean="0"/>
+              <a:t>mật</a:t>
+            </a:r>
+            <a:r>
+              <a:rPr lang="en-US" dirty="0" smtClean="0"/>
+              <a:t> </a:t>
+            </a:r>
+            <a:r>
+              <a:rPr lang="en-US" dirty="0" err="1" smtClean="0"/>
+              <a:t>khẩu</a:t>
             </a:r>
             <a:endParaRPr lang="en-US" dirty="0" smtClean="0"/>
+          </a:p>
+          <a:p>
+            <a:pPr marL="457200" indent="-457200" algn="l">
+              <a:buFontTx/>
+              <a:buChar char="-"/>
+            </a:pPr>
+            <a:r>
+              <a:rPr lang="en-US" dirty="0" err="1" smtClean="0"/>
+              <a:t>Phần</a:t>
+            </a:r>
+            <a:r>
+              <a:rPr lang="en-US" dirty="0" smtClean="0"/>
+              <a:t> </a:t>
+            </a:r>
+            <a:r>
+              <a:rPr lang="en-US" dirty="0" err="1" smtClean="0"/>
+              <a:t>giao</a:t>
+            </a:r>
+            <a:r>
+              <a:rPr lang="en-US" dirty="0" smtClean="0"/>
+              <a:t> </a:t>
+            </a:r>
+            <a:r>
+              <a:rPr lang="en-US" dirty="0" err="1" smtClean="0"/>
+              <a:t>diện</a:t>
+            </a:r>
+            <a:r>
+              <a:rPr lang="en-US" dirty="0" smtClean="0"/>
+              <a:t> login</a:t>
+            </a:r>
+            <a:endParaRPr lang="en-US" dirty="0"/>
           </a:p>
         </p:txBody>
       </p:sp>
     </p:spTree>
     <p:extLst>
       <p:ext uri="{BB962C8B-B14F-4D97-AF65-F5344CB8AC3E}">
-        <p14:creationId xmlns:p14="http://schemas.microsoft.com/office/powerpoint/2010/main" val="3383910572"/>
+        <p14:creationId xmlns:p14="http://schemas.microsoft.com/office/powerpoint/2010/main" val="3746614264"/>
       </p:ext>
     </p:extLst>
   </p:cSld>
@@ -3404,7 +3619,12 @@
             <p:ph type="ctrTitle"/>
           </p:nvPr>
         </p:nvSpPr>
-        <p:spPr/>
+        <p:spPr>
+          <a:xfrm>
+            <a:off x="685800" y="381000"/>
+            <a:ext cx="7772400" cy="1470025"/>
+          </a:xfrm>
+        </p:spPr>
         <p:txBody>
           <a:bodyPr/>
           <a:lstStyle/>
@@ -3415,15 +3635,19 @@
             </a:r>
             <a:r>
               <a:rPr lang="en-US" dirty="0" err="1" smtClean="0"/>
-              <a:t>thiết</a:t>
-            </a:r>
-            <a:r>
-              <a:rPr lang="en-US" dirty="0" smtClean="0"/>
-              <a:t> </a:t>
-            </a:r>
-            <a:r>
-              <a:rPr lang="en-US" dirty="0" err="1" smtClean="0"/>
-              <a:t>kế</a:t>
+              <a:t>xử</a:t>
+            </a:r>
+            <a:r>
+              <a:rPr lang="en-US" dirty="0" smtClean="0"/>
+              <a:t> </a:t>
+            </a:r>
+            <a:r>
+              <a:rPr lang="en-US" dirty="0" err="1" smtClean="0"/>
+              <a:t>lý</a:t>
+            </a:r>
+            <a:r>
+              <a:rPr lang="en-US" dirty="0" smtClean="0"/>
+              <a:t> code</a:t>
             </a:r>
             <a:endParaRPr lang="en-US" dirty="0"/>
           </a:p>
@@ -3439,7 +3663,12 @@
             <p:ph type="subTitle" idx="1"/>
           </p:nvPr>
         </p:nvSpPr>
-        <p:spPr/>
+        <p:spPr>
+          <a:xfrm>
+            <a:off x="1371600" y="1752600"/>
+            <a:ext cx="6400800" cy="3886200"/>
+          </a:xfrm>
+        </p:spPr>
         <p:txBody>
           <a:bodyPr>
             <a:normAutofit/>
@@ -3452,27 +3681,43 @@
             </a:pPr>
             <a:r>
               <a:rPr lang="en-US" dirty="0" err="1" smtClean="0"/>
-              <a:t>Phần</a:t>
-            </a:r>
-            <a:r>
-              <a:rPr lang="en-US" dirty="0" smtClean="0"/>
-              <a:t> </a:t>
-            </a:r>
-            <a:r>
-              <a:rPr lang="en-US" dirty="0" err="1" smtClean="0"/>
-              <a:t>hiện</a:t>
-            </a:r>
-            <a:r>
-              <a:rPr lang="en-US" dirty="0" smtClean="0"/>
-              <a:t> </a:t>
-            </a:r>
-            <a:r>
-              <a:rPr lang="en-US" dirty="0" err="1" smtClean="0"/>
-              <a:t>ảnh</a:t>
-            </a:r>
-            <a:r>
-              <a:rPr lang="en-US" dirty="0" smtClean="0"/>
-              <a:t> quay (process bar)</a:t>
+              <a:t>Lấy</a:t>
+            </a:r>
+            <a:r>
+              <a:rPr lang="en-US" dirty="0" smtClean="0"/>
+              <a:t> </a:t>
+            </a:r>
+            <a:r>
+              <a:rPr lang="en-US" dirty="0" err="1" smtClean="0"/>
+              <a:t>dữ</a:t>
+            </a:r>
+            <a:r>
+              <a:rPr lang="en-US" dirty="0" smtClean="0"/>
+              <a:t> </a:t>
+            </a:r>
+            <a:r>
+              <a:rPr lang="en-US" dirty="0" err="1" smtClean="0"/>
+              <a:t>liệu</a:t>
+            </a:r>
+            <a:r>
+              <a:rPr lang="en-US" dirty="0" smtClean="0"/>
+              <a:t> </a:t>
+            </a:r>
+            <a:r>
+              <a:rPr lang="en-US" dirty="0" err="1" smtClean="0"/>
+              <a:t>từ</a:t>
+            </a:r>
+            <a:r>
+              <a:rPr lang="en-US" dirty="0" smtClean="0"/>
+              <a:t> </a:t>
+            </a:r>
+            <a:r>
+              <a:rPr lang="en-US" dirty="0" err="1" smtClean="0"/>
+              <a:t>sharedpreferences</a:t>
+            </a:r>
+            <a:r>
+              <a:rPr lang="en-US" dirty="0" smtClean="0"/>
+              <a:t> </a:t>
             </a:r>
           </a:p>
           <a:p>
@@ -3482,47 +3727,47 @@
             </a:pPr>
             <a:r>
               <a:rPr lang="en-US" dirty="0" err="1" smtClean="0"/>
-              <a:t>Phần</a:t>
-            </a:r>
-            <a:r>
-              <a:rPr lang="en-US" dirty="0" smtClean="0"/>
-              <a:t> </a:t>
-            </a:r>
-            <a:r>
-              <a:rPr lang="en-US" dirty="0" err="1" smtClean="0"/>
-              <a:t>giao</a:t>
-            </a:r>
-            <a:r>
-              <a:rPr lang="en-US" dirty="0" smtClean="0"/>
-              <a:t> </a:t>
-            </a:r>
-            <a:r>
-              <a:rPr lang="en-US" dirty="0" err="1" smtClean="0"/>
-              <a:t>diện</a:t>
-            </a:r>
-            <a:r>
-              <a:rPr lang="en-US" dirty="0" smtClean="0"/>
-              <a:t> </a:t>
-            </a:r>
-            <a:r>
-              <a:rPr lang="en-US" dirty="0" err="1" smtClean="0"/>
-              <a:t>tạo</a:t>
-            </a:r>
-            <a:r>
-              <a:rPr lang="en-US" dirty="0" smtClean="0"/>
-              <a:t> </a:t>
-            </a:r>
-            <a:r>
-              <a:rPr lang="en-US" dirty="0" err="1" smtClean="0"/>
-              <a:t>mật</a:t>
-            </a:r>
-            <a:r>
-              <a:rPr lang="en-US" dirty="0" smtClean="0"/>
-              <a:t> </a:t>
-            </a:r>
-            <a:r>
-              <a:rPr lang="en-US" dirty="0" err="1" smtClean="0"/>
-              <a:t>khẩu</a:t>
+              <a:t>Lưu</a:t>
+            </a:r>
+            <a:r>
+              <a:rPr lang="en-US" dirty="0" smtClean="0"/>
+              <a:t> </a:t>
+            </a:r>
+            <a:r>
+              <a:rPr lang="en-US" dirty="0" err="1" smtClean="0"/>
+              <a:t>trữ</a:t>
+            </a:r>
+            <a:r>
+              <a:rPr lang="en-US" dirty="0" smtClean="0"/>
+              <a:t> </a:t>
+            </a:r>
+            <a:r>
+              <a:rPr lang="en-US" dirty="0" err="1" smtClean="0"/>
+              <a:t>dữ</a:t>
+            </a:r>
+            <a:r>
+              <a:rPr lang="en-US" dirty="0" smtClean="0"/>
+              <a:t> </a:t>
+            </a:r>
+            <a:r>
+              <a:rPr lang="en-US" dirty="0" err="1" smtClean="0"/>
+              <a:t>liệu</a:t>
+            </a:r>
+            <a:r>
+              <a:rPr lang="en-US" dirty="0" smtClean="0"/>
+              <a:t> </a:t>
+            </a:r>
+            <a:r>
+              <a:rPr lang="en-US" dirty="0" err="1" smtClean="0"/>
+              <a:t>vào</a:t>
+            </a:r>
+            <a:r>
+              <a:rPr lang="en-US" dirty="0" smtClean="0"/>
+              <a:t> </a:t>
+            </a:r>
+            <a:r>
+              <a:rPr lang="en-US" dirty="0" err="1" smtClean="0"/>
+              <a:t>sharedpreferences</a:t>
             </a:r>
             <a:endParaRPr lang="en-US" dirty="0" smtClean="0"/>
           </a:p>
@@ -3533,27 +3778,91 @@
             </a:pPr>
             <a:r>
               <a:rPr lang="en-US" dirty="0" err="1" smtClean="0"/>
-              <a:t>Phần</a:t>
-            </a:r>
-            <a:r>
-              <a:rPr lang="en-US" dirty="0" smtClean="0"/>
-              <a:t> </a:t>
-            </a:r>
-            <a:r>
-              <a:rPr lang="en-US" dirty="0" err="1" smtClean="0"/>
-              <a:t>giao</a:t>
-            </a:r>
-            <a:r>
-              <a:rPr lang="en-US" dirty="0" smtClean="0"/>
-              <a:t> </a:t>
-            </a:r>
-            <a:r>
-              <a:rPr lang="en-US" dirty="0" err="1" smtClean="0"/>
-              <a:t>diện</a:t>
-            </a:r>
-            <a:r>
-              <a:rPr lang="en-US" dirty="0" smtClean="0"/>
-              <a:t> login</a:t>
+              <a:t>Cập</a:t>
+            </a:r>
+            <a:r>
+              <a:rPr lang="en-US" dirty="0" smtClean="0"/>
+              <a:t> </a:t>
+            </a:r>
+            <a:r>
+              <a:rPr lang="en-US" dirty="0" err="1" smtClean="0"/>
+              <a:t>nhật</a:t>
+            </a:r>
+            <a:r>
+              <a:rPr lang="en-US" dirty="0" smtClean="0"/>
+              <a:t> </a:t>
+            </a:r>
+            <a:r>
+              <a:rPr lang="en-US" dirty="0" err="1" smtClean="0"/>
+              <a:t>dữ</a:t>
+            </a:r>
+            <a:r>
+              <a:rPr lang="en-US" dirty="0" smtClean="0"/>
+              <a:t> </a:t>
+            </a:r>
+            <a:r>
+              <a:rPr lang="en-US" dirty="0" err="1" smtClean="0"/>
+              <a:t>liệu</a:t>
+            </a:r>
+            <a:r>
+              <a:rPr lang="en-US" dirty="0" smtClean="0"/>
+              <a:t> </a:t>
+            </a:r>
+            <a:r>
+              <a:rPr lang="en-US" dirty="0" err="1" smtClean="0"/>
+              <a:t>cho</a:t>
+            </a:r>
+            <a:r>
+              <a:rPr lang="en-US" dirty="0" smtClean="0"/>
+              <a:t> </a:t>
+            </a:r>
+            <a:r>
+              <a:rPr lang="en-US" dirty="0" err="1" smtClean="0"/>
+              <a:t>hiện</a:t>
+            </a:r>
+            <a:r>
+              <a:rPr lang="en-US" dirty="0" smtClean="0"/>
+              <a:t> view </a:t>
+            </a:r>
+            <a:r>
+              <a:rPr lang="en-US" dirty="0" err="1" smtClean="0"/>
+              <a:t>dạng</a:t>
+            </a:r>
+            <a:r>
+              <a:rPr lang="en-US" dirty="0" smtClean="0"/>
+              <a:t> list (</a:t>
+            </a:r>
+            <a:r>
+              <a:rPr lang="en-US" dirty="0" err="1" smtClean="0"/>
+              <a:t>danh</a:t>
+            </a:r>
+            <a:r>
+              <a:rPr lang="en-US" dirty="0" smtClean="0"/>
+              <a:t> </a:t>
+            </a:r>
+            <a:r>
+              <a:rPr lang="en-US" dirty="0" err="1" smtClean="0"/>
+              <a:t>sách</a:t>
+            </a:r>
+            <a:r>
+              <a:rPr lang="en-US" dirty="0" smtClean="0"/>
+              <a:t>) </a:t>
+            </a:r>
+            <a:r>
+              <a:rPr lang="en-US" dirty="0" err="1" smtClean="0"/>
+              <a:t>hoặc</a:t>
+            </a:r>
+            <a:r>
+              <a:rPr lang="en-US" dirty="0" smtClean="0"/>
+              <a:t> block (</a:t>
+            </a:r>
+            <a:r>
+              <a:rPr lang="en-US" dirty="0" err="1" smtClean="0"/>
+              <a:t>khối</a:t>
+            </a:r>
+            <a:r>
+              <a:rPr lang="en-US" dirty="0" smtClean="0"/>
+              <a:t>)</a:t>
             </a:r>
             <a:endParaRPr lang="en-US" dirty="0"/>
           </a:p>
@@ -3562,7 +3871,7 @@
     </p:spTree>
     <p:extLst>
       <p:ext uri="{BB962C8B-B14F-4D97-AF65-F5344CB8AC3E}">
-        <p14:creationId xmlns:p14="http://schemas.microsoft.com/office/powerpoint/2010/main" val="3746614264"/>
+        <p14:creationId xmlns:p14="http://schemas.microsoft.com/office/powerpoint/2010/main" val="779234133"/>
       </p:ext>
     </p:extLst>
   </p:cSld>
@@ -3599,30 +3908,19 @@
             <p:ph type="ctrTitle"/>
           </p:nvPr>
         </p:nvSpPr>
-        <p:spPr/>
+        <p:spPr>
+          <a:xfrm>
+            <a:off x="685800" y="304800"/>
+            <a:ext cx="7772400" cy="1470025"/>
+          </a:xfrm>
+        </p:spPr>
         <p:txBody>
           <a:bodyPr/>
           <a:lstStyle/>
           <a:p>
             <a:r>
               <a:rPr lang="en-US" dirty="0" smtClean="0"/>
-              <a:t>Login activity </a:t>
-            </a:r>
-            <a:r>
-              <a:rPr lang="en-US" dirty="0" err="1" smtClean="0"/>
-              <a:t>xử</a:t>
-            </a:r>
-            <a:r>
-              <a:rPr lang="en-US" dirty="0" smtClean="0"/>
-              <a:t> </a:t>
-            </a:r>
-            <a:r>
-              <a:rPr lang="en-US" dirty="0" err="1" smtClean="0"/>
-              <a:t>lý</a:t>
-            </a:r>
-            <a:r>
-              <a:rPr lang="en-US" dirty="0" smtClean="0"/>
-              <a:t> code</a:t>
+              <a:t>Home activity</a:t>
             </a:r>
             <a:endParaRPr lang="en-US" dirty="0"/>
           </a:p>
@@ -3638,169 +3936,74 @@
             <p:ph type="subTitle" idx="1"/>
           </p:nvPr>
         </p:nvSpPr>
-        <p:spPr/>
+        <p:spPr>
+          <a:xfrm>
+            <a:off x="1371600" y="1828800"/>
+            <a:ext cx="4038600" cy="3810000"/>
+          </a:xfrm>
+        </p:spPr>
         <p:txBody>
           <a:bodyPr>
-            <a:normAutofit fontScale="85000" lnSpcReduction="10000"/>
+            <a:normAutofit fontScale="92500" lnSpcReduction="20000"/>
           </a:bodyPr>
           <a:lstStyle/>
           <a:p>
-            <a:pPr marL="457200" indent="-457200" algn="l">
-              <a:buFontTx/>
-              <a:buChar char="-"/>
-            </a:pPr>
-            <a:r>
-              <a:rPr lang="en-US" dirty="0" err="1" smtClean="0"/>
-              <a:t>Lấy</a:t>
-            </a:r>
-            <a:r>
-              <a:rPr lang="en-US" dirty="0" smtClean="0"/>
-              <a:t> </a:t>
-            </a:r>
-            <a:r>
-              <a:rPr lang="en-US" dirty="0" err="1" smtClean="0"/>
-              <a:t>dữ</a:t>
-            </a:r>
-            <a:r>
-              <a:rPr lang="en-US" dirty="0" smtClean="0"/>
-              <a:t> </a:t>
-            </a:r>
-            <a:r>
-              <a:rPr lang="en-US" dirty="0" err="1" smtClean="0"/>
-              <a:t>liệu</a:t>
-            </a:r>
-            <a:r>
-              <a:rPr lang="en-US" dirty="0" smtClean="0"/>
-              <a:t> </a:t>
-            </a:r>
-            <a:r>
-              <a:rPr lang="en-US" dirty="0" err="1" smtClean="0"/>
-              <a:t>từ</a:t>
-            </a:r>
-            <a:r>
-              <a:rPr lang="en-US" dirty="0" smtClean="0"/>
-              <a:t> </a:t>
-            </a:r>
-            <a:r>
-              <a:rPr lang="en-US" dirty="0" err="1" smtClean="0"/>
-              <a:t>sharedpreferences</a:t>
-            </a:r>
-            <a:r>
-              <a:rPr lang="en-US" dirty="0" smtClean="0"/>
-              <a:t> </a:t>
-            </a:r>
-          </a:p>
-          <a:p>
-            <a:pPr marL="457200" indent="-457200" algn="l">
-              <a:buFontTx/>
-              <a:buChar char="-"/>
-            </a:pPr>
-            <a:r>
-              <a:rPr lang="en-US" dirty="0" err="1" smtClean="0"/>
-              <a:t>Lưu</a:t>
-            </a:r>
-            <a:r>
-              <a:rPr lang="en-US" dirty="0" smtClean="0"/>
-              <a:t> </a:t>
-            </a:r>
-            <a:r>
-              <a:rPr lang="en-US" dirty="0" err="1" smtClean="0"/>
-              <a:t>trữ</a:t>
-            </a:r>
-            <a:r>
-              <a:rPr lang="en-US" dirty="0" smtClean="0"/>
-              <a:t> </a:t>
-            </a:r>
-            <a:r>
-              <a:rPr lang="en-US" dirty="0" err="1" smtClean="0"/>
-              <a:t>dữ</a:t>
-            </a:r>
-            <a:r>
-              <a:rPr lang="en-US" dirty="0" smtClean="0"/>
-              <a:t> </a:t>
-            </a:r>
-            <a:r>
-              <a:rPr lang="en-US" dirty="0" err="1" smtClean="0"/>
-              <a:t>liệu</a:t>
-            </a:r>
-            <a:r>
-              <a:rPr lang="en-US" dirty="0" smtClean="0"/>
-              <a:t> </a:t>
-            </a:r>
-            <a:r>
-              <a:rPr lang="en-US" dirty="0" err="1" smtClean="0"/>
-              <a:t>vào</a:t>
-            </a:r>
-            <a:r>
-              <a:rPr lang="en-US" dirty="0" smtClean="0"/>
-              <a:t> </a:t>
-            </a:r>
-            <a:r>
-              <a:rPr lang="en-US" dirty="0" err="1" smtClean="0"/>
-              <a:t>sharedpreferences</a:t>
+            <a:pPr algn="l"/>
+            <a:r>
+              <a:rPr lang="en-US" dirty="0" err="1" smtClean="0"/>
+              <a:t>Đăng</a:t>
+            </a:r>
+            <a:r>
+              <a:rPr lang="en-US" dirty="0" smtClean="0"/>
+              <a:t> </a:t>
+            </a:r>
+            <a:r>
+              <a:rPr lang="en-US" dirty="0" err="1" smtClean="0"/>
+              <a:t>nhập</a:t>
+            </a:r>
+            <a:r>
+              <a:rPr lang="en-US" dirty="0" smtClean="0"/>
+              <a:t> </a:t>
+            </a:r>
+            <a:r>
+              <a:rPr lang="en-US" dirty="0" err="1" smtClean="0"/>
+              <a:t>thành</a:t>
+            </a:r>
+            <a:r>
+              <a:rPr lang="en-US" dirty="0" smtClean="0"/>
+              <a:t> </a:t>
+            </a:r>
+            <a:r>
+              <a:rPr lang="en-US" dirty="0" err="1" smtClean="0"/>
+              <a:t>công</a:t>
             </a:r>
             <a:endParaRPr lang="en-US" dirty="0" smtClean="0"/>
           </a:p>
           <a:p>
-            <a:pPr marL="457200" indent="-457200" algn="l">
-              <a:buFontTx/>
-              <a:buChar char="-"/>
-            </a:pPr>
-            <a:r>
-              <a:rPr lang="en-US" dirty="0" err="1" smtClean="0"/>
-              <a:t>Cập</a:t>
-            </a:r>
-            <a:r>
-              <a:rPr lang="en-US" dirty="0" smtClean="0"/>
-              <a:t> </a:t>
-            </a:r>
-            <a:r>
-              <a:rPr lang="en-US" dirty="0" err="1" smtClean="0"/>
-              <a:t>nhật</a:t>
-            </a:r>
-            <a:r>
-              <a:rPr lang="en-US" dirty="0" smtClean="0"/>
-              <a:t> </a:t>
-            </a:r>
-            <a:r>
-              <a:rPr lang="en-US" dirty="0" err="1" smtClean="0"/>
-              <a:t>dữ</a:t>
-            </a:r>
-            <a:r>
-              <a:rPr lang="en-US" dirty="0" smtClean="0"/>
-              <a:t> </a:t>
-            </a:r>
-            <a:r>
-              <a:rPr lang="en-US" dirty="0" err="1" smtClean="0"/>
-              <a:t>liệu</a:t>
-            </a:r>
-            <a:r>
-              <a:rPr lang="en-US" dirty="0" smtClean="0"/>
-              <a:t> </a:t>
-            </a:r>
-            <a:r>
-              <a:rPr lang="en-US" dirty="0" err="1" smtClean="0"/>
-              <a:t>cho</a:t>
-            </a:r>
-            <a:r>
-              <a:rPr lang="en-US" dirty="0" smtClean="0"/>
-              <a:t> </a:t>
-            </a:r>
-            <a:r>
-              <a:rPr lang="en-US" dirty="0" err="1" smtClean="0"/>
-              <a:t>hiện</a:t>
-            </a:r>
-            <a:r>
-              <a:rPr lang="en-US" dirty="0" smtClean="0"/>
-              <a:t> view </a:t>
-            </a:r>
-            <a:r>
-              <a:rPr lang="en-US" dirty="0" err="1" smtClean="0"/>
-              <a:t>dạng</a:t>
-            </a:r>
-            <a:r>
-              <a:rPr lang="en-US" dirty="0" smtClean="0"/>
-              <a:t> list (</a:t>
+            <a:pPr algn="l"/>
+            <a:r>
+              <a:rPr lang="en-US" dirty="0" err="1" smtClean="0"/>
+              <a:t>Vào</a:t>
+            </a:r>
+            <a:r>
+              <a:rPr lang="en-US" dirty="0" smtClean="0"/>
+              <a:t> activity </a:t>
+            </a:r>
+            <a:r>
+              <a:rPr lang="en-US" dirty="0" err="1" smtClean="0"/>
+              <a:t>chính</a:t>
+            </a:r>
+            <a:endParaRPr lang="en-US" dirty="0" smtClean="0"/>
+          </a:p>
+          <a:p>
+            <a:pPr algn="l"/>
+            <a:r>
+              <a:rPr lang="en-US" dirty="0" err="1" smtClean="0"/>
+              <a:t>Hiện</a:t>
+            </a:r>
+            <a:r>
+              <a:rPr lang="en-US" dirty="0" smtClean="0"/>
+              <a:t> </a:t>
             </a:r>
             <a:r>
               <a:rPr lang="en-US" dirty="0" err="1" smtClean="0"/>
@@ -3816,32 +4019,144 @@
             </a:r>
             <a:r>
               <a:rPr lang="en-US" dirty="0" smtClean="0"/>
-              <a:t>) </a:t>
-            </a:r>
-            <a:r>
-              <a:rPr lang="en-US" dirty="0" err="1" smtClean="0"/>
-              <a:t>hoặc</a:t>
-            </a:r>
-            <a:r>
-              <a:rPr lang="en-US" dirty="0" smtClean="0"/>
-              <a:t> block (</a:t>
-            </a:r>
-            <a:r>
-              <a:rPr lang="en-US" dirty="0" err="1" smtClean="0"/>
-              <a:t>khối</a:t>
-            </a:r>
-            <a:r>
-              <a:rPr lang="en-US" dirty="0" smtClean="0"/>
-              <a:t>)</a:t>
+              <a:t> </a:t>
+            </a:r>
+            <a:r>
+              <a:rPr lang="en-US" dirty="0" err="1" smtClean="0"/>
+              <a:t>theo</a:t>
+            </a:r>
+            <a:r>
+              <a:rPr lang="en-US" dirty="0" smtClean="0"/>
+              <a:t> </a:t>
+            </a:r>
+            <a:r>
+              <a:rPr lang="en-US" dirty="0" err="1" smtClean="0"/>
+              <a:t>kiểu</a:t>
+            </a:r>
+            <a:r>
+              <a:rPr lang="en-US" dirty="0" smtClean="0"/>
+              <a:t> list</a:t>
+            </a:r>
+          </a:p>
+          <a:p>
+            <a:pPr algn="l"/>
+            <a:r>
+              <a:rPr lang="en-US" dirty="0" err="1" smtClean="0"/>
+              <a:t>Các</a:t>
+            </a:r>
+            <a:r>
+              <a:rPr lang="en-US" dirty="0" smtClean="0"/>
+              <a:t> </a:t>
+            </a:r>
+            <a:r>
+              <a:rPr lang="en-US" dirty="0" err="1" smtClean="0"/>
+              <a:t>nút</a:t>
+            </a:r>
+            <a:r>
+              <a:rPr lang="en-US" dirty="0" smtClean="0"/>
+              <a:t> </a:t>
+            </a:r>
+            <a:r>
+              <a:rPr lang="en-US" dirty="0" err="1" smtClean="0"/>
+              <a:t>chức</a:t>
+            </a:r>
+            <a:r>
+              <a:rPr lang="en-US" dirty="0" smtClean="0"/>
+              <a:t> </a:t>
+            </a:r>
+            <a:r>
+              <a:rPr lang="en-US" dirty="0" err="1" smtClean="0"/>
+              <a:t>năng</a:t>
+            </a:r>
+            <a:endParaRPr lang="en-US" dirty="0" smtClean="0"/>
+          </a:p>
+          <a:p>
+            <a:pPr algn="l"/>
+            <a:r>
+              <a:rPr lang="en-US" dirty="0" err="1" smtClean="0"/>
+              <a:t>Thêm</a:t>
+            </a:r>
+            <a:r>
+              <a:rPr lang="en-US" dirty="0" smtClean="0"/>
+              <a:t> </a:t>
+            </a:r>
+            <a:r>
+              <a:rPr lang="en-US" dirty="0" err="1" smtClean="0"/>
+              <a:t>mới</a:t>
+            </a:r>
+            <a:endParaRPr lang="en-US" dirty="0" smtClean="0"/>
+          </a:p>
+          <a:p>
+            <a:pPr algn="l"/>
+            <a:r>
+              <a:rPr lang="en-US" dirty="0" err="1" smtClean="0"/>
+              <a:t>Chuyển</a:t>
+            </a:r>
+            <a:r>
+              <a:rPr lang="en-US" dirty="0" smtClean="0"/>
+              <a:t> view</a:t>
+            </a:r>
+          </a:p>
+          <a:p>
+            <a:pPr algn="l"/>
+            <a:r>
+              <a:rPr lang="en-US" dirty="0" err="1" smtClean="0"/>
+              <a:t>Khóa</a:t>
+            </a:r>
+            <a:r>
+              <a:rPr lang="en-US" dirty="0" smtClean="0"/>
+              <a:t> </a:t>
+            </a:r>
+            <a:r>
+              <a:rPr lang="en-US" dirty="0" err="1" smtClean="0"/>
+              <a:t>ứng</a:t>
+            </a:r>
+            <a:r>
+              <a:rPr lang="en-US" dirty="0" smtClean="0"/>
+              <a:t> </a:t>
+            </a:r>
+            <a:r>
+              <a:rPr lang="en-US" dirty="0" err="1" smtClean="0"/>
+              <a:t>dụng</a:t>
             </a:r>
             <a:endParaRPr lang="en-US" dirty="0"/>
           </a:p>
         </p:txBody>
       </p:sp>
+      <p:pic>
+        <p:nvPicPr>
+          <p:cNvPr id="4" name="Picture 3"/>
+          <p:cNvPicPr>
+            <a:picLocks noChangeAspect="1"/>
+          </p:cNvPicPr>
+          <p:nvPr/>
+        </p:nvPicPr>
+        <p:blipFill>
+          <a:blip r:embed="rId2">
+            <a:extLst>
+              <a:ext uri="{28A0092B-C50C-407E-A947-70E740481C1C}">
+                <a14:useLocalDpi xmlns:a14="http://schemas.microsoft.com/office/drawing/2010/main" val="0"/>
+              </a:ext>
+            </a:extLst>
+          </a:blip>
+          <a:stretch>
+            <a:fillRect/>
+          </a:stretch>
+        </p:blipFill>
+        <p:spPr>
+          <a:xfrm>
+            <a:off x="5791200" y="1447800"/>
+            <a:ext cx="2942884" cy="4724400"/>
+          </a:xfrm>
+          <a:prstGeom prst="rect">
+            <a:avLst/>
+          </a:prstGeom>
+        </p:spPr>
+      </p:pic>
     </p:spTree>
     <p:extLst>
       <p:ext uri="{BB962C8B-B14F-4D97-AF65-F5344CB8AC3E}">
-        <p14:creationId xmlns:p14="http://schemas.microsoft.com/office/powerpoint/2010/main" val="779234133"/>
+        <p14:creationId xmlns:p14="http://schemas.microsoft.com/office/powerpoint/2010/main" val="2977576359"/>
       </p:ext>
     </p:extLst>
   </p:cSld>
@@ -3878,26 +4193,19 @@
             <p:ph type="ctrTitle"/>
           </p:nvPr>
         </p:nvSpPr>
-        <p:spPr/>
+        <p:spPr>
+          <a:xfrm>
+            <a:off x="685800" y="304800"/>
+            <a:ext cx="7772400" cy="1470025"/>
+          </a:xfrm>
+        </p:spPr>
         <p:txBody>
           <a:bodyPr/>
           <a:lstStyle/>
           <a:p>
             <a:r>
               <a:rPr lang="en-US" dirty="0" smtClean="0"/>
-              <a:t>Home activity </a:t>
-            </a:r>
-            <a:r>
-              <a:rPr lang="en-US" dirty="0" err="1" smtClean="0"/>
-              <a:t>chức</a:t>
-            </a:r>
-            <a:r>
-              <a:rPr lang="en-US" dirty="0" smtClean="0"/>
-              <a:t> </a:t>
-            </a:r>
-            <a:r>
-              <a:rPr lang="en-US" dirty="0" err="1" smtClean="0"/>
-              <a:t>năng</a:t>
+              <a:t>Home activity</a:t>
             </a:r>
             <a:endParaRPr lang="en-US" dirty="0"/>
           </a:p>
@@ -3913,21 +4221,42 @@
             <p:ph type="subTitle" idx="1"/>
           </p:nvPr>
         </p:nvSpPr>
-        <p:spPr/>
+        <p:spPr>
+          <a:xfrm>
+            <a:off x="1371600" y="1676400"/>
+            <a:ext cx="3886200" cy="3962400"/>
+          </a:xfrm>
+        </p:spPr>
         <p:txBody>
           <a:bodyPr>
             <a:normAutofit/>
           </a:bodyPr>
           <a:lstStyle/>
           <a:p>
-            <a:pPr marL="457200" indent="-457200" algn="l">
-              <a:buFontTx/>
-              <a:buChar char="-"/>
-            </a:pPr>
-            <a:r>
-              <a:rPr lang="en-US" dirty="0" smtClean="0"/>
-              <a:t> </a:t>
-            </a:r>
+            <a:pPr algn="l"/>
+            <a:r>
+              <a:rPr lang="en-US" dirty="0" smtClean="0"/>
+              <a:t>Click </a:t>
+            </a:r>
+            <a:r>
+              <a:rPr lang="en-US" dirty="0" err="1" smtClean="0"/>
+              <a:t>vào</a:t>
+            </a:r>
+            <a:r>
+              <a:rPr lang="en-US" dirty="0" smtClean="0"/>
+              <a:t> </a:t>
+            </a:r>
+            <a:r>
+              <a:rPr lang="en-US" dirty="0" err="1" smtClean="0"/>
+              <a:t>nút</a:t>
+            </a:r>
+            <a:r>
+              <a:rPr lang="en-US" dirty="0" smtClean="0"/>
+              <a:t> change view</a:t>
+            </a:r>
+          </a:p>
+          <a:p>
+            <a:pPr algn="l"/>
             <a:r>
               <a:rPr lang="en-US" dirty="0" err="1" smtClean="0"/>
               <a:t>Hiện</a:t>
@@ -3954,94 +4283,110 @@
             </a:r>
             <a:r>
               <a:rPr lang="en-US" dirty="0" err="1" smtClean="0"/>
-              <a:t>ghi</a:t>
-            </a:r>
-            <a:r>
-              <a:rPr lang="en-US" dirty="0" smtClean="0"/>
-              <a:t> </a:t>
-            </a:r>
-            <a:r>
-              <a:rPr lang="en-US" dirty="0" err="1" smtClean="0"/>
-              <a:t>chú</a:t>
-            </a:r>
-            <a:endParaRPr lang="en-US" dirty="0" smtClean="0"/>
-          </a:p>
-          <a:p>
-            <a:pPr marL="457200" indent="-457200" algn="l">
-              <a:buFontTx/>
-              <a:buChar char="-"/>
-            </a:pPr>
-            <a:r>
-              <a:rPr lang="en-US" dirty="0" err="1" smtClean="0"/>
-              <a:t>Tìm</a:t>
-            </a:r>
-            <a:r>
-              <a:rPr lang="en-US" dirty="0" smtClean="0"/>
-              <a:t> </a:t>
-            </a:r>
-            <a:r>
-              <a:rPr lang="en-US" dirty="0" err="1" smtClean="0"/>
-              <a:t>kiếm</a:t>
-            </a:r>
-            <a:r>
-              <a:rPr lang="en-US" dirty="0" smtClean="0"/>
-              <a:t> </a:t>
-            </a:r>
-            <a:r>
-              <a:rPr lang="en-US" dirty="0" err="1" smtClean="0"/>
-              <a:t>ghi</a:t>
-            </a:r>
-            <a:r>
-              <a:rPr lang="en-US" dirty="0" smtClean="0"/>
-              <a:t> </a:t>
-            </a:r>
-            <a:r>
-              <a:rPr lang="en-US" dirty="0" err="1" smtClean="0"/>
-              <a:t>chú</a:t>
-            </a:r>
-            <a:endParaRPr lang="en-US" dirty="0" smtClean="0"/>
-          </a:p>
-          <a:p>
-            <a:pPr marL="457200" indent="-457200" algn="l">
-              <a:buFontTx/>
-              <a:buChar char="-"/>
-            </a:pPr>
-            <a:r>
-              <a:rPr lang="en-US" dirty="0" err="1" smtClean="0"/>
-              <a:t>Các</a:t>
-            </a:r>
-            <a:r>
-              <a:rPr lang="en-US" dirty="0" smtClean="0"/>
-              <a:t> </a:t>
-            </a:r>
-            <a:r>
-              <a:rPr lang="en-US" dirty="0" err="1" smtClean="0"/>
-              <a:t>nút</a:t>
-            </a:r>
-            <a:r>
-              <a:rPr lang="en-US" dirty="0" smtClean="0"/>
-              <a:t> </a:t>
-            </a:r>
-            <a:r>
-              <a:rPr lang="en-US" dirty="0" err="1" smtClean="0"/>
-              <a:t>chức</a:t>
-            </a:r>
-            <a:r>
-              <a:rPr lang="en-US" dirty="0" smtClean="0"/>
-              <a:t> </a:t>
-            </a:r>
-            <a:r>
-              <a:rPr lang="en-US" dirty="0" err="1" smtClean="0"/>
-              <a:t>năng</a:t>
+              <a:t>theo</a:t>
+            </a:r>
+            <a:r>
+              <a:rPr lang="en-US" dirty="0" smtClean="0"/>
+              <a:t> </a:t>
+            </a:r>
+            <a:r>
+              <a:rPr lang="en-US" dirty="0" err="1" smtClean="0"/>
+              <a:t>kiểu</a:t>
+            </a:r>
+            <a:r>
+              <a:rPr lang="en-US" dirty="0" smtClean="0"/>
+              <a:t> </a:t>
+            </a:r>
+            <a:r>
+              <a:rPr lang="en-US" dirty="0" err="1" smtClean="0"/>
+              <a:t>khối</a:t>
+            </a:r>
+            <a:r>
+              <a:rPr lang="en-US" dirty="0" smtClean="0"/>
+              <a:t>, </a:t>
+            </a:r>
+            <a:r>
+              <a:rPr lang="en-US" dirty="0" err="1" smtClean="0"/>
+              <a:t>có</a:t>
+            </a:r>
+            <a:r>
+              <a:rPr lang="en-US" dirty="0" smtClean="0"/>
+              <a:t> </a:t>
+            </a:r>
+            <a:r>
+              <a:rPr lang="en-US" dirty="0" err="1" smtClean="0"/>
+              <a:t>thêm</a:t>
+            </a:r>
+            <a:r>
+              <a:rPr lang="en-US" dirty="0" smtClean="0"/>
+              <a:t> </a:t>
+            </a:r>
+            <a:r>
+              <a:rPr lang="en-US" dirty="0" err="1" smtClean="0"/>
+              <a:t>các</a:t>
+            </a:r>
+            <a:r>
+              <a:rPr lang="en-US" dirty="0" smtClean="0"/>
+              <a:t> </a:t>
+            </a:r>
+            <a:r>
+              <a:rPr lang="en-US" dirty="0" err="1" smtClean="0"/>
+              <a:t>thông</a:t>
+            </a:r>
+            <a:r>
+              <a:rPr lang="en-US" dirty="0" smtClean="0"/>
+              <a:t> tin chi </a:t>
+            </a:r>
+            <a:r>
+              <a:rPr lang="en-US" dirty="0" err="1" smtClean="0"/>
+              <a:t>tiết</a:t>
+            </a:r>
+            <a:r>
+              <a:rPr lang="en-US" dirty="0" smtClean="0"/>
+              <a:t> </a:t>
+            </a:r>
+            <a:r>
+              <a:rPr lang="en-US" dirty="0" err="1" smtClean="0"/>
+              <a:t>hơn</a:t>
             </a:r>
             <a:endParaRPr lang="en-US" dirty="0"/>
           </a:p>
         </p:txBody>
       </p:sp>
+      <p:pic>
+        <p:nvPicPr>
+          <p:cNvPr id="5" name="Picture 4"/>
+          <p:cNvPicPr>
+            <a:picLocks noChangeAspect="1"/>
+          </p:cNvPicPr>
+          <p:nvPr/>
+        </p:nvPicPr>
+        <p:blipFill>
+          <a:blip r:embed="rId2">
+            <a:extLst>
+              <a:ext uri="{28A0092B-C50C-407E-A947-70E740481C1C}">
+                <a14:useLocalDpi xmlns:a14="http://schemas.microsoft.com/office/drawing/2010/main" val="0"/>
+              </a:ext>
+            </a:extLst>
+          </a:blip>
+          <a:stretch>
+            <a:fillRect/>
+          </a:stretch>
+        </p:blipFill>
+        <p:spPr>
+          <a:xfrm>
+            <a:off x="5562600" y="1371600"/>
+            <a:ext cx="3048000" cy="4940663"/>
+          </a:xfrm>
+          <a:prstGeom prst="rect">
+            <a:avLst/>
+          </a:prstGeom>
+        </p:spPr>
+      </p:pic>
     </p:spTree>
     <p:extLst>
       <p:ext uri="{BB962C8B-B14F-4D97-AF65-F5344CB8AC3E}">
-        <p14:creationId xmlns:p14="http://schemas.microsoft.com/office/powerpoint/2010/main" val="675181457"/>
+        <p14:creationId xmlns:p14="http://schemas.microsoft.com/office/powerpoint/2010/main" val="218897984"/>
       </p:ext>
     </p:extLst>
   </p:cSld>
@@ -4078,7 +4423,12 @@
             <p:ph type="ctrTitle"/>
           </p:nvPr>
         </p:nvSpPr>
-        <p:spPr/>
+        <p:spPr>
+          <a:xfrm>
+            <a:off x="685800" y="304800"/>
+            <a:ext cx="7772400" cy="1470025"/>
+          </a:xfrm>
+        </p:spPr>
         <p:txBody>
           <a:bodyPr/>
           <a:lstStyle/>
@@ -4101,24 +4451,30 @@
             <p:ph type="subTitle" idx="1"/>
           </p:nvPr>
         </p:nvSpPr>
-        <p:spPr/>
+        <p:spPr>
+          <a:xfrm>
+            <a:off x="1371600" y="1828800"/>
+            <a:ext cx="4267200" cy="3810000"/>
+          </a:xfrm>
+        </p:spPr>
         <p:txBody>
           <a:bodyPr>
             <a:normAutofit/>
           </a:bodyPr>
           <a:lstStyle/>
           <a:p>
-            <a:pPr marL="457200" indent="-457200" algn="l">
-              <a:buFontTx/>
-              <a:buChar char="-"/>
-            </a:pPr>
-            <a:r>
-              <a:rPr lang="en-US" dirty="0" smtClean="0"/>
-              <a:t> </a:t>
-            </a:r>
-            <a:r>
-              <a:rPr lang="en-US" dirty="0" err="1" smtClean="0"/>
-              <a:t>Giao</a:t>
+            <a:pPr algn="l"/>
+            <a:r>
+              <a:rPr lang="en-US" dirty="0" err="1" smtClean="0"/>
+              <a:t>Từ</a:t>
+            </a:r>
+            <a:r>
+              <a:rPr lang="en-US" dirty="0" smtClean="0"/>
+              <a:t> </a:t>
+            </a:r>
+            <a:r>
+              <a:rPr lang="en-US" dirty="0" err="1" smtClean="0"/>
+              <a:t>giao</a:t>
             </a:r>
             <a:r>
               <a:rPr lang="en-US" dirty="0" smtClean="0"/>
@@ -4134,46 +4490,107 @@
             </a:r>
             <a:r>
               <a:rPr lang="en-US" dirty="0" err="1" smtClean="0"/>
-              <a:t>ứng</a:t>
-            </a:r>
-            <a:r>
-              <a:rPr lang="en-US" dirty="0" smtClean="0"/>
-              <a:t> </a:t>
-            </a:r>
-            <a:r>
-              <a:rPr lang="en-US" dirty="0" err="1" smtClean="0"/>
-              <a:t>dụng</a:t>
-            </a:r>
-            <a:r>
-              <a:rPr lang="en-US" dirty="0" smtClean="0"/>
-              <a:t> </a:t>
-            </a:r>
-            <a:r>
-              <a:rPr lang="en-US" dirty="0" err="1" smtClean="0"/>
               <a:t>chính</a:t>
             </a:r>
+            <a:r>
+              <a:rPr lang="en-US" dirty="0" smtClean="0"/>
+              <a:t>, click </a:t>
+            </a:r>
+            <a:r>
+              <a:rPr lang="en-US" dirty="0" err="1" smtClean="0"/>
+              <a:t>vào</a:t>
+            </a:r>
+            <a:r>
+              <a:rPr lang="en-US" dirty="0" smtClean="0"/>
+              <a:t> ô </a:t>
+            </a:r>
+            <a:r>
+              <a:rPr lang="en-US" dirty="0" err="1" smtClean="0"/>
+              <a:t>tìm</a:t>
+            </a:r>
+            <a:r>
+              <a:rPr lang="en-US" dirty="0" smtClean="0"/>
+              <a:t> </a:t>
+            </a:r>
+            <a:r>
+              <a:rPr lang="en-US" dirty="0" err="1" smtClean="0"/>
+              <a:t>kiếm</a:t>
+            </a:r>
+            <a:r>
+              <a:rPr lang="en-US" dirty="0" smtClean="0"/>
+              <a:t> </a:t>
+            </a:r>
+            <a:r>
+              <a:rPr lang="en-US" dirty="0" err="1" smtClean="0"/>
+              <a:t>để</a:t>
+            </a:r>
+            <a:r>
+              <a:rPr lang="en-US" dirty="0" smtClean="0"/>
+              <a:t> </a:t>
+            </a:r>
+            <a:r>
+              <a:rPr lang="en-US" dirty="0" err="1" smtClean="0"/>
+              <a:t>tìm</a:t>
+            </a:r>
+            <a:r>
+              <a:rPr lang="en-US" dirty="0" smtClean="0"/>
+              <a:t> </a:t>
+            </a:r>
+            <a:r>
+              <a:rPr lang="en-US" dirty="0" err="1" smtClean="0"/>
+              <a:t>kiếm</a:t>
+            </a:r>
+            <a:r>
+              <a:rPr lang="en-US" dirty="0" smtClean="0"/>
+              <a:t> </a:t>
+            </a:r>
+            <a:r>
+              <a:rPr lang="en-US" dirty="0" err="1" smtClean="0"/>
+              <a:t>trong</a:t>
+            </a:r>
+            <a:r>
+              <a:rPr lang="en-US" dirty="0" smtClean="0"/>
+              <a:t> </a:t>
+            </a:r>
+            <a:r>
+              <a:rPr lang="en-US" dirty="0" err="1" smtClean="0"/>
+              <a:t>danh</a:t>
+            </a:r>
+            <a:r>
+              <a:rPr lang="en-US" dirty="0" smtClean="0"/>
+              <a:t> </a:t>
+            </a:r>
+            <a:r>
+              <a:rPr lang="en-US" dirty="0" err="1" smtClean="0"/>
+              <a:t>sách</a:t>
+            </a:r>
             <a:endParaRPr lang="en-US" dirty="0" smtClean="0"/>
           </a:p>
           <a:p>
-            <a:pPr marL="457200" indent="-457200" algn="l">
-              <a:buFontTx/>
-              <a:buChar char="-"/>
-            </a:pPr>
-            <a:r>
-              <a:rPr lang="en-US" dirty="0" err="1" smtClean="0"/>
-              <a:t>Danh</a:t>
-            </a:r>
-            <a:r>
-              <a:rPr lang="en-US" dirty="0" smtClean="0"/>
-              <a:t> </a:t>
-            </a:r>
-            <a:r>
-              <a:rPr lang="en-US" dirty="0" err="1" smtClean="0"/>
-              <a:t>sách</a:t>
-            </a:r>
-            <a:r>
-              <a:rPr lang="en-US" dirty="0" smtClean="0"/>
-              <a:t> </a:t>
+            <a:pPr algn="l"/>
+            <a:r>
+              <a:rPr lang="en-US" dirty="0" err="1" smtClean="0"/>
+              <a:t>Tìm</a:t>
+            </a:r>
+            <a:r>
+              <a:rPr lang="en-US" dirty="0" smtClean="0"/>
+              <a:t> </a:t>
+            </a:r>
+            <a:r>
+              <a:rPr lang="en-US" dirty="0" err="1" smtClean="0"/>
+              <a:t>theo</a:t>
+            </a:r>
+            <a:r>
+              <a:rPr lang="en-US" dirty="0" smtClean="0"/>
+              <a:t> </a:t>
+            </a:r>
+            <a:r>
+              <a:rPr lang="en-US" dirty="0" err="1" smtClean="0"/>
+              <a:t>nội</a:t>
+            </a:r>
+            <a:r>
+              <a:rPr lang="en-US" dirty="0" smtClean="0"/>
+              <a:t> dung </a:t>
             </a:r>
             <a:r>
               <a:rPr lang="en-US" dirty="0" err="1" smtClean="0"/>
@@ -4187,14 +4604,92 @@
               <a:rPr lang="en-US" dirty="0" err="1" smtClean="0"/>
               <a:t>chú</a:t>
             </a:r>
+            <a:r>
+              <a:rPr lang="en-US" dirty="0" smtClean="0"/>
+              <a:t> </a:t>
+            </a:r>
+            <a:r>
+              <a:rPr lang="en-US" dirty="0" err="1" smtClean="0"/>
+              <a:t>và</a:t>
+            </a:r>
+            <a:r>
+              <a:rPr lang="en-US" dirty="0" smtClean="0"/>
+              <a:t> </a:t>
+            </a:r>
+            <a:r>
+              <a:rPr lang="en-US" dirty="0" err="1" smtClean="0"/>
+              <a:t>thông</a:t>
+            </a:r>
+            <a:r>
+              <a:rPr lang="en-US" dirty="0" smtClean="0"/>
+              <a:t> tin </a:t>
+            </a:r>
+            <a:r>
+              <a:rPr lang="en-US" dirty="0" err="1" smtClean="0"/>
+              <a:t>địa</a:t>
+            </a:r>
+            <a:r>
+              <a:rPr lang="en-US" dirty="0" smtClean="0"/>
+              <a:t> </a:t>
+            </a:r>
+            <a:r>
+              <a:rPr lang="en-US" dirty="0" err="1" smtClean="0"/>
+              <a:t>điểm</a:t>
+            </a:r>
+            <a:r>
+              <a:rPr lang="en-US" dirty="0" smtClean="0"/>
+              <a:t> </a:t>
+            </a:r>
+            <a:r>
+              <a:rPr lang="en-US" dirty="0" err="1" smtClean="0"/>
+              <a:t>ghi</a:t>
+            </a:r>
+            <a:r>
+              <a:rPr lang="en-US" dirty="0" smtClean="0"/>
+              <a:t> </a:t>
+            </a:r>
+            <a:r>
+              <a:rPr lang="en-US" dirty="0" err="1" smtClean="0"/>
+              <a:t>chú</a:t>
+            </a:r>
             <a:endParaRPr lang="en-US" dirty="0"/>
           </a:p>
         </p:txBody>
       </p:sp>
+      <p:pic>
+        <p:nvPicPr>
+          <p:cNvPr id="4" name="Picture 3"/>
+          <p:cNvPicPr>
+            <a:picLocks noChangeAspect="1"/>
+          </p:cNvPicPr>
+          <p:nvPr/>
+        </p:nvPicPr>
+        <p:blipFill>
+          <a:blip r:embed="rId2">
+            <a:extLst>
+              <a:ext uri="{28A0092B-C50C-407E-A947-70E740481C1C}">
+                <a14:useLocalDpi xmlns:a14="http://schemas.microsoft.com/office/drawing/2010/main" val="0"/>
+              </a:ext>
+            </a:extLst>
+          </a:blip>
+          <a:stretch>
+            <a:fillRect/>
+          </a:stretch>
+        </p:blipFill>
+        <p:spPr>
+          <a:xfrm>
+            <a:off x="5867399" y="1524000"/>
+            <a:ext cx="2959039" cy="4800600"/>
+          </a:xfrm>
+          <a:prstGeom prst="rect">
+            <a:avLst/>
+          </a:prstGeom>
+        </p:spPr>
+      </p:pic>
     </p:spTree>
     <p:extLst>
       <p:ext uri="{BB962C8B-B14F-4D97-AF65-F5344CB8AC3E}">
-        <p14:creationId xmlns:p14="http://schemas.microsoft.com/office/powerpoint/2010/main" val="2977576359"/>
+        <p14:creationId xmlns:p14="http://schemas.microsoft.com/office/powerpoint/2010/main" val="2582275338"/>
       </p:ext>
     </p:extLst>
   </p:cSld>
@@ -4231,7 +4726,12 @@
             <p:ph type="ctrTitle"/>
           </p:nvPr>
         </p:nvSpPr>
-        <p:spPr/>
+        <p:spPr>
+          <a:xfrm>
+            <a:off x="609600" y="381000"/>
+            <a:ext cx="7772400" cy="1470025"/>
+          </a:xfrm>
+        </p:spPr>
         <p:txBody>
           <a:bodyPr/>
           <a:lstStyle/>
@@ -4266,10 +4766,15 @@
             <p:ph type="subTitle" idx="1"/>
           </p:nvPr>
         </p:nvSpPr>
-        <p:spPr/>
+        <p:spPr>
+          <a:xfrm>
+            <a:off x="1371600" y="1828800"/>
+            <a:ext cx="6400800" cy="3810000"/>
+          </a:xfrm>
+        </p:spPr>
         <p:txBody>
           <a:bodyPr>
-            <a:normAutofit fontScale="85000" lnSpcReduction="20000"/>
+            <a:normAutofit/>
           </a:bodyPr>
           <a:lstStyle/>
           <a:p>
@@ -4396,7 +4901,12 @@
             <p:ph type="ctrTitle"/>
           </p:nvPr>
         </p:nvSpPr>
-        <p:spPr/>
+        <p:spPr>
+          <a:xfrm>
+            <a:off x="685800" y="381000"/>
+            <a:ext cx="7772400" cy="1470025"/>
+          </a:xfrm>
+        </p:spPr>
         <p:txBody>
           <a:bodyPr/>
           <a:lstStyle/>
@@ -4419,10 +4929,15 @@
             <p:ph type="subTitle" idx="1"/>
           </p:nvPr>
         </p:nvSpPr>
-        <p:spPr/>
+        <p:spPr>
+          <a:xfrm>
+            <a:off x="1371600" y="1676400"/>
+            <a:ext cx="6400800" cy="3962400"/>
+          </a:xfrm>
+        </p:spPr>
         <p:txBody>
           <a:bodyPr>
-            <a:normAutofit fontScale="92500" lnSpcReduction="20000"/>
+            <a:normAutofit/>
           </a:bodyPr>
           <a:lstStyle/>
           <a:p>
@@ -4615,7 +5130,12 @@
             <p:ph type="ctrTitle"/>
           </p:nvPr>
         </p:nvSpPr>
-        <p:spPr/>
+        <p:spPr>
+          <a:xfrm>
+            <a:off x="577804" y="152400"/>
+            <a:ext cx="7772400" cy="1470025"/>
+          </a:xfrm>
+        </p:spPr>
         <p:txBody>
           <a:bodyPr/>
           <a:lstStyle/>
@@ -4625,16 +5145,8 @@
               <a:t>Detail activity </a:t>
             </a:r>
             <a:r>
-              <a:rPr lang="en-US" dirty="0" err="1" smtClean="0"/>
-              <a:t>chức</a:t>
-            </a:r>
-            <a:r>
-              <a:rPr lang="en-US" dirty="0" smtClean="0"/>
-              <a:t> </a:t>
-            </a:r>
-            <a:r>
-              <a:rPr lang="en-US" dirty="0" err="1" smtClean="0"/>
-              <a:t>năng</a:t>
+              <a:rPr lang="en-US" dirty="0" smtClean="0"/>
+              <a:t> </a:t>
             </a:r>
             <a:endParaRPr lang="en-US" dirty="0"/>
           </a:p>
@@ -4650,32 +5162,62 @@
             <p:ph type="subTitle" idx="1"/>
           </p:nvPr>
         </p:nvSpPr>
-        <p:spPr/>
+        <p:spPr>
+          <a:xfrm>
+            <a:off x="1371600" y="1676400"/>
+            <a:ext cx="4191000" cy="3962400"/>
+          </a:xfrm>
+        </p:spPr>
         <p:txBody>
           <a:bodyPr>
-            <a:normAutofit/>
+            <a:normAutofit fontScale="85000" lnSpcReduction="20000"/>
           </a:bodyPr>
           <a:lstStyle/>
           <a:p>
-            <a:pPr marL="457200" indent="-457200" algn="l">
-              <a:buFontTx/>
-              <a:buChar char="-"/>
-            </a:pPr>
-            <a:r>
-              <a:rPr lang="en-US" dirty="0" smtClean="0"/>
-              <a:t> </a:t>
-            </a:r>
-            <a:r>
-              <a:rPr lang="en-US" dirty="0" err="1" smtClean="0"/>
-              <a:t>Hiện</a:t>
-            </a:r>
-            <a:r>
-              <a:rPr lang="en-US" dirty="0" smtClean="0"/>
-              <a:t> chi </a:t>
-            </a:r>
-            <a:r>
-              <a:rPr lang="en-US" dirty="0" err="1" smtClean="0"/>
-              <a:t>tết</a:t>
+            <a:pPr algn="l"/>
+            <a:r>
+              <a:rPr lang="en-US" dirty="0" smtClean="0"/>
+              <a:t>Ở </a:t>
+            </a:r>
+            <a:r>
+              <a:rPr lang="en-US" dirty="0" err="1" smtClean="0"/>
+              <a:t>danh</a:t>
+            </a:r>
+            <a:r>
+              <a:rPr lang="en-US" dirty="0" smtClean="0"/>
+              <a:t> </a:t>
+            </a:r>
+            <a:r>
+              <a:rPr lang="en-US" dirty="0" err="1" smtClean="0"/>
+              <a:t>sách</a:t>
+            </a:r>
+            <a:r>
+              <a:rPr lang="en-US" dirty="0" smtClean="0"/>
+              <a:t> </a:t>
+            </a:r>
+            <a:r>
+              <a:rPr lang="en-US" dirty="0" err="1" smtClean="0"/>
+              <a:t>ghi</a:t>
+            </a:r>
+            <a:r>
+              <a:rPr lang="en-US" dirty="0" smtClean="0"/>
+              <a:t> </a:t>
+            </a:r>
+            <a:r>
+              <a:rPr lang="en-US" dirty="0" err="1" smtClean="0"/>
+              <a:t>chú</a:t>
+            </a:r>
+            <a:endParaRPr lang="en-US" dirty="0" smtClean="0"/>
+          </a:p>
+          <a:p>
+            <a:pPr algn="l"/>
+            <a:r>
+              <a:rPr lang="en-US" dirty="0" smtClean="0"/>
+              <a:t>Click </a:t>
+            </a:r>
+            <a:r>
+              <a:rPr lang="en-US" dirty="0" err="1" smtClean="0"/>
+              <a:t>vào</a:t>
             </a:r>
             <a:r>
               <a:rPr lang="en-US" dirty="0" smtClean="0"/>
@@ -4691,18 +5233,87 @@
             </a:r>
             <a:r>
               <a:rPr lang="en-US" dirty="0" err="1" smtClean="0"/>
-              <a:t>chút</a:t>
+              <a:t>chú</a:t>
+            </a:r>
+            <a:r>
+              <a:rPr lang="en-US" dirty="0" smtClean="0"/>
+              <a:t> </a:t>
+            </a:r>
+            <a:r>
+              <a:rPr lang="en-US" dirty="0" err="1" smtClean="0"/>
+              <a:t>sẽ</a:t>
+            </a:r>
+            <a:r>
+              <a:rPr lang="en-US" dirty="0" smtClean="0"/>
+              <a:t> </a:t>
+            </a:r>
+            <a:r>
+              <a:rPr lang="en-US" dirty="0" err="1" smtClean="0"/>
+              <a:t>chuyển</a:t>
+            </a:r>
+            <a:r>
+              <a:rPr lang="en-US" dirty="0" smtClean="0"/>
+              <a:t> sang </a:t>
+            </a:r>
+            <a:r>
+              <a:rPr lang="en-US" dirty="0" err="1" smtClean="0"/>
+              <a:t>dạng</a:t>
+            </a:r>
+            <a:r>
+              <a:rPr lang="en-US" dirty="0" smtClean="0"/>
+              <a:t> view chi </a:t>
+            </a:r>
+            <a:r>
+              <a:rPr lang="en-US" dirty="0" err="1" smtClean="0"/>
+              <a:t>tiết</a:t>
+            </a:r>
+            <a:r>
+              <a:rPr lang="en-US" dirty="0" smtClean="0"/>
+              <a:t> </a:t>
+            </a:r>
+            <a:r>
+              <a:rPr lang="en-US" dirty="0" err="1" smtClean="0"/>
+              <a:t>đầy</a:t>
+            </a:r>
+            <a:r>
+              <a:rPr lang="en-US" dirty="0" smtClean="0"/>
+              <a:t> </a:t>
+            </a:r>
+            <a:r>
+              <a:rPr lang="en-US" dirty="0" err="1" smtClean="0"/>
+              <a:t>đủ</a:t>
+            </a:r>
+            <a:r>
+              <a:rPr lang="en-US" dirty="0" smtClean="0"/>
+              <a:t> 1 </a:t>
+            </a:r>
+            <a:r>
+              <a:rPr lang="en-US" dirty="0" err="1" smtClean="0"/>
+              <a:t>ghi</a:t>
+            </a:r>
+            <a:r>
+              <a:rPr lang="en-US" dirty="0" smtClean="0"/>
+              <a:t> </a:t>
+            </a:r>
+            <a:r>
+              <a:rPr lang="en-US" dirty="0" err="1" smtClean="0"/>
+              <a:t>chú</a:t>
             </a:r>
             <a:endParaRPr lang="en-US" dirty="0" smtClean="0"/>
           </a:p>
           <a:p>
-            <a:pPr marL="457200" indent="-457200" algn="l">
-              <a:buFontTx/>
-              <a:buChar char="-"/>
-            </a:pPr>
-            <a:r>
-              <a:rPr lang="en-US" dirty="0" err="1" smtClean="0"/>
-              <a:t>Gồm</a:t>
+            <a:pPr algn="l"/>
+            <a:r>
+              <a:rPr lang="en-US" dirty="0" err="1" smtClean="0"/>
+              <a:t>Có</a:t>
+            </a:r>
+            <a:r>
+              <a:rPr lang="en-US" dirty="0" smtClean="0"/>
+              <a:t> </a:t>
+            </a:r>
+            <a:r>
+              <a:rPr lang="en-US" dirty="0" err="1" smtClean="0"/>
+              <a:t>thêm</a:t>
             </a:r>
             <a:r>
               <a:rPr lang="en-US" dirty="0" smtClean="0"/>
@@ -4714,20 +5325,170 @@
             </a:r>
             <a:r>
               <a:rPr lang="en-US" dirty="0" smtClean="0"/>
-              <a:t> text view </a:t>
-            </a:r>
-            <a:r>
-              <a:rPr lang="en-US" dirty="0" err="1" smtClean="0"/>
-              <a:t>và</a:t>
-            </a:r>
-            <a:r>
-              <a:rPr lang="en-US" dirty="0" smtClean="0"/>
-              <a:t> image view</a:t>
-            </a:r>
-            <a:endParaRPr lang="en-US" dirty="0"/>
-          </a:p>
-        </p:txBody>
-      </p:sp>
+              <a:t> </a:t>
+            </a:r>
+            <a:r>
+              <a:rPr lang="en-US" dirty="0" err="1" smtClean="0"/>
+              <a:t>nút</a:t>
+            </a:r>
+            <a:r>
+              <a:rPr lang="en-US" dirty="0" smtClean="0"/>
+              <a:t> </a:t>
+            </a:r>
+            <a:r>
+              <a:rPr lang="en-US" dirty="0" err="1" smtClean="0"/>
+              <a:t>chức</a:t>
+            </a:r>
+            <a:r>
+              <a:rPr lang="en-US" dirty="0" smtClean="0"/>
+              <a:t> </a:t>
+            </a:r>
+            <a:r>
+              <a:rPr lang="en-US" dirty="0" err="1" smtClean="0"/>
+              <a:t>năng</a:t>
+            </a:r>
+            <a:endParaRPr lang="en-US" dirty="0" smtClean="0"/>
+          </a:p>
+          <a:p>
+            <a:pPr algn="l"/>
+            <a:r>
+              <a:rPr lang="en-US" dirty="0" err="1" smtClean="0"/>
+              <a:t>Sửa</a:t>
+            </a:r>
+            <a:r>
+              <a:rPr lang="en-US" dirty="0" smtClean="0"/>
+              <a:t> </a:t>
+            </a:r>
+            <a:r>
+              <a:rPr lang="en-US" dirty="0" err="1" smtClean="0"/>
+              <a:t>chữa</a:t>
+            </a:r>
+            <a:endParaRPr lang="en-US" dirty="0" smtClean="0"/>
+          </a:p>
+          <a:p>
+            <a:pPr algn="l"/>
+            <a:r>
+              <a:rPr lang="en-US" dirty="0" err="1" smtClean="0"/>
+              <a:t>Thêm</a:t>
+            </a:r>
+            <a:r>
+              <a:rPr lang="en-US" dirty="0" smtClean="0"/>
+              <a:t> </a:t>
+            </a:r>
+            <a:r>
+              <a:rPr lang="en-US" dirty="0" err="1" smtClean="0"/>
+              <a:t>mới</a:t>
+            </a:r>
+            <a:endParaRPr lang="en-US" dirty="0" smtClean="0"/>
+          </a:p>
+          <a:p>
+            <a:pPr algn="l"/>
+            <a:r>
+              <a:rPr lang="en-US" dirty="0" err="1" smtClean="0"/>
+              <a:t>Xóa</a:t>
+            </a:r>
+            <a:endParaRPr lang="en-US" dirty="0" smtClean="0"/>
+          </a:p>
+          <a:p>
+            <a:pPr algn="l"/>
+            <a:r>
+              <a:rPr lang="en-US" dirty="0" err="1" smtClean="0"/>
+              <a:t>Khóa</a:t>
+            </a:r>
+            <a:r>
+              <a:rPr lang="en-US" dirty="0" smtClean="0"/>
+              <a:t> </a:t>
+            </a:r>
+            <a:r>
+              <a:rPr lang="en-US" dirty="0" err="1" smtClean="0"/>
+              <a:t>ứng</a:t>
+            </a:r>
+            <a:r>
+              <a:rPr lang="en-US" dirty="0" smtClean="0"/>
+              <a:t> </a:t>
+            </a:r>
+            <a:r>
+              <a:rPr lang="en-US" dirty="0" err="1" smtClean="0"/>
+              <a:t>dụng</a:t>
+            </a:r>
+            <a:endParaRPr lang="en-US" dirty="0" smtClean="0"/>
+          </a:p>
+          <a:p>
+            <a:pPr algn="l"/>
+            <a:r>
+              <a:rPr lang="en-US" dirty="0" smtClean="0"/>
+              <a:t>Quay </a:t>
+            </a:r>
+            <a:r>
+              <a:rPr lang="en-US" dirty="0" err="1" smtClean="0"/>
+              <a:t>về</a:t>
+            </a:r>
+            <a:r>
+              <a:rPr lang="en-US" dirty="0" smtClean="0"/>
+              <a:t> </a:t>
+            </a:r>
+            <a:r>
+              <a:rPr lang="en-US" dirty="0" err="1" smtClean="0"/>
+              <a:t>danh</a:t>
+            </a:r>
+            <a:r>
+              <a:rPr lang="en-US" dirty="0" smtClean="0"/>
+              <a:t> </a:t>
+            </a:r>
+            <a:r>
+              <a:rPr lang="en-US" dirty="0" err="1" smtClean="0"/>
+              <a:t>sách</a:t>
+            </a:r>
+            <a:r>
+              <a:rPr lang="en-US" dirty="0" smtClean="0"/>
+              <a:t> </a:t>
+            </a:r>
+            <a:r>
+              <a:rPr lang="en-US" dirty="0" err="1" smtClean="0"/>
+              <a:t>ghi</a:t>
+            </a:r>
+            <a:r>
+              <a:rPr lang="en-US" dirty="0" smtClean="0"/>
+              <a:t> </a:t>
+            </a:r>
+            <a:r>
+              <a:rPr lang="en-US" dirty="0" err="1" smtClean="0"/>
+              <a:t>chú</a:t>
+            </a:r>
+            <a:endParaRPr lang="en-US" dirty="0" smtClean="0"/>
+          </a:p>
+        </p:txBody>
+      </p:sp>
+      <p:pic>
+        <p:nvPicPr>
+          <p:cNvPr id="4" name="Picture 3"/>
+          <p:cNvPicPr>
+            <a:picLocks noChangeAspect="1"/>
+          </p:cNvPicPr>
+          <p:nvPr/>
+        </p:nvPicPr>
+        <p:blipFill>
+          <a:blip r:embed="rId2">
+            <a:extLst>
+              <a:ext uri="{28A0092B-C50C-407E-A947-70E740481C1C}">
+                <a14:useLocalDpi xmlns:a14="http://schemas.microsoft.com/office/drawing/2010/main" val="0"/>
+              </a:ext>
+            </a:extLst>
+          </a:blip>
+          <a:stretch>
+            <a:fillRect/>
+          </a:stretch>
+        </p:blipFill>
+        <p:spPr>
+          <a:xfrm>
+            <a:off x="5795585" y="1447800"/>
+            <a:ext cx="3052385" cy="4876800"/>
+          </a:xfrm>
+          <a:prstGeom prst="rect">
+            <a:avLst/>
+          </a:prstGeom>
+        </p:spPr>
+      </p:pic>
     </p:spTree>
     <p:extLst>
       <p:ext uri="{BB962C8B-B14F-4D97-AF65-F5344CB8AC3E}">
@@ -4768,7 +5529,12 @@
             <p:ph type="ctrTitle"/>
           </p:nvPr>
         </p:nvSpPr>
-        <p:spPr/>
+        <p:spPr>
+          <a:xfrm>
+            <a:off x="685800" y="381000"/>
+            <a:ext cx="7772400" cy="1470025"/>
+          </a:xfrm>
+        </p:spPr>
         <p:txBody>
           <a:bodyPr/>
           <a:lstStyle/>
@@ -4803,10 +5569,15 @@
             <p:ph type="subTitle" idx="1"/>
           </p:nvPr>
         </p:nvSpPr>
-        <p:spPr/>
+        <p:spPr>
+          <a:xfrm>
+            <a:off x="1371600" y="1752600"/>
+            <a:ext cx="6400800" cy="3886200"/>
+          </a:xfrm>
+        </p:spPr>
         <p:txBody>
           <a:bodyPr>
-            <a:normAutofit fontScale="70000" lnSpcReduction="20000"/>
+            <a:normAutofit/>
           </a:bodyPr>
           <a:lstStyle/>
           <a:p>
@@ -4990,7 +5761,12 @@
             <p:ph type="ctrTitle"/>
           </p:nvPr>
         </p:nvSpPr>
-        <p:spPr/>
+        <p:spPr>
+          <a:xfrm>
+            <a:off x="685800" y="304800"/>
+            <a:ext cx="7772400" cy="1470025"/>
+          </a:xfrm>
+        </p:spPr>
         <p:txBody>
           <a:bodyPr/>
           <a:lstStyle/>
@@ -5013,10 +5789,15 @@
             <p:ph type="subTitle" idx="1"/>
           </p:nvPr>
         </p:nvSpPr>
-        <p:spPr/>
+        <p:spPr>
+          <a:xfrm>
+            <a:off x="1371600" y="1676400"/>
+            <a:ext cx="6400800" cy="3962400"/>
+          </a:xfrm>
+        </p:spPr>
         <p:txBody>
           <a:bodyPr>
-            <a:normAutofit fontScale="92500" lnSpcReduction="20000"/>
+            <a:normAutofit/>
           </a:bodyPr>
           <a:lstStyle/>
           <a:p>
@@ -5223,7 +6004,12 @@
             <p:ph type="ctrTitle"/>
           </p:nvPr>
         </p:nvSpPr>
-        <p:spPr/>
+        <p:spPr>
+          <a:xfrm>
+            <a:off x="609600" y="228600"/>
+            <a:ext cx="7772400" cy="1470025"/>
+          </a:xfrm>
+        </p:spPr>
         <p:txBody>
           <a:bodyPr/>
           <a:lstStyle/>
@@ -5246,6 +6032,22 @@
             </a:r>
             <a:r>
               <a:rPr lang="en-US" dirty="0" err="1" smtClean="0"/>
+              <a:t>quản</a:t>
+            </a:r>
+            <a:r>
+              <a:rPr lang="en-US" dirty="0" smtClean="0"/>
+              <a:t> </a:t>
+            </a:r>
+            <a:r>
+              <a:rPr lang="en-US" dirty="0" err="1" smtClean="0"/>
+              <a:t>lý</a:t>
+            </a:r>
+            <a:r>
+              <a:rPr lang="en-US" dirty="0" smtClean="0"/>
+              <a:t> </a:t>
+            </a:r>
+            <a:r>
+              <a:rPr lang="en-US" dirty="0" err="1" smtClean="0"/>
               <a:t>ghi</a:t>
             </a:r>
             <a:r>
@@ -5270,10 +6072,15 @@
             <p:ph type="subTitle" idx="1"/>
           </p:nvPr>
         </p:nvSpPr>
-        <p:spPr/>
+        <p:spPr>
+          <a:xfrm>
+            <a:off x="1371600" y="1600200"/>
+            <a:ext cx="6400800" cy="4038600"/>
+          </a:xfrm>
+        </p:spPr>
         <p:txBody>
           <a:bodyPr>
-            <a:normAutofit fontScale="85000" lnSpcReduction="20000"/>
+            <a:normAutofit/>
           </a:bodyPr>
           <a:lstStyle/>
           <a:p>
@@ -5441,26 +6248,23 @@
             <p:ph type="ctrTitle"/>
           </p:nvPr>
         </p:nvSpPr>
-        <p:spPr/>
+        <p:spPr>
+          <a:xfrm>
+            <a:off x="685800" y="304800"/>
+            <a:ext cx="7772400" cy="1470025"/>
+          </a:xfrm>
+        </p:spPr>
         <p:txBody>
           <a:bodyPr/>
           <a:lstStyle/>
           <a:p>
             <a:r>
               <a:rPr lang="en-US" dirty="0" smtClean="0"/>
-              <a:t>Edit activity </a:t>
-            </a:r>
-            <a:r>
-              <a:rPr lang="en-US" dirty="0" err="1" smtClean="0"/>
-              <a:t>chức</a:t>
-            </a:r>
-            <a:r>
-              <a:rPr lang="en-US" dirty="0" smtClean="0"/>
-              <a:t> </a:t>
-            </a:r>
-            <a:r>
-              <a:rPr lang="en-US" dirty="0" err="1" smtClean="0"/>
-              <a:t>năng</a:t>
+              <a:t>Edit </a:t>
+            </a:r>
+            <a:r>
+              <a:rPr lang="en-US" dirty="0" smtClean="0"/>
+              <a:t>activity</a:t>
             </a:r>
             <a:endParaRPr lang="en-US" dirty="0"/>
           </a:p>
@@ -5476,40 +6280,106 @@
             <p:ph type="subTitle" idx="1"/>
           </p:nvPr>
         </p:nvSpPr>
-        <p:spPr/>
+        <p:spPr>
+          <a:xfrm>
+            <a:off x="1371600" y="1828800"/>
+            <a:ext cx="4114800" cy="3810000"/>
+          </a:xfrm>
+        </p:spPr>
         <p:txBody>
           <a:bodyPr>
-            <a:normAutofit fontScale="70000" lnSpcReduction="20000"/>
+            <a:normAutofit fontScale="55000" lnSpcReduction="20000"/>
           </a:bodyPr>
           <a:lstStyle/>
           <a:p>
-            <a:pPr marL="457200" indent="-457200" algn="l">
-              <a:buFontTx/>
-              <a:buChar char="-"/>
-            </a:pPr>
-            <a:r>
-              <a:rPr lang="en-US" dirty="0" err="1" smtClean="0"/>
-              <a:t>Thực</a:t>
-            </a:r>
-            <a:r>
-              <a:rPr lang="en-US" dirty="0" smtClean="0"/>
-              <a:t> </a:t>
-            </a:r>
-            <a:r>
-              <a:rPr lang="en-US" dirty="0" err="1" smtClean="0"/>
-              <a:t>hiện</a:t>
-            </a:r>
-            <a:r>
-              <a:rPr lang="en-US" dirty="0" smtClean="0"/>
-              <a:t> </a:t>
-            </a:r>
-            <a:r>
-              <a:rPr lang="en-US" dirty="0" err="1" smtClean="0"/>
-              <a:t>việc</a:t>
-            </a:r>
-            <a:r>
-              <a:rPr lang="en-US" dirty="0" smtClean="0"/>
-              <a:t> edit 1 </a:t>
+            <a:pPr algn="l"/>
+            <a:r>
+              <a:rPr lang="en-US" dirty="0" smtClean="0"/>
+              <a:t>Ở </a:t>
+            </a:r>
+            <a:r>
+              <a:rPr lang="en-US" dirty="0" err="1" smtClean="0"/>
+              <a:t>phần</a:t>
+            </a:r>
+            <a:r>
+              <a:rPr lang="en-US" dirty="0" smtClean="0"/>
+              <a:t> view chi </a:t>
+            </a:r>
+            <a:r>
+              <a:rPr lang="en-US" dirty="0" err="1" smtClean="0"/>
+              <a:t>tiết</a:t>
+            </a:r>
+            <a:endParaRPr lang="en-US" dirty="0" smtClean="0"/>
+          </a:p>
+          <a:p>
+            <a:pPr algn="l"/>
+            <a:r>
+              <a:rPr lang="en-US" dirty="0" smtClean="0"/>
+              <a:t>Click </a:t>
+            </a:r>
+            <a:r>
+              <a:rPr lang="en-US" dirty="0" err="1" smtClean="0"/>
+              <a:t>vào</a:t>
+            </a:r>
+            <a:r>
+              <a:rPr lang="en-US" dirty="0" smtClean="0"/>
+              <a:t> </a:t>
+            </a:r>
+            <a:r>
+              <a:rPr lang="en-US" dirty="0" err="1" smtClean="0"/>
+              <a:t>nút</a:t>
+            </a:r>
+            <a:r>
+              <a:rPr lang="en-US" dirty="0" smtClean="0"/>
+              <a:t> edit </a:t>
+            </a:r>
+            <a:r>
+              <a:rPr lang="en-US" dirty="0" err="1" smtClean="0"/>
+              <a:t>thì</a:t>
+            </a:r>
+            <a:r>
+              <a:rPr lang="en-US" dirty="0" smtClean="0"/>
+              <a:t> </a:t>
+            </a:r>
+            <a:r>
+              <a:rPr lang="en-US" dirty="0" err="1" smtClean="0"/>
+              <a:t>sẽ</a:t>
+            </a:r>
+            <a:r>
+              <a:rPr lang="en-US" dirty="0" smtClean="0"/>
+              <a:t> </a:t>
+            </a:r>
+            <a:r>
+              <a:rPr lang="en-US" dirty="0" err="1" smtClean="0"/>
+              <a:t>chuyển</a:t>
+            </a:r>
+            <a:r>
+              <a:rPr lang="en-US" dirty="0" smtClean="0"/>
+              <a:t> sang </a:t>
+            </a:r>
+            <a:r>
+              <a:rPr lang="en-US" dirty="0" err="1" smtClean="0"/>
+              <a:t>dạng</a:t>
+            </a:r>
+            <a:r>
+              <a:rPr lang="en-US" dirty="0" smtClean="0"/>
+              <a:t> </a:t>
+            </a:r>
+            <a:r>
+              <a:rPr lang="en-US" dirty="0" err="1" smtClean="0"/>
+              <a:t>sửa</a:t>
+            </a:r>
+            <a:r>
+              <a:rPr lang="en-US" dirty="0" smtClean="0"/>
+              <a:t> </a:t>
+            </a:r>
+            <a:r>
+              <a:rPr lang="en-US" dirty="0" err="1" smtClean="0"/>
+              <a:t>chữa</a:t>
+            </a:r>
+            <a:r>
+              <a:rPr lang="en-US" dirty="0" smtClean="0"/>
+              <a:t> </a:t>
             </a:r>
             <a:r>
               <a:rPr lang="en-US" dirty="0" err="1" smtClean="0"/>
@@ -5526,25 +6396,182 @@
             <a:endParaRPr lang="en-US" dirty="0" smtClean="0"/>
           </a:p>
           <a:p>
-            <a:pPr marL="457200" indent="-457200" algn="l">
-              <a:buFontTx/>
-              <a:buChar char="-"/>
-            </a:pPr>
-            <a:r>
-              <a:rPr lang="en-US" dirty="0" smtClean="0"/>
-              <a:t>Cho </a:t>
-            </a:r>
-            <a:r>
-              <a:rPr lang="en-US" dirty="0" err="1" smtClean="0"/>
-              <a:t>phép</a:t>
-            </a:r>
-            <a:r>
-              <a:rPr lang="en-US" dirty="0" smtClean="0"/>
-              <a:t> </a:t>
-            </a:r>
-            <a:r>
-              <a:rPr lang="en-US" dirty="0" err="1" smtClean="0"/>
-              <a:t>chọn</a:t>
+            <a:pPr algn="l"/>
+            <a:r>
+              <a:rPr lang="en-US" dirty="0" err="1" smtClean="0"/>
+              <a:t>Các</a:t>
+            </a:r>
+            <a:r>
+              <a:rPr lang="en-US" dirty="0" smtClean="0"/>
+              <a:t> </a:t>
+            </a:r>
+            <a:r>
+              <a:rPr lang="en-US" dirty="0" err="1" smtClean="0"/>
+              <a:t>nút</a:t>
+            </a:r>
+            <a:r>
+              <a:rPr lang="en-US" dirty="0" smtClean="0"/>
+              <a:t> </a:t>
+            </a:r>
+            <a:r>
+              <a:rPr lang="en-US" dirty="0" err="1" smtClean="0"/>
+              <a:t>chức</a:t>
+            </a:r>
+            <a:r>
+              <a:rPr lang="en-US" dirty="0" smtClean="0"/>
+              <a:t> </a:t>
+            </a:r>
+            <a:r>
+              <a:rPr lang="en-US" dirty="0" err="1" smtClean="0"/>
+              <a:t>năng</a:t>
+            </a:r>
+            <a:endParaRPr lang="en-US" dirty="0" smtClean="0"/>
+          </a:p>
+          <a:p>
+            <a:pPr algn="l"/>
+            <a:r>
+              <a:rPr lang="en-US" dirty="0" err="1" smtClean="0"/>
+              <a:t>Chụp</a:t>
+            </a:r>
+            <a:r>
+              <a:rPr lang="en-US" dirty="0" smtClean="0"/>
+              <a:t> </a:t>
+            </a:r>
+            <a:r>
+              <a:rPr lang="en-US" dirty="0" err="1" smtClean="0"/>
+              <a:t>ảnh</a:t>
+            </a:r>
+            <a:r>
+              <a:rPr lang="en-US" dirty="0" smtClean="0"/>
+              <a:t> </a:t>
+            </a:r>
+            <a:r>
+              <a:rPr lang="en-US" dirty="0" err="1" smtClean="0"/>
+              <a:t>đính</a:t>
+            </a:r>
+            <a:r>
+              <a:rPr lang="en-US" dirty="0" smtClean="0"/>
+              <a:t> </a:t>
+            </a:r>
+            <a:r>
+              <a:rPr lang="en-US" dirty="0" err="1" smtClean="0"/>
+              <a:t>kèm</a:t>
+            </a:r>
+            <a:r>
+              <a:rPr lang="en-US" dirty="0" smtClean="0"/>
+              <a:t> </a:t>
+            </a:r>
+            <a:r>
+              <a:rPr lang="en-US" dirty="0" err="1" smtClean="0"/>
+              <a:t>ghi</a:t>
+            </a:r>
+            <a:r>
+              <a:rPr lang="en-US" dirty="0" smtClean="0"/>
+              <a:t> </a:t>
+            </a:r>
+            <a:r>
+              <a:rPr lang="en-US" dirty="0" err="1" smtClean="0"/>
+              <a:t>chú</a:t>
+            </a:r>
+            <a:endParaRPr lang="en-US" dirty="0" smtClean="0"/>
+          </a:p>
+          <a:p>
+            <a:pPr algn="l"/>
+            <a:r>
+              <a:rPr lang="en-US" dirty="0" err="1" smtClean="0"/>
+              <a:t>Chọn</a:t>
+            </a:r>
+            <a:r>
+              <a:rPr lang="en-US" dirty="0" smtClean="0"/>
+              <a:t> </a:t>
+            </a:r>
+            <a:r>
+              <a:rPr lang="en-US" dirty="0" err="1" smtClean="0"/>
+              <a:t>ngày</a:t>
+            </a:r>
+            <a:r>
+              <a:rPr lang="en-US" dirty="0" smtClean="0"/>
+              <a:t> </a:t>
+            </a:r>
+            <a:r>
+              <a:rPr lang="en-US" dirty="0" err="1" smtClean="0"/>
+              <a:t>tháng</a:t>
+            </a:r>
+            <a:endParaRPr lang="en-US" dirty="0" smtClean="0"/>
+          </a:p>
+          <a:p>
+            <a:pPr algn="l"/>
+            <a:r>
+              <a:rPr lang="en-US" dirty="0" err="1" smtClean="0"/>
+              <a:t>Tự</a:t>
+            </a:r>
+            <a:r>
+              <a:rPr lang="en-US" dirty="0" smtClean="0"/>
+              <a:t> </a:t>
+            </a:r>
+            <a:r>
+              <a:rPr lang="en-US" dirty="0" err="1" smtClean="0"/>
+              <a:t>động</a:t>
+            </a:r>
+            <a:r>
+              <a:rPr lang="en-US" dirty="0" smtClean="0"/>
+              <a:t> load </a:t>
+            </a:r>
+            <a:r>
+              <a:rPr lang="en-US" dirty="0" err="1" smtClean="0"/>
+              <a:t>địa</a:t>
+            </a:r>
+            <a:r>
+              <a:rPr lang="en-US" dirty="0" smtClean="0"/>
+              <a:t> </a:t>
+            </a:r>
+            <a:r>
+              <a:rPr lang="en-US" dirty="0" err="1" smtClean="0"/>
+              <a:t>điểm</a:t>
+            </a:r>
+            <a:r>
+              <a:rPr lang="en-US" dirty="0" smtClean="0"/>
+              <a:t> </a:t>
+            </a:r>
+            <a:r>
+              <a:rPr lang="en-US" dirty="0" err="1" smtClean="0"/>
+              <a:t>hoặc</a:t>
+            </a:r>
+            <a:r>
+              <a:rPr lang="en-US" dirty="0" smtClean="0"/>
+              <a:t> </a:t>
+            </a:r>
+            <a:r>
+              <a:rPr lang="en-US" dirty="0" err="1" smtClean="0"/>
+              <a:t>nhập</a:t>
+            </a:r>
+            <a:r>
+              <a:rPr lang="en-US" dirty="0" smtClean="0"/>
+              <a:t> </a:t>
+            </a:r>
+            <a:r>
+              <a:rPr lang="en-US" dirty="0" err="1" smtClean="0"/>
+              <a:t>tay</a:t>
+            </a:r>
+            <a:endParaRPr lang="en-US" dirty="0" smtClean="0"/>
+          </a:p>
+          <a:p>
+            <a:pPr algn="l"/>
+            <a:r>
+              <a:rPr lang="en-US" dirty="0" smtClean="0"/>
+              <a:t>Check box </a:t>
+            </a:r>
+            <a:r>
+              <a:rPr lang="en-US" dirty="0" err="1" smtClean="0"/>
+              <a:t>để</a:t>
+            </a:r>
+            <a:r>
+              <a:rPr lang="en-US" dirty="0" smtClean="0"/>
+              <a:t> </a:t>
+            </a:r>
+            <a:r>
+              <a:rPr lang="en-US" dirty="0" err="1" smtClean="0"/>
+              <a:t>nhắc</a:t>
             </a:r>
             <a:r>
               <a:rPr lang="en-US" dirty="0" smtClean="0"/>
@@ -5554,118 +6581,178 @@
               <a:rPr lang="en-US" dirty="0" err="1" smtClean="0"/>
               <a:t>lịch</a:t>
             </a:r>
+            <a:r>
+              <a:rPr lang="en-US" dirty="0" smtClean="0"/>
+              <a:t> </a:t>
+            </a:r>
+          </a:p>
+          <a:p>
+            <a:pPr algn="l"/>
+            <a:r>
+              <a:rPr lang="en-US" dirty="0" err="1" smtClean="0"/>
+              <a:t>Các</a:t>
+            </a:r>
+            <a:r>
+              <a:rPr lang="en-US" dirty="0" smtClean="0"/>
+              <a:t> </a:t>
+            </a:r>
+            <a:r>
+              <a:rPr lang="en-US" dirty="0" err="1" smtClean="0"/>
+              <a:t>nút</a:t>
+            </a:r>
+            <a:r>
+              <a:rPr lang="en-US" dirty="0" smtClean="0"/>
+              <a:t> </a:t>
+            </a:r>
+            <a:r>
+              <a:rPr lang="en-US" dirty="0" err="1" smtClean="0"/>
+              <a:t>chức</a:t>
+            </a:r>
+            <a:r>
+              <a:rPr lang="en-US" dirty="0" smtClean="0"/>
+              <a:t> </a:t>
+            </a:r>
+            <a:r>
+              <a:rPr lang="en-US" dirty="0" err="1" smtClean="0"/>
+              <a:t>năng</a:t>
+            </a:r>
+            <a:r>
+              <a:rPr lang="en-US" dirty="0" smtClean="0"/>
+              <a:t> </a:t>
+            </a:r>
+            <a:r>
+              <a:rPr lang="en-US" dirty="0" err="1" smtClean="0"/>
+              <a:t>khác</a:t>
+            </a:r>
             <a:endParaRPr lang="en-US" dirty="0" smtClean="0"/>
           </a:p>
           <a:p>
-            <a:pPr marL="457200" indent="-457200" algn="l">
-              <a:buFontTx/>
-              <a:buChar char="-"/>
-            </a:pPr>
-            <a:r>
-              <a:rPr lang="en-US" dirty="0" smtClean="0"/>
-              <a:t>Cho </a:t>
-            </a:r>
-            <a:r>
-              <a:rPr lang="en-US" dirty="0" err="1" smtClean="0"/>
-              <a:t>phép</a:t>
-            </a:r>
-            <a:r>
-              <a:rPr lang="en-US" dirty="0" smtClean="0"/>
-              <a:t> </a:t>
-            </a:r>
-            <a:r>
-              <a:rPr lang="en-US" dirty="0" err="1" smtClean="0"/>
-              <a:t>chọn</a:t>
-            </a:r>
-            <a:r>
-              <a:rPr lang="en-US" dirty="0" smtClean="0"/>
-              <a:t> </a:t>
-            </a:r>
-            <a:r>
-              <a:rPr lang="en-US" dirty="0" err="1" smtClean="0"/>
-              <a:t>địa</a:t>
-            </a:r>
-            <a:r>
-              <a:rPr lang="en-US" dirty="0" smtClean="0"/>
-              <a:t> </a:t>
-            </a:r>
-            <a:r>
-              <a:rPr lang="en-US" dirty="0" err="1" smtClean="0"/>
-              <a:t>điểm</a:t>
-            </a:r>
-            <a:r>
-              <a:rPr lang="en-US" dirty="0" smtClean="0"/>
-              <a:t> (internet)</a:t>
-            </a:r>
-          </a:p>
-          <a:p>
-            <a:pPr marL="457200" indent="-457200" algn="l">
-              <a:buFontTx/>
-              <a:buChar char="-"/>
-            </a:pPr>
-            <a:r>
-              <a:rPr lang="en-US" dirty="0" smtClean="0"/>
-              <a:t> Cho </a:t>
-            </a:r>
-            <a:r>
-              <a:rPr lang="en-US" dirty="0" err="1" smtClean="0"/>
-              <a:t>phép</a:t>
-            </a:r>
-            <a:r>
-              <a:rPr lang="en-US" dirty="0" smtClean="0"/>
-              <a:t> </a:t>
-            </a:r>
-            <a:r>
-              <a:rPr lang="en-US" dirty="0" err="1" smtClean="0"/>
-              <a:t>nhắc</a:t>
-            </a:r>
-            <a:r>
-              <a:rPr lang="en-US" dirty="0" smtClean="0"/>
-              <a:t> </a:t>
-            </a:r>
-            <a:r>
-              <a:rPr lang="en-US" dirty="0" err="1" smtClean="0"/>
-              <a:t>lịch</a:t>
+            <a:pPr algn="l"/>
+            <a:r>
+              <a:rPr lang="en-US" dirty="0" err="1" smtClean="0"/>
+              <a:t>Lưu</a:t>
+            </a:r>
+            <a:r>
+              <a:rPr lang="en-US" dirty="0" smtClean="0"/>
+              <a:t> </a:t>
+            </a:r>
+            <a:r>
+              <a:rPr lang="en-US" dirty="0" err="1" smtClean="0"/>
+              <a:t>trữ</a:t>
+            </a:r>
+            <a:endParaRPr lang="en-US" dirty="0" smtClean="0"/>
+          </a:p>
+          <a:p>
+            <a:pPr algn="l"/>
+            <a:r>
+              <a:rPr lang="en-US" dirty="0" err="1" smtClean="0"/>
+              <a:t>Bỏ</a:t>
+            </a:r>
+            <a:r>
+              <a:rPr lang="en-US" dirty="0" smtClean="0"/>
+              <a:t> qua</a:t>
+            </a:r>
+          </a:p>
+          <a:p>
+            <a:pPr algn="l"/>
+            <a:r>
+              <a:rPr lang="en-US" dirty="0" err="1" smtClean="0"/>
+              <a:t>Khóa</a:t>
+            </a:r>
+            <a:r>
+              <a:rPr lang="en-US" dirty="0" smtClean="0"/>
+              <a:t> </a:t>
+            </a:r>
+            <a:r>
+              <a:rPr lang="en-US" dirty="0" err="1" smtClean="0"/>
+              <a:t>ứng</a:t>
+            </a:r>
+            <a:r>
+              <a:rPr lang="en-US" dirty="0" smtClean="0"/>
+              <a:t> </a:t>
+            </a:r>
+            <a:r>
+              <a:rPr lang="en-US" dirty="0" err="1" smtClean="0"/>
+              <a:t>dụng</a:t>
+            </a:r>
+            <a:endParaRPr lang="en-US" dirty="0" smtClean="0"/>
+          </a:p>
+          <a:p>
+            <a:pPr algn="l"/>
+            <a:r>
+              <a:rPr lang="en-US" dirty="0" smtClean="0"/>
+              <a:t>Quay </a:t>
+            </a:r>
+            <a:r>
+              <a:rPr lang="en-US" dirty="0" err="1" smtClean="0"/>
+              <a:t>về</a:t>
+            </a:r>
+            <a:r>
+              <a:rPr lang="en-US" dirty="0" smtClean="0"/>
+              <a:t> </a:t>
+            </a:r>
+            <a:r>
+              <a:rPr lang="en-US" dirty="0" err="1" smtClean="0"/>
+              <a:t>danh</a:t>
+            </a:r>
+            <a:r>
+              <a:rPr lang="en-US" dirty="0" smtClean="0"/>
+              <a:t> </a:t>
+            </a:r>
+            <a:r>
+              <a:rPr lang="en-US" dirty="0" err="1" smtClean="0"/>
+              <a:t>sách</a:t>
+            </a:r>
+            <a:r>
+              <a:rPr lang="en-US" dirty="0" smtClean="0"/>
+              <a:t> </a:t>
+            </a:r>
+            <a:r>
+              <a:rPr lang="en-US" dirty="0" err="1" smtClean="0"/>
+              <a:t>ghi</a:t>
+            </a:r>
+            <a:r>
+              <a:rPr lang="en-US" dirty="0" smtClean="0"/>
+              <a:t> </a:t>
+            </a:r>
+            <a:r>
+              <a:rPr lang="en-US" dirty="0" err="1" smtClean="0"/>
+              <a:t>chú</a:t>
             </a:r>
             <a:endParaRPr lang="en-US" dirty="0"/>
           </a:p>
-          <a:p>
-            <a:pPr marL="457200" indent="-457200" algn="l">
-              <a:buFontTx/>
-              <a:buChar char="-"/>
-            </a:pPr>
-            <a:r>
-              <a:rPr lang="en-US" dirty="0" err="1" smtClean="0"/>
-              <a:t>Lưu</a:t>
-            </a:r>
-            <a:r>
-              <a:rPr lang="en-US" dirty="0" smtClean="0"/>
-              <a:t> </a:t>
-            </a:r>
-            <a:r>
-              <a:rPr lang="en-US" dirty="0" err="1" smtClean="0"/>
-              <a:t>trữ</a:t>
-            </a:r>
-            <a:r>
-              <a:rPr lang="en-US" dirty="0" smtClean="0"/>
-              <a:t> </a:t>
-            </a:r>
-            <a:r>
-              <a:rPr lang="en-US" dirty="0" err="1" smtClean="0"/>
-              <a:t>ghi</a:t>
-            </a:r>
-            <a:r>
-              <a:rPr lang="en-US" dirty="0" smtClean="0"/>
-              <a:t> </a:t>
-            </a:r>
-            <a:r>
-              <a:rPr lang="en-US" dirty="0" err="1" smtClean="0"/>
-              <a:t>chú</a:t>
-            </a:r>
-            <a:endParaRPr lang="en-US" dirty="0"/>
-          </a:p>
-        </p:txBody>
-      </p:sp>
+        </p:txBody>
+      </p:sp>
+      <p:pic>
+        <p:nvPicPr>
+          <p:cNvPr id="4" name="Picture 3"/>
+          <p:cNvPicPr>
+            <a:picLocks noChangeAspect="1"/>
+          </p:cNvPicPr>
+          <p:nvPr/>
+        </p:nvPicPr>
+        <p:blipFill>
+          <a:blip r:embed="rId2">
+            <a:extLst>
+              <a:ext uri="{28A0092B-C50C-407E-A947-70E740481C1C}">
+                <a14:useLocalDpi xmlns:a14="http://schemas.microsoft.com/office/drawing/2010/main" val="0"/>
+              </a:ext>
+            </a:extLst>
+          </a:blip>
+          <a:stretch>
+            <a:fillRect/>
+          </a:stretch>
+        </p:blipFill>
+        <p:spPr>
+          <a:xfrm>
+            <a:off x="5715000" y="1447800"/>
+            <a:ext cx="3124200" cy="5037471"/>
+          </a:xfrm>
+          <a:prstGeom prst="rect">
+            <a:avLst/>
+          </a:prstGeom>
+        </p:spPr>
+      </p:pic>
     </p:spTree>
     <p:extLst>
       <p:ext uri="{BB962C8B-B14F-4D97-AF65-F5344CB8AC3E}">
@@ -5706,7 +6793,12 @@
             <p:ph type="ctrTitle"/>
           </p:nvPr>
         </p:nvSpPr>
-        <p:spPr/>
+        <p:spPr>
+          <a:xfrm>
+            <a:off x="685800" y="457200"/>
+            <a:ext cx="7772400" cy="1470025"/>
+          </a:xfrm>
+        </p:spPr>
         <p:txBody>
           <a:bodyPr/>
           <a:lstStyle/>
@@ -5741,7 +6833,12 @@
             <p:ph type="subTitle" idx="1"/>
           </p:nvPr>
         </p:nvSpPr>
-        <p:spPr/>
+        <p:spPr>
+          <a:xfrm>
+            <a:off x="1371600" y="1981200"/>
+            <a:ext cx="6400800" cy="3657600"/>
+          </a:xfrm>
+        </p:spPr>
         <p:txBody>
           <a:bodyPr>
             <a:normAutofit/>
@@ -5800,7 +6897,12 @@
             <p:ph type="ctrTitle"/>
           </p:nvPr>
         </p:nvSpPr>
-        <p:spPr/>
+        <p:spPr>
+          <a:xfrm>
+            <a:off x="533400" y="304800"/>
+            <a:ext cx="7772400" cy="1470025"/>
+          </a:xfrm>
+        </p:spPr>
         <p:txBody>
           <a:bodyPr/>
           <a:lstStyle/>
@@ -5823,10 +6925,15 @@
             <p:ph type="subTitle" idx="1"/>
           </p:nvPr>
         </p:nvSpPr>
-        <p:spPr/>
+        <p:spPr>
+          <a:xfrm>
+            <a:off x="1371600" y="1752600"/>
+            <a:ext cx="6400800" cy="3886200"/>
+          </a:xfrm>
+        </p:spPr>
         <p:txBody>
           <a:bodyPr>
-            <a:normAutofit fontScale="85000" lnSpcReduction="10000"/>
+            <a:normAutofit/>
           </a:bodyPr>
           <a:lstStyle/>
           <a:p>
@@ -6156,7 +7263,12 @@
             <p:ph type="ctrTitle"/>
           </p:nvPr>
         </p:nvSpPr>
-        <p:spPr/>
+        <p:spPr>
+          <a:xfrm>
+            <a:off x="609600" y="381000"/>
+            <a:ext cx="7772400" cy="1470025"/>
+          </a:xfrm>
+        </p:spPr>
         <p:txBody>
           <a:bodyPr/>
           <a:lstStyle/>
@@ -6187,10 +7299,15 @@
             <p:ph type="subTitle" idx="1"/>
           </p:nvPr>
         </p:nvSpPr>
-        <p:spPr/>
+        <p:spPr>
+          <a:xfrm>
+            <a:off x="1371600" y="1905000"/>
+            <a:ext cx="6400800" cy="4495800"/>
+          </a:xfrm>
+        </p:spPr>
         <p:txBody>
           <a:bodyPr>
-            <a:normAutofit fontScale="92500" lnSpcReduction="20000"/>
+            <a:normAutofit fontScale="55000" lnSpcReduction="20000"/>
           </a:bodyPr>
           <a:lstStyle/>
           <a:p>
@@ -6238,6 +7355,40 @@
               <a:rPr lang="en-US" dirty="0" smtClean="0"/>
               <a:t> </a:t>
             </a:r>
+            <a:r>
+              <a:rPr lang="en-US" dirty="0" smtClean="0"/>
+              <a:t>:</a:t>
+            </a:r>
+          </a:p>
+          <a:p>
+            <a:pPr algn="l"/>
+            <a:r>
+              <a:rPr lang="en-US" dirty="0" err="1" smtClean="0"/>
+              <a:t>SharedPreferences</a:t>
+            </a:r>
+            <a:endParaRPr lang="en-US" dirty="0" smtClean="0"/>
+          </a:p>
+          <a:p>
+            <a:pPr algn="l"/>
+            <a:r>
+              <a:rPr lang="en-US" dirty="0" smtClean="0"/>
+              <a:t>SQLite</a:t>
+            </a:r>
+          </a:p>
+          <a:p>
+            <a:pPr algn="l"/>
+            <a:r>
+              <a:rPr lang="en-US" dirty="0" smtClean="0"/>
+              <a:t>Location service</a:t>
+            </a:r>
+          </a:p>
+          <a:p>
+            <a:pPr algn="l"/>
+            <a:r>
+              <a:rPr lang="en-US" dirty="0" smtClean="0"/>
+              <a:t>Adapters</a:t>
+            </a:r>
+            <a:endParaRPr lang="en-US" dirty="0" smtClean="0"/>
           </a:p>
           <a:p>
             <a:pPr marL="457200" indent="-457200" algn="l">
@@ -6315,6 +7466,78 @@
             <a:endParaRPr lang="en-US" dirty="0" smtClean="0"/>
           </a:p>
           <a:p>
+            <a:pPr algn="l"/>
+            <a:r>
+              <a:rPr lang="en-US" dirty="0" err="1" smtClean="0"/>
+              <a:t>Các</a:t>
+            </a:r>
+            <a:r>
+              <a:rPr lang="en-US" dirty="0" smtClean="0"/>
+              <a:t> </a:t>
+            </a:r>
+            <a:r>
+              <a:rPr lang="en-US" dirty="0" err="1" smtClean="0"/>
+              <a:t>chức</a:t>
+            </a:r>
+            <a:r>
+              <a:rPr lang="en-US" dirty="0" smtClean="0"/>
+              <a:t> </a:t>
+            </a:r>
+            <a:r>
+              <a:rPr lang="en-US" dirty="0" err="1" smtClean="0"/>
+              <a:t>năng</a:t>
+            </a:r>
+            <a:r>
+              <a:rPr lang="en-US" dirty="0" smtClean="0"/>
+              <a:t> </a:t>
+            </a:r>
+            <a:r>
+              <a:rPr lang="en-US" dirty="0" err="1" smtClean="0"/>
+              <a:t>cơ</a:t>
+            </a:r>
+            <a:r>
+              <a:rPr lang="en-US" dirty="0" smtClean="0"/>
+              <a:t> </a:t>
+            </a:r>
+            <a:r>
+              <a:rPr lang="en-US" dirty="0" err="1" smtClean="0"/>
+              <a:t>bản</a:t>
+            </a:r>
+            <a:r>
+              <a:rPr lang="en-US" dirty="0" smtClean="0"/>
+              <a:t>: </a:t>
+            </a:r>
+            <a:r>
+              <a:rPr lang="en-US" dirty="0" err="1" smtClean="0"/>
+              <a:t>thêm</a:t>
+            </a:r>
+            <a:r>
+              <a:rPr lang="en-US" dirty="0" smtClean="0"/>
+              <a:t>, </a:t>
+            </a:r>
+            <a:r>
+              <a:rPr lang="en-US" dirty="0" err="1" smtClean="0"/>
+              <a:t>bớt</a:t>
+            </a:r>
+            <a:r>
+              <a:rPr lang="en-US" dirty="0" smtClean="0"/>
+              <a:t>, </a:t>
+            </a:r>
+            <a:r>
+              <a:rPr lang="en-US" dirty="0" err="1" smtClean="0"/>
+              <a:t>sửa</a:t>
+            </a:r>
+            <a:r>
+              <a:rPr lang="en-US" dirty="0" smtClean="0"/>
+              <a:t>, </a:t>
+            </a:r>
+            <a:r>
+              <a:rPr lang="en-US" dirty="0" err="1" smtClean="0"/>
+              <a:t>xóa</a:t>
+            </a:r>
+            <a:endParaRPr lang="en-US" dirty="0" smtClean="0"/>
+          </a:p>
+          <a:p>
             <a:pPr marL="457200" indent="-457200" algn="l">
               <a:buFontTx/>
               <a:buChar char="-"/>
@@ -6362,6 +7585,460 @@
             <a:r>
               <a:rPr lang="en-US" dirty="0" err="1" smtClean="0"/>
               <a:t>thêm</a:t>
+            </a:r>
+            <a:r>
+              <a:rPr lang="en-US" dirty="0" smtClean="0"/>
+              <a:t>:</a:t>
+            </a:r>
+          </a:p>
+          <a:p>
+            <a:pPr algn="l"/>
+            <a:r>
+              <a:rPr lang="en-US" dirty="0" err="1" smtClean="0"/>
+              <a:t>Giao</a:t>
+            </a:r>
+            <a:r>
+              <a:rPr lang="en-US" dirty="0" smtClean="0"/>
+              <a:t> </a:t>
+            </a:r>
+            <a:r>
+              <a:rPr lang="en-US" dirty="0" err="1" smtClean="0"/>
+              <a:t>diện</a:t>
+            </a:r>
+            <a:r>
+              <a:rPr lang="en-US" dirty="0" smtClean="0"/>
+              <a:t> </a:t>
+            </a:r>
+            <a:r>
+              <a:rPr lang="en-US" dirty="0" err="1" smtClean="0"/>
+              <a:t>còn</a:t>
+            </a:r>
+            <a:r>
+              <a:rPr lang="en-US" dirty="0" smtClean="0"/>
+              <a:t> </a:t>
+            </a:r>
+            <a:r>
+              <a:rPr lang="en-US" dirty="0" err="1" smtClean="0"/>
+              <a:t>chưa</a:t>
+            </a:r>
+            <a:r>
+              <a:rPr lang="en-US" dirty="0" smtClean="0"/>
+              <a:t> </a:t>
+            </a:r>
+            <a:r>
+              <a:rPr lang="en-US" dirty="0" err="1" smtClean="0"/>
+              <a:t>đẹp</a:t>
+            </a:r>
+            <a:endParaRPr lang="en-US" dirty="0" smtClean="0"/>
+          </a:p>
+          <a:p>
+            <a:pPr algn="l"/>
+            <a:r>
+              <a:rPr lang="en-US" dirty="0" err="1" smtClean="0"/>
+              <a:t>Nên</a:t>
+            </a:r>
+            <a:r>
+              <a:rPr lang="en-US" dirty="0" smtClean="0"/>
+              <a:t> </a:t>
+            </a:r>
+            <a:r>
+              <a:rPr lang="en-US" dirty="0" err="1" smtClean="0"/>
+              <a:t>có</a:t>
+            </a:r>
+            <a:r>
+              <a:rPr lang="en-US" dirty="0" smtClean="0"/>
+              <a:t> </a:t>
+            </a:r>
+            <a:r>
+              <a:rPr lang="en-US" dirty="0" err="1" smtClean="0"/>
+              <a:t>đồng</a:t>
+            </a:r>
+            <a:r>
+              <a:rPr lang="en-US" dirty="0" smtClean="0"/>
+              <a:t> </a:t>
+            </a:r>
+            <a:r>
+              <a:rPr lang="en-US" dirty="0" err="1" smtClean="0"/>
+              <a:t>bộ</a:t>
+            </a:r>
+            <a:r>
+              <a:rPr lang="en-US" dirty="0" smtClean="0"/>
+              <a:t> </a:t>
+            </a:r>
+            <a:r>
+              <a:rPr lang="en-US" dirty="0" err="1" smtClean="0"/>
+              <a:t>hóa</a:t>
+            </a:r>
+            <a:r>
+              <a:rPr lang="en-US" dirty="0" smtClean="0"/>
+              <a:t> </a:t>
+            </a:r>
+            <a:r>
+              <a:rPr lang="en-US" dirty="0" err="1" smtClean="0"/>
+              <a:t>dữ</a:t>
+            </a:r>
+            <a:r>
+              <a:rPr lang="en-US" dirty="0" smtClean="0"/>
+              <a:t> </a:t>
+            </a:r>
+            <a:r>
+              <a:rPr lang="en-US" dirty="0" err="1" smtClean="0"/>
+              <a:t>liệu</a:t>
+            </a:r>
+            <a:r>
+              <a:rPr lang="en-US" dirty="0" smtClean="0"/>
+              <a:t> qua internet </a:t>
+            </a:r>
+            <a:r>
+              <a:rPr lang="en-US" dirty="0" err="1" smtClean="0"/>
+              <a:t>trên</a:t>
+            </a:r>
+            <a:r>
+              <a:rPr lang="en-US" dirty="0" smtClean="0"/>
+              <a:t> </a:t>
+            </a:r>
+            <a:r>
+              <a:rPr lang="en-US" dirty="0" err="1" smtClean="0"/>
+              <a:t>nền</a:t>
+            </a:r>
+            <a:r>
+              <a:rPr lang="en-US" dirty="0" smtClean="0"/>
+              <a:t> </a:t>
+            </a:r>
+            <a:r>
+              <a:rPr lang="en-US" dirty="0" err="1" smtClean="0"/>
+              <a:t>tảng</a:t>
+            </a:r>
+            <a:r>
+              <a:rPr lang="en-US" dirty="0" smtClean="0"/>
+              <a:t> cloud </a:t>
+            </a:r>
+          </a:p>
+          <a:p>
+            <a:pPr algn="l"/>
+            <a:r>
+              <a:rPr lang="en-US" dirty="0" err="1" smtClean="0"/>
+              <a:t>Đính</a:t>
+            </a:r>
+            <a:r>
+              <a:rPr lang="en-US" dirty="0" smtClean="0"/>
+              <a:t> </a:t>
+            </a:r>
+            <a:r>
+              <a:rPr lang="en-US" dirty="0" err="1" smtClean="0"/>
+              <a:t>kèm</a:t>
+            </a:r>
+            <a:r>
+              <a:rPr lang="en-US" dirty="0" smtClean="0"/>
+              <a:t> </a:t>
+            </a:r>
+            <a:r>
+              <a:rPr lang="en-US" dirty="0" err="1" smtClean="0"/>
+              <a:t>nhiều</a:t>
+            </a:r>
+            <a:r>
+              <a:rPr lang="en-US" dirty="0" smtClean="0"/>
+              <a:t> </a:t>
+            </a:r>
+            <a:r>
+              <a:rPr lang="en-US" dirty="0" err="1" smtClean="0"/>
+              <a:t>hơn</a:t>
+            </a:r>
+            <a:r>
+              <a:rPr lang="en-US" dirty="0" smtClean="0"/>
+              <a:t> 1 </a:t>
+            </a:r>
+            <a:r>
+              <a:rPr lang="en-US" dirty="0" err="1" smtClean="0"/>
+              <a:t>ảnh</a:t>
+            </a:r>
+            <a:r>
+              <a:rPr lang="en-US" dirty="0" smtClean="0"/>
+              <a:t> </a:t>
+            </a:r>
+            <a:r>
+              <a:rPr lang="en-US" dirty="0" err="1" smtClean="0"/>
+              <a:t>vào</a:t>
+            </a:r>
+            <a:r>
+              <a:rPr lang="en-US" dirty="0" smtClean="0"/>
+              <a:t> </a:t>
+            </a:r>
+            <a:r>
+              <a:rPr lang="en-US" dirty="0" err="1" smtClean="0"/>
+              <a:t>ghi</a:t>
+            </a:r>
+            <a:r>
+              <a:rPr lang="en-US" dirty="0" smtClean="0"/>
+              <a:t> </a:t>
+            </a:r>
+            <a:r>
+              <a:rPr lang="en-US" dirty="0" err="1" smtClean="0"/>
+              <a:t>chú</a:t>
+            </a:r>
+            <a:endParaRPr lang="en-US" dirty="0" smtClean="0"/>
+          </a:p>
+          <a:p>
+            <a:pPr algn="l"/>
+            <a:r>
+              <a:rPr lang="en-US" dirty="0" err="1" smtClean="0"/>
+              <a:t>Ngoài</a:t>
+            </a:r>
+            <a:r>
+              <a:rPr lang="en-US" dirty="0" smtClean="0"/>
+              <a:t> </a:t>
+            </a:r>
+            <a:r>
+              <a:rPr lang="en-US" dirty="0" err="1" smtClean="0"/>
+              <a:t>việc</a:t>
+            </a:r>
+            <a:r>
+              <a:rPr lang="en-US" dirty="0" smtClean="0"/>
+              <a:t> </a:t>
+            </a:r>
+            <a:r>
+              <a:rPr lang="en-US" dirty="0" err="1" smtClean="0"/>
+              <a:t>tự</a:t>
+            </a:r>
+            <a:r>
+              <a:rPr lang="en-US" dirty="0" smtClean="0"/>
+              <a:t> </a:t>
+            </a:r>
+            <a:r>
+              <a:rPr lang="en-US" dirty="0" err="1" smtClean="0"/>
+              <a:t>động</a:t>
+            </a:r>
+            <a:r>
+              <a:rPr lang="en-US" dirty="0" smtClean="0"/>
+              <a:t> </a:t>
+            </a:r>
+            <a:r>
+              <a:rPr lang="en-US" dirty="0" err="1" smtClean="0"/>
+              <a:t>chọn</a:t>
+            </a:r>
+            <a:r>
+              <a:rPr lang="en-US" dirty="0" smtClean="0"/>
+              <a:t> </a:t>
+            </a:r>
+            <a:r>
+              <a:rPr lang="en-US" dirty="0" err="1" smtClean="0"/>
+              <a:t>địa</a:t>
+            </a:r>
+            <a:r>
+              <a:rPr lang="en-US" dirty="0" smtClean="0"/>
+              <a:t> </a:t>
+            </a:r>
+            <a:r>
+              <a:rPr lang="en-US" dirty="0" err="1" smtClean="0"/>
+              <a:t>điểm</a:t>
+            </a:r>
+            <a:r>
+              <a:rPr lang="en-US" dirty="0" smtClean="0"/>
+              <a:t>, </a:t>
+            </a:r>
+            <a:r>
+              <a:rPr lang="en-US" dirty="0" err="1" smtClean="0"/>
+              <a:t>nên</a:t>
+            </a:r>
+            <a:r>
+              <a:rPr lang="en-US" dirty="0" smtClean="0"/>
+              <a:t> </a:t>
+            </a:r>
+            <a:r>
+              <a:rPr lang="en-US" dirty="0" err="1" smtClean="0"/>
+              <a:t>có</a:t>
+            </a:r>
+            <a:r>
+              <a:rPr lang="en-US" dirty="0" smtClean="0"/>
+              <a:t> </a:t>
+            </a:r>
+            <a:r>
+              <a:rPr lang="en-US" dirty="0" err="1" smtClean="0"/>
+              <a:t>thêm</a:t>
+            </a:r>
+            <a:r>
+              <a:rPr lang="en-US" dirty="0" smtClean="0"/>
+              <a:t> </a:t>
+            </a:r>
+            <a:r>
+              <a:rPr lang="en-US" dirty="0" err="1" smtClean="0"/>
+              <a:t>phần</a:t>
+            </a:r>
+            <a:r>
+              <a:rPr lang="en-US" dirty="0" smtClean="0"/>
+              <a:t> </a:t>
+            </a:r>
+            <a:r>
+              <a:rPr lang="en-US" dirty="0" err="1" smtClean="0"/>
+              <a:t>mở</a:t>
+            </a:r>
+            <a:r>
+              <a:rPr lang="en-US" dirty="0" smtClean="0"/>
+              <a:t> </a:t>
+            </a:r>
+            <a:r>
+              <a:rPr lang="en-US" dirty="0" err="1" smtClean="0"/>
+              <a:t>bản</a:t>
+            </a:r>
+            <a:r>
+              <a:rPr lang="en-US" dirty="0" smtClean="0"/>
+              <a:t> </a:t>
+            </a:r>
+            <a:r>
+              <a:rPr lang="en-US" dirty="0" err="1" smtClean="0"/>
+              <a:t>đồ</a:t>
+            </a:r>
+            <a:r>
+              <a:rPr lang="en-US" dirty="0" smtClean="0"/>
+              <a:t> </a:t>
+            </a:r>
+            <a:r>
+              <a:rPr lang="en-US" dirty="0" err="1" smtClean="0"/>
+              <a:t>để</a:t>
+            </a:r>
+            <a:r>
+              <a:rPr lang="en-US" dirty="0" smtClean="0"/>
+              <a:t> </a:t>
+            </a:r>
+            <a:r>
+              <a:rPr lang="en-US" dirty="0" err="1" smtClean="0"/>
+              <a:t>chọn</a:t>
+            </a:r>
+            <a:r>
+              <a:rPr lang="en-US" dirty="0" smtClean="0"/>
+              <a:t> </a:t>
+            </a:r>
+            <a:r>
+              <a:rPr lang="en-US" dirty="0" err="1" smtClean="0"/>
+              <a:t>địa</a:t>
+            </a:r>
+            <a:r>
+              <a:rPr lang="en-US" dirty="0" smtClean="0"/>
+              <a:t> </a:t>
+            </a:r>
+            <a:r>
+              <a:rPr lang="en-US" dirty="0" err="1" smtClean="0"/>
+              <a:t>điểm</a:t>
+            </a:r>
+            <a:endParaRPr lang="en-US" dirty="0" smtClean="0"/>
+          </a:p>
+          <a:p>
+            <a:pPr algn="l"/>
+            <a:r>
+              <a:rPr lang="en-US" dirty="0" err="1" smtClean="0"/>
+              <a:t>Nhắc</a:t>
+            </a:r>
+            <a:r>
+              <a:rPr lang="en-US" dirty="0" smtClean="0"/>
+              <a:t> </a:t>
+            </a:r>
+            <a:r>
+              <a:rPr lang="en-US" dirty="0" err="1" smtClean="0"/>
+              <a:t>lịch</a:t>
+            </a:r>
+            <a:r>
+              <a:rPr lang="en-US" dirty="0" smtClean="0"/>
+              <a:t> </a:t>
+            </a:r>
+            <a:r>
+              <a:rPr lang="en-US" dirty="0" err="1" smtClean="0"/>
+              <a:t>khi</a:t>
+            </a:r>
+            <a:r>
+              <a:rPr lang="en-US" dirty="0" smtClean="0"/>
+              <a:t> </a:t>
+            </a:r>
+            <a:r>
+              <a:rPr lang="en-US" dirty="0" err="1" smtClean="0"/>
+              <a:t>đi</a:t>
+            </a:r>
+            <a:r>
+              <a:rPr lang="en-US" dirty="0" smtClean="0"/>
+              <a:t> </a:t>
+            </a:r>
+            <a:r>
+              <a:rPr lang="en-US" dirty="0" err="1" smtClean="0"/>
+              <a:t>vào</a:t>
+            </a:r>
+            <a:r>
+              <a:rPr lang="en-US" dirty="0" smtClean="0"/>
+              <a:t> </a:t>
+            </a:r>
+            <a:r>
+              <a:rPr lang="en-US" dirty="0" err="1" smtClean="0"/>
+              <a:t>hoặc</a:t>
+            </a:r>
+            <a:r>
+              <a:rPr lang="en-US" dirty="0" smtClean="0"/>
+              <a:t> </a:t>
+            </a:r>
+            <a:r>
+              <a:rPr lang="en-US" dirty="0" err="1" smtClean="0"/>
+              <a:t>đi</a:t>
+            </a:r>
+            <a:r>
+              <a:rPr lang="en-US" dirty="0" smtClean="0"/>
+              <a:t> </a:t>
+            </a:r>
+            <a:r>
+              <a:rPr lang="en-US" dirty="0" err="1" smtClean="0"/>
+              <a:t>ra</a:t>
+            </a:r>
+            <a:r>
+              <a:rPr lang="en-US" dirty="0" smtClean="0"/>
+              <a:t> </a:t>
+            </a:r>
+            <a:r>
+              <a:rPr lang="en-US" dirty="0" err="1" smtClean="0"/>
+              <a:t>khỏi</a:t>
+            </a:r>
+            <a:r>
+              <a:rPr lang="en-US" dirty="0" smtClean="0"/>
+              <a:t> </a:t>
+            </a:r>
+            <a:r>
+              <a:rPr lang="en-US" dirty="0" err="1" smtClean="0"/>
+              <a:t>khu</a:t>
+            </a:r>
+            <a:r>
+              <a:rPr lang="en-US" dirty="0" smtClean="0"/>
+              <a:t> </a:t>
+            </a:r>
+            <a:r>
+              <a:rPr lang="en-US" dirty="0" err="1" smtClean="0"/>
+              <a:t>vực</a:t>
+            </a:r>
+            <a:r>
+              <a:rPr lang="en-US" dirty="0" smtClean="0"/>
+              <a:t> </a:t>
+            </a:r>
+            <a:r>
+              <a:rPr lang="en-US" dirty="0" err="1" smtClean="0"/>
+              <a:t>địa</a:t>
+            </a:r>
+            <a:r>
+              <a:rPr lang="en-US" dirty="0" smtClean="0"/>
+              <a:t> </a:t>
+            </a:r>
+            <a:r>
+              <a:rPr lang="en-US" dirty="0" err="1" smtClean="0"/>
+              <a:t>điểm</a:t>
+            </a:r>
+            <a:r>
+              <a:rPr lang="en-US" dirty="0" smtClean="0"/>
+              <a:t> </a:t>
+            </a:r>
+            <a:r>
+              <a:rPr lang="en-US" dirty="0" err="1" smtClean="0"/>
+              <a:t>đánh</a:t>
+            </a:r>
+            <a:r>
+              <a:rPr lang="en-US" dirty="0" smtClean="0"/>
+              <a:t> </a:t>
+            </a:r>
+            <a:r>
+              <a:rPr lang="en-US" dirty="0" err="1" smtClean="0"/>
+              <a:t>dấu</a:t>
             </a:r>
             <a:endParaRPr lang="en-US" dirty="0"/>
           </a:p>
@@ -6407,22 +8084,27 @@
             <p:ph type="ctrTitle"/>
           </p:nvPr>
         </p:nvSpPr>
-        <p:spPr/>
+        <p:spPr>
+          <a:xfrm>
+            <a:off x="685800" y="1752600"/>
+            <a:ext cx="7772400" cy="1470025"/>
+          </a:xfrm>
+        </p:spPr>
         <p:txBody>
           <a:bodyPr/>
           <a:lstStyle/>
           <a:p>
             <a:r>
               <a:rPr lang="en-US" dirty="0" err="1" smtClean="0"/>
-              <a:t>Nghiên</a:t>
-            </a:r>
-            <a:r>
-              <a:rPr lang="en-US" dirty="0" smtClean="0"/>
-              <a:t> </a:t>
-            </a:r>
-            <a:r>
-              <a:rPr lang="en-US" dirty="0" err="1" smtClean="0"/>
-              <a:t>cứu</a:t>
+              <a:t>Câu</a:t>
+            </a:r>
+            <a:r>
+              <a:rPr lang="en-US" dirty="0" smtClean="0"/>
+              <a:t> </a:t>
+            </a:r>
+            <a:r>
+              <a:rPr lang="en-US" dirty="0" err="1" smtClean="0"/>
+              <a:t>hỏi</a:t>
             </a:r>
             <a:endParaRPr lang="en-US" dirty="0"/>
           </a:p>
@@ -6438,10 +8120,15 @@
             <p:ph type="subTitle" idx="1"/>
           </p:nvPr>
         </p:nvSpPr>
-        <p:spPr/>
+        <p:spPr>
+          <a:xfrm>
+            <a:off x="1371600" y="4191000"/>
+            <a:ext cx="6400800" cy="1447800"/>
+          </a:xfrm>
+        </p:spPr>
         <p:txBody>
           <a:bodyPr>
-            <a:normAutofit fontScale="85000" lnSpcReduction="20000"/>
+            <a:normAutofit/>
           </a:bodyPr>
           <a:lstStyle/>
           <a:p>
@@ -6449,44 +8136,6 @@
               <a:buFontTx/>
               <a:buChar char="-"/>
             </a:pPr>
-            <a:r>
-              <a:rPr lang="en-US" dirty="0" smtClean="0"/>
-              <a:t>Shared preferences</a:t>
-            </a:r>
-          </a:p>
-          <a:p>
-            <a:pPr marL="457200" indent="-457200" algn="l">
-              <a:buFontTx/>
-              <a:buChar char="-"/>
-            </a:pPr>
-            <a:r>
-              <a:rPr lang="en-US" dirty="0" err="1" smtClean="0"/>
-              <a:t>Sqlite</a:t>
-            </a:r>
-            <a:r>
-              <a:rPr lang="en-US" dirty="0" smtClean="0"/>
-              <a:t> </a:t>
-            </a:r>
-          </a:p>
-          <a:p>
-            <a:pPr marL="457200" indent="-457200" algn="l">
-              <a:buFontTx/>
-              <a:buChar char="-"/>
-            </a:pPr>
-            <a:r>
-              <a:rPr lang="en-US" dirty="0" smtClean="0"/>
-              <a:t>Map </a:t>
-            </a:r>
-          </a:p>
-          <a:p>
-            <a:pPr marL="457200" indent="-457200" algn="l">
-              <a:buFontTx/>
-              <a:buChar char="-"/>
-            </a:pPr>
-            <a:r>
-              <a:rPr lang="en-US" dirty="0" smtClean="0"/>
-              <a:t>Alarm manager</a:t>
-            </a:r>
             <a:endParaRPr lang="en-US" dirty="0"/>
           </a:p>
         </p:txBody>
@@ -6494,7 +8143,7 @@
     </p:spTree>
     <p:extLst>
       <p:ext uri="{BB962C8B-B14F-4D97-AF65-F5344CB8AC3E}">
-        <p14:creationId xmlns:p14="http://schemas.microsoft.com/office/powerpoint/2010/main" val="1219220407"/>
+        <p14:creationId xmlns:p14="http://schemas.microsoft.com/office/powerpoint/2010/main" val="3277541970"/>
       </p:ext>
     </p:extLst>
   </p:cSld>
@@ -6531,46 +8180,35 @@
             <p:ph type="ctrTitle"/>
           </p:nvPr>
         </p:nvSpPr>
-        <p:spPr/>
+        <p:spPr>
+          <a:xfrm>
+            <a:off x="609600" y="381000"/>
+            <a:ext cx="7772400" cy="1470025"/>
+          </a:xfrm>
+        </p:spPr>
         <p:txBody>
           <a:bodyPr/>
           <a:lstStyle/>
           <a:p>
             <a:r>
               <a:rPr lang="en-US" dirty="0" err="1" smtClean="0"/>
-              <a:t>Ứng</a:t>
-            </a:r>
-            <a:r>
-              <a:rPr lang="en-US" dirty="0" smtClean="0"/>
-              <a:t> </a:t>
-            </a:r>
-            <a:r>
-              <a:rPr lang="en-US" dirty="0" err="1" smtClean="0"/>
-              <a:t>dụng</a:t>
-            </a:r>
-            <a:r>
-              <a:rPr lang="en-US" dirty="0" smtClean="0"/>
-              <a:t> </a:t>
-            </a:r>
-            <a:r>
-              <a:rPr lang="en-US" dirty="0" err="1" smtClean="0"/>
-              <a:t>đã</a:t>
-            </a:r>
-            <a:r>
-              <a:rPr lang="en-US" dirty="0" smtClean="0"/>
-              <a:t> </a:t>
-            </a:r>
-            <a:r>
-              <a:rPr lang="en-US" dirty="0" err="1" smtClean="0"/>
-              <a:t>hoàn</a:t>
-            </a:r>
-            <a:r>
-              <a:rPr lang="en-US" dirty="0" smtClean="0"/>
-              <a:t> </a:t>
-            </a:r>
-            <a:r>
-              <a:rPr lang="en-US" dirty="0" err="1" smtClean="0"/>
-              <a:t>thành</a:t>
+              <a:t>Lời</a:t>
+            </a:r>
+            <a:r>
+              <a:rPr lang="en-US" dirty="0" smtClean="0"/>
+              <a:t> </a:t>
+            </a:r>
+            <a:r>
+              <a:rPr lang="en-US" dirty="0" err="1" smtClean="0"/>
+              <a:t>cảm</a:t>
+            </a:r>
+            <a:r>
+              <a:rPr lang="en-US" dirty="0" smtClean="0"/>
+              <a:t> </a:t>
+            </a:r>
+            <a:r>
+              <a:rPr lang="en-US" dirty="0" err="1" smtClean="0"/>
+              <a:t>ơn</a:t>
             </a:r>
             <a:endParaRPr lang="en-US" dirty="0"/>
           </a:p>
@@ -6586,10 +8224,15 @@
             <p:ph type="subTitle" idx="1"/>
           </p:nvPr>
         </p:nvSpPr>
-        <p:spPr/>
+        <p:spPr>
+          <a:xfrm>
+            <a:off x="1371600" y="1676400"/>
+            <a:ext cx="6400800" cy="3962400"/>
+          </a:xfrm>
+        </p:spPr>
         <p:txBody>
           <a:bodyPr>
-            <a:normAutofit fontScale="70000" lnSpcReduction="20000"/>
+            <a:normAutofit/>
           </a:bodyPr>
           <a:lstStyle/>
           <a:p>
@@ -6599,31 +8242,127 @@
             </a:pPr>
             <a:r>
               <a:rPr lang="en-US" dirty="0" err="1" smtClean="0"/>
-              <a:t>Tạo</a:t>
-            </a:r>
-            <a:r>
-              <a:rPr lang="en-US" dirty="0" smtClean="0"/>
-              <a:t>/</a:t>
-            </a:r>
-            <a:r>
-              <a:rPr lang="en-US" dirty="0" err="1" smtClean="0"/>
-              <a:t>lưu</a:t>
-            </a:r>
-            <a:r>
-              <a:rPr lang="en-US" dirty="0" smtClean="0"/>
-              <a:t> </a:t>
-            </a:r>
-            <a:r>
-              <a:rPr lang="en-US" dirty="0" err="1" smtClean="0"/>
-              <a:t>mật</a:t>
-            </a:r>
-            <a:r>
-              <a:rPr lang="en-US" dirty="0" smtClean="0"/>
-              <a:t> </a:t>
-            </a:r>
-            <a:r>
-              <a:rPr lang="en-US" dirty="0" err="1" smtClean="0"/>
-              <a:t>khẩu</a:t>
+              <a:t>Cảm</a:t>
+            </a:r>
+            <a:r>
+              <a:rPr lang="en-US" dirty="0" smtClean="0"/>
+              <a:t> </a:t>
+            </a:r>
+            <a:r>
+              <a:rPr lang="en-US" dirty="0" err="1" smtClean="0"/>
+              <a:t>ơn</a:t>
+            </a:r>
+            <a:r>
+              <a:rPr lang="en-US" dirty="0" smtClean="0"/>
+              <a:t> </a:t>
+            </a:r>
+            <a:r>
+              <a:rPr lang="en-US" dirty="0" err="1" smtClean="0"/>
+              <a:t>Thầy</a:t>
+            </a:r>
+            <a:r>
+              <a:rPr lang="en-US" dirty="0" smtClean="0"/>
+              <a:t> </a:t>
+            </a:r>
+            <a:r>
+              <a:rPr lang="en-US" dirty="0" err="1" smtClean="0"/>
+              <a:t>giáo</a:t>
+            </a:r>
+            <a:r>
+              <a:rPr lang="en-US" dirty="0" smtClean="0"/>
+              <a:t> </a:t>
+            </a:r>
+            <a:r>
+              <a:rPr lang="en-US" dirty="0" err="1" smtClean="0"/>
+              <a:t>Ts</a:t>
+            </a:r>
+            <a:r>
+              <a:rPr lang="en-US" dirty="0" smtClean="0"/>
+              <a:t> </a:t>
+            </a:r>
+            <a:r>
+              <a:rPr lang="en-US" dirty="0" err="1" smtClean="0"/>
+              <a:t>Dương</a:t>
+            </a:r>
+            <a:r>
+              <a:rPr lang="en-US" dirty="0" smtClean="0"/>
+              <a:t> </a:t>
+            </a:r>
+            <a:r>
+              <a:rPr lang="en-US" dirty="0" err="1" smtClean="0"/>
+              <a:t>Thăng</a:t>
+            </a:r>
+            <a:r>
+              <a:rPr lang="en-US" dirty="0" smtClean="0"/>
+              <a:t> Long </a:t>
+            </a:r>
+            <a:r>
+              <a:rPr lang="en-US" dirty="0" err="1" smtClean="0"/>
+              <a:t>đã</a:t>
+            </a:r>
+            <a:r>
+              <a:rPr lang="en-US" dirty="0" smtClean="0"/>
+              <a:t> </a:t>
+            </a:r>
+            <a:r>
+              <a:rPr lang="en-US" dirty="0" err="1" smtClean="0"/>
+              <a:t>hướng</a:t>
+            </a:r>
+            <a:r>
+              <a:rPr lang="en-US" dirty="0" smtClean="0"/>
+              <a:t> </a:t>
+            </a:r>
+            <a:r>
+              <a:rPr lang="en-US" dirty="0" err="1" smtClean="0"/>
+              <a:t>dẫn</a:t>
+            </a:r>
+            <a:r>
+              <a:rPr lang="en-US" dirty="0" smtClean="0"/>
+              <a:t> </a:t>
+            </a:r>
+            <a:r>
+              <a:rPr lang="en-US" dirty="0" err="1" smtClean="0"/>
+              <a:t>cho</a:t>
+            </a:r>
+            <a:r>
+              <a:rPr lang="en-US" dirty="0" smtClean="0"/>
+              <a:t> </a:t>
+            </a:r>
+            <a:r>
+              <a:rPr lang="en-US" dirty="0" err="1" smtClean="0"/>
+              <a:t>nhóm</a:t>
+            </a:r>
+            <a:r>
+              <a:rPr lang="en-US" dirty="0" smtClean="0"/>
+              <a:t> </a:t>
+            </a:r>
+            <a:r>
+              <a:rPr lang="en-US" dirty="0" err="1" smtClean="0"/>
+              <a:t>hoàn</a:t>
+            </a:r>
+            <a:r>
+              <a:rPr lang="en-US" dirty="0" smtClean="0"/>
+              <a:t> </a:t>
+            </a:r>
+            <a:r>
+              <a:rPr lang="en-US" dirty="0" err="1" smtClean="0"/>
+              <a:t>thành</a:t>
+            </a:r>
+            <a:r>
+              <a:rPr lang="en-US" dirty="0" smtClean="0"/>
+              <a:t> </a:t>
+            </a:r>
+            <a:r>
+              <a:rPr lang="en-US" dirty="0" err="1" smtClean="0"/>
+              <a:t>môn</a:t>
+            </a:r>
+            <a:r>
+              <a:rPr lang="en-US" dirty="0" smtClean="0"/>
+              <a:t> </a:t>
+            </a:r>
+            <a:r>
+              <a:rPr lang="en-US" dirty="0" err="1" smtClean="0"/>
+              <a:t>học</a:t>
             </a:r>
             <a:endParaRPr lang="en-US" dirty="0" smtClean="0"/>
           </a:p>
@@ -6634,662 +8373,6 @@
             </a:pPr>
             <a:r>
               <a:rPr lang="en-US" dirty="0" err="1" smtClean="0"/>
-              <a:t>Tạo</a:t>
-            </a:r>
-            <a:r>
-              <a:rPr lang="en-US" dirty="0" smtClean="0"/>
-              <a:t> </a:t>
-            </a:r>
-            <a:r>
-              <a:rPr lang="en-US" dirty="0" err="1" smtClean="0"/>
-              <a:t>dữ</a:t>
-            </a:r>
-            <a:r>
-              <a:rPr lang="en-US" dirty="0" smtClean="0"/>
-              <a:t> </a:t>
-            </a:r>
-            <a:r>
-              <a:rPr lang="en-US" dirty="0" err="1" smtClean="0"/>
-              <a:t>liệu</a:t>
-            </a:r>
-            <a:r>
-              <a:rPr lang="en-US" dirty="0" smtClean="0"/>
-              <a:t>, insert/update </a:t>
-            </a:r>
-            <a:r>
-              <a:rPr lang="en-US" dirty="0" err="1" smtClean="0"/>
-              <a:t>dữ</a:t>
-            </a:r>
-            <a:r>
-              <a:rPr lang="en-US" dirty="0" smtClean="0"/>
-              <a:t> </a:t>
-            </a:r>
-            <a:r>
-              <a:rPr lang="en-US" dirty="0" err="1" smtClean="0"/>
-              <a:t>liệu</a:t>
-            </a:r>
-            <a:endParaRPr lang="en-US" dirty="0" smtClean="0"/>
-          </a:p>
-          <a:p>
-            <a:pPr marL="457200" indent="-457200" algn="l">
-              <a:buFontTx/>
-              <a:buChar char="-"/>
-            </a:pPr>
-            <a:r>
-              <a:rPr lang="en-US" dirty="0" err="1" smtClean="0"/>
-              <a:t>Sử</a:t>
-            </a:r>
-            <a:r>
-              <a:rPr lang="en-US" dirty="0" smtClean="0"/>
-              <a:t> </a:t>
-            </a:r>
-            <a:r>
-              <a:rPr lang="en-US" dirty="0" err="1" smtClean="0"/>
-              <a:t>dụng</a:t>
-            </a:r>
-            <a:r>
-              <a:rPr lang="en-US" dirty="0" smtClean="0"/>
-              <a:t> </a:t>
-            </a:r>
-            <a:r>
-              <a:rPr lang="en-US" dirty="0" err="1" smtClean="0"/>
-              <a:t>thư</a:t>
-            </a:r>
-            <a:r>
-              <a:rPr lang="en-US" dirty="0" smtClean="0"/>
-              <a:t> </a:t>
-            </a:r>
-            <a:r>
-              <a:rPr lang="en-US" dirty="0" err="1" smtClean="0"/>
-              <a:t>viện</a:t>
-            </a:r>
-            <a:r>
-              <a:rPr lang="en-US" dirty="0" smtClean="0"/>
-              <a:t> </a:t>
-            </a:r>
-            <a:r>
-              <a:rPr lang="en-US" dirty="0" err="1" smtClean="0"/>
-              <a:t>google</a:t>
-            </a:r>
-            <a:r>
-              <a:rPr lang="en-US" dirty="0" smtClean="0"/>
-              <a:t> map </a:t>
-            </a:r>
-            <a:r>
-              <a:rPr lang="en-US" dirty="0" err="1" smtClean="0"/>
-              <a:t>để</a:t>
-            </a:r>
-            <a:r>
-              <a:rPr lang="en-US" dirty="0" smtClean="0"/>
-              <a:t> </a:t>
-            </a:r>
-            <a:r>
-              <a:rPr lang="en-US" dirty="0" err="1" smtClean="0"/>
-              <a:t>lấy</a:t>
-            </a:r>
-            <a:r>
-              <a:rPr lang="en-US" dirty="0" smtClean="0"/>
-              <a:t> </a:t>
-            </a:r>
-            <a:r>
-              <a:rPr lang="en-US" dirty="0" err="1" smtClean="0"/>
-              <a:t>địa</a:t>
-            </a:r>
-            <a:r>
-              <a:rPr lang="en-US" dirty="0" smtClean="0"/>
-              <a:t> </a:t>
-            </a:r>
-            <a:r>
-              <a:rPr lang="en-US" dirty="0" err="1" smtClean="0"/>
-              <a:t>điểm</a:t>
-            </a:r>
-            <a:endParaRPr lang="en-US" dirty="0" smtClean="0"/>
-          </a:p>
-          <a:p>
-            <a:pPr marL="457200" indent="-457200" algn="l">
-              <a:buFontTx/>
-              <a:buChar char="-"/>
-            </a:pPr>
-            <a:r>
-              <a:rPr lang="en-US" dirty="0" err="1" smtClean="0"/>
-              <a:t>Sử</a:t>
-            </a:r>
-            <a:r>
-              <a:rPr lang="en-US" dirty="0" smtClean="0"/>
-              <a:t> </a:t>
-            </a:r>
-            <a:r>
-              <a:rPr lang="en-US" dirty="0" err="1" smtClean="0"/>
-              <a:t>dụng</a:t>
-            </a:r>
-            <a:r>
-              <a:rPr lang="en-US" dirty="0" smtClean="0"/>
-              <a:t> Alarm manager </a:t>
-            </a:r>
-            <a:r>
-              <a:rPr lang="en-US" dirty="0" err="1" smtClean="0"/>
-              <a:t>lưu</a:t>
-            </a:r>
-            <a:r>
-              <a:rPr lang="en-US" dirty="0" smtClean="0"/>
-              <a:t> </a:t>
-            </a:r>
-            <a:r>
-              <a:rPr lang="en-US" dirty="0" err="1" smtClean="0"/>
-              <a:t>nhắc</a:t>
-            </a:r>
-            <a:r>
-              <a:rPr lang="en-US" dirty="0" smtClean="0"/>
-              <a:t> </a:t>
-            </a:r>
-            <a:r>
-              <a:rPr lang="en-US" dirty="0" err="1" smtClean="0"/>
-              <a:t>lịch</a:t>
-            </a:r>
-            <a:endParaRPr lang="en-US" dirty="0"/>
-          </a:p>
-        </p:txBody>
-      </p:sp>
-    </p:spTree>
-    <p:extLst>
-      <p:ext uri="{BB962C8B-B14F-4D97-AF65-F5344CB8AC3E}">
-        <p14:creationId xmlns:p14="http://schemas.microsoft.com/office/powerpoint/2010/main" val="473192564"/>
-      </p:ext>
-    </p:extLst>
-  </p:cSld>
-  <p:clrMapOvr>
-    <a:masterClrMapping/>
-  </p:clrMapOvr>
-</p:sld>
-</file>
-
-<file path=ppt/slides/slide26.xml><?xml version="1.0" encoding="utf-8"?>
-<p:sld xmlns:a="http://schemas.openxmlformats.org/drawingml/2006/main" xmlns:r="http://schemas.openxmlformats.org/officeDocument/2006/relationships" xmlns:p="http://schemas.openxmlformats.org/presentationml/2006/main">
-  <p:cSld>
-    <p:spTree>
-      <p:nvGrpSpPr>
-        <p:cNvPr id="1" name=""/>
-        <p:cNvGrpSpPr/>
-        <p:nvPr/>
-      </p:nvGrpSpPr>
-      <p:grpSpPr>
-        <a:xfrm>
-          <a:off x="0" y="0"/>
-          <a:ext cx="0" cy="0"/>
-          <a:chOff x="0" y="0"/>
-          <a:chExt cx="0" cy="0"/>
-        </a:xfrm>
-      </p:grpSpPr>
-      <p:sp>
-        <p:nvSpPr>
-          <p:cNvPr id="2" name="Title 1"/>
-          <p:cNvSpPr>
-            <a:spLocks noGrp="1"/>
-          </p:cNvSpPr>
-          <p:nvPr>
-            <p:ph type="ctrTitle"/>
-          </p:nvPr>
-        </p:nvSpPr>
-        <p:spPr/>
-        <p:txBody>
-          <a:bodyPr/>
-          <a:lstStyle/>
-          <a:p>
-            <a:r>
-              <a:rPr lang="en-US" dirty="0" err="1" smtClean="0"/>
-              <a:t>Cần</a:t>
-            </a:r>
-            <a:r>
-              <a:rPr lang="en-US" dirty="0" smtClean="0"/>
-              <a:t> </a:t>
-            </a:r>
-            <a:r>
-              <a:rPr lang="en-US" dirty="0" err="1" smtClean="0"/>
-              <a:t>cải</a:t>
-            </a:r>
-            <a:r>
-              <a:rPr lang="en-US" dirty="0" smtClean="0"/>
-              <a:t> </a:t>
-            </a:r>
-            <a:r>
-              <a:rPr lang="en-US" dirty="0" err="1" smtClean="0"/>
-              <a:t>thiện</a:t>
-            </a:r>
-            <a:endParaRPr lang="en-US" dirty="0"/>
-          </a:p>
-        </p:txBody>
-      </p:sp>
-      <p:sp>
-        <p:nvSpPr>
-          <p:cNvPr id="3" name="Subtitle 2"/>
-          <p:cNvSpPr>
-            <a:spLocks noGrp="1"/>
-          </p:cNvSpPr>
-          <p:nvPr>
-            <p:ph type="subTitle" idx="1"/>
-          </p:nvPr>
-        </p:nvSpPr>
-        <p:spPr/>
-        <p:txBody>
-          <a:bodyPr>
-            <a:normAutofit fontScale="77500" lnSpcReduction="20000"/>
-          </a:bodyPr>
-          <a:lstStyle/>
-          <a:p>
-            <a:pPr marL="457200" indent="-457200" algn="l">
-              <a:buFontTx/>
-              <a:buChar char="-"/>
-            </a:pPr>
-            <a:r>
-              <a:rPr lang="en-US" dirty="0" err="1" smtClean="0"/>
-              <a:t>Giao</a:t>
-            </a:r>
-            <a:r>
-              <a:rPr lang="en-US" dirty="0" smtClean="0"/>
-              <a:t> </a:t>
-            </a:r>
-            <a:r>
-              <a:rPr lang="en-US" dirty="0" err="1" smtClean="0"/>
-              <a:t>diện</a:t>
-            </a:r>
-            <a:r>
-              <a:rPr lang="en-US" dirty="0" smtClean="0"/>
-              <a:t> </a:t>
-            </a:r>
-            <a:r>
-              <a:rPr lang="en-US" dirty="0" err="1" smtClean="0"/>
-              <a:t>cần</a:t>
-            </a:r>
-            <a:r>
-              <a:rPr lang="en-US" dirty="0" smtClean="0"/>
-              <a:t> </a:t>
-            </a:r>
-            <a:r>
-              <a:rPr lang="en-US" dirty="0" err="1" smtClean="0"/>
-              <a:t>cải</a:t>
-            </a:r>
-            <a:r>
-              <a:rPr lang="en-US" dirty="0" smtClean="0"/>
-              <a:t> </a:t>
-            </a:r>
-            <a:r>
-              <a:rPr lang="en-US" dirty="0" err="1" smtClean="0"/>
-              <a:t>thiện</a:t>
-            </a:r>
-            <a:r>
-              <a:rPr lang="en-US" dirty="0" smtClean="0"/>
-              <a:t> </a:t>
-            </a:r>
-            <a:r>
-              <a:rPr lang="en-US" dirty="0" err="1" smtClean="0"/>
-              <a:t>đẹp</a:t>
-            </a:r>
-            <a:r>
-              <a:rPr lang="en-US" dirty="0" smtClean="0"/>
-              <a:t> </a:t>
-            </a:r>
-            <a:r>
-              <a:rPr lang="en-US" dirty="0" err="1" smtClean="0"/>
-              <a:t>hơn</a:t>
-            </a:r>
-            <a:endParaRPr lang="en-US" dirty="0" smtClean="0"/>
-          </a:p>
-          <a:p>
-            <a:pPr marL="457200" indent="-457200" algn="l">
-              <a:buFontTx/>
-              <a:buChar char="-"/>
-            </a:pPr>
-            <a:r>
-              <a:rPr lang="en-US" dirty="0" err="1" smtClean="0"/>
-              <a:t>Cơ</a:t>
-            </a:r>
-            <a:r>
-              <a:rPr lang="en-US" dirty="0" smtClean="0"/>
-              <a:t> </a:t>
-            </a:r>
-            <a:r>
-              <a:rPr lang="en-US" dirty="0" err="1" smtClean="0"/>
-              <a:t>sở</a:t>
-            </a:r>
-            <a:r>
-              <a:rPr lang="en-US" dirty="0" smtClean="0"/>
-              <a:t> </a:t>
-            </a:r>
-            <a:r>
-              <a:rPr lang="en-US" dirty="0" err="1" smtClean="0"/>
-              <a:t>dữ</a:t>
-            </a:r>
-            <a:r>
-              <a:rPr lang="en-US" dirty="0" smtClean="0"/>
-              <a:t> </a:t>
-            </a:r>
-            <a:r>
-              <a:rPr lang="en-US" dirty="0" err="1" smtClean="0"/>
-              <a:t>liệu</a:t>
-            </a:r>
-            <a:r>
-              <a:rPr lang="en-US" dirty="0" smtClean="0"/>
-              <a:t> </a:t>
-            </a:r>
-            <a:r>
-              <a:rPr lang="en-US" dirty="0" err="1" smtClean="0"/>
-              <a:t>nên</a:t>
-            </a:r>
-            <a:r>
-              <a:rPr lang="en-US" dirty="0" smtClean="0"/>
-              <a:t> </a:t>
-            </a:r>
-            <a:r>
-              <a:rPr lang="en-US" dirty="0" err="1" smtClean="0"/>
-              <a:t>đồng</a:t>
-            </a:r>
-            <a:r>
-              <a:rPr lang="en-US" dirty="0" smtClean="0"/>
-              <a:t> </a:t>
-            </a:r>
-            <a:r>
-              <a:rPr lang="en-US" dirty="0" err="1" smtClean="0"/>
-              <a:t>bộ</a:t>
-            </a:r>
-            <a:r>
-              <a:rPr lang="en-US" dirty="0" smtClean="0"/>
-              <a:t> </a:t>
-            </a:r>
-            <a:r>
-              <a:rPr lang="en-US" dirty="0" err="1" smtClean="0"/>
-              <a:t>với</a:t>
-            </a:r>
-            <a:r>
-              <a:rPr lang="en-US" dirty="0" smtClean="0"/>
-              <a:t> </a:t>
-            </a:r>
-            <a:r>
-              <a:rPr lang="en-US" dirty="0" err="1" smtClean="0"/>
-              <a:t>dữ</a:t>
-            </a:r>
-            <a:r>
-              <a:rPr lang="en-US" dirty="0" smtClean="0"/>
-              <a:t> </a:t>
-            </a:r>
-            <a:r>
-              <a:rPr lang="en-US" dirty="0" err="1" smtClean="0"/>
-              <a:t>liệu</a:t>
-            </a:r>
-            <a:r>
-              <a:rPr lang="en-US" dirty="0" smtClean="0"/>
-              <a:t> </a:t>
-            </a:r>
-            <a:r>
-              <a:rPr lang="en-US" dirty="0" err="1" smtClean="0"/>
-              <a:t>từ</a:t>
-            </a:r>
-            <a:r>
-              <a:rPr lang="en-US" dirty="0" smtClean="0"/>
-              <a:t> </a:t>
-            </a:r>
-            <a:r>
-              <a:rPr lang="en-US" dirty="0" err="1" smtClean="0"/>
-              <a:t>xa</a:t>
-            </a:r>
-            <a:endParaRPr lang="en-US" dirty="0" smtClean="0"/>
-          </a:p>
-          <a:p>
-            <a:pPr marL="457200" indent="-457200" algn="l">
-              <a:buFontTx/>
-              <a:buChar char="-"/>
-            </a:pPr>
-            <a:r>
-              <a:rPr lang="en-US" dirty="0" err="1" smtClean="0"/>
-              <a:t>Lưu</a:t>
-            </a:r>
-            <a:r>
-              <a:rPr lang="en-US" dirty="0" smtClean="0"/>
-              <a:t> </a:t>
-            </a:r>
-            <a:r>
-              <a:rPr lang="en-US" dirty="0" err="1" smtClean="0"/>
-              <a:t>trữ</a:t>
-            </a:r>
-            <a:r>
-              <a:rPr lang="en-US" dirty="0" smtClean="0"/>
-              <a:t> </a:t>
-            </a:r>
-            <a:r>
-              <a:rPr lang="en-US" dirty="0" err="1" smtClean="0"/>
-              <a:t>được</a:t>
-            </a:r>
-            <a:r>
-              <a:rPr lang="en-US" dirty="0" smtClean="0"/>
-              <a:t> </a:t>
-            </a:r>
-            <a:r>
-              <a:rPr lang="en-US" dirty="0" err="1" smtClean="0"/>
-              <a:t>nhiều</a:t>
-            </a:r>
-            <a:r>
-              <a:rPr lang="en-US" dirty="0" smtClean="0"/>
-              <a:t> </a:t>
-            </a:r>
-            <a:r>
-              <a:rPr lang="en-US" dirty="0" err="1" smtClean="0"/>
-              <a:t>hơn</a:t>
-            </a:r>
-            <a:r>
-              <a:rPr lang="en-US" dirty="0" smtClean="0"/>
-              <a:t> 1 </a:t>
-            </a:r>
-            <a:r>
-              <a:rPr lang="en-US" dirty="0" err="1" smtClean="0"/>
-              <a:t>ảnh</a:t>
-            </a:r>
-            <a:r>
-              <a:rPr lang="en-US" dirty="0" smtClean="0"/>
-              <a:t> </a:t>
-            </a:r>
-            <a:r>
-              <a:rPr lang="en-US" dirty="0" err="1" smtClean="0"/>
-              <a:t>trong</a:t>
-            </a:r>
-            <a:r>
-              <a:rPr lang="en-US" dirty="0" smtClean="0"/>
-              <a:t> </a:t>
-            </a:r>
-            <a:r>
-              <a:rPr lang="en-US" dirty="0" err="1" smtClean="0"/>
-              <a:t>ghi</a:t>
-            </a:r>
-            <a:r>
-              <a:rPr lang="en-US" dirty="0" smtClean="0"/>
-              <a:t> </a:t>
-            </a:r>
-            <a:r>
-              <a:rPr lang="en-US" dirty="0" err="1" smtClean="0"/>
-              <a:t>chú</a:t>
-            </a:r>
-            <a:endParaRPr lang="en-US" dirty="0" smtClean="0"/>
-          </a:p>
-          <a:p>
-            <a:pPr marL="457200" indent="-457200" algn="l">
-              <a:buFontTx/>
-              <a:buChar char="-"/>
-            </a:pPr>
-            <a:r>
-              <a:rPr lang="en-US" dirty="0" err="1" smtClean="0"/>
-              <a:t>Lưu</a:t>
-            </a:r>
-            <a:r>
-              <a:rPr lang="en-US" dirty="0" smtClean="0"/>
-              <a:t> </a:t>
-            </a:r>
-            <a:r>
-              <a:rPr lang="en-US" dirty="0" err="1" smtClean="0"/>
-              <a:t>trữ</a:t>
-            </a:r>
-            <a:r>
-              <a:rPr lang="en-US" dirty="0" smtClean="0"/>
-              <a:t> </a:t>
-            </a:r>
-            <a:r>
-              <a:rPr lang="en-US" dirty="0" err="1" smtClean="0"/>
-              <a:t>thêm</a:t>
-            </a:r>
-            <a:r>
-              <a:rPr lang="en-US" dirty="0" smtClean="0"/>
-              <a:t> </a:t>
-            </a:r>
-            <a:r>
-              <a:rPr lang="en-US" dirty="0" err="1" smtClean="0"/>
-              <a:t>ghi</a:t>
-            </a:r>
-            <a:r>
-              <a:rPr lang="en-US" dirty="0" smtClean="0"/>
-              <a:t> </a:t>
-            </a:r>
-            <a:r>
-              <a:rPr lang="en-US" dirty="0" err="1" smtClean="0"/>
-              <a:t>âm</a:t>
-            </a:r>
-            <a:r>
-              <a:rPr lang="en-US" dirty="0" smtClean="0"/>
-              <a:t>, video</a:t>
-            </a:r>
-            <a:endParaRPr lang="en-US" dirty="0"/>
-          </a:p>
-        </p:txBody>
-      </p:sp>
-    </p:spTree>
-    <p:extLst>
-      <p:ext uri="{BB962C8B-B14F-4D97-AF65-F5344CB8AC3E}">
-        <p14:creationId xmlns:p14="http://schemas.microsoft.com/office/powerpoint/2010/main" val="2382920897"/>
-      </p:ext>
-    </p:extLst>
-  </p:cSld>
-  <p:clrMapOvr>
-    <a:masterClrMapping/>
-  </p:clrMapOvr>
-</p:sld>
-</file>
-
-<file path=ppt/slides/slide27.xml><?xml version="1.0" encoding="utf-8"?>
-<p:sld xmlns:a="http://schemas.openxmlformats.org/drawingml/2006/main" xmlns:r="http://schemas.openxmlformats.org/officeDocument/2006/relationships" xmlns:p="http://schemas.openxmlformats.org/presentationml/2006/main">
-  <p:cSld>
-    <p:spTree>
-      <p:nvGrpSpPr>
-        <p:cNvPr id="1" name=""/>
-        <p:cNvGrpSpPr/>
-        <p:nvPr/>
-      </p:nvGrpSpPr>
-      <p:grpSpPr>
-        <a:xfrm>
-          <a:off x="0" y="0"/>
-          <a:ext cx="0" cy="0"/>
-          <a:chOff x="0" y="0"/>
-          <a:chExt cx="0" cy="0"/>
-        </a:xfrm>
-      </p:grpSpPr>
-      <p:sp>
-        <p:nvSpPr>
-          <p:cNvPr id="2" name="Title 1"/>
-          <p:cNvSpPr>
-            <a:spLocks noGrp="1"/>
-          </p:cNvSpPr>
-          <p:nvPr>
-            <p:ph type="ctrTitle"/>
-          </p:nvPr>
-        </p:nvSpPr>
-        <p:spPr/>
-        <p:txBody>
-          <a:bodyPr/>
-          <a:lstStyle/>
-          <a:p>
-            <a:r>
-              <a:rPr lang="en-US" dirty="0" err="1" smtClean="0"/>
-              <a:t>Câu</a:t>
-            </a:r>
-            <a:r>
-              <a:rPr lang="en-US" dirty="0" smtClean="0"/>
-              <a:t> </a:t>
-            </a:r>
-            <a:r>
-              <a:rPr lang="en-US" dirty="0" err="1" smtClean="0"/>
-              <a:t>hỏi</a:t>
-            </a:r>
-            <a:endParaRPr lang="en-US" dirty="0"/>
-          </a:p>
-        </p:txBody>
-      </p:sp>
-      <p:sp>
-        <p:nvSpPr>
-          <p:cNvPr id="3" name="Subtitle 2"/>
-          <p:cNvSpPr>
-            <a:spLocks noGrp="1"/>
-          </p:cNvSpPr>
-          <p:nvPr>
-            <p:ph type="subTitle" idx="1"/>
-          </p:nvPr>
-        </p:nvSpPr>
-        <p:spPr/>
-        <p:txBody>
-          <a:bodyPr>
-            <a:normAutofit/>
-          </a:bodyPr>
-          <a:lstStyle/>
-          <a:p>
-            <a:pPr marL="457200" indent="-457200" algn="l">
-              <a:buFontTx/>
-              <a:buChar char="-"/>
-            </a:pPr>
-            <a:endParaRPr lang="en-US" dirty="0"/>
-          </a:p>
-        </p:txBody>
-      </p:sp>
-    </p:spTree>
-    <p:extLst>
-      <p:ext uri="{BB962C8B-B14F-4D97-AF65-F5344CB8AC3E}">
-        <p14:creationId xmlns:p14="http://schemas.microsoft.com/office/powerpoint/2010/main" val="3277541970"/>
-      </p:ext>
-    </p:extLst>
-  </p:cSld>
-  <p:clrMapOvr>
-    <a:masterClrMapping/>
-  </p:clrMapOvr>
-</p:sld>
-</file>
-
-<file path=ppt/slides/slide28.xml><?xml version="1.0" encoding="utf-8"?>
-<p:sld xmlns:a="http://schemas.openxmlformats.org/drawingml/2006/main" xmlns:r="http://schemas.openxmlformats.org/officeDocument/2006/relationships" xmlns:p="http://schemas.openxmlformats.org/presentationml/2006/main">
-  <p:cSld>
-    <p:spTree>
-      <p:nvGrpSpPr>
-        <p:cNvPr id="1" name=""/>
-        <p:cNvGrpSpPr/>
-        <p:nvPr/>
-      </p:nvGrpSpPr>
-      <p:grpSpPr>
-        <a:xfrm>
-          <a:off x="0" y="0"/>
-          <a:ext cx="0" cy="0"/>
-          <a:chOff x="0" y="0"/>
-          <a:chExt cx="0" cy="0"/>
-        </a:xfrm>
-      </p:grpSpPr>
-      <p:sp>
-        <p:nvSpPr>
-          <p:cNvPr id="2" name="Title 1"/>
-          <p:cNvSpPr>
-            <a:spLocks noGrp="1"/>
-          </p:cNvSpPr>
-          <p:nvPr>
-            <p:ph type="ctrTitle"/>
-          </p:nvPr>
-        </p:nvSpPr>
-        <p:spPr/>
-        <p:txBody>
-          <a:bodyPr/>
-          <a:lstStyle/>
-          <a:p>
-            <a:r>
-              <a:rPr lang="en-US" dirty="0" err="1" smtClean="0"/>
               <a:t>Cảm</a:t>
             </a:r>
             <a:r>
@@ -7300,50 +8383,69 @@
               <a:rPr lang="en-US" dirty="0" err="1" smtClean="0"/>
               <a:t>ơn</a:t>
             </a:r>
-            <a:endParaRPr lang="en-US" dirty="0"/>
-          </a:p>
-        </p:txBody>
-      </p:sp>
-      <p:sp>
-        <p:nvSpPr>
-          <p:cNvPr id="3" name="Subtitle 2"/>
-          <p:cNvSpPr>
-            <a:spLocks noGrp="1"/>
-          </p:cNvSpPr>
-          <p:nvPr>
-            <p:ph type="subTitle" idx="1"/>
-          </p:nvPr>
-        </p:nvSpPr>
-        <p:spPr/>
-        <p:txBody>
-          <a:bodyPr>
-            <a:normAutofit/>
-          </a:bodyPr>
-          <a:lstStyle/>
-          <a:p>
-            <a:pPr marL="457200" indent="-457200" algn="l">
-              <a:buFontTx/>
-              <a:buChar char="-"/>
-            </a:pPr>
-            <a:r>
-              <a:rPr lang="en-US" dirty="0" err="1" smtClean="0"/>
-              <a:t>Lời</a:t>
-            </a:r>
-            <a:r>
-              <a:rPr lang="en-US" dirty="0" smtClean="0"/>
-              <a:t> </a:t>
-            </a:r>
-            <a:r>
-              <a:rPr lang="en-US" dirty="0" err="1" smtClean="0"/>
-              <a:t>cảm</a:t>
-            </a:r>
-            <a:r>
-              <a:rPr lang="en-US" dirty="0" smtClean="0"/>
-              <a:t> </a:t>
-            </a:r>
-            <a:r>
-              <a:rPr lang="en-US" dirty="0" err="1" smtClean="0"/>
-              <a:t>ơn</a:t>
+            <a:r>
+              <a:rPr lang="en-US" dirty="0" smtClean="0"/>
+              <a:t> </a:t>
+            </a:r>
+            <a:r>
+              <a:rPr lang="en-US" dirty="0" err="1" smtClean="0"/>
+              <a:t>các</a:t>
+            </a:r>
+            <a:r>
+              <a:rPr lang="en-US" dirty="0" smtClean="0"/>
+              <a:t> </a:t>
+            </a:r>
+            <a:r>
+              <a:rPr lang="en-US" dirty="0" err="1" smtClean="0"/>
+              <a:t>bạn</a:t>
+            </a:r>
+            <a:r>
+              <a:rPr lang="en-US" dirty="0" smtClean="0"/>
+              <a:t> </a:t>
+            </a:r>
+            <a:r>
+              <a:rPr lang="en-US" dirty="0" err="1" smtClean="0"/>
+              <a:t>đã</a:t>
+            </a:r>
+            <a:r>
+              <a:rPr lang="en-US" dirty="0" smtClean="0"/>
+              <a:t> </a:t>
+            </a:r>
+            <a:r>
+              <a:rPr lang="en-US" dirty="0" err="1" smtClean="0"/>
+              <a:t>tham</a:t>
+            </a:r>
+            <a:r>
+              <a:rPr lang="en-US" dirty="0" smtClean="0"/>
+              <a:t> </a:t>
+            </a:r>
+            <a:r>
+              <a:rPr lang="en-US" dirty="0" err="1" smtClean="0"/>
+              <a:t>gia</a:t>
+            </a:r>
+            <a:r>
+              <a:rPr lang="en-US" dirty="0" smtClean="0"/>
+              <a:t> </a:t>
+            </a:r>
+            <a:r>
+              <a:rPr lang="en-US" dirty="0" err="1" smtClean="0"/>
+              <a:t>buổi</a:t>
+            </a:r>
+            <a:r>
+              <a:rPr lang="en-US" dirty="0" smtClean="0"/>
+              <a:t> </a:t>
+            </a:r>
+            <a:r>
+              <a:rPr lang="en-US" dirty="0" err="1" smtClean="0"/>
+              <a:t>bảo</a:t>
+            </a:r>
+            <a:r>
+              <a:rPr lang="en-US" dirty="0" smtClean="0"/>
+              <a:t> </a:t>
+            </a:r>
+            <a:r>
+              <a:rPr lang="en-US" dirty="0" err="1" smtClean="0"/>
+              <a:t>vệ</a:t>
             </a:r>
             <a:endParaRPr lang="en-US" dirty="0"/>
           </a:p>
@@ -7389,7 +8491,12 @@
             <p:ph type="ctrTitle"/>
           </p:nvPr>
         </p:nvSpPr>
-        <p:spPr/>
+        <p:spPr>
+          <a:xfrm>
+            <a:off x="609600" y="381000"/>
+            <a:ext cx="7772400" cy="1470025"/>
+          </a:xfrm>
+        </p:spPr>
         <p:txBody>
           <a:bodyPr/>
           <a:lstStyle/>
@@ -7436,10 +8543,15 @@
             <p:ph type="subTitle" idx="1"/>
           </p:nvPr>
         </p:nvSpPr>
-        <p:spPr/>
+        <p:spPr>
+          <a:xfrm>
+            <a:off x="1371600" y="1828800"/>
+            <a:ext cx="6400800" cy="3810000"/>
+          </a:xfrm>
+        </p:spPr>
         <p:txBody>
           <a:bodyPr>
-            <a:normAutofit fontScale="70000" lnSpcReduction="20000"/>
+            <a:normAutofit/>
           </a:bodyPr>
           <a:lstStyle/>
           <a:p>
@@ -7675,7 +8787,12 @@
             <p:ph type="ctrTitle"/>
           </p:nvPr>
         </p:nvSpPr>
-        <p:spPr/>
+        <p:spPr>
+          <a:xfrm>
+            <a:off x="685800" y="304800"/>
+            <a:ext cx="7772400" cy="1470025"/>
+          </a:xfrm>
+        </p:spPr>
         <p:txBody>
           <a:bodyPr/>
           <a:lstStyle/>
@@ -7698,62 +8815,84 @@
             <p:ph type="subTitle" idx="1"/>
           </p:nvPr>
         </p:nvSpPr>
-        <p:spPr/>
+        <p:spPr>
+          <a:xfrm>
+            <a:off x="1371600" y="1828800"/>
+            <a:ext cx="4572000" cy="3810000"/>
+          </a:xfrm>
+        </p:spPr>
         <p:txBody>
           <a:bodyPr/>
           <a:lstStyle/>
           <a:p>
-            <a:r>
-              <a:rPr lang="en-US" dirty="0" err="1" smtClean="0"/>
-              <a:t>Phần</a:t>
-            </a:r>
-            <a:r>
-              <a:rPr lang="en-US" dirty="0" smtClean="0"/>
-              <a:t> </a:t>
-            </a:r>
-            <a:r>
-              <a:rPr lang="en-US" dirty="0" err="1" smtClean="0"/>
-              <a:t>nghiên</a:t>
-            </a:r>
-            <a:r>
-              <a:rPr lang="en-US" dirty="0" smtClean="0"/>
-              <a:t> </a:t>
-            </a:r>
-            <a:r>
-              <a:rPr lang="en-US" dirty="0" err="1" smtClean="0"/>
-              <a:t>cứu</a:t>
-            </a:r>
-            <a:r>
-              <a:rPr lang="en-US" dirty="0" smtClean="0"/>
-              <a:t>, </a:t>
-            </a:r>
-            <a:r>
-              <a:rPr lang="en-US" dirty="0" err="1" smtClean="0"/>
-              <a:t>sharedprefrences</a:t>
-            </a:r>
-            <a:r>
-              <a:rPr lang="en-US" dirty="0" smtClean="0"/>
-              <a:t> </a:t>
-            </a:r>
-            <a:r>
-              <a:rPr lang="en-US" dirty="0" err="1" smtClean="0"/>
-              <a:t>và</a:t>
-            </a:r>
-            <a:r>
-              <a:rPr lang="en-US" dirty="0" smtClean="0"/>
-              <a:t> </a:t>
-            </a:r>
-            <a:r>
-              <a:rPr lang="en-US" dirty="0" err="1" smtClean="0"/>
-              <a:t>lưu</a:t>
-            </a:r>
-            <a:r>
-              <a:rPr lang="en-US" dirty="0" smtClean="0"/>
-              <a:t> </a:t>
-            </a:r>
-            <a:r>
-              <a:rPr lang="en-US" dirty="0" err="1" smtClean="0"/>
-              <a:t>trữ</a:t>
+            <a:pPr algn="l"/>
+            <a:r>
+              <a:rPr lang="en-US" dirty="0" err="1" smtClean="0"/>
+              <a:t>Lần</a:t>
+            </a:r>
+            <a:r>
+              <a:rPr lang="en-US" dirty="0" smtClean="0"/>
+              <a:t> </a:t>
+            </a:r>
+            <a:r>
+              <a:rPr lang="en-US" dirty="0" err="1" smtClean="0"/>
+              <a:t>đầu</a:t>
+            </a:r>
+            <a:r>
+              <a:rPr lang="en-US" dirty="0" smtClean="0"/>
+              <a:t> </a:t>
+            </a:r>
+            <a:r>
+              <a:rPr lang="en-US" dirty="0" err="1" smtClean="0"/>
+              <a:t>tiên</a:t>
+            </a:r>
+            <a:r>
+              <a:rPr lang="en-US" dirty="0" smtClean="0"/>
+              <a:t> </a:t>
+            </a:r>
+            <a:r>
+              <a:rPr lang="en-US" dirty="0" err="1" smtClean="0"/>
+              <a:t>chạy</a:t>
+            </a:r>
+            <a:r>
+              <a:rPr lang="en-US" dirty="0" smtClean="0"/>
+              <a:t> </a:t>
+            </a:r>
+            <a:r>
+              <a:rPr lang="en-US" dirty="0" err="1" smtClean="0"/>
+              <a:t>ứng</a:t>
+            </a:r>
+            <a:r>
+              <a:rPr lang="en-US" dirty="0" smtClean="0"/>
+              <a:t> </a:t>
+            </a:r>
+            <a:r>
+              <a:rPr lang="en-US" dirty="0" err="1" smtClean="0"/>
+              <a:t>dụng</a:t>
+            </a:r>
+            <a:endParaRPr lang="en-US" dirty="0" smtClean="0"/>
+          </a:p>
+          <a:p>
+            <a:pPr algn="l"/>
+            <a:r>
+              <a:rPr lang="en-US" dirty="0" err="1" smtClean="0"/>
+              <a:t>Yêu</a:t>
+            </a:r>
+            <a:r>
+              <a:rPr lang="en-US" dirty="0" smtClean="0"/>
+              <a:t> </a:t>
+            </a:r>
+            <a:r>
+              <a:rPr lang="en-US" dirty="0" err="1" smtClean="0"/>
+              <a:t>cầu</a:t>
+            </a:r>
+            <a:r>
+              <a:rPr lang="en-US" dirty="0" smtClean="0"/>
+              <a:t> </a:t>
+            </a:r>
+            <a:r>
+              <a:rPr lang="en-US" dirty="0" err="1" smtClean="0"/>
+              <a:t>tạo</a:t>
             </a:r>
             <a:r>
               <a:rPr lang="en-US" dirty="0" smtClean="0"/>
@@ -7771,10 +8910,64 @@
               <a:rPr lang="en-US" dirty="0" err="1" smtClean="0"/>
               <a:t>khẩu</a:t>
             </a:r>
+            <a:r>
+              <a:rPr lang="en-US" dirty="0" smtClean="0"/>
+              <a:t> </a:t>
+            </a:r>
+            <a:r>
+              <a:rPr lang="en-US" dirty="0" err="1" smtClean="0"/>
+              <a:t>để</a:t>
+            </a:r>
+            <a:r>
+              <a:rPr lang="en-US" dirty="0" smtClean="0"/>
+              <a:t> </a:t>
+            </a:r>
+            <a:r>
+              <a:rPr lang="en-US" dirty="0" err="1" smtClean="0"/>
+              <a:t>bảo</a:t>
+            </a:r>
+            <a:r>
+              <a:rPr lang="en-US" dirty="0" smtClean="0"/>
+              <a:t> </a:t>
+            </a:r>
+            <a:r>
+              <a:rPr lang="en-US" dirty="0" err="1" smtClean="0"/>
+              <a:t>mật</a:t>
+            </a:r>
             <a:endParaRPr lang="en-US" dirty="0"/>
           </a:p>
         </p:txBody>
       </p:sp>
+      <p:pic>
+        <p:nvPicPr>
+          <p:cNvPr id="4" name="Picture 3"/>
+          <p:cNvPicPr>
+            <a:picLocks noChangeAspect="1"/>
+          </p:cNvPicPr>
+          <p:nvPr/>
+        </p:nvPicPr>
+        <p:blipFill>
+          <a:blip r:embed="rId2">
+            <a:extLst>
+              <a:ext uri="{28A0092B-C50C-407E-A947-70E740481C1C}">
+                <a14:useLocalDpi xmlns:a14="http://schemas.microsoft.com/office/drawing/2010/main" val="0"/>
+              </a:ext>
+            </a:extLst>
+          </a:blip>
+          <a:stretch>
+            <a:fillRect/>
+          </a:stretch>
+        </p:blipFill>
+        <p:spPr>
+          <a:xfrm>
+            <a:off x="6324600" y="1524000"/>
+            <a:ext cx="2667000" cy="4216065"/>
+          </a:xfrm>
+          <a:prstGeom prst="rect">
+            <a:avLst/>
+          </a:prstGeom>
+        </p:spPr>
+      </p:pic>
     </p:spTree>
     <p:extLst>
       <p:ext uri="{BB962C8B-B14F-4D97-AF65-F5344CB8AC3E}">
@@ -7815,26 +9008,19 @@
             <p:ph type="ctrTitle"/>
           </p:nvPr>
         </p:nvSpPr>
-        <p:spPr/>
+        <p:spPr>
+          <a:xfrm>
+            <a:off x="685800" y="304800"/>
+            <a:ext cx="7772400" cy="1470025"/>
+          </a:xfrm>
+        </p:spPr>
         <p:txBody>
           <a:bodyPr/>
           <a:lstStyle/>
           <a:p>
             <a:r>
               <a:rPr lang="en-US" dirty="0" smtClean="0"/>
-              <a:t>Login activity </a:t>
-            </a:r>
-            <a:r>
-              <a:rPr lang="en-US" dirty="0" err="1" smtClean="0"/>
-              <a:t>chức</a:t>
-            </a:r>
-            <a:r>
-              <a:rPr lang="en-US" dirty="0" smtClean="0"/>
-              <a:t> </a:t>
-            </a:r>
-            <a:r>
-              <a:rPr lang="en-US" dirty="0" err="1" smtClean="0"/>
-              <a:t>năng</a:t>
+              <a:t>Login activity</a:t>
             </a:r>
             <a:endParaRPr lang="en-US" dirty="0"/>
           </a:p>
@@ -7850,18 +9036,20 @@
             <p:ph type="subTitle" idx="1"/>
           </p:nvPr>
         </p:nvSpPr>
-        <p:spPr/>
+        <p:spPr>
+          <a:xfrm>
+            <a:off x="1371600" y="1905000"/>
+            <a:ext cx="4114800" cy="3733800"/>
+          </a:xfrm>
+        </p:spPr>
         <p:txBody>
           <a:bodyPr/>
           <a:lstStyle/>
           <a:p>
-            <a:pPr marL="457200" indent="-457200">
-              <a:buFontTx/>
-              <a:buChar char="-"/>
-            </a:pPr>
-            <a:r>
-              <a:rPr lang="en-US" dirty="0" err="1" smtClean="0"/>
-              <a:t>bảo</a:t>
+            <a:pPr algn="l"/>
+            <a:r>
+              <a:rPr lang="en-US" dirty="0" err="1" smtClean="0"/>
+              <a:t>Tạo</a:t>
             </a:r>
             <a:r>
               <a:rPr lang="en-US" dirty="0" smtClean="0"/>
@@ -7877,51 +9065,90 @@
             </a:r>
             <a:r>
               <a:rPr lang="en-US" dirty="0" err="1" smtClean="0"/>
-              <a:t>ứng</a:t>
-            </a:r>
-            <a:r>
-              <a:rPr lang="en-US" dirty="0" smtClean="0"/>
-              <a:t> </a:t>
-            </a:r>
-            <a:r>
-              <a:rPr lang="en-US" dirty="0" err="1" smtClean="0"/>
-              <a:t>dụng</a:t>
-            </a:r>
-            <a:endParaRPr lang="en-US" dirty="0" smtClean="0"/>
-          </a:p>
-          <a:p>
-            <a:pPr marL="457200" indent="-457200">
-              <a:buFontTx/>
-              <a:buChar char="-"/>
-            </a:pPr>
-            <a:r>
-              <a:rPr lang="en-US" dirty="0" err="1" smtClean="0"/>
-              <a:t>Cá</a:t>
-            </a:r>
-            <a:r>
-              <a:rPr lang="en-US" dirty="0" smtClean="0"/>
-              <a:t> </a:t>
-            </a:r>
-            <a:r>
-              <a:rPr lang="en-US" dirty="0" err="1" smtClean="0"/>
-              <a:t>nhân</a:t>
-            </a:r>
-            <a:r>
-              <a:rPr lang="en-US" dirty="0" smtClean="0"/>
-              <a:t> </a:t>
-            </a:r>
-            <a:r>
-              <a:rPr lang="en-US" dirty="0" err="1" smtClean="0"/>
-              <a:t>hóa</a:t>
+              <a:t>khẩu</a:t>
+            </a:r>
+            <a:r>
+              <a:rPr lang="en-US" dirty="0" smtClean="0"/>
+              <a:t> </a:t>
+            </a:r>
+            <a:r>
+              <a:rPr lang="en-US" dirty="0" err="1" smtClean="0"/>
+              <a:t>xong</a:t>
+            </a:r>
+            <a:r>
+              <a:rPr lang="en-US" dirty="0" smtClean="0"/>
+              <a:t> </a:t>
+            </a:r>
+            <a:r>
+              <a:rPr lang="en-US" dirty="0" err="1" smtClean="0"/>
+              <a:t>sẽ</a:t>
+            </a:r>
+            <a:r>
+              <a:rPr lang="en-US" dirty="0" smtClean="0"/>
+              <a:t> </a:t>
+            </a:r>
+            <a:r>
+              <a:rPr lang="en-US" dirty="0" err="1" smtClean="0"/>
+              <a:t>chuyển</a:t>
+            </a:r>
+            <a:r>
+              <a:rPr lang="en-US" dirty="0" smtClean="0"/>
+              <a:t> qua </a:t>
+            </a:r>
+            <a:r>
+              <a:rPr lang="en-US" dirty="0" err="1" smtClean="0"/>
+              <a:t>giao</a:t>
+            </a:r>
+            <a:r>
+              <a:rPr lang="en-US" dirty="0" smtClean="0"/>
+              <a:t> </a:t>
+            </a:r>
+            <a:r>
+              <a:rPr lang="en-US" dirty="0" err="1" smtClean="0"/>
+              <a:t>diện</a:t>
+            </a:r>
+            <a:r>
+              <a:rPr lang="en-US" dirty="0" smtClean="0"/>
+              <a:t> login</a:t>
             </a:r>
             <a:endParaRPr lang="en-US" dirty="0"/>
           </a:p>
         </p:txBody>
       </p:sp>
+      <p:pic>
+        <p:nvPicPr>
+          <p:cNvPr id="5" name="Picture 4"/>
+          <p:cNvPicPr>
+            <a:picLocks noChangeAspect="1"/>
+          </p:cNvPicPr>
+          <p:nvPr/>
+        </p:nvPicPr>
+        <p:blipFill>
+          <a:blip r:embed="rId2">
+            <a:extLst>
+              <a:ext uri="{28A0092B-C50C-407E-A947-70E740481C1C}">
+                <a14:useLocalDpi xmlns:a14="http://schemas.microsoft.com/office/drawing/2010/main" val="0"/>
+              </a:ext>
+            </a:extLst>
+          </a:blip>
+          <a:stretch>
+            <a:fillRect/>
+          </a:stretch>
+        </p:blipFill>
+        <p:spPr>
+          <a:xfrm>
+            <a:off x="6096000" y="1676399"/>
+            <a:ext cx="2623039" cy="4011707"/>
+          </a:xfrm>
+          <a:prstGeom prst="rect">
+            <a:avLst/>
+          </a:prstGeom>
+        </p:spPr>
+      </p:pic>
     </p:spTree>
     <p:extLst>
       <p:ext uri="{BB962C8B-B14F-4D97-AF65-F5344CB8AC3E}">
-        <p14:creationId xmlns:p14="http://schemas.microsoft.com/office/powerpoint/2010/main" val="3014151600"/>
+        <p14:creationId xmlns:p14="http://schemas.microsoft.com/office/powerpoint/2010/main" val="3374115781"/>
       </p:ext>
     </p:extLst>
   </p:cSld>
@@ -7958,7 +9185,12 @@
             <p:ph type="ctrTitle"/>
           </p:nvPr>
         </p:nvSpPr>
-        <p:spPr/>
+        <p:spPr>
+          <a:xfrm>
+            <a:off x="609600" y="381000"/>
+            <a:ext cx="7772400" cy="1470025"/>
+          </a:xfrm>
+        </p:spPr>
         <p:txBody>
           <a:bodyPr/>
           <a:lstStyle/>
@@ -7993,36 +9225,31 @@
             <p:ph type="subTitle" idx="1"/>
           </p:nvPr>
         </p:nvSpPr>
-        <p:spPr/>
-        <p:txBody>
-          <a:bodyPr>
-            <a:normAutofit fontScale="92500" lnSpcReduction="20000"/>
-          </a:bodyPr>
+        <p:spPr>
+          <a:xfrm>
+            <a:off x="1371600" y="1752600"/>
+            <a:ext cx="6400800" cy="3886200"/>
+          </a:xfrm>
+        </p:spPr>
+        <p:txBody>
+          <a:bodyPr/>
           <a:lstStyle/>
           <a:p>
-            <a:pPr marL="457200" indent="-457200">
+            <a:pPr marL="457200" indent="-457200" algn="l">
               <a:buFontTx/>
               <a:buChar char="-"/>
             </a:pPr>
             <a:r>
               <a:rPr lang="en-US" dirty="0" err="1" smtClean="0"/>
-              <a:t>Lần</a:t>
-            </a:r>
-            <a:r>
-              <a:rPr lang="en-US" dirty="0" smtClean="0"/>
-              <a:t> </a:t>
-            </a:r>
-            <a:r>
-              <a:rPr lang="en-US" dirty="0" err="1" smtClean="0"/>
-              <a:t>đầu</a:t>
-            </a:r>
-            <a:r>
-              <a:rPr lang="en-US" dirty="0" smtClean="0"/>
-              <a:t> </a:t>
-            </a:r>
-            <a:r>
-              <a:rPr lang="en-US" dirty="0" err="1" smtClean="0"/>
-              <a:t>chạy</a:t>
+              <a:t>Bảo</a:t>
+            </a:r>
+            <a:r>
+              <a:rPr lang="en-US" dirty="0" smtClean="0"/>
+              <a:t> </a:t>
+            </a:r>
+            <a:r>
+              <a:rPr lang="en-US" dirty="0" err="1" smtClean="0"/>
+              <a:t>mật</a:t>
             </a:r>
             <a:r>
               <a:rPr lang="en-US" dirty="0" smtClean="0"/>
@@ -8040,128 +9267,32 @@
               <a:rPr lang="en-US" dirty="0" err="1" smtClean="0"/>
               <a:t>dụng</a:t>
             </a:r>
-            <a:r>
-              <a:rPr lang="en-US" dirty="0" smtClean="0"/>
-              <a:t> </a:t>
-            </a:r>
-            <a:r>
-              <a:rPr lang="en-US" dirty="0" err="1" smtClean="0"/>
-              <a:t>kiểm</a:t>
-            </a:r>
-            <a:r>
-              <a:rPr lang="en-US" dirty="0" smtClean="0"/>
-              <a:t> </a:t>
-            </a:r>
-            <a:r>
-              <a:rPr lang="en-US" dirty="0" err="1" smtClean="0"/>
-              <a:t>tra</a:t>
-            </a:r>
-            <a:r>
-              <a:rPr lang="en-US" dirty="0" smtClean="0"/>
-              <a:t> </a:t>
-            </a:r>
-            <a:r>
-              <a:rPr lang="en-US" dirty="0" err="1" smtClean="0"/>
-              <a:t>mật</a:t>
-            </a:r>
-            <a:r>
-              <a:rPr lang="en-US" dirty="0" smtClean="0"/>
-              <a:t> </a:t>
-            </a:r>
-            <a:r>
-              <a:rPr lang="en-US" dirty="0" err="1" smtClean="0"/>
-              <a:t>khẩu</a:t>
-            </a:r>
-            <a:r>
-              <a:rPr lang="en-US" dirty="0" smtClean="0"/>
-              <a:t> </a:t>
-            </a:r>
-            <a:r>
-              <a:rPr lang="en-US" dirty="0" err="1" smtClean="0"/>
-              <a:t>đã</a:t>
-            </a:r>
-            <a:r>
-              <a:rPr lang="en-US" dirty="0" smtClean="0"/>
-              <a:t> </a:t>
-            </a:r>
-            <a:r>
-              <a:rPr lang="en-US" dirty="0" err="1" smtClean="0"/>
-              <a:t>lưu</a:t>
-            </a:r>
             <a:endParaRPr lang="en-US" dirty="0" smtClean="0"/>
           </a:p>
           <a:p>
-            <a:pPr marL="457200" indent="-457200">
+            <a:pPr marL="457200" indent="-457200" algn="l">
               <a:buFontTx/>
               <a:buChar char="-"/>
             </a:pPr>
             <a:r>
               <a:rPr lang="en-US" dirty="0" err="1" smtClean="0"/>
-              <a:t>Nếu</a:t>
-            </a:r>
-            <a:r>
-              <a:rPr lang="en-US" dirty="0" smtClean="0"/>
-              <a:t> </a:t>
-            </a:r>
-            <a:r>
-              <a:rPr lang="en-US" dirty="0" err="1" smtClean="0"/>
-              <a:t>chưa</a:t>
-            </a:r>
-            <a:r>
-              <a:rPr lang="en-US" dirty="0" smtClean="0"/>
-              <a:t> </a:t>
-            </a:r>
-            <a:r>
-              <a:rPr lang="en-US" dirty="0" err="1" smtClean="0"/>
-              <a:t>lưu</a:t>
-            </a:r>
-            <a:r>
-              <a:rPr lang="en-US" dirty="0" smtClean="0"/>
-              <a:t>, </a:t>
-            </a:r>
-            <a:r>
-              <a:rPr lang="en-US" dirty="0" err="1" smtClean="0"/>
-              <a:t>hiện</a:t>
-            </a:r>
-            <a:r>
-              <a:rPr lang="en-US" dirty="0" smtClean="0"/>
-              <a:t> form </a:t>
-            </a:r>
-            <a:r>
-              <a:rPr lang="en-US" dirty="0" err="1" smtClean="0"/>
-              <a:t>tạo</a:t>
-            </a:r>
-            <a:r>
-              <a:rPr lang="en-US" dirty="0" smtClean="0"/>
-              <a:t> </a:t>
-            </a:r>
-            <a:r>
-              <a:rPr lang="en-US" dirty="0" err="1" smtClean="0"/>
-              <a:t>mật</a:t>
-            </a:r>
-            <a:r>
-              <a:rPr lang="en-US" dirty="0" smtClean="0"/>
-              <a:t> </a:t>
-            </a:r>
-            <a:r>
-              <a:rPr lang="en-US" dirty="0" err="1" smtClean="0"/>
-              <a:t>khẩu</a:t>
-            </a:r>
-            <a:r>
-              <a:rPr lang="en-US" dirty="0" smtClean="0"/>
-              <a:t> </a:t>
-            </a:r>
-            <a:r>
-              <a:rPr lang="en-US" dirty="0" err="1" smtClean="0"/>
-              <a:t>và</a:t>
-            </a:r>
-            <a:r>
-              <a:rPr lang="en-US" dirty="0" smtClean="0"/>
-              <a:t> </a:t>
-            </a:r>
-            <a:r>
-              <a:rPr lang="en-US" dirty="0" err="1" smtClean="0"/>
-              <a:t>lưu</a:t>
+              <a:t>Cá</a:t>
+            </a:r>
+            <a:r>
+              <a:rPr lang="en-US" dirty="0" smtClean="0"/>
+              <a:t> </a:t>
+            </a:r>
+            <a:r>
+              <a:rPr lang="en-US" dirty="0" err="1" smtClean="0"/>
+              <a:t>nhân</a:t>
+            </a:r>
+            <a:r>
+              <a:rPr lang="en-US" dirty="0" smtClean="0"/>
+              <a:t> </a:t>
+            </a:r>
+            <a:r>
+              <a:rPr lang="en-US" dirty="0" err="1" smtClean="0"/>
+              <a:t>hóa</a:t>
             </a:r>
             <a:endParaRPr lang="en-US" dirty="0"/>
           </a:p>
@@ -8170,7 +9301,7 @@
     </p:spTree>
     <p:extLst>
       <p:ext uri="{BB962C8B-B14F-4D97-AF65-F5344CB8AC3E}">
-        <p14:creationId xmlns:p14="http://schemas.microsoft.com/office/powerpoint/2010/main" val="54112490"/>
+        <p14:creationId xmlns:p14="http://schemas.microsoft.com/office/powerpoint/2010/main" val="3014151600"/>
       </p:ext>
     </p:extLst>
   </p:cSld>
@@ -8207,7 +9338,12 @@
             <p:ph type="ctrTitle"/>
           </p:nvPr>
         </p:nvSpPr>
-        <p:spPr/>
+        <p:spPr>
+          <a:xfrm>
+            <a:off x="685800" y="304800"/>
+            <a:ext cx="7772400" cy="1470025"/>
+          </a:xfrm>
+        </p:spPr>
         <p:txBody>
           <a:bodyPr/>
           <a:lstStyle/>
@@ -8242,138 +9378,139 @@
             <p:ph type="subTitle" idx="1"/>
           </p:nvPr>
         </p:nvSpPr>
-        <p:spPr/>
+        <p:spPr>
+          <a:xfrm>
+            <a:off x="1371600" y="1676400"/>
+            <a:ext cx="6400800" cy="3962400"/>
+          </a:xfrm>
+        </p:spPr>
         <p:txBody>
           <a:bodyPr>
-            <a:normAutofit fontScale="92500"/>
+            <a:normAutofit/>
           </a:bodyPr>
           <a:lstStyle/>
           <a:p>
-            <a:pPr marL="457200" indent="-457200">
+            <a:pPr marL="457200" indent="-457200" algn="l">
               <a:buFontTx/>
               <a:buChar char="-"/>
             </a:pPr>
             <a:r>
-              <a:rPr lang="en-US" dirty="0" err="1" smtClean="0"/>
-              <a:t>Nếu</a:t>
-            </a:r>
-            <a:r>
-              <a:rPr lang="en-US" dirty="0" smtClean="0"/>
-              <a:t> </a:t>
-            </a:r>
-            <a:r>
-              <a:rPr lang="en-US" dirty="0" err="1" smtClean="0"/>
-              <a:t>đã</a:t>
-            </a:r>
-            <a:r>
-              <a:rPr lang="en-US" dirty="0" smtClean="0"/>
-              <a:t> </a:t>
-            </a:r>
-            <a:r>
-              <a:rPr lang="en-US" dirty="0" err="1" smtClean="0"/>
-              <a:t>lưu</a:t>
-            </a:r>
-            <a:r>
-              <a:rPr lang="en-US" dirty="0" smtClean="0"/>
-              <a:t> </a:t>
-            </a:r>
-            <a:r>
-              <a:rPr lang="en-US" dirty="0" err="1" smtClean="0"/>
-              <a:t>mật</a:t>
-            </a:r>
-            <a:r>
-              <a:rPr lang="en-US" dirty="0" smtClean="0"/>
-              <a:t> </a:t>
-            </a:r>
-            <a:r>
-              <a:rPr lang="en-US" dirty="0" err="1" smtClean="0"/>
-              <a:t>khẩu</a:t>
-            </a:r>
-            <a:r>
-              <a:rPr lang="en-US" dirty="0" smtClean="0"/>
-              <a:t> </a:t>
-            </a:r>
-            <a:r>
-              <a:rPr lang="en-US" dirty="0" err="1" smtClean="0"/>
-              <a:t>hiện</a:t>
-            </a:r>
-            <a:r>
-              <a:rPr lang="en-US" dirty="0" smtClean="0"/>
-              <a:t> form login</a:t>
-            </a:r>
-          </a:p>
-          <a:p>
-            <a:pPr marL="457200" indent="-457200">
+              <a:rPr lang="en-US" dirty="0" smtClean="0"/>
+              <a:t>Login </a:t>
+            </a:r>
+            <a:r>
+              <a:rPr lang="en-US" dirty="0" err="1" smtClean="0"/>
+              <a:t>thành</a:t>
+            </a:r>
+            <a:r>
+              <a:rPr lang="en-US" dirty="0" smtClean="0"/>
+              <a:t> </a:t>
+            </a:r>
+            <a:r>
+              <a:rPr lang="en-US" dirty="0" err="1" smtClean="0"/>
+              <a:t>công</a:t>
+            </a:r>
+            <a:r>
+              <a:rPr lang="en-US" dirty="0" smtClean="0"/>
+              <a:t> </a:t>
+            </a:r>
+            <a:r>
+              <a:rPr lang="en-US" dirty="0" err="1" smtClean="0"/>
+              <a:t>thì</a:t>
+            </a:r>
+            <a:r>
+              <a:rPr lang="en-US" dirty="0" smtClean="0"/>
+              <a:t> </a:t>
+            </a:r>
+            <a:r>
+              <a:rPr lang="en-US" dirty="0" err="1" smtClean="0"/>
+              <a:t>mở</a:t>
+            </a:r>
+            <a:r>
+              <a:rPr lang="en-US" dirty="0" smtClean="0"/>
+              <a:t> home activity ( </a:t>
+            </a:r>
+            <a:r>
+              <a:rPr lang="en-US" dirty="0" err="1" smtClean="0"/>
+              <a:t>danh</a:t>
+            </a:r>
+            <a:r>
+              <a:rPr lang="en-US" dirty="0" smtClean="0"/>
+              <a:t> </a:t>
+            </a:r>
+            <a:r>
+              <a:rPr lang="en-US" dirty="0" err="1" smtClean="0"/>
+              <a:t>sách</a:t>
+            </a:r>
+            <a:r>
+              <a:rPr lang="en-US" dirty="0" smtClean="0"/>
+              <a:t> </a:t>
+            </a:r>
+            <a:r>
+              <a:rPr lang="en-US" dirty="0" err="1" smtClean="0"/>
+              <a:t>ghi</a:t>
+            </a:r>
+            <a:r>
+              <a:rPr lang="en-US" dirty="0" smtClean="0"/>
+              <a:t> </a:t>
+            </a:r>
+            <a:r>
+              <a:rPr lang="en-US" dirty="0" err="1" smtClean="0"/>
+              <a:t>chú</a:t>
+            </a:r>
+            <a:r>
+              <a:rPr lang="en-US" dirty="0" smtClean="0"/>
+              <a:t>)</a:t>
+            </a:r>
+          </a:p>
+          <a:p>
+            <a:pPr marL="457200" indent="-457200" algn="l">
               <a:buFontTx/>
               <a:buChar char="-"/>
             </a:pPr>
             <a:r>
-              <a:rPr lang="en-US" dirty="0" smtClean="0"/>
-              <a:t> </a:t>
-            </a:r>
-            <a:r>
-              <a:rPr lang="en-US" dirty="0" err="1" smtClean="0"/>
-              <a:t>người</a:t>
-            </a:r>
-            <a:r>
-              <a:rPr lang="en-US" dirty="0" smtClean="0"/>
-              <a:t> </a:t>
-            </a:r>
-            <a:r>
-              <a:rPr lang="en-US" dirty="0" err="1" smtClean="0"/>
-              <a:t>dùng</a:t>
-            </a:r>
-            <a:r>
-              <a:rPr lang="en-US" dirty="0" smtClean="0"/>
-              <a:t> </a:t>
-            </a:r>
-            <a:r>
-              <a:rPr lang="en-US" dirty="0" err="1" smtClean="0"/>
-              <a:t>nhập</a:t>
-            </a:r>
-            <a:r>
-              <a:rPr lang="en-US" dirty="0" smtClean="0"/>
-              <a:t> </a:t>
-            </a:r>
-            <a:r>
-              <a:rPr lang="en-US" dirty="0" err="1" smtClean="0"/>
-              <a:t>mật</a:t>
-            </a:r>
-            <a:r>
-              <a:rPr lang="en-US" dirty="0" smtClean="0"/>
-              <a:t> </a:t>
-            </a:r>
-            <a:r>
-              <a:rPr lang="en-US" dirty="0" err="1" smtClean="0"/>
-              <a:t>khẩu</a:t>
-            </a:r>
-            <a:r>
-              <a:rPr lang="en-US" dirty="0" smtClean="0"/>
-              <a:t> </a:t>
-            </a:r>
-            <a:r>
-              <a:rPr lang="en-US" dirty="0" err="1" smtClean="0"/>
-              <a:t>và</a:t>
-            </a:r>
-            <a:r>
-              <a:rPr lang="en-US" dirty="0" smtClean="0"/>
-              <a:t> </a:t>
-            </a:r>
-            <a:r>
-              <a:rPr lang="en-US" dirty="0" err="1" smtClean="0"/>
-              <a:t>nhấn</a:t>
-            </a:r>
-            <a:r>
-              <a:rPr lang="en-US" dirty="0" smtClean="0"/>
-              <a:t> </a:t>
-            </a:r>
-            <a:r>
-              <a:rPr lang="en-US" dirty="0" err="1" smtClean="0"/>
-              <a:t>nút</a:t>
-            </a:r>
-            <a:r>
-              <a:rPr lang="en-US" dirty="0" smtClean="0"/>
-              <a:t> login</a:t>
+              <a:rPr lang="en-US" dirty="0" err="1" smtClean="0"/>
+              <a:t>Nếu</a:t>
+            </a:r>
+            <a:r>
+              <a:rPr lang="en-US" dirty="0" smtClean="0"/>
+              <a:t> </a:t>
+            </a:r>
+            <a:r>
+              <a:rPr lang="en-US" dirty="0" smtClean="0"/>
+              <a:t>login </a:t>
+            </a:r>
+            <a:r>
+              <a:rPr lang="en-US" dirty="0" err="1" smtClean="0"/>
+              <a:t>không</a:t>
+            </a:r>
+            <a:r>
+              <a:rPr lang="en-US" dirty="0" smtClean="0"/>
+              <a:t> </a:t>
+            </a:r>
+            <a:r>
+              <a:rPr lang="en-US" dirty="0" err="1" smtClean="0"/>
+              <a:t>thành</a:t>
+            </a:r>
+            <a:r>
+              <a:rPr lang="en-US" dirty="0" smtClean="0"/>
+              <a:t> </a:t>
+            </a:r>
+            <a:r>
+              <a:rPr lang="en-US" dirty="0" err="1" smtClean="0"/>
+              <a:t>công</a:t>
+            </a:r>
+            <a:r>
+              <a:rPr lang="en-US" dirty="0" smtClean="0"/>
+              <a:t> quay </a:t>
+            </a:r>
+            <a:r>
+              <a:rPr lang="en-US" dirty="0" err="1" smtClean="0"/>
+              <a:t>lại</a:t>
+            </a:r>
+            <a:r>
+              <a:rPr lang="en-US" dirty="0" smtClean="0"/>
+              <a:t> form login</a:t>
             </a:r>
             <a:endParaRPr lang="en-US" dirty="0"/>
           </a:p>
@@ -8382,7 +9519,7 @@
     </p:spTree>
     <p:extLst>
       <p:ext uri="{BB962C8B-B14F-4D97-AF65-F5344CB8AC3E}">
-        <p14:creationId xmlns:p14="http://schemas.microsoft.com/office/powerpoint/2010/main" val="2113081529"/>
+        <p14:creationId xmlns:p14="http://schemas.microsoft.com/office/powerpoint/2010/main" val="3684368567"/>
       </p:ext>
     </p:extLst>
   </p:cSld>
@@ -8419,7 +9556,12 @@
             <p:ph type="ctrTitle"/>
           </p:nvPr>
         </p:nvSpPr>
-        <p:spPr/>
+        <p:spPr>
+          <a:xfrm>
+            <a:off x="685800" y="381000"/>
+            <a:ext cx="7772400" cy="1470025"/>
+          </a:xfrm>
+        </p:spPr>
         <p:txBody>
           <a:bodyPr/>
           <a:lstStyle/>
@@ -8430,15 +9572,15 @@
             </a:r>
             <a:r>
               <a:rPr lang="en-US" dirty="0" err="1" smtClean="0"/>
-              <a:t>chức</a:t>
-            </a:r>
-            <a:r>
-              <a:rPr lang="en-US" dirty="0" smtClean="0"/>
-              <a:t> </a:t>
-            </a:r>
-            <a:r>
-              <a:rPr lang="en-US" dirty="0" err="1" smtClean="0"/>
-              <a:t>năng</a:t>
+              <a:t>thiết</a:t>
+            </a:r>
+            <a:r>
+              <a:rPr lang="en-US" dirty="0" smtClean="0"/>
+              <a:t> </a:t>
+            </a:r>
+            <a:r>
+              <a:rPr lang="en-US" dirty="0" err="1" smtClean="0"/>
+              <a:t>kế</a:t>
             </a:r>
             <a:endParaRPr lang="en-US" dirty="0"/>
           </a:p>
@@ -8454,143 +9596,68 @@
             <p:ph type="subTitle" idx="1"/>
           </p:nvPr>
         </p:nvSpPr>
-        <p:spPr/>
+        <p:spPr>
+          <a:xfrm>
+            <a:off x="1371600" y="1752600"/>
+            <a:ext cx="6400800" cy="3886200"/>
+          </a:xfrm>
+        </p:spPr>
         <p:txBody>
           <a:bodyPr>
-            <a:normAutofit fontScale="92500" lnSpcReduction="20000"/>
+            <a:normAutofit/>
           </a:bodyPr>
           <a:lstStyle/>
           <a:p>
-            <a:pPr marL="457200" indent="-457200">
+            <a:pPr marL="457200" indent="-457200" algn="l">
               <a:buFontTx/>
               <a:buChar char="-"/>
             </a:pPr>
             <a:r>
               <a:rPr lang="en-US" dirty="0" smtClean="0"/>
-              <a:t>Login </a:t>
-            </a:r>
-            <a:r>
-              <a:rPr lang="en-US" dirty="0" err="1" smtClean="0"/>
-              <a:t>thành</a:t>
-            </a:r>
-            <a:r>
-              <a:rPr lang="en-US" dirty="0" smtClean="0"/>
-              <a:t> </a:t>
-            </a:r>
-            <a:r>
-              <a:rPr lang="en-US" dirty="0" err="1" smtClean="0"/>
-              <a:t>công</a:t>
-            </a:r>
-            <a:r>
-              <a:rPr lang="en-US" dirty="0" smtClean="0"/>
-              <a:t> </a:t>
-            </a:r>
-            <a:r>
-              <a:rPr lang="en-US" dirty="0" err="1" smtClean="0"/>
-              <a:t>thì</a:t>
-            </a:r>
-            <a:r>
-              <a:rPr lang="en-US" dirty="0" smtClean="0"/>
-              <a:t> </a:t>
-            </a:r>
-            <a:r>
-              <a:rPr lang="en-US" dirty="0" err="1" smtClean="0"/>
-              <a:t>mở</a:t>
-            </a:r>
-            <a:r>
-              <a:rPr lang="en-US" dirty="0" smtClean="0"/>
-              <a:t> home activity ( </a:t>
-            </a:r>
-            <a:r>
-              <a:rPr lang="en-US" dirty="0" err="1" smtClean="0"/>
-              <a:t>danh</a:t>
-            </a:r>
-            <a:r>
-              <a:rPr lang="en-US" dirty="0" smtClean="0"/>
-              <a:t> </a:t>
-            </a:r>
-            <a:r>
-              <a:rPr lang="en-US" dirty="0" err="1" smtClean="0"/>
-              <a:t>sách</a:t>
-            </a:r>
-            <a:r>
-              <a:rPr lang="en-US" dirty="0" smtClean="0"/>
-              <a:t> </a:t>
-            </a:r>
-            <a:r>
-              <a:rPr lang="en-US" dirty="0" err="1" smtClean="0"/>
-              <a:t>ghi</a:t>
-            </a:r>
-            <a:r>
-              <a:rPr lang="en-US" dirty="0" smtClean="0"/>
-              <a:t> </a:t>
-            </a:r>
-            <a:r>
-              <a:rPr lang="en-US" dirty="0" err="1" smtClean="0"/>
-              <a:t>chú</a:t>
-            </a:r>
-            <a:r>
-              <a:rPr lang="en-US" dirty="0" smtClean="0"/>
-              <a:t>)</a:t>
-            </a:r>
-          </a:p>
-          <a:p>
-            <a:pPr marL="457200" indent="-457200">
+              <a:t>Activity_login.xml</a:t>
+            </a:r>
+          </a:p>
+          <a:p>
+            <a:pPr marL="457200" indent="-457200" algn="l">
               <a:buFontTx/>
               <a:buChar char="-"/>
             </a:pPr>
             <a:r>
-              <a:rPr lang="en-US" dirty="0" smtClean="0"/>
-              <a:t> </a:t>
-            </a:r>
-            <a:r>
-              <a:rPr lang="en-US" dirty="0" err="1" smtClean="0"/>
-              <a:t>nếu</a:t>
-            </a:r>
-            <a:r>
-              <a:rPr lang="en-US" dirty="0" smtClean="0"/>
-              <a:t> login </a:t>
-            </a:r>
-            <a:r>
-              <a:rPr lang="en-US" dirty="0" err="1" smtClean="0"/>
-              <a:t>không</a:t>
-            </a:r>
-            <a:r>
-              <a:rPr lang="en-US" dirty="0" smtClean="0"/>
-              <a:t> </a:t>
-            </a:r>
-            <a:r>
-              <a:rPr lang="en-US" dirty="0" err="1" smtClean="0"/>
-              <a:t>thành</a:t>
-            </a:r>
-            <a:r>
-              <a:rPr lang="en-US" dirty="0" smtClean="0"/>
-              <a:t> </a:t>
-            </a:r>
-            <a:r>
-              <a:rPr lang="en-US" dirty="0" err="1" smtClean="0"/>
-              <a:t>công</a:t>
-            </a:r>
-            <a:r>
-              <a:rPr lang="en-US" dirty="0" smtClean="0"/>
-              <a:t> quay </a:t>
-            </a:r>
-            <a:r>
-              <a:rPr lang="en-US" dirty="0" err="1" smtClean="0"/>
-              <a:t>lại</a:t>
-            </a:r>
-            <a:r>
-              <a:rPr lang="en-US" dirty="0" smtClean="0"/>
-              <a:t> form login</a:t>
-            </a:r>
-            <a:endParaRPr lang="en-US" dirty="0"/>
+              <a:rPr lang="en-US" dirty="0" err="1" smtClean="0"/>
+              <a:t>Giao</a:t>
+            </a:r>
+            <a:r>
+              <a:rPr lang="en-US" dirty="0" smtClean="0"/>
+              <a:t> </a:t>
+            </a:r>
+            <a:r>
+              <a:rPr lang="en-US" dirty="0" err="1" smtClean="0"/>
+              <a:t>diện</a:t>
+            </a:r>
+            <a:r>
+              <a:rPr lang="en-US" dirty="0" smtClean="0"/>
+              <a:t> chia 3 </a:t>
+            </a:r>
+            <a:r>
+              <a:rPr lang="en-US" dirty="0" err="1" smtClean="0"/>
+              <a:t>phần</a:t>
+            </a:r>
+            <a:r>
+              <a:rPr lang="en-US" dirty="0" smtClean="0"/>
+              <a:t> </a:t>
+            </a:r>
+            <a:r>
+              <a:rPr lang="en-US" dirty="0" err="1" smtClean="0"/>
+              <a:t>chính</a:t>
+            </a:r>
+            <a:endParaRPr lang="en-US" dirty="0" smtClean="0"/>
           </a:p>
         </p:txBody>
       </p:sp>
     </p:spTree>
     <p:extLst>
       <p:ext uri="{BB962C8B-B14F-4D97-AF65-F5344CB8AC3E}">
-        <p14:creationId xmlns:p14="http://schemas.microsoft.com/office/powerpoint/2010/main" val="3684368567"/>
+        <p14:creationId xmlns:p14="http://schemas.microsoft.com/office/powerpoint/2010/main" val="3383910572"/>
       </p:ext>
     </p:extLst>
   </p:cSld>
